--- a/docs/Diagrams.pptx
+++ b/docs/Diagrams.pptx
@@ -5,10 +5,11 @@
     <p:sldMasterId id="2147483993" r:id="rId1"/>
   </p:sldMasterIdLst>
   <p:notesMasterIdLst>
-    <p:notesMasterId r:id="rId3"/>
+    <p:notesMasterId r:id="rId4"/>
   </p:notesMasterIdLst>
   <p:sldIdLst>
     <p:sldId id="2676" r:id="rId2"/>
+    <p:sldId id="2677" r:id="rId3"/>
   </p:sldIdLst>
   <p:sldSz cx="12192000" cy="6858000"/>
   <p:notesSz cx="7086600" cy="9372600"/>
@@ -271,7 +272,7 @@
               <a:pPr>
                 <a:defRPr/>
               </a:pPr>
-              <a:t>12/11/20</a:t>
+              <a:t>12/28/20</a:t>
             </a:fld>
             <a:endParaRPr lang="en-US"/>
           </a:p>
@@ -4275,6 +4276,1995 @@
     <p:extLst>
       <p:ext uri="{BB962C8B-B14F-4D97-AF65-F5344CB8AC3E}">
         <p14:creationId xmlns:p14="http://schemas.microsoft.com/office/powerpoint/2010/main" val="1329792894"/>
+      </p:ext>
+    </p:extLst>
+  </p:cSld>
+  <p:clrMapOvr>
+    <a:masterClrMapping/>
+  </p:clrMapOvr>
+</p:sld>
+</file>
+
+<file path=ppt/slides/slide2.xml><?xml version="1.0" encoding="utf-8"?>
+<p:sld xmlns:a="http://schemas.openxmlformats.org/drawingml/2006/main" xmlns:r="http://schemas.openxmlformats.org/officeDocument/2006/relationships" xmlns:p="http://schemas.openxmlformats.org/presentationml/2006/main">
+  <p:cSld>
+    <p:spTree>
+      <p:nvGrpSpPr>
+        <p:cNvPr id="1" name=""/>
+        <p:cNvGrpSpPr/>
+        <p:nvPr/>
+      </p:nvGrpSpPr>
+      <p:grpSpPr>
+        <a:xfrm>
+          <a:off x="0" y="0"/>
+          <a:ext cx="0" cy="0"/>
+          <a:chOff x="0" y="0"/>
+          <a:chExt cx="0" cy="0"/>
+        </a:xfrm>
+      </p:grpSpPr>
+      <p:sp>
+        <p:nvSpPr>
+          <p:cNvPr id="2" name="Title 1">
+            <a:extLst>
+              <a:ext uri="{FF2B5EF4-FFF2-40B4-BE49-F238E27FC236}">
+                <a16:creationId xmlns:a16="http://schemas.microsoft.com/office/drawing/2014/main" id="{1ACC5745-2A62-1947-9852-43F76004AD13}"/>
+              </a:ext>
+            </a:extLst>
+          </p:cNvPr>
+          <p:cNvSpPr>
+            <a:spLocks noGrp="1"/>
+          </p:cNvSpPr>
+          <p:nvPr>
+            <p:ph type="title"/>
+          </p:nvPr>
+        </p:nvSpPr>
+        <p:spPr/>
+        <p:txBody>
+          <a:bodyPr/>
+          <a:lstStyle/>
+          <a:p>
+            <a:endParaRPr/>
+          </a:p>
+        </p:txBody>
+      </p:sp>
+      <p:sp>
+        <p:nvSpPr>
+          <p:cNvPr id="3" name="Slide Number Placeholder 2">
+            <a:extLst>
+              <a:ext uri="{FF2B5EF4-FFF2-40B4-BE49-F238E27FC236}">
+                <a16:creationId xmlns:a16="http://schemas.microsoft.com/office/drawing/2014/main" id="{C38F8912-20C5-6241-B25C-F6012296422A}"/>
+              </a:ext>
+            </a:extLst>
+          </p:cNvPr>
+          <p:cNvSpPr>
+            <a:spLocks noGrp="1"/>
+          </p:cNvSpPr>
+          <p:nvPr>
+            <p:ph type="sldNum" sz="quarter" idx="10"/>
+          </p:nvPr>
+        </p:nvSpPr>
+        <p:spPr/>
+        <p:txBody>
+          <a:bodyPr/>
+          <a:lstStyle/>
+          <a:p>
+            <a:pPr defTabSz="911231" eaLnBrk="1" fontAlgn="auto" hangingPunct="1">
+              <a:spcBef>
+                <a:spcPts val="0"/>
+              </a:spcBef>
+              <a:spcAft>
+                <a:spcPts val="0"/>
+              </a:spcAft>
+              <a:defRPr/>
+            </a:pPr>
+            <a:r>
+              <a:rPr lang="en-US" altLang="en-US">
+                <a:solidFill>
+                  <a:srgbClr val="FFFFFF"/>
+                </a:solidFill>
+                <a:latin typeface="Arial"/>
+                <a:ea typeface="ＭＳ Ｐゴシック" charset="0"/>
+                <a:cs typeface="Arial"/>
+                <a:sym typeface="Helvetica" charset="0"/>
+              </a:rPr>
+              <a:t>IBM Confidential – Page </a:t>
+            </a:r>
+            <a:fld id="{E29CC0C0-E046-4664-B80A-AA818B18C835}" type="slidenum">
+              <a:rPr lang="en-US" altLang="en-US" smtClean="0">
+                <a:solidFill>
+                  <a:srgbClr val="FFFFFF"/>
+                </a:solidFill>
+                <a:latin typeface="Arial"/>
+                <a:ea typeface="ＭＳ Ｐゴシック" charset="0"/>
+                <a:cs typeface="Arial"/>
+                <a:sym typeface="Helvetica" charset="0"/>
+              </a:rPr>
+              <a:pPr defTabSz="911231" eaLnBrk="1" fontAlgn="auto" hangingPunct="1">
+                <a:spcBef>
+                  <a:spcPts val="0"/>
+                </a:spcBef>
+                <a:spcAft>
+                  <a:spcPts val="0"/>
+                </a:spcAft>
+                <a:defRPr/>
+              </a:pPr>
+              <a:t>2</a:t>
+            </a:fld>
+            <a:endParaRPr lang="en-US" altLang="en-US">
+              <a:solidFill>
+                <a:srgbClr val="FFFFFF"/>
+              </a:solidFill>
+              <a:latin typeface="Arial"/>
+              <a:ea typeface="ＭＳ Ｐゴシック" charset="0"/>
+              <a:cs typeface="Arial"/>
+              <a:sym typeface="Helvetica" charset="0"/>
+            </a:endParaRPr>
+          </a:p>
+        </p:txBody>
+      </p:sp>
+      <p:grpSp>
+        <p:nvGrpSpPr>
+          <p:cNvPr id="4" name="Rounded Rectangle 16">
+            <a:extLst>
+              <a:ext uri="{FF2B5EF4-FFF2-40B4-BE49-F238E27FC236}">
+                <a16:creationId xmlns:a16="http://schemas.microsoft.com/office/drawing/2014/main" id="{C89DC11D-0BF9-054B-ADDC-B3B1381EB2FE}"/>
+              </a:ext>
+            </a:extLst>
+          </p:cNvPr>
+          <p:cNvGrpSpPr/>
+          <p:nvPr/>
+        </p:nvGrpSpPr>
+        <p:grpSpPr>
+          <a:xfrm>
+            <a:off x="2004960" y="3514724"/>
+            <a:ext cx="325305" cy="629490"/>
+            <a:chOff x="0" y="0"/>
+            <a:chExt cx="578318" cy="1119091"/>
+          </a:xfrm>
+        </p:grpSpPr>
+        <p:sp>
+          <p:nvSpPr>
+            <p:cNvPr id="5" name="Rounded Rectangle">
+              <a:extLst>
+                <a:ext uri="{FF2B5EF4-FFF2-40B4-BE49-F238E27FC236}">
+                  <a16:creationId xmlns:a16="http://schemas.microsoft.com/office/drawing/2014/main" id="{3BC68C3B-A5D8-F843-A529-5D87981B88D8}"/>
+                </a:ext>
+              </a:extLst>
+            </p:cNvPr>
+            <p:cNvSpPr/>
+            <p:nvPr/>
+          </p:nvSpPr>
+          <p:spPr>
+            <a:xfrm>
+              <a:off x="0" y="0"/>
+              <a:ext cx="578318" cy="1119091"/>
+            </a:xfrm>
+            <a:prstGeom prst="roundRect">
+              <a:avLst>
+                <a:gd name="adj" fmla="val 16667"/>
+              </a:avLst>
+            </a:prstGeom>
+            <a:solidFill>
+              <a:srgbClr val="FEFFFE"/>
+            </a:solidFill>
+            <a:ln w="38100" cap="flat">
+              <a:solidFill>
+                <a:srgbClr val="3C6DF0"/>
+              </a:solidFill>
+              <a:prstDash val="solid"/>
+              <a:round/>
+            </a:ln>
+            <a:effectLst/>
+          </p:spPr>
+          <p:txBody>
+            <a:bodyPr wrap="square" lIns="28575" tIns="28575" rIns="28575" bIns="28575" numCol="1" anchor="ctr">
+              <a:noAutofit/>
+            </a:bodyPr>
+            <a:lstStyle/>
+            <a:p>
+              <a:pPr marL="0" marR="0" lvl="0" indent="0" algn="ctr" defTabSz="1219184" rtl="0" eaLnBrk="1" fontAlgn="auto" latinLnBrk="0" hangingPunct="0">
+                <a:lnSpc>
+                  <a:spcPct val="90000"/>
+                </a:lnSpc>
+                <a:spcBef>
+                  <a:spcPts val="0"/>
+                </a:spcBef>
+                <a:spcAft>
+                  <a:spcPts val="0"/>
+                </a:spcAft>
+                <a:buClrTx/>
+                <a:buSzTx/>
+                <a:buFontTx/>
+                <a:buNone/>
+                <a:tabLst/>
+                <a:defRPr sz="900" b="0">
+                  <a:solidFill>
+                    <a:srgbClr val="002060"/>
+                  </a:solidFill>
+                  <a:latin typeface="IBM Plex Sans"/>
+                  <a:ea typeface="IBM Plex Sans"/>
+                  <a:cs typeface="IBM Plex Sans"/>
+                  <a:sym typeface="IBM Plex Sans"/>
+                </a:defRPr>
+              </a:pPr>
+              <a:endParaRPr kumimoji="0" sz="1400" b="0" i="0" u="none" strike="noStrike" kern="0" cap="none" spc="0" normalizeH="0" baseline="0" noProof="0">
+                <a:ln>
+                  <a:noFill/>
+                </a:ln>
+                <a:solidFill>
+                  <a:srgbClr val="002060"/>
+                </a:solidFill>
+                <a:effectLst/>
+                <a:uLnTx/>
+                <a:uFillTx/>
+                <a:latin typeface="IBM Plex Sans"/>
+                <a:sym typeface="IBM Plex Sans"/>
+              </a:endParaRPr>
+            </a:p>
+          </p:txBody>
+        </p:sp>
+        <p:sp>
+          <p:nvSpPr>
+            <p:cNvPr id="6" name="0">
+              <a:extLst>
+                <a:ext uri="{FF2B5EF4-FFF2-40B4-BE49-F238E27FC236}">
+                  <a16:creationId xmlns:a16="http://schemas.microsoft.com/office/drawing/2014/main" id="{BAF59971-F18B-D640-9153-3A3DCAA1C2C1}"/>
+                </a:ext>
+              </a:extLst>
+            </p:cNvPr>
+            <p:cNvSpPr txBox="1"/>
+            <p:nvPr/>
+          </p:nvSpPr>
+          <p:spPr>
+            <a:xfrm>
+              <a:off x="28231" y="387192"/>
+              <a:ext cx="521856" cy="344709"/>
+            </a:xfrm>
+            <a:prstGeom prst="rect">
+              <a:avLst/>
+            </a:prstGeom>
+            <a:noFill/>
+            <a:ln w="12700" cap="flat">
+              <a:noFill/>
+              <a:miter lim="400000"/>
+            </a:ln>
+            <a:effectLst/>
+            <a:extLst>
+              <a:ext uri="{C572A759-6A51-4108-AA02-DFA0A04FC94B}">
+                <ma14:wrappingTextBoxFlag xmlns:ma14="http://schemas.microsoft.com/office/mac/drawingml/2011/main" xmlns:a14="http://schemas.microsoft.com/office/drawing/2010/main" xmlns:m="http://schemas.openxmlformats.org/officeDocument/2006/math" xmlns="" val="1"/>
+              </a:ext>
+            </a:extLst>
+          </p:spPr>
+          <p:txBody>
+            <a:bodyPr wrap="square" lIns="0" tIns="0" rIns="0" bIns="0" numCol="1" anchor="ctr">
+              <a:spAutoFit/>
+            </a:bodyPr>
+            <a:lstStyle>
+              <a:lvl1pPr defTabSz="2167439">
+                <a:lnSpc>
+                  <a:spcPct val="90000"/>
+                </a:lnSpc>
+                <a:defRPr sz="2000" b="0">
+                  <a:solidFill>
+                    <a:srgbClr val="002060"/>
+                  </a:solidFill>
+                  <a:latin typeface="IBM Plex Mono SemiBold"/>
+                  <a:ea typeface="IBM Plex Mono SemiBold"/>
+                  <a:cs typeface="IBM Plex Mono SemiBold"/>
+                  <a:sym typeface="IBM Plex Mono SemiBold"/>
+                </a:defRPr>
+              </a:lvl1pPr>
+            </a:lstStyle>
+            <a:p>
+              <a:pPr marL="0" marR="0" lvl="0" indent="0" algn="ctr" defTabSz="2167439" rtl="0" eaLnBrk="1" fontAlgn="auto" latinLnBrk="0" hangingPunct="0">
+                <a:lnSpc>
+                  <a:spcPct val="90000"/>
+                </a:lnSpc>
+                <a:spcBef>
+                  <a:spcPts val="0"/>
+                </a:spcBef>
+                <a:spcAft>
+                  <a:spcPts val="0"/>
+                </a:spcAft>
+                <a:buClrTx/>
+                <a:buSzTx/>
+                <a:buFontTx/>
+                <a:buNone/>
+                <a:tabLst/>
+                <a:defRPr/>
+              </a:pPr>
+              <a:r>
+                <a:rPr kumimoji="0" sz="1400" b="0" i="0" u="none" strike="noStrike" kern="0" cap="none" spc="0" normalizeH="0" baseline="0" noProof="0">
+                  <a:ln>
+                    <a:noFill/>
+                  </a:ln>
+                  <a:solidFill>
+                    <a:srgbClr val="002060"/>
+                  </a:solidFill>
+                  <a:effectLst/>
+                  <a:uLnTx/>
+                  <a:uFillTx/>
+                  <a:latin typeface="IBM Plex Mono SemiBold"/>
+                  <a:sym typeface="IBM Plex Mono SemiBold"/>
+                </a:rPr>
+                <a:t>0</a:t>
+              </a:r>
+            </a:p>
+          </p:txBody>
+        </p:sp>
+      </p:grpSp>
+      <p:grpSp>
+        <p:nvGrpSpPr>
+          <p:cNvPr id="7" name="Rounded Rectangle 17">
+            <a:extLst>
+              <a:ext uri="{FF2B5EF4-FFF2-40B4-BE49-F238E27FC236}">
+                <a16:creationId xmlns:a16="http://schemas.microsoft.com/office/drawing/2014/main" id="{D460D561-CDD1-6E4D-99CA-892C95C7CF1E}"/>
+              </a:ext>
+            </a:extLst>
+          </p:cNvPr>
+          <p:cNvGrpSpPr/>
+          <p:nvPr/>
+        </p:nvGrpSpPr>
+        <p:grpSpPr>
+          <a:xfrm>
+            <a:off x="2362833" y="3514724"/>
+            <a:ext cx="325305" cy="629490"/>
+            <a:chOff x="0" y="0"/>
+            <a:chExt cx="578318" cy="1119091"/>
+          </a:xfrm>
+        </p:grpSpPr>
+        <p:sp>
+          <p:nvSpPr>
+            <p:cNvPr id="8" name="Rounded Rectangle">
+              <a:extLst>
+                <a:ext uri="{FF2B5EF4-FFF2-40B4-BE49-F238E27FC236}">
+                  <a16:creationId xmlns:a16="http://schemas.microsoft.com/office/drawing/2014/main" id="{9A4659F5-F17E-7341-B60E-19614E26CD76}"/>
+                </a:ext>
+              </a:extLst>
+            </p:cNvPr>
+            <p:cNvSpPr/>
+            <p:nvPr/>
+          </p:nvSpPr>
+          <p:spPr>
+            <a:xfrm>
+              <a:off x="0" y="0"/>
+              <a:ext cx="578318" cy="1119091"/>
+            </a:xfrm>
+            <a:prstGeom prst="roundRect">
+              <a:avLst>
+                <a:gd name="adj" fmla="val 16667"/>
+              </a:avLst>
+            </a:prstGeom>
+            <a:solidFill>
+              <a:srgbClr val="FEFFFE"/>
+            </a:solidFill>
+            <a:ln w="38100" cap="flat">
+              <a:solidFill>
+                <a:srgbClr val="3C6DF0"/>
+              </a:solidFill>
+              <a:prstDash val="solid"/>
+              <a:round/>
+            </a:ln>
+            <a:effectLst/>
+          </p:spPr>
+          <p:txBody>
+            <a:bodyPr wrap="square" lIns="28575" tIns="28575" rIns="28575" bIns="28575" numCol="1" anchor="ctr">
+              <a:noAutofit/>
+            </a:bodyPr>
+            <a:lstStyle/>
+            <a:p>
+              <a:pPr marL="0" marR="0" lvl="0" indent="0" algn="ctr" defTabSz="1219184" rtl="0" eaLnBrk="1" fontAlgn="auto" latinLnBrk="0" hangingPunct="0">
+                <a:lnSpc>
+                  <a:spcPct val="90000"/>
+                </a:lnSpc>
+                <a:spcBef>
+                  <a:spcPts val="0"/>
+                </a:spcBef>
+                <a:spcAft>
+                  <a:spcPts val="0"/>
+                </a:spcAft>
+                <a:buClrTx/>
+                <a:buSzTx/>
+                <a:buFontTx/>
+                <a:buNone/>
+                <a:tabLst/>
+                <a:defRPr sz="900" b="0">
+                  <a:solidFill>
+                    <a:srgbClr val="002060"/>
+                  </a:solidFill>
+                  <a:latin typeface="IBM Plex Sans"/>
+                  <a:ea typeface="IBM Plex Sans"/>
+                  <a:cs typeface="IBM Plex Sans"/>
+                  <a:sym typeface="IBM Plex Sans"/>
+                </a:defRPr>
+              </a:pPr>
+              <a:endParaRPr kumimoji="0" sz="1400" b="0" i="0" u="none" strike="noStrike" kern="0" cap="none" spc="0" normalizeH="0" baseline="0" noProof="0">
+                <a:ln>
+                  <a:noFill/>
+                </a:ln>
+                <a:solidFill>
+                  <a:srgbClr val="002060"/>
+                </a:solidFill>
+                <a:effectLst/>
+                <a:uLnTx/>
+                <a:uFillTx/>
+                <a:latin typeface="IBM Plex Sans"/>
+                <a:sym typeface="IBM Plex Sans"/>
+              </a:endParaRPr>
+            </a:p>
+          </p:txBody>
+        </p:sp>
+        <p:sp>
+          <p:nvSpPr>
+            <p:cNvPr id="9" name="1">
+              <a:extLst>
+                <a:ext uri="{FF2B5EF4-FFF2-40B4-BE49-F238E27FC236}">
+                  <a16:creationId xmlns:a16="http://schemas.microsoft.com/office/drawing/2014/main" id="{4BCBABFE-4D91-F84F-B711-3189193AE413}"/>
+                </a:ext>
+              </a:extLst>
+            </p:cNvPr>
+            <p:cNvSpPr txBox="1"/>
+            <p:nvPr/>
+          </p:nvSpPr>
+          <p:spPr>
+            <a:xfrm>
+              <a:off x="28231" y="387192"/>
+              <a:ext cx="521856" cy="344709"/>
+            </a:xfrm>
+            <a:prstGeom prst="rect">
+              <a:avLst/>
+            </a:prstGeom>
+            <a:noFill/>
+            <a:ln w="12700" cap="flat">
+              <a:noFill/>
+              <a:miter lim="400000"/>
+            </a:ln>
+            <a:effectLst/>
+            <a:extLst>
+              <a:ext uri="{C572A759-6A51-4108-AA02-DFA0A04FC94B}">
+                <ma14:wrappingTextBoxFlag xmlns:ma14="http://schemas.microsoft.com/office/mac/drawingml/2011/main" xmlns:a14="http://schemas.microsoft.com/office/drawing/2010/main" xmlns:m="http://schemas.openxmlformats.org/officeDocument/2006/math" xmlns="" val="1"/>
+              </a:ext>
+            </a:extLst>
+          </p:spPr>
+          <p:txBody>
+            <a:bodyPr wrap="square" lIns="0" tIns="0" rIns="0" bIns="0" numCol="1" anchor="ctr">
+              <a:spAutoFit/>
+            </a:bodyPr>
+            <a:lstStyle>
+              <a:lvl1pPr defTabSz="2167439">
+                <a:lnSpc>
+                  <a:spcPct val="90000"/>
+                </a:lnSpc>
+                <a:defRPr sz="2000" b="0">
+                  <a:solidFill>
+                    <a:srgbClr val="002060"/>
+                  </a:solidFill>
+                  <a:latin typeface="IBM Plex Mono SemiBold"/>
+                  <a:ea typeface="IBM Plex Mono SemiBold"/>
+                  <a:cs typeface="IBM Plex Mono SemiBold"/>
+                  <a:sym typeface="IBM Plex Mono SemiBold"/>
+                </a:defRPr>
+              </a:lvl1pPr>
+            </a:lstStyle>
+            <a:p>
+              <a:pPr marL="0" marR="0" lvl="0" indent="0" algn="ctr" defTabSz="2167439" rtl="0" eaLnBrk="1" fontAlgn="auto" latinLnBrk="0" hangingPunct="0">
+                <a:lnSpc>
+                  <a:spcPct val="90000"/>
+                </a:lnSpc>
+                <a:spcBef>
+                  <a:spcPts val="0"/>
+                </a:spcBef>
+                <a:spcAft>
+                  <a:spcPts val="0"/>
+                </a:spcAft>
+                <a:buClrTx/>
+                <a:buSzTx/>
+                <a:buFontTx/>
+                <a:buNone/>
+                <a:tabLst/>
+                <a:defRPr/>
+              </a:pPr>
+              <a:r>
+                <a:rPr kumimoji="0" sz="1400" b="0" i="0" u="none" strike="noStrike" kern="0" cap="none" spc="0" normalizeH="0" baseline="0" noProof="0">
+                  <a:ln>
+                    <a:noFill/>
+                  </a:ln>
+                  <a:solidFill>
+                    <a:srgbClr val="002060"/>
+                  </a:solidFill>
+                  <a:effectLst/>
+                  <a:uLnTx/>
+                  <a:uFillTx/>
+                  <a:latin typeface="IBM Plex Mono SemiBold"/>
+                  <a:sym typeface="IBM Plex Mono SemiBold"/>
+                </a:rPr>
+                <a:t>1</a:t>
+              </a:r>
+            </a:p>
+          </p:txBody>
+        </p:sp>
+      </p:grpSp>
+      <p:sp>
+        <p:nvSpPr>
+          <p:cNvPr id="11" name="Rounded Rectangle">
+            <a:extLst>
+              <a:ext uri="{FF2B5EF4-FFF2-40B4-BE49-F238E27FC236}">
+                <a16:creationId xmlns:a16="http://schemas.microsoft.com/office/drawing/2014/main" id="{DA8980ED-A9AF-7A4F-8B5F-6A859980A389}"/>
+              </a:ext>
+            </a:extLst>
+          </p:cNvPr>
+          <p:cNvSpPr/>
+          <p:nvPr/>
+        </p:nvSpPr>
+        <p:spPr>
+          <a:xfrm>
+            <a:off x="2713796" y="3519870"/>
+            <a:ext cx="325305" cy="629490"/>
+          </a:xfrm>
+          <a:prstGeom prst="roundRect">
+            <a:avLst>
+              <a:gd name="adj" fmla="val 16667"/>
+            </a:avLst>
+          </a:prstGeom>
+          <a:solidFill>
+            <a:srgbClr val="FEFFFE"/>
+          </a:solidFill>
+          <a:ln w="38100" cap="flat">
+            <a:solidFill>
+              <a:srgbClr val="3C6DF0"/>
+            </a:solidFill>
+            <a:prstDash val="solid"/>
+            <a:round/>
+          </a:ln>
+          <a:effectLst/>
+        </p:spPr>
+        <p:txBody>
+          <a:bodyPr wrap="square" lIns="28575" tIns="28575" rIns="28575" bIns="28575" numCol="1" anchor="ctr">
+            <a:noAutofit/>
+          </a:bodyPr>
+          <a:lstStyle/>
+          <a:p>
+            <a:pPr marL="0" marR="0" lvl="0" indent="0" algn="ctr" defTabSz="1219184" rtl="0" eaLnBrk="1" fontAlgn="auto" latinLnBrk="0" hangingPunct="0">
+              <a:lnSpc>
+                <a:spcPct val="90000"/>
+              </a:lnSpc>
+              <a:spcBef>
+                <a:spcPts val="0"/>
+              </a:spcBef>
+              <a:spcAft>
+                <a:spcPts val="0"/>
+              </a:spcAft>
+              <a:buClrTx/>
+              <a:buSzTx/>
+              <a:buFontTx/>
+              <a:buNone/>
+              <a:tabLst/>
+              <a:defRPr sz="900" b="0">
+                <a:solidFill>
+                  <a:srgbClr val="002060"/>
+                </a:solidFill>
+                <a:latin typeface="IBM Plex Sans"/>
+                <a:ea typeface="IBM Plex Sans"/>
+                <a:cs typeface="IBM Plex Sans"/>
+                <a:sym typeface="IBM Plex Sans"/>
+              </a:defRPr>
+            </a:pPr>
+            <a:r>
+              <a:rPr kumimoji="0" lang="en-US" sz="1400" b="1" i="0" u="none" strike="noStrike" kern="0" cap="none" spc="0" normalizeH="0" baseline="0" noProof="0" dirty="0">
+                <a:ln>
+                  <a:noFill/>
+                </a:ln>
+                <a:solidFill>
+                  <a:srgbClr val="002060"/>
+                </a:solidFill>
+                <a:effectLst/>
+                <a:uLnTx/>
+                <a:uFillTx/>
+                <a:latin typeface="IBM Plex Sans"/>
+                <a:sym typeface="IBM Plex Sans"/>
+              </a:rPr>
+              <a:t>2</a:t>
+            </a:r>
+            <a:endParaRPr kumimoji="0" sz="1400" b="1" i="0" u="none" strike="noStrike" kern="0" cap="none" spc="0" normalizeH="0" baseline="0" noProof="0" dirty="0">
+              <a:ln>
+                <a:noFill/>
+              </a:ln>
+              <a:solidFill>
+                <a:srgbClr val="002060"/>
+              </a:solidFill>
+              <a:effectLst/>
+              <a:uLnTx/>
+              <a:uFillTx/>
+              <a:latin typeface="IBM Plex Sans"/>
+              <a:sym typeface="IBM Plex Sans"/>
+            </a:endParaRPr>
+          </a:p>
+        </p:txBody>
+      </p:sp>
+      <p:grpSp>
+        <p:nvGrpSpPr>
+          <p:cNvPr id="13" name="Rounded Rectangle 18">
+            <a:extLst>
+              <a:ext uri="{FF2B5EF4-FFF2-40B4-BE49-F238E27FC236}">
+                <a16:creationId xmlns:a16="http://schemas.microsoft.com/office/drawing/2014/main" id="{CB8ABBCA-755A-9A4A-9C3B-AFA781737DEE}"/>
+              </a:ext>
+            </a:extLst>
+          </p:cNvPr>
+          <p:cNvGrpSpPr/>
+          <p:nvPr/>
+        </p:nvGrpSpPr>
+        <p:grpSpPr>
+          <a:xfrm>
+            <a:off x="3049558" y="3514724"/>
+            <a:ext cx="325305" cy="629490"/>
+            <a:chOff x="0" y="0"/>
+            <a:chExt cx="578318" cy="1119091"/>
+          </a:xfrm>
+        </p:grpSpPr>
+        <p:sp>
+          <p:nvSpPr>
+            <p:cNvPr id="14" name="Rounded Rectangle">
+              <a:extLst>
+                <a:ext uri="{FF2B5EF4-FFF2-40B4-BE49-F238E27FC236}">
+                  <a16:creationId xmlns:a16="http://schemas.microsoft.com/office/drawing/2014/main" id="{0B6767EF-9CBA-A048-958D-387F5AFE2C0B}"/>
+                </a:ext>
+              </a:extLst>
+            </p:cNvPr>
+            <p:cNvSpPr/>
+            <p:nvPr/>
+          </p:nvSpPr>
+          <p:spPr>
+            <a:xfrm>
+              <a:off x="0" y="0"/>
+              <a:ext cx="578318" cy="1119091"/>
+            </a:xfrm>
+            <a:prstGeom prst="roundRect">
+              <a:avLst>
+                <a:gd name="adj" fmla="val 16667"/>
+              </a:avLst>
+            </a:prstGeom>
+            <a:solidFill>
+              <a:srgbClr val="FEFFFE"/>
+            </a:solidFill>
+            <a:ln w="38100" cap="flat">
+              <a:solidFill>
+                <a:srgbClr val="3C6DF0"/>
+              </a:solidFill>
+              <a:prstDash val="solid"/>
+              <a:round/>
+            </a:ln>
+            <a:effectLst/>
+          </p:spPr>
+          <p:txBody>
+            <a:bodyPr wrap="square" lIns="28575" tIns="28575" rIns="28575" bIns="28575" numCol="1" anchor="ctr">
+              <a:noAutofit/>
+            </a:bodyPr>
+            <a:lstStyle/>
+            <a:p>
+              <a:pPr marL="0" marR="0" lvl="0" indent="0" algn="ctr" defTabSz="1219184" rtl="0" eaLnBrk="1" fontAlgn="auto" latinLnBrk="0" hangingPunct="0">
+                <a:lnSpc>
+                  <a:spcPct val="90000"/>
+                </a:lnSpc>
+                <a:spcBef>
+                  <a:spcPts val="0"/>
+                </a:spcBef>
+                <a:spcAft>
+                  <a:spcPts val="0"/>
+                </a:spcAft>
+                <a:buClrTx/>
+                <a:buSzTx/>
+                <a:buFontTx/>
+                <a:buNone/>
+                <a:tabLst/>
+                <a:defRPr sz="900" b="0">
+                  <a:solidFill>
+                    <a:srgbClr val="002060"/>
+                  </a:solidFill>
+                  <a:latin typeface="IBM Plex Sans"/>
+                  <a:ea typeface="IBM Plex Sans"/>
+                  <a:cs typeface="IBM Plex Sans"/>
+                  <a:sym typeface="IBM Plex Sans"/>
+                </a:defRPr>
+              </a:pPr>
+              <a:endParaRPr kumimoji="0" sz="1400" b="0" i="0" u="none" strike="noStrike" kern="0" cap="none" spc="0" normalizeH="0" baseline="0" noProof="0">
+                <a:ln>
+                  <a:noFill/>
+                </a:ln>
+                <a:solidFill>
+                  <a:srgbClr val="002060"/>
+                </a:solidFill>
+                <a:effectLst/>
+                <a:uLnTx/>
+                <a:uFillTx/>
+                <a:latin typeface="IBM Plex Sans"/>
+                <a:sym typeface="IBM Plex Sans"/>
+              </a:endParaRPr>
+            </a:p>
+          </p:txBody>
+        </p:sp>
+        <p:sp>
+          <p:nvSpPr>
+            <p:cNvPr id="15" name="2">
+              <a:extLst>
+                <a:ext uri="{FF2B5EF4-FFF2-40B4-BE49-F238E27FC236}">
+                  <a16:creationId xmlns:a16="http://schemas.microsoft.com/office/drawing/2014/main" id="{1B19B1F7-1DA8-8F4C-AC75-0821D1C98B25}"/>
+                </a:ext>
+              </a:extLst>
+            </p:cNvPr>
+            <p:cNvSpPr txBox="1"/>
+            <p:nvPr/>
+          </p:nvSpPr>
+          <p:spPr>
+            <a:xfrm>
+              <a:off x="28231" y="387192"/>
+              <a:ext cx="521856" cy="344709"/>
+            </a:xfrm>
+            <a:prstGeom prst="rect">
+              <a:avLst/>
+            </a:prstGeom>
+            <a:noFill/>
+            <a:ln w="12700" cap="flat">
+              <a:noFill/>
+              <a:miter lim="400000"/>
+            </a:ln>
+            <a:effectLst/>
+            <a:extLst>
+              <a:ext uri="{C572A759-6A51-4108-AA02-DFA0A04FC94B}">
+                <ma14:wrappingTextBoxFlag xmlns:ma14="http://schemas.microsoft.com/office/mac/drawingml/2011/main" xmlns:a14="http://schemas.microsoft.com/office/drawing/2010/main" xmlns:m="http://schemas.openxmlformats.org/officeDocument/2006/math" xmlns="" val="1"/>
+              </a:ext>
+            </a:extLst>
+          </p:spPr>
+          <p:txBody>
+            <a:bodyPr wrap="square" lIns="0" tIns="0" rIns="0" bIns="0" numCol="1" anchor="ctr">
+              <a:spAutoFit/>
+            </a:bodyPr>
+            <a:lstStyle>
+              <a:lvl1pPr defTabSz="2167439">
+                <a:lnSpc>
+                  <a:spcPct val="90000"/>
+                </a:lnSpc>
+                <a:defRPr sz="2000" b="0">
+                  <a:solidFill>
+                    <a:srgbClr val="002060"/>
+                  </a:solidFill>
+                  <a:latin typeface="IBM Plex Mono SemiBold"/>
+                  <a:ea typeface="IBM Plex Mono SemiBold"/>
+                  <a:cs typeface="IBM Plex Mono SemiBold"/>
+                  <a:sym typeface="IBM Plex Mono SemiBold"/>
+                </a:defRPr>
+              </a:lvl1pPr>
+            </a:lstStyle>
+            <a:p>
+              <a:pPr marL="0" marR="0" lvl="0" indent="0" algn="ctr" defTabSz="2167439" rtl="0" eaLnBrk="1" fontAlgn="auto" latinLnBrk="0" hangingPunct="0">
+                <a:lnSpc>
+                  <a:spcPct val="90000"/>
+                </a:lnSpc>
+                <a:spcBef>
+                  <a:spcPts val="0"/>
+                </a:spcBef>
+                <a:spcAft>
+                  <a:spcPts val="0"/>
+                </a:spcAft>
+                <a:buClrTx/>
+                <a:buSzTx/>
+                <a:buFontTx/>
+                <a:buNone/>
+                <a:tabLst/>
+                <a:defRPr/>
+              </a:pPr>
+              <a:r>
+                <a:rPr lang="en-US" sz="1400" kern="0" dirty="0"/>
+                <a:t>3</a:t>
+              </a:r>
+              <a:endParaRPr kumimoji="0" sz="1400" b="0" i="0" u="none" strike="noStrike" kern="0" cap="none" spc="0" normalizeH="0" baseline="0" noProof="0" dirty="0">
+                <a:ln>
+                  <a:noFill/>
+                </a:ln>
+                <a:solidFill>
+                  <a:srgbClr val="002060"/>
+                </a:solidFill>
+                <a:effectLst/>
+                <a:uLnTx/>
+                <a:uFillTx/>
+                <a:latin typeface="IBM Plex Mono SemiBold"/>
+                <a:sym typeface="IBM Plex Mono SemiBold"/>
+              </a:endParaRPr>
+            </a:p>
+          </p:txBody>
+        </p:sp>
+      </p:grpSp>
+      <p:grpSp>
+        <p:nvGrpSpPr>
+          <p:cNvPr id="16" name="Rounded Rectangle 18">
+            <a:extLst>
+              <a:ext uri="{FF2B5EF4-FFF2-40B4-BE49-F238E27FC236}">
+                <a16:creationId xmlns:a16="http://schemas.microsoft.com/office/drawing/2014/main" id="{98162CE1-408A-714C-A32F-6FE8F393A89D}"/>
+              </a:ext>
+            </a:extLst>
+          </p:cNvPr>
+          <p:cNvGrpSpPr/>
+          <p:nvPr/>
+        </p:nvGrpSpPr>
+        <p:grpSpPr>
+          <a:xfrm>
+            <a:off x="3427850" y="3514724"/>
+            <a:ext cx="325305" cy="629490"/>
+            <a:chOff x="0" y="0"/>
+            <a:chExt cx="578318" cy="1119091"/>
+          </a:xfrm>
+        </p:grpSpPr>
+        <p:sp>
+          <p:nvSpPr>
+            <p:cNvPr id="17" name="Rounded Rectangle">
+              <a:extLst>
+                <a:ext uri="{FF2B5EF4-FFF2-40B4-BE49-F238E27FC236}">
+                  <a16:creationId xmlns:a16="http://schemas.microsoft.com/office/drawing/2014/main" id="{4034EC29-C9BD-1340-AC0B-22B8528CBC7A}"/>
+                </a:ext>
+              </a:extLst>
+            </p:cNvPr>
+            <p:cNvSpPr/>
+            <p:nvPr/>
+          </p:nvSpPr>
+          <p:spPr>
+            <a:xfrm>
+              <a:off x="0" y="0"/>
+              <a:ext cx="578318" cy="1119091"/>
+            </a:xfrm>
+            <a:prstGeom prst="roundRect">
+              <a:avLst>
+                <a:gd name="adj" fmla="val 16667"/>
+              </a:avLst>
+            </a:prstGeom>
+            <a:solidFill>
+              <a:srgbClr val="FEFFFE"/>
+            </a:solidFill>
+            <a:ln w="38100" cap="flat">
+              <a:solidFill>
+                <a:srgbClr val="3C6DF0"/>
+              </a:solidFill>
+              <a:prstDash val="solid"/>
+              <a:round/>
+            </a:ln>
+            <a:effectLst/>
+          </p:spPr>
+          <p:txBody>
+            <a:bodyPr wrap="square" lIns="28575" tIns="28575" rIns="28575" bIns="28575" numCol="1" anchor="ctr">
+              <a:noAutofit/>
+            </a:bodyPr>
+            <a:lstStyle/>
+            <a:p>
+              <a:pPr marL="0" marR="0" lvl="0" indent="0" algn="ctr" defTabSz="1219184" rtl="0" eaLnBrk="1" fontAlgn="auto" latinLnBrk="0" hangingPunct="0">
+                <a:lnSpc>
+                  <a:spcPct val="90000"/>
+                </a:lnSpc>
+                <a:spcBef>
+                  <a:spcPts val="0"/>
+                </a:spcBef>
+                <a:spcAft>
+                  <a:spcPts val="0"/>
+                </a:spcAft>
+                <a:buClrTx/>
+                <a:buSzTx/>
+                <a:buFontTx/>
+                <a:buNone/>
+                <a:tabLst/>
+                <a:defRPr sz="900" b="0">
+                  <a:solidFill>
+                    <a:srgbClr val="002060"/>
+                  </a:solidFill>
+                  <a:latin typeface="IBM Plex Sans"/>
+                  <a:ea typeface="IBM Plex Sans"/>
+                  <a:cs typeface="IBM Plex Sans"/>
+                  <a:sym typeface="IBM Plex Sans"/>
+                </a:defRPr>
+              </a:pPr>
+              <a:endParaRPr kumimoji="0" sz="1400" b="0" i="0" u="none" strike="noStrike" kern="0" cap="none" spc="0" normalizeH="0" baseline="0" noProof="0">
+                <a:ln>
+                  <a:noFill/>
+                </a:ln>
+                <a:solidFill>
+                  <a:srgbClr val="002060"/>
+                </a:solidFill>
+                <a:effectLst/>
+                <a:uLnTx/>
+                <a:uFillTx/>
+                <a:latin typeface="IBM Plex Sans"/>
+                <a:sym typeface="IBM Plex Sans"/>
+              </a:endParaRPr>
+            </a:p>
+          </p:txBody>
+        </p:sp>
+        <p:sp>
+          <p:nvSpPr>
+            <p:cNvPr id="18" name="2">
+              <a:extLst>
+                <a:ext uri="{FF2B5EF4-FFF2-40B4-BE49-F238E27FC236}">
+                  <a16:creationId xmlns:a16="http://schemas.microsoft.com/office/drawing/2014/main" id="{7303F0F8-2295-214A-AD51-4D3F37EBF580}"/>
+                </a:ext>
+              </a:extLst>
+            </p:cNvPr>
+            <p:cNvSpPr txBox="1"/>
+            <p:nvPr/>
+          </p:nvSpPr>
+          <p:spPr>
+            <a:xfrm>
+              <a:off x="28231" y="387192"/>
+              <a:ext cx="521856" cy="344709"/>
+            </a:xfrm>
+            <a:prstGeom prst="rect">
+              <a:avLst/>
+            </a:prstGeom>
+            <a:noFill/>
+            <a:ln w="12700" cap="flat">
+              <a:noFill/>
+              <a:miter lim="400000"/>
+            </a:ln>
+            <a:effectLst/>
+            <a:extLst>
+              <a:ext uri="{C572A759-6A51-4108-AA02-DFA0A04FC94B}">
+                <ma14:wrappingTextBoxFlag xmlns:ma14="http://schemas.microsoft.com/office/mac/drawingml/2011/main" xmlns:a14="http://schemas.microsoft.com/office/drawing/2010/main" xmlns:m="http://schemas.openxmlformats.org/officeDocument/2006/math" xmlns="" val="1"/>
+              </a:ext>
+            </a:extLst>
+          </p:spPr>
+          <p:txBody>
+            <a:bodyPr wrap="square" lIns="0" tIns="0" rIns="0" bIns="0" numCol="1" anchor="ctr">
+              <a:spAutoFit/>
+            </a:bodyPr>
+            <a:lstStyle>
+              <a:lvl1pPr defTabSz="2167439">
+                <a:lnSpc>
+                  <a:spcPct val="90000"/>
+                </a:lnSpc>
+                <a:defRPr sz="2000" b="0">
+                  <a:solidFill>
+                    <a:srgbClr val="002060"/>
+                  </a:solidFill>
+                  <a:latin typeface="IBM Plex Mono SemiBold"/>
+                  <a:ea typeface="IBM Plex Mono SemiBold"/>
+                  <a:cs typeface="IBM Plex Mono SemiBold"/>
+                  <a:sym typeface="IBM Plex Mono SemiBold"/>
+                </a:defRPr>
+              </a:lvl1pPr>
+            </a:lstStyle>
+            <a:p>
+              <a:pPr marL="0" marR="0" lvl="0" indent="0" algn="ctr" defTabSz="2167439" rtl="0" eaLnBrk="1" fontAlgn="auto" latinLnBrk="0" hangingPunct="0">
+                <a:lnSpc>
+                  <a:spcPct val="90000"/>
+                </a:lnSpc>
+                <a:spcBef>
+                  <a:spcPts val="0"/>
+                </a:spcBef>
+                <a:spcAft>
+                  <a:spcPts val="0"/>
+                </a:spcAft>
+                <a:buClrTx/>
+                <a:buSzTx/>
+                <a:buFontTx/>
+                <a:buNone/>
+                <a:tabLst/>
+                <a:defRPr/>
+              </a:pPr>
+              <a:r>
+                <a:rPr lang="en-US" sz="1400" kern="0" dirty="0"/>
+                <a:t>4</a:t>
+              </a:r>
+              <a:endParaRPr kumimoji="0" sz="1400" b="0" i="0" u="none" strike="noStrike" kern="0" cap="none" spc="0" normalizeH="0" baseline="0" noProof="0" dirty="0">
+                <a:ln>
+                  <a:noFill/>
+                </a:ln>
+                <a:solidFill>
+                  <a:srgbClr val="002060"/>
+                </a:solidFill>
+                <a:effectLst/>
+                <a:uLnTx/>
+                <a:uFillTx/>
+                <a:latin typeface="IBM Plex Mono SemiBold"/>
+                <a:sym typeface="IBM Plex Mono SemiBold"/>
+              </a:endParaRPr>
+            </a:p>
+          </p:txBody>
+        </p:sp>
+      </p:grpSp>
+      <p:grpSp>
+        <p:nvGrpSpPr>
+          <p:cNvPr id="19" name="Rounded Rectangle 18">
+            <a:extLst>
+              <a:ext uri="{FF2B5EF4-FFF2-40B4-BE49-F238E27FC236}">
+                <a16:creationId xmlns:a16="http://schemas.microsoft.com/office/drawing/2014/main" id="{486BDBDF-30C3-6940-A488-4BF40C9CABC1}"/>
+              </a:ext>
+            </a:extLst>
+          </p:cNvPr>
+          <p:cNvGrpSpPr/>
+          <p:nvPr/>
+        </p:nvGrpSpPr>
+        <p:grpSpPr>
+          <a:xfrm>
+            <a:off x="3769035" y="3514724"/>
+            <a:ext cx="325305" cy="629490"/>
+            <a:chOff x="0" y="0"/>
+            <a:chExt cx="578318" cy="1119091"/>
+          </a:xfrm>
+        </p:grpSpPr>
+        <p:sp>
+          <p:nvSpPr>
+            <p:cNvPr id="20" name="Rounded Rectangle">
+              <a:extLst>
+                <a:ext uri="{FF2B5EF4-FFF2-40B4-BE49-F238E27FC236}">
+                  <a16:creationId xmlns:a16="http://schemas.microsoft.com/office/drawing/2014/main" id="{5FFC659F-2755-964D-BEB1-772BD05067DD}"/>
+                </a:ext>
+              </a:extLst>
+            </p:cNvPr>
+            <p:cNvSpPr/>
+            <p:nvPr/>
+          </p:nvSpPr>
+          <p:spPr>
+            <a:xfrm>
+              <a:off x="0" y="0"/>
+              <a:ext cx="578318" cy="1119091"/>
+            </a:xfrm>
+            <a:prstGeom prst="roundRect">
+              <a:avLst>
+                <a:gd name="adj" fmla="val 16667"/>
+              </a:avLst>
+            </a:prstGeom>
+            <a:solidFill>
+              <a:srgbClr val="FEFFFE"/>
+            </a:solidFill>
+            <a:ln w="38100" cap="flat">
+              <a:solidFill>
+                <a:srgbClr val="3C6DF0"/>
+              </a:solidFill>
+              <a:prstDash val="solid"/>
+              <a:round/>
+            </a:ln>
+            <a:effectLst/>
+          </p:spPr>
+          <p:txBody>
+            <a:bodyPr wrap="square" lIns="28575" tIns="28575" rIns="28575" bIns="28575" numCol="1" anchor="ctr">
+              <a:noAutofit/>
+            </a:bodyPr>
+            <a:lstStyle/>
+            <a:p>
+              <a:pPr marL="0" marR="0" lvl="0" indent="0" algn="ctr" defTabSz="1219184" rtl="0" eaLnBrk="1" fontAlgn="auto" latinLnBrk="0" hangingPunct="0">
+                <a:lnSpc>
+                  <a:spcPct val="90000"/>
+                </a:lnSpc>
+                <a:spcBef>
+                  <a:spcPts val="0"/>
+                </a:spcBef>
+                <a:spcAft>
+                  <a:spcPts val="0"/>
+                </a:spcAft>
+                <a:buClrTx/>
+                <a:buSzTx/>
+                <a:buFontTx/>
+                <a:buNone/>
+                <a:tabLst/>
+                <a:defRPr sz="900" b="0">
+                  <a:solidFill>
+                    <a:srgbClr val="002060"/>
+                  </a:solidFill>
+                  <a:latin typeface="IBM Plex Sans"/>
+                  <a:ea typeface="IBM Plex Sans"/>
+                  <a:cs typeface="IBM Plex Sans"/>
+                  <a:sym typeface="IBM Plex Sans"/>
+                </a:defRPr>
+              </a:pPr>
+              <a:endParaRPr kumimoji="0" sz="1400" b="0" i="0" u="none" strike="noStrike" kern="0" cap="none" spc="0" normalizeH="0" baseline="0" noProof="0">
+                <a:ln>
+                  <a:noFill/>
+                </a:ln>
+                <a:solidFill>
+                  <a:srgbClr val="002060"/>
+                </a:solidFill>
+                <a:effectLst/>
+                <a:uLnTx/>
+                <a:uFillTx/>
+                <a:latin typeface="IBM Plex Sans"/>
+                <a:sym typeface="IBM Plex Sans"/>
+              </a:endParaRPr>
+            </a:p>
+          </p:txBody>
+        </p:sp>
+        <p:sp>
+          <p:nvSpPr>
+            <p:cNvPr id="21" name="2">
+              <a:extLst>
+                <a:ext uri="{FF2B5EF4-FFF2-40B4-BE49-F238E27FC236}">
+                  <a16:creationId xmlns:a16="http://schemas.microsoft.com/office/drawing/2014/main" id="{A7DE0D25-9471-CA46-9B4C-F667B82C923B}"/>
+                </a:ext>
+              </a:extLst>
+            </p:cNvPr>
+            <p:cNvSpPr txBox="1"/>
+            <p:nvPr/>
+          </p:nvSpPr>
+          <p:spPr>
+            <a:xfrm>
+              <a:off x="28231" y="387192"/>
+              <a:ext cx="521856" cy="344709"/>
+            </a:xfrm>
+            <a:prstGeom prst="rect">
+              <a:avLst/>
+            </a:prstGeom>
+            <a:noFill/>
+            <a:ln w="12700" cap="flat">
+              <a:noFill/>
+              <a:miter lim="400000"/>
+            </a:ln>
+            <a:effectLst/>
+            <a:extLst>
+              <a:ext uri="{C572A759-6A51-4108-AA02-DFA0A04FC94B}">
+                <ma14:wrappingTextBoxFlag xmlns:ma14="http://schemas.microsoft.com/office/mac/drawingml/2011/main" xmlns:a14="http://schemas.microsoft.com/office/drawing/2010/main" xmlns:m="http://schemas.openxmlformats.org/officeDocument/2006/math" xmlns="" val="1"/>
+              </a:ext>
+            </a:extLst>
+          </p:spPr>
+          <p:txBody>
+            <a:bodyPr wrap="square" lIns="0" tIns="0" rIns="0" bIns="0" numCol="1" anchor="ctr">
+              <a:spAutoFit/>
+            </a:bodyPr>
+            <a:lstStyle>
+              <a:lvl1pPr defTabSz="2167439">
+                <a:lnSpc>
+                  <a:spcPct val="90000"/>
+                </a:lnSpc>
+                <a:defRPr sz="2000" b="0">
+                  <a:solidFill>
+                    <a:srgbClr val="002060"/>
+                  </a:solidFill>
+                  <a:latin typeface="IBM Plex Mono SemiBold"/>
+                  <a:ea typeface="IBM Plex Mono SemiBold"/>
+                  <a:cs typeface="IBM Plex Mono SemiBold"/>
+                  <a:sym typeface="IBM Plex Mono SemiBold"/>
+                </a:defRPr>
+              </a:lvl1pPr>
+            </a:lstStyle>
+            <a:p>
+              <a:pPr marL="0" marR="0" lvl="0" indent="0" algn="ctr" defTabSz="2167439" rtl="0" eaLnBrk="1" fontAlgn="auto" latinLnBrk="0" hangingPunct="0">
+                <a:lnSpc>
+                  <a:spcPct val="90000"/>
+                </a:lnSpc>
+                <a:spcBef>
+                  <a:spcPts val="0"/>
+                </a:spcBef>
+                <a:spcAft>
+                  <a:spcPts val="0"/>
+                </a:spcAft>
+                <a:buClrTx/>
+                <a:buSzTx/>
+                <a:buFontTx/>
+                <a:buNone/>
+                <a:tabLst/>
+                <a:defRPr/>
+              </a:pPr>
+              <a:r>
+                <a:rPr lang="en-US" sz="1400" kern="0" dirty="0"/>
+                <a:t>5</a:t>
+              </a:r>
+              <a:endParaRPr kumimoji="0" sz="1400" b="0" i="0" u="none" strike="noStrike" kern="0" cap="none" spc="0" normalizeH="0" baseline="0" noProof="0" dirty="0">
+                <a:ln>
+                  <a:noFill/>
+                </a:ln>
+                <a:solidFill>
+                  <a:srgbClr val="002060"/>
+                </a:solidFill>
+                <a:effectLst/>
+                <a:uLnTx/>
+                <a:uFillTx/>
+                <a:latin typeface="IBM Plex Mono SemiBold"/>
+                <a:sym typeface="IBM Plex Mono SemiBold"/>
+              </a:endParaRPr>
+            </a:p>
+          </p:txBody>
+        </p:sp>
+      </p:grpSp>
+      <p:grpSp>
+        <p:nvGrpSpPr>
+          <p:cNvPr id="22" name="Rounded Rectangle 18">
+            <a:extLst>
+              <a:ext uri="{FF2B5EF4-FFF2-40B4-BE49-F238E27FC236}">
+                <a16:creationId xmlns:a16="http://schemas.microsoft.com/office/drawing/2014/main" id="{F5DED3FC-4582-AF4D-A6E4-2243841328D2}"/>
+              </a:ext>
+            </a:extLst>
+          </p:cNvPr>
+          <p:cNvGrpSpPr/>
+          <p:nvPr/>
+        </p:nvGrpSpPr>
+        <p:grpSpPr>
+          <a:xfrm>
+            <a:off x="4132057" y="3514724"/>
+            <a:ext cx="325305" cy="629490"/>
+            <a:chOff x="0" y="0"/>
+            <a:chExt cx="578318" cy="1119091"/>
+          </a:xfrm>
+        </p:grpSpPr>
+        <p:sp>
+          <p:nvSpPr>
+            <p:cNvPr id="23" name="Rounded Rectangle">
+              <a:extLst>
+                <a:ext uri="{FF2B5EF4-FFF2-40B4-BE49-F238E27FC236}">
+                  <a16:creationId xmlns:a16="http://schemas.microsoft.com/office/drawing/2014/main" id="{6DB82DCA-AF58-ED46-83EA-E721C0F21758}"/>
+                </a:ext>
+              </a:extLst>
+            </p:cNvPr>
+            <p:cNvSpPr/>
+            <p:nvPr/>
+          </p:nvSpPr>
+          <p:spPr>
+            <a:xfrm>
+              <a:off x="0" y="0"/>
+              <a:ext cx="578318" cy="1119091"/>
+            </a:xfrm>
+            <a:prstGeom prst="roundRect">
+              <a:avLst>
+                <a:gd name="adj" fmla="val 16667"/>
+              </a:avLst>
+            </a:prstGeom>
+            <a:solidFill>
+              <a:srgbClr val="FEFFFE"/>
+            </a:solidFill>
+            <a:ln w="38100" cap="flat">
+              <a:solidFill>
+                <a:srgbClr val="3C6DF0"/>
+              </a:solidFill>
+              <a:prstDash val="solid"/>
+              <a:round/>
+            </a:ln>
+            <a:effectLst/>
+          </p:spPr>
+          <p:txBody>
+            <a:bodyPr wrap="square" lIns="28575" tIns="28575" rIns="28575" bIns="28575" numCol="1" anchor="ctr">
+              <a:noAutofit/>
+            </a:bodyPr>
+            <a:lstStyle/>
+            <a:p>
+              <a:pPr marL="0" marR="0" lvl="0" indent="0" algn="ctr" defTabSz="1219184" rtl="0" eaLnBrk="1" fontAlgn="auto" latinLnBrk="0" hangingPunct="0">
+                <a:lnSpc>
+                  <a:spcPct val="90000"/>
+                </a:lnSpc>
+                <a:spcBef>
+                  <a:spcPts val="0"/>
+                </a:spcBef>
+                <a:spcAft>
+                  <a:spcPts val="0"/>
+                </a:spcAft>
+                <a:buClrTx/>
+                <a:buSzTx/>
+                <a:buFontTx/>
+                <a:buNone/>
+                <a:tabLst/>
+                <a:defRPr sz="900" b="0">
+                  <a:solidFill>
+                    <a:srgbClr val="002060"/>
+                  </a:solidFill>
+                  <a:latin typeface="IBM Plex Sans"/>
+                  <a:ea typeface="IBM Plex Sans"/>
+                  <a:cs typeface="IBM Plex Sans"/>
+                  <a:sym typeface="IBM Plex Sans"/>
+                </a:defRPr>
+              </a:pPr>
+              <a:endParaRPr kumimoji="0" sz="1400" b="0" i="0" u="none" strike="noStrike" kern="0" cap="none" spc="0" normalizeH="0" baseline="0" noProof="0">
+                <a:ln>
+                  <a:noFill/>
+                </a:ln>
+                <a:solidFill>
+                  <a:srgbClr val="002060"/>
+                </a:solidFill>
+                <a:effectLst/>
+                <a:uLnTx/>
+                <a:uFillTx/>
+                <a:latin typeface="IBM Plex Sans"/>
+                <a:sym typeface="IBM Plex Sans"/>
+              </a:endParaRPr>
+            </a:p>
+          </p:txBody>
+        </p:sp>
+        <p:sp>
+          <p:nvSpPr>
+            <p:cNvPr id="24" name="2">
+              <a:extLst>
+                <a:ext uri="{FF2B5EF4-FFF2-40B4-BE49-F238E27FC236}">
+                  <a16:creationId xmlns:a16="http://schemas.microsoft.com/office/drawing/2014/main" id="{6C1B9500-D72C-3341-8380-BB2D529B36AE}"/>
+                </a:ext>
+              </a:extLst>
+            </p:cNvPr>
+            <p:cNvSpPr txBox="1"/>
+            <p:nvPr/>
+          </p:nvSpPr>
+          <p:spPr>
+            <a:xfrm>
+              <a:off x="28231" y="387192"/>
+              <a:ext cx="521856" cy="344709"/>
+            </a:xfrm>
+            <a:prstGeom prst="rect">
+              <a:avLst/>
+            </a:prstGeom>
+            <a:noFill/>
+            <a:ln w="12700" cap="flat">
+              <a:noFill/>
+              <a:miter lim="400000"/>
+            </a:ln>
+            <a:effectLst/>
+            <a:extLst>
+              <a:ext uri="{C572A759-6A51-4108-AA02-DFA0A04FC94B}">
+                <ma14:wrappingTextBoxFlag xmlns:ma14="http://schemas.microsoft.com/office/mac/drawingml/2011/main" xmlns:a14="http://schemas.microsoft.com/office/drawing/2010/main" xmlns:m="http://schemas.openxmlformats.org/officeDocument/2006/math" xmlns="" val="1"/>
+              </a:ext>
+            </a:extLst>
+          </p:spPr>
+          <p:txBody>
+            <a:bodyPr wrap="square" lIns="0" tIns="0" rIns="0" bIns="0" numCol="1" anchor="ctr">
+              <a:spAutoFit/>
+            </a:bodyPr>
+            <a:lstStyle>
+              <a:lvl1pPr defTabSz="2167439">
+                <a:lnSpc>
+                  <a:spcPct val="90000"/>
+                </a:lnSpc>
+                <a:defRPr sz="2000" b="0">
+                  <a:solidFill>
+                    <a:srgbClr val="002060"/>
+                  </a:solidFill>
+                  <a:latin typeface="IBM Plex Mono SemiBold"/>
+                  <a:ea typeface="IBM Plex Mono SemiBold"/>
+                  <a:cs typeface="IBM Plex Mono SemiBold"/>
+                  <a:sym typeface="IBM Plex Mono SemiBold"/>
+                </a:defRPr>
+              </a:lvl1pPr>
+            </a:lstStyle>
+            <a:p>
+              <a:pPr marL="0" marR="0" lvl="0" indent="0" algn="ctr" defTabSz="2167439" rtl="0" eaLnBrk="1" fontAlgn="auto" latinLnBrk="0" hangingPunct="0">
+                <a:lnSpc>
+                  <a:spcPct val="90000"/>
+                </a:lnSpc>
+                <a:spcBef>
+                  <a:spcPts val="0"/>
+                </a:spcBef>
+                <a:spcAft>
+                  <a:spcPts val="0"/>
+                </a:spcAft>
+                <a:buClrTx/>
+                <a:buSzTx/>
+                <a:buFontTx/>
+                <a:buNone/>
+                <a:tabLst/>
+                <a:defRPr/>
+              </a:pPr>
+              <a:r>
+                <a:rPr lang="en-US" sz="1400" kern="0" dirty="0"/>
+                <a:t>6</a:t>
+              </a:r>
+              <a:endParaRPr kumimoji="0" sz="1400" b="0" i="0" u="none" strike="noStrike" kern="0" cap="none" spc="0" normalizeH="0" baseline="0" noProof="0" dirty="0">
+                <a:ln>
+                  <a:noFill/>
+                </a:ln>
+                <a:solidFill>
+                  <a:srgbClr val="002060"/>
+                </a:solidFill>
+                <a:effectLst/>
+                <a:uLnTx/>
+                <a:uFillTx/>
+                <a:latin typeface="IBM Plex Mono SemiBold"/>
+                <a:sym typeface="IBM Plex Mono SemiBold"/>
+              </a:endParaRPr>
+            </a:p>
+          </p:txBody>
+        </p:sp>
+      </p:grpSp>
+      <p:grpSp>
+        <p:nvGrpSpPr>
+          <p:cNvPr id="25" name="Rounded Rectangle 18">
+            <a:extLst>
+              <a:ext uri="{FF2B5EF4-FFF2-40B4-BE49-F238E27FC236}">
+                <a16:creationId xmlns:a16="http://schemas.microsoft.com/office/drawing/2014/main" id="{60CD8F61-5AFE-834F-BCD9-C20BF79FF6B8}"/>
+              </a:ext>
+            </a:extLst>
+          </p:cNvPr>
+          <p:cNvGrpSpPr/>
+          <p:nvPr/>
+        </p:nvGrpSpPr>
+        <p:grpSpPr>
+          <a:xfrm>
+            <a:off x="4473242" y="3514724"/>
+            <a:ext cx="325305" cy="629490"/>
+            <a:chOff x="0" y="0"/>
+            <a:chExt cx="578318" cy="1119091"/>
+          </a:xfrm>
+        </p:grpSpPr>
+        <p:sp>
+          <p:nvSpPr>
+            <p:cNvPr id="26" name="Rounded Rectangle">
+              <a:extLst>
+                <a:ext uri="{FF2B5EF4-FFF2-40B4-BE49-F238E27FC236}">
+                  <a16:creationId xmlns:a16="http://schemas.microsoft.com/office/drawing/2014/main" id="{D61349BC-4F1F-A642-A5EC-BD2AB2C24807}"/>
+                </a:ext>
+              </a:extLst>
+            </p:cNvPr>
+            <p:cNvSpPr/>
+            <p:nvPr/>
+          </p:nvSpPr>
+          <p:spPr>
+            <a:xfrm>
+              <a:off x="0" y="0"/>
+              <a:ext cx="578318" cy="1119091"/>
+            </a:xfrm>
+            <a:prstGeom prst="roundRect">
+              <a:avLst>
+                <a:gd name="adj" fmla="val 16667"/>
+              </a:avLst>
+            </a:prstGeom>
+            <a:solidFill>
+              <a:srgbClr val="FEFFFE"/>
+            </a:solidFill>
+            <a:ln w="38100" cap="flat">
+              <a:solidFill>
+                <a:srgbClr val="3C6DF0"/>
+              </a:solidFill>
+              <a:prstDash val="solid"/>
+              <a:round/>
+            </a:ln>
+            <a:effectLst/>
+          </p:spPr>
+          <p:txBody>
+            <a:bodyPr wrap="square" lIns="28575" tIns="28575" rIns="28575" bIns="28575" numCol="1" anchor="ctr">
+              <a:noAutofit/>
+            </a:bodyPr>
+            <a:lstStyle/>
+            <a:p>
+              <a:pPr marL="0" marR="0" lvl="0" indent="0" algn="ctr" defTabSz="1219184" rtl="0" eaLnBrk="1" fontAlgn="auto" latinLnBrk="0" hangingPunct="0">
+                <a:lnSpc>
+                  <a:spcPct val="90000"/>
+                </a:lnSpc>
+                <a:spcBef>
+                  <a:spcPts val="0"/>
+                </a:spcBef>
+                <a:spcAft>
+                  <a:spcPts val="0"/>
+                </a:spcAft>
+                <a:buClrTx/>
+                <a:buSzTx/>
+                <a:buFontTx/>
+                <a:buNone/>
+                <a:tabLst/>
+                <a:defRPr sz="900" b="0">
+                  <a:solidFill>
+                    <a:srgbClr val="002060"/>
+                  </a:solidFill>
+                  <a:latin typeface="IBM Plex Sans"/>
+                  <a:ea typeface="IBM Plex Sans"/>
+                  <a:cs typeface="IBM Plex Sans"/>
+                  <a:sym typeface="IBM Plex Sans"/>
+                </a:defRPr>
+              </a:pPr>
+              <a:endParaRPr kumimoji="0" sz="1400" b="0" i="0" u="none" strike="noStrike" kern="0" cap="none" spc="0" normalizeH="0" baseline="0" noProof="0">
+                <a:ln>
+                  <a:noFill/>
+                </a:ln>
+                <a:solidFill>
+                  <a:srgbClr val="002060"/>
+                </a:solidFill>
+                <a:effectLst/>
+                <a:uLnTx/>
+                <a:uFillTx/>
+                <a:latin typeface="IBM Plex Sans"/>
+                <a:sym typeface="IBM Plex Sans"/>
+              </a:endParaRPr>
+            </a:p>
+          </p:txBody>
+        </p:sp>
+        <p:sp>
+          <p:nvSpPr>
+            <p:cNvPr id="27" name="2">
+              <a:extLst>
+                <a:ext uri="{FF2B5EF4-FFF2-40B4-BE49-F238E27FC236}">
+                  <a16:creationId xmlns:a16="http://schemas.microsoft.com/office/drawing/2014/main" id="{0BF2233A-D160-9149-BF26-86998A3382EA}"/>
+                </a:ext>
+              </a:extLst>
+            </p:cNvPr>
+            <p:cNvSpPr txBox="1"/>
+            <p:nvPr/>
+          </p:nvSpPr>
+          <p:spPr>
+            <a:xfrm>
+              <a:off x="28231" y="387192"/>
+              <a:ext cx="521856" cy="344709"/>
+            </a:xfrm>
+            <a:prstGeom prst="rect">
+              <a:avLst/>
+            </a:prstGeom>
+            <a:noFill/>
+            <a:ln w="12700" cap="flat">
+              <a:noFill/>
+              <a:miter lim="400000"/>
+            </a:ln>
+            <a:effectLst/>
+            <a:extLst>
+              <a:ext uri="{C572A759-6A51-4108-AA02-DFA0A04FC94B}">
+                <ma14:wrappingTextBoxFlag xmlns:ma14="http://schemas.microsoft.com/office/mac/drawingml/2011/main" xmlns:a14="http://schemas.microsoft.com/office/drawing/2010/main" xmlns:m="http://schemas.openxmlformats.org/officeDocument/2006/math" xmlns="" val="1"/>
+              </a:ext>
+            </a:extLst>
+          </p:spPr>
+          <p:txBody>
+            <a:bodyPr wrap="square" lIns="0" tIns="0" rIns="0" bIns="0" numCol="1" anchor="ctr">
+              <a:spAutoFit/>
+            </a:bodyPr>
+            <a:lstStyle>
+              <a:lvl1pPr defTabSz="2167439">
+                <a:lnSpc>
+                  <a:spcPct val="90000"/>
+                </a:lnSpc>
+                <a:defRPr sz="2000" b="0">
+                  <a:solidFill>
+                    <a:srgbClr val="002060"/>
+                  </a:solidFill>
+                  <a:latin typeface="IBM Plex Mono SemiBold"/>
+                  <a:ea typeface="IBM Plex Mono SemiBold"/>
+                  <a:cs typeface="IBM Plex Mono SemiBold"/>
+                  <a:sym typeface="IBM Plex Mono SemiBold"/>
+                </a:defRPr>
+              </a:lvl1pPr>
+            </a:lstStyle>
+            <a:p>
+              <a:pPr marL="0" marR="0" lvl="0" indent="0" algn="ctr" defTabSz="2167439" rtl="0" eaLnBrk="1" fontAlgn="auto" latinLnBrk="0" hangingPunct="0">
+                <a:lnSpc>
+                  <a:spcPct val="90000"/>
+                </a:lnSpc>
+                <a:spcBef>
+                  <a:spcPts val="0"/>
+                </a:spcBef>
+                <a:spcAft>
+                  <a:spcPts val="0"/>
+                </a:spcAft>
+                <a:buClrTx/>
+                <a:buSzTx/>
+                <a:buFontTx/>
+                <a:buNone/>
+                <a:tabLst/>
+                <a:defRPr/>
+              </a:pPr>
+              <a:r>
+                <a:rPr kumimoji="0" lang="en-US" sz="1400" b="0" i="0" u="none" strike="noStrike" kern="0" cap="none" spc="0" normalizeH="0" baseline="0" noProof="0" dirty="0">
+                  <a:ln>
+                    <a:noFill/>
+                  </a:ln>
+                  <a:solidFill>
+                    <a:srgbClr val="002060"/>
+                  </a:solidFill>
+                  <a:effectLst/>
+                  <a:uLnTx/>
+                  <a:uFillTx/>
+                  <a:latin typeface="IBM Plex Mono SemiBold"/>
+                  <a:sym typeface="IBM Plex Mono SemiBold"/>
+                </a:rPr>
+                <a:t>7</a:t>
+              </a:r>
+              <a:endParaRPr kumimoji="0" sz="1400" b="0" i="0" u="none" strike="noStrike" kern="0" cap="none" spc="0" normalizeH="0" baseline="0" noProof="0" dirty="0">
+                <a:ln>
+                  <a:noFill/>
+                </a:ln>
+                <a:solidFill>
+                  <a:srgbClr val="002060"/>
+                </a:solidFill>
+                <a:effectLst/>
+                <a:uLnTx/>
+                <a:uFillTx/>
+                <a:latin typeface="IBM Plex Mono SemiBold"/>
+                <a:sym typeface="IBM Plex Mono SemiBold"/>
+              </a:endParaRPr>
+            </a:p>
+          </p:txBody>
+        </p:sp>
+      </p:grpSp>
+      <p:grpSp>
+        <p:nvGrpSpPr>
+          <p:cNvPr id="28" name="Rounded Rectangle 18">
+            <a:extLst>
+              <a:ext uri="{FF2B5EF4-FFF2-40B4-BE49-F238E27FC236}">
+                <a16:creationId xmlns:a16="http://schemas.microsoft.com/office/drawing/2014/main" id="{111A5225-826B-5F41-BDAD-D1B5102B92B7}"/>
+              </a:ext>
+            </a:extLst>
+          </p:cNvPr>
+          <p:cNvGrpSpPr/>
+          <p:nvPr/>
+        </p:nvGrpSpPr>
+        <p:grpSpPr>
+          <a:xfrm>
+            <a:off x="4815336" y="3514724"/>
+            <a:ext cx="325305" cy="629490"/>
+            <a:chOff x="0" y="0"/>
+            <a:chExt cx="578318" cy="1119091"/>
+          </a:xfrm>
+        </p:grpSpPr>
+        <p:sp>
+          <p:nvSpPr>
+            <p:cNvPr id="29" name="Rounded Rectangle">
+              <a:extLst>
+                <a:ext uri="{FF2B5EF4-FFF2-40B4-BE49-F238E27FC236}">
+                  <a16:creationId xmlns:a16="http://schemas.microsoft.com/office/drawing/2014/main" id="{E6FC71B1-583D-2640-A44D-AAA15169B828}"/>
+                </a:ext>
+              </a:extLst>
+            </p:cNvPr>
+            <p:cNvSpPr/>
+            <p:nvPr/>
+          </p:nvSpPr>
+          <p:spPr>
+            <a:xfrm>
+              <a:off x="0" y="0"/>
+              <a:ext cx="578318" cy="1119091"/>
+            </a:xfrm>
+            <a:prstGeom prst="roundRect">
+              <a:avLst>
+                <a:gd name="adj" fmla="val 16667"/>
+              </a:avLst>
+            </a:prstGeom>
+            <a:solidFill>
+              <a:srgbClr val="FEFFFE"/>
+            </a:solidFill>
+            <a:ln w="38100" cap="flat">
+              <a:solidFill>
+                <a:srgbClr val="3C6DF0"/>
+              </a:solidFill>
+              <a:prstDash val="solid"/>
+              <a:round/>
+            </a:ln>
+            <a:effectLst/>
+          </p:spPr>
+          <p:txBody>
+            <a:bodyPr wrap="square" lIns="28575" tIns="28575" rIns="28575" bIns="28575" numCol="1" anchor="ctr">
+              <a:noAutofit/>
+            </a:bodyPr>
+            <a:lstStyle/>
+            <a:p>
+              <a:pPr marL="0" marR="0" lvl="0" indent="0" algn="ctr" defTabSz="1219184" rtl="0" eaLnBrk="1" fontAlgn="auto" latinLnBrk="0" hangingPunct="0">
+                <a:lnSpc>
+                  <a:spcPct val="90000"/>
+                </a:lnSpc>
+                <a:spcBef>
+                  <a:spcPts val="0"/>
+                </a:spcBef>
+                <a:spcAft>
+                  <a:spcPts val="0"/>
+                </a:spcAft>
+                <a:buClrTx/>
+                <a:buSzTx/>
+                <a:buFontTx/>
+                <a:buNone/>
+                <a:tabLst/>
+                <a:defRPr sz="900" b="0">
+                  <a:solidFill>
+                    <a:srgbClr val="002060"/>
+                  </a:solidFill>
+                  <a:latin typeface="IBM Plex Sans"/>
+                  <a:ea typeface="IBM Plex Sans"/>
+                  <a:cs typeface="IBM Plex Sans"/>
+                  <a:sym typeface="IBM Plex Sans"/>
+                </a:defRPr>
+              </a:pPr>
+              <a:endParaRPr kumimoji="0" sz="1400" b="0" i="0" u="none" strike="noStrike" kern="0" cap="none" spc="0" normalizeH="0" baseline="0" noProof="0">
+                <a:ln>
+                  <a:noFill/>
+                </a:ln>
+                <a:solidFill>
+                  <a:srgbClr val="002060"/>
+                </a:solidFill>
+                <a:effectLst/>
+                <a:uLnTx/>
+                <a:uFillTx/>
+                <a:latin typeface="IBM Plex Sans"/>
+                <a:sym typeface="IBM Plex Sans"/>
+              </a:endParaRPr>
+            </a:p>
+          </p:txBody>
+        </p:sp>
+        <p:sp>
+          <p:nvSpPr>
+            <p:cNvPr id="30" name="2">
+              <a:extLst>
+                <a:ext uri="{FF2B5EF4-FFF2-40B4-BE49-F238E27FC236}">
+                  <a16:creationId xmlns:a16="http://schemas.microsoft.com/office/drawing/2014/main" id="{36A2CB91-E6CE-4E40-811B-EC73053D2326}"/>
+                </a:ext>
+              </a:extLst>
+            </p:cNvPr>
+            <p:cNvSpPr txBox="1"/>
+            <p:nvPr/>
+          </p:nvSpPr>
+          <p:spPr>
+            <a:xfrm>
+              <a:off x="28231" y="387192"/>
+              <a:ext cx="521856" cy="344709"/>
+            </a:xfrm>
+            <a:prstGeom prst="rect">
+              <a:avLst/>
+            </a:prstGeom>
+            <a:noFill/>
+            <a:ln w="12700" cap="flat">
+              <a:noFill/>
+              <a:miter lim="400000"/>
+            </a:ln>
+            <a:effectLst/>
+            <a:extLst>
+              <a:ext uri="{C572A759-6A51-4108-AA02-DFA0A04FC94B}">
+                <ma14:wrappingTextBoxFlag xmlns:ma14="http://schemas.microsoft.com/office/mac/drawingml/2011/main" xmlns:a14="http://schemas.microsoft.com/office/drawing/2010/main" xmlns:m="http://schemas.openxmlformats.org/officeDocument/2006/math" xmlns="" val="1"/>
+              </a:ext>
+            </a:extLst>
+          </p:spPr>
+          <p:txBody>
+            <a:bodyPr wrap="square" lIns="0" tIns="0" rIns="0" bIns="0" numCol="1" anchor="ctr">
+              <a:spAutoFit/>
+            </a:bodyPr>
+            <a:lstStyle>
+              <a:lvl1pPr defTabSz="2167439">
+                <a:lnSpc>
+                  <a:spcPct val="90000"/>
+                </a:lnSpc>
+                <a:defRPr sz="2000" b="0">
+                  <a:solidFill>
+                    <a:srgbClr val="002060"/>
+                  </a:solidFill>
+                  <a:latin typeface="IBM Plex Mono SemiBold"/>
+                  <a:ea typeface="IBM Plex Mono SemiBold"/>
+                  <a:cs typeface="IBM Plex Mono SemiBold"/>
+                  <a:sym typeface="IBM Plex Mono SemiBold"/>
+                </a:defRPr>
+              </a:lvl1pPr>
+            </a:lstStyle>
+            <a:p>
+              <a:pPr marL="0" marR="0" lvl="0" indent="0" algn="ctr" defTabSz="2167439" rtl="0" eaLnBrk="1" fontAlgn="auto" latinLnBrk="0" hangingPunct="0">
+                <a:lnSpc>
+                  <a:spcPct val="90000"/>
+                </a:lnSpc>
+                <a:spcBef>
+                  <a:spcPts val="0"/>
+                </a:spcBef>
+                <a:spcAft>
+                  <a:spcPts val="0"/>
+                </a:spcAft>
+                <a:buClrTx/>
+                <a:buSzTx/>
+                <a:buFontTx/>
+                <a:buNone/>
+                <a:tabLst/>
+                <a:defRPr/>
+              </a:pPr>
+              <a:r>
+                <a:rPr lang="en-US" sz="1400" kern="0" dirty="0"/>
+                <a:t>8</a:t>
+              </a:r>
+              <a:endParaRPr kumimoji="0" sz="1400" b="0" i="0" u="none" strike="noStrike" kern="0" cap="none" spc="0" normalizeH="0" baseline="0" noProof="0" dirty="0">
+                <a:ln>
+                  <a:noFill/>
+                </a:ln>
+                <a:solidFill>
+                  <a:srgbClr val="002060"/>
+                </a:solidFill>
+                <a:effectLst/>
+                <a:uLnTx/>
+                <a:uFillTx/>
+                <a:latin typeface="IBM Plex Mono SemiBold"/>
+                <a:sym typeface="IBM Plex Mono SemiBold"/>
+              </a:endParaRPr>
+            </a:p>
+          </p:txBody>
+        </p:sp>
+      </p:grpSp>
+      <p:cxnSp>
+        <p:nvCxnSpPr>
+          <p:cNvPr id="33" name="Straight Connector 32">
+            <a:extLst>
+              <a:ext uri="{FF2B5EF4-FFF2-40B4-BE49-F238E27FC236}">
+                <a16:creationId xmlns:a16="http://schemas.microsoft.com/office/drawing/2014/main" id="{2DF185F4-808A-3A49-93BF-AB9090898F8D}"/>
+              </a:ext>
+            </a:extLst>
+          </p:cNvPr>
+          <p:cNvCxnSpPr>
+            <a:cxnSpLocks/>
+          </p:cNvCxnSpPr>
+          <p:nvPr/>
+        </p:nvCxnSpPr>
+        <p:spPr>
+          <a:xfrm>
+            <a:off x="3380248" y="3255311"/>
+            <a:ext cx="0" cy="1148316"/>
+          </a:xfrm>
+          <a:prstGeom prst="line">
+            <a:avLst/>
+          </a:prstGeom>
+          <a:ln w="28575">
+            <a:solidFill>
+              <a:srgbClr val="0000FF"/>
+            </a:solidFill>
+          </a:ln>
+        </p:spPr>
+        <p:style>
+          <a:lnRef idx="1">
+            <a:schemeClr val="accent1"/>
+          </a:lnRef>
+          <a:fillRef idx="0">
+            <a:schemeClr val="accent1"/>
+          </a:fillRef>
+          <a:effectRef idx="0">
+            <a:schemeClr val="accent1"/>
+          </a:effectRef>
+          <a:fontRef idx="minor">
+            <a:schemeClr val="tx1"/>
+          </a:fontRef>
+        </p:style>
+      </p:cxnSp>
+      <p:cxnSp>
+        <p:nvCxnSpPr>
+          <p:cNvPr id="35" name="Straight Connector 34">
+            <a:extLst>
+              <a:ext uri="{FF2B5EF4-FFF2-40B4-BE49-F238E27FC236}">
+                <a16:creationId xmlns:a16="http://schemas.microsoft.com/office/drawing/2014/main" id="{E332BDED-27CC-1D44-A98B-B8BC9670EF08}"/>
+              </a:ext>
+            </a:extLst>
+          </p:cNvPr>
+          <p:cNvCxnSpPr>
+            <a:cxnSpLocks/>
+          </p:cNvCxnSpPr>
+          <p:nvPr/>
+        </p:nvCxnSpPr>
+        <p:spPr>
+          <a:xfrm>
+            <a:off x="4447044" y="3301386"/>
+            <a:ext cx="0" cy="1148316"/>
+          </a:xfrm>
+          <a:prstGeom prst="line">
+            <a:avLst/>
+          </a:prstGeom>
+          <a:ln w="28575">
+            <a:solidFill>
+              <a:srgbClr val="0000FF"/>
+            </a:solidFill>
+          </a:ln>
+        </p:spPr>
+        <p:style>
+          <a:lnRef idx="1">
+            <a:schemeClr val="accent1"/>
+          </a:lnRef>
+          <a:fillRef idx="0">
+            <a:schemeClr val="accent1"/>
+          </a:fillRef>
+          <a:effectRef idx="0">
+            <a:schemeClr val="accent1"/>
+          </a:effectRef>
+          <a:fontRef idx="minor">
+            <a:schemeClr val="tx1"/>
+          </a:fontRef>
+        </p:style>
+      </p:cxnSp>
+      <p:sp>
+        <p:nvSpPr>
+          <p:cNvPr id="36" name="TextBox 35">
+            <a:extLst>
+              <a:ext uri="{FF2B5EF4-FFF2-40B4-BE49-F238E27FC236}">
+                <a16:creationId xmlns:a16="http://schemas.microsoft.com/office/drawing/2014/main" id="{483235BF-4EFF-2441-A215-A2AB8A7FFAAE}"/>
+              </a:ext>
+            </a:extLst>
+          </p:cNvPr>
+          <p:cNvSpPr txBox="1"/>
+          <p:nvPr/>
+        </p:nvSpPr>
+        <p:spPr>
+          <a:xfrm>
+            <a:off x="4191922" y="2650598"/>
+            <a:ext cx="1080745" cy="523220"/>
+          </a:xfrm>
+          <a:prstGeom prst="rect">
+            <a:avLst/>
+          </a:prstGeom>
+          <a:noFill/>
+        </p:spPr>
+        <p:txBody>
+          <a:bodyPr wrap="none" rtlCol="0">
+            <a:spAutoFit/>
+          </a:bodyPr>
+          <a:lstStyle/>
+          <a:p>
+            <a:r>
+              <a:rPr lang="en-US" sz="1400" dirty="0"/>
+              <a:t>Checkpoint</a:t>
+            </a:r>
+          </a:p>
+          <a:p>
+            <a:r>
+              <a:rPr lang="en-US" sz="1400" dirty="0"/>
+              <a:t>Barrier - n</a:t>
+            </a:r>
+            <a:endParaRPr sz="1400" dirty="0"/>
+          </a:p>
+        </p:txBody>
+      </p:sp>
+      <p:cxnSp>
+        <p:nvCxnSpPr>
+          <p:cNvPr id="38" name="Straight Arrow Connector 37">
+            <a:extLst>
+              <a:ext uri="{FF2B5EF4-FFF2-40B4-BE49-F238E27FC236}">
+                <a16:creationId xmlns:a16="http://schemas.microsoft.com/office/drawing/2014/main" id="{AF2EE09A-2FC7-5146-89B5-717C9D353AAE}"/>
+              </a:ext>
+            </a:extLst>
+          </p:cNvPr>
+          <p:cNvCxnSpPr>
+            <a:cxnSpLocks/>
+          </p:cNvCxnSpPr>
+          <p:nvPr/>
+        </p:nvCxnSpPr>
+        <p:spPr>
+          <a:xfrm>
+            <a:off x="2004960" y="4805916"/>
+            <a:ext cx="3267707" cy="0"/>
+          </a:xfrm>
+          <a:prstGeom prst="straightConnector1">
+            <a:avLst/>
+          </a:prstGeom>
+          <a:ln w="19050">
+            <a:solidFill>
+              <a:srgbClr val="0000FF"/>
+            </a:solidFill>
+            <a:tailEnd type="triangle"/>
+          </a:ln>
+        </p:spPr>
+        <p:style>
+          <a:lnRef idx="1">
+            <a:schemeClr val="accent1"/>
+          </a:lnRef>
+          <a:fillRef idx="0">
+            <a:schemeClr val="accent1"/>
+          </a:fillRef>
+          <a:effectRef idx="0">
+            <a:schemeClr val="accent1"/>
+          </a:effectRef>
+          <a:fontRef idx="minor">
+            <a:schemeClr val="tx1"/>
+          </a:fontRef>
+        </p:style>
+      </p:cxnSp>
+      <p:sp>
+        <p:nvSpPr>
+          <p:cNvPr id="40" name="TextBox 39">
+            <a:extLst>
+              <a:ext uri="{FF2B5EF4-FFF2-40B4-BE49-F238E27FC236}">
+                <a16:creationId xmlns:a16="http://schemas.microsoft.com/office/drawing/2014/main" id="{7F74BBC9-208F-3A45-8D13-3B4EEC3FD3B0}"/>
+              </a:ext>
+            </a:extLst>
+          </p:cNvPr>
+          <p:cNvSpPr txBox="1"/>
+          <p:nvPr/>
+        </p:nvSpPr>
+        <p:spPr>
+          <a:xfrm>
+            <a:off x="3346759" y="4207309"/>
+            <a:ext cx="1080745" cy="523220"/>
+          </a:xfrm>
+          <a:prstGeom prst="rect">
+            <a:avLst/>
+          </a:prstGeom>
+          <a:noFill/>
+        </p:spPr>
+        <p:txBody>
+          <a:bodyPr wrap="none" rtlCol="0">
+            <a:spAutoFit/>
+          </a:bodyPr>
+          <a:lstStyle/>
+          <a:p>
+            <a:pPr algn="ctr"/>
+            <a:r>
+              <a:rPr lang="en-US" sz="1400" dirty="0"/>
+              <a:t>Checkpoint</a:t>
+            </a:r>
+          </a:p>
+          <a:p>
+            <a:pPr algn="ctr"/>
+            <a:r>
+              <a:rPr lang="en-US" sz="1400" dirty="0"/>
+              <a:t> n</a:t>
+            </a:r>
+            <a:endParaRPr sz="1400" dirty="0"/>
+          </a:p>
+        </p:txBody>
+      </p:sp>
+    </p:spTree>
+    <p:extLst>
+      <p:ext uri="{BB962C8B-B14F-4D97-AF65-F5344CB8AC3E}">
+        <p14:creationId xmlns:p14="http://schemas.microsoft.com/office/powerpoint/2010/main" val="3443842224"/>
       </p:ext>
     </p:extLst>
   </p:cSld>

--- a/docs/Diagrams.pptx
+++ b/docs/Diagrams.pptx
@@ -5,7 +5,7 @@
     <p:sldMasterId id="2147483993" r:id="rId1"/>
   </p:sldMasterIdLst>
   <p:notesMasterIdLst>
-    <p:notesMasterId r:id="rId11"/>
+    <p:notesMasterId r:id="rId13"/>
   </p:notesMasterIdLst>
   <p:sldIdLst>
     <p:sldId id="2678" r:id="rId2"/>
@@ -17,6 +17,8 @@
     <p:sldId id="2683" r:id="rId8"/>
     <p:sldId id="2684" r:id="rId9"/>
     <p:sldId id="2677" r:id="rId10"/>
+    <p:sldId id="2685" r:id="rId11"/>
+    <p:sldId id="2686" r:id="rId12"/>
   </p:sldIdLst>
   <p:sldSz cx="12192000" cy="6858000"/>
   <p:notesSz cx="7086600" cy="9372600"/>
@@ -279,7 +281,7 @@
               <a:pPr>
                 <a:defRPr/>
               </a:pPr>
-              <a:t>4/25/21</a:t>
+              <a:t>5/12/21</a:t>
             </a:fld>
             <a:endParaRPr lang="en-US"/>
           </a:p>
@@ -4823,6 +4825,8853 @@
 </p:sld>
 </file>
 
+<file path=ppt/slides/slide10.xml><?xml version="1.0" encoding="utf-8"?>
+<p:sld xmlns:a="http://schemas.openxmlformats.org/drawingml/2006/main" xmlns:r="http://schemas.openxmlformats.org/officeDocument/2006/relationships" xmlns:p="http://schemas.openxmlformats.org/presentationml/2006/main">
+  <p:cSld>
+    <p:spTree>
+      <p:nvGrpSpPr>
+        <p:cNvPr id="1" name=""/>
+        <p:cNvGrpSpPr/>
+        <p:nvPr/>
+      </p:nvGrpSpPr>
+      <p:grpSpPr>
+        <a:xfrm>
+          <a:off x="0" y="0"/>
+          <a:ext cx="0" cy="0"/>
+          <a:chOff x="0" y="0"/>
+          <a:chExt cx="0" cy="0"/>
+        </a:xfrm>
+      </p:grpSpPr>
+      <p:sp>
+        <p:nvSpPr>
+          <p:cNvPr id="2" name="Title 1">
+            <a:extLst>
+              <a:ext uri="{FF2B5EF4-FFF2-40B4-BE49-F238E27FC236}">
+                <a16:creationId xmlns:a16="http://schemas.microsoft.com/office/drawing/2014/main" id="{1F1CFE9F-9732-7446-BE9C-F7152DE4B2C9}"/>
+              </a:ext>
+            </a:extLst>
+          </p:cNvPr>
+          <p:cNvSpPr>
+            <a:spLocks noGrp="1"/>
+          </p:cNvSpPr>
+          <p:nvPr>
+            <p:ph type="title"/>
+          </p:nvPr>
+        </p:nvSpPr>
+        <p:spPr>
+          <a:xfrm>
+            <a:off x="554922" y="178320"/>
+            <a:ext cx="10993967" cy="342900"/>
+          </a:xfrm>
+        </p:spPr>
+        <p:txBody>
+          <a:bodyPr/>
+          <a:lstStyle/>
+          <a:p>
+            <a:r>
+              <a:rPr lang="en-US" dirty="0"/>
+              <a:t>Rule Engine Integration</a:t>
+            </a:r>
+          </a:p>
+        </p:txBody>
+      </p:sp>
+      <p:cxnSp>
+        <p:nvCxnSpPr>
+          <p:cNvPr id="24" name="Straight Arrow Connector 37">
+            <a:extLst>
+              <a:ext uri="{FF2B5EF4-FFF2-40B4-BE49-F238E27FC236}">
+                <a16:creationId xmlns:a16="http://schemas.microsoft.com/office/drawing/2014/main" id="{17250F93-B154-8C49-A6C0-6F5EC992E2F5}"/>
+              </a:ext>
+            </a:extLst>
+          </p:cNvPr>
+          <p:cNvCxnSpPr>
+            <a:cxnSpLocks/>
+            <a:stCxn id="32" idx="0"/>
+            <a:endCxn id="38" idx="1"/>
+          </p:cNvCxnSpPr>
+          <p:nvPr/>
+        </p:nvCxnSpPr>
+        <p:spPr>
+          <a:xfrm rot="5400000" flipH="1" flipV="1">
+            <a:off x="451353" y="3187220"/>
+            <a:ext cx="2288260" cy="1124015"/>
+          </a:xfrm>
+          <a:prstGeom prst="curvedConnector2">
+            <a:avLst/>
+          </a:prstGeom>
+          <a:ln>
+            <a:solidFill>
+              <a:srgbClr val="0000FF"/>
+            </a:solidFill>
+            <a:prstDash val="dash"/>
+            <a:tailEnd type="triangle"/>
+          </a:ln>
+        </p:spPr>
+        <p:style>
+          <a:lnRef idx="1">
+            <a:schemeClr val="accent1"/>
+          </a:lnRef>
+          <a:fillRef idx="0">
+            <a:schemeClr val="accent1"/>
+          </a:fillRef>
+          <a:effectRef idx="0">
+            <a:schemeClr val="accent1"/>
+          </a:effectRef>
+          <a:fontRef idx="minor">
+            <a:schemeClr val="tx1"/>
+          </a:fontRef>
+        </p:style>
+      </p:cxnSp>
+      <p:sp>
+        <p:nvSpPr>
+          <p:cNvPr id="25" name="Rounded Rectangle 24">
+            <a:extLst>
+              <a:ext uri="{FF2B5EF4-FFF2-40B4-BE49-F238E27FC236}">
+                <a16:creationId xmlns:a16="http://schemas.microsoft.com/office/drawing/2014/main" id="{06B20124-D229-8043-97C3-22B959C80AB0}"/>
+              </a:ext>
+            </a:extLst>
+          </p:cNvPr>
+          <p:cNvSpPr/>
+          <p:nvPr/>
+        </p:nvSpPr>
+        <p:spPr>
+          <a:xfrm>
+            <a:off x="264654" y="2054022"/>
+            <a:ext cx="1037818" cy="342900"/>
+          </a:xfrm>
+          <a:prstGeom prst="roundRect">
+            <a:avLst>
+              <a:gd name="adj" fmla="val 6808"/>
+            </a:avLst>
+          </a:prstGeom>
+          <a:solidFill>
+            <a:schemeClr val="accent3">
+              <a:lumMod val="65000"/>
+            </a:schemeClr>
+          </a:solidFill>
+          <a:ln>
+            <a:noFill/>
+          </a:ln>
+          <a:effectLst>
+            <a:outerShdw blurRad="50800" dist="38100" dir="5400000" algn="t" rotWithShape="0">
+              <a:prstClr val="black">
+                <a:alpha val="40000"/>
+              </a:prstClr>
+            </a:outerShdw>
+          </a:effectLst>
+        </p:spPr>
+        <p:style>
+          <a:lnRef idx="2">
+            <a:schemeClr val="accent1">
+              <a:shade val="50000"/>
+            </a:schemeClr>
+          </a:lnRef>
+          <a:fillRef idx="1">
+            <a:schemeClr val="accent1"/>
+          </a:fillRef>
+          <a:effectRef idx="0">
+            <a:schemeClr val="accent1"/>
+          </a:effectRef>
+          <a:fontRef idx="minor">
+            <a:schemeClr val="lt1"/>
+          </a:fontRef>
+        </p:style>
+        <p:txBody>
+          <a:bodyPr rtlCol="0" anchor="t"/>
+          <a:lstStyle/>
+          <a:p>
+            <a:pPr algn="ctr"/>
+            <a:r>
+              <a:rPr lang="en-US" sz="1000" dirty="0"/>
+              <a:t>Event Source</a:t>
+            </a:r>
+            <a:endParaRPr sz="1000" dirty="0"/>
+          </a:p>
+        </p:txBody>
+      </p:sp>
+      <p:cxnSp>
+        <p:nvCxnSpPr>
+          <p:cNvPr id="26" name="Straight Arrow Connector 37">
+            <a:extLst>
+              <a:ext uri="{FF2B5EF4-FFF2-40B4-BE49-F238E27FC236}">
+                <a16:creationId xmlns:a16="http://schemas.microsoft.com/office/drawing/2014/main" id="{D83BF498-3751-054D-A3C0-19F193623D1B}"/>
+              </a:ext>
+            </a:extLst>
+          </p:cNvPr>
+          <p:cNvCxnSpPr>
+            <a:cxnSpLocks/>
+            <a:stCxn id="25" idx="2"/>
+            <a:endCxn id="34" idx="0"/>
+          </p:cNvCxnSpPr>
+          <p:nvPr/>
+        </p:nvCxnSpPr>
+        <p:spPr>
+          <a:xfrm rot="16200000" flipH="1">
+            <a:off x="-187298" y="3367782"/>
+            <a:ext cx="2496435" cy="554713"/>
+          </a:xfrm>
+          <a:prstGeom prst="curvedConnector3">
+            <a:avLst>
+              <a:gd name="adj1" fmla="val 50000"/>
+            </a:avLst>
+          </a:prstGeom>
+          <a:ln>
+            <a:solidFill>
+              <a:srgbClr val="0000FF"/>
+            </a:solidFill>
+            <a:prstDash val="dash"/>
+            <a:tailEnd type="triangle"/>
+          </a:ln>
+        </p:spPr>
+        <p:style>
+          <a:lnRef idx="1">
+            <a:schemeClr val="accent1"/>
+          </a:lnRef>
+          <a:fillRef idx="0">
+            <a:schemeClr val="accent1"/>
+          </a:fillRef>
+          <a:effectRef idx="0">
+            <a:schemeClr val="accent1"/>
+          </a:effectRef>
+          <a:fontRef idx="minor">
+            <a:schemeClr val="tx1"/>
+          </a:fontRef>
+        </p:style>
+      </p:cxnSp>
+      <p:grpSp>
+        <p:nvGrpSpPr>
+          <p:cNvPr id="36" name="Group 35">
+            <a:extLst>
+              <a:ext uri="{FF2B5EF4-FFF2-40B4-BE49-F238E27FC236}">
+                <a16:creationId xmlns:a16="http://schemas.microsoft.com/office/drawing/2014/main" id="{334F158D-B271-CD4B-9E15-321ACB3F9544}"/>
+              </a:ext>
+            </a:extLst>
+          </p:cNvPr>
+          <p:cNvGrpSpPr/>
+          <p:nvPr/>
+        </p:nvGrpSpPr>
+        <p:grpSpPr>
+          <a:xfrm>
+            <a:off x="483256" y="4893357"/>
+            <a:ext cx="948040" cy="629490"/>
+            <a:chOff x="540471" y="2954563"/>
+            <a:chExt cx="948040" cy="629490"/>
+          </a:xfrm>
+        </p:grpSpPr>
+        <p:sp>
+          <p:nvSpPr>
+            <p:cNvPr id="15" name="Rounded Rectangle">
+              <a:extLst>
+                <a:ext uri="{FF2B5EF4-FFF2-40B4-BE49-F238E27FC236}">
+                  <a16:creationId xmlns:a16="http://schemas.microsoft.com/office/drawing/2014/main" id="{CC0DD6BE-648E-E14B-BDE7-3B8F68E78A5A}"/>
+                </a:ext>
+              </a:extLst>
+            </p:cNvPr>
+            <p:cNvSpPr/>
+            <p:nvPr/>
+          </p:nvSpPr>
+          <p:spPr>
+            <a:xfrm>
+              <a:off x="540471" y="2954563"/>
+              <a:ext cx="186040" cy="629490"/>
+            </a:xfrm>
+            <a:prstGeom prst="roundRect">
+              <a:avLst>
+                <a:gd name="adj" fmla="val 16667"/>
+              </a:avLst>
+            </a:prstGeom>
+            <a:solidFill>
+              <a:srgbClr val="FEFFFE"/>
+            </a:solidFill>
+            <a:ln w="38100" cap="flat">
+              <a:solidFill>
+                <a:srgbClr val="7030A0"/>
+              </a:solidFill>
+              <a:prstDash val="solid"/>
+              <a:round/>
+            </a:ln>
+            <a:effectLst/>
+          </p:spPr>
+          <p:txBody>
+            <a:bodyPr wrap="square" lIns="28575" tIns="28575" rIns="28575" bIns="28575" numCol="1" anchor="ctr">
+              <a:noAutofit/>
+            </a:bodyPr>
+            <a:lstStyle/>
+            <a:p>
+              <a:pPr marL="0" marR="0" lvl="0" indent="0" algn="ctr" defTabSz="1219184" rtl="0" eaLnBrk="1" fontAlgn="auto" latinLnBrk="0" hangingPunct="0">
+                <a:lnSpc>
+                  <a:spcPct val="90000"/>
+                </a:lnSpc>
+                <a:spcBef>
+                  <a:spcPts val="0"/>
+                </a:spcBef>
+                <a:spcAft>
+                  <a:spcPts val="0"/>
+                </a:spcAft>
+                <a:buClrTx/>
+                <a:buSzTx/>
+                <a:buFontTx/>
+                <a:buNone/>
+                <a:tabLst/>
+                <a:defRPr sz="900" b="0">
+                  <a:solidFill>
+                    <a:srgbClr val="002060"/>
+                  </a:solidFill>
+                  <a:latin typeface="IBM Plex Sans"/>
+                  <a:ea typeface="IBM Plex Sans"/>
+                  <a:cs typeface="IBM Plex Sans"/>
+                  <a:sym typeface="IBM Plex Sans"/>
+                </a:defRPr>
+              </a:pPr>
+              <a:r>
+                <a:rPr kumimoji="0" lang="en-US" sz="1400" b="0" i="0" u="none" strike="noStrike" kern="0" cap="none" spc="0" normalizeH="0" baseline="0" noProof="0" dirty="0">
+                  <a:ln>
+                    <a:noFill/>
+                  </a:ln>
+                  <a:solidFill>
+                    <a:srgbClr val="002060"/>
+                  </a:solidFill>
+                  <a:effectLst/>
+                  <a:uLnTx/>
+                  <a:uFillTx/>
+                  <a:latin typeface="IBM Plex Sans"/>
+                  <a:sym typeface="IBM Plex Sans"/>
+                </a:rPr>
+                <a:t>0</a:t>
+              </a:r>
+              <a:endParaRPr kumimoji="0" sz="1400" b="0" i="0" u="none" strike="noStrike" kern="0" cap="none" spc="0" normalizeH="0" baseline="0" noProof="0" dirty="0">
+                <a:ln>
+                  <a:noFill/>
+                </a:ln>
+                <a:solidFill>
+                  <a:srgbClr val="002060"/>
+                </a:solidFill>
+                <a:effectLst/>
+                <a:uLnTx/>
+                <a:uFillTx/>
+                <a:latin typeface="IBM Plex Sans"/>
+                <a:sym typeface="IBM Plex Sans"/>
+              </a:endParaRPr>
+            </a:p>
+          </p:txBody>
+        </p:sp>
+        <p:sp>
+          <p:nvSpPr>
+            <p:cNvPr id="30" name="Rounded Rectangle">
+              <a:extLst>
+                <a:ext uri="{FF2B5EF4-FFF2-40B4-BE49-F238E27FC236}">
+                  <a16:creationId xmlns:a16="http://schemas.microsoft.com/office/drawing/2014/main" id="{8051C379-0C75-FB4B-9F61-7AF330B954A2}"/>
+                </a:ext>
+              </a:extLst>
+            </p:cNvPr>
+            <p:cNvSpPr/>
+            <p:nvPr/>
+          </p:nvSpPr>
+          <p:spPr>
+            <a:xfrm>
+              <a:off x="692871" y="2954563"/>
+              <a:ext cx="186040" cy="629490"/>
+            </a:xfrm>
+            <a:prstGeom prst="roundRect">
+              <a:avLst>
+                <a:gd name="adj" fmla="val 16667"/>
+              </a:avLst>
+            </a:prstGeom>
+            <a:solidFill>
+              <a:srgbClr val="FEFFFE"/>
+            </a:solidFill>
+            <a:ln w="38100" cap="flat">
+              <a:solidFill>
+                <a:srgbClr val="7030A0"/>
+              </a:solidFill>
+              <a:prstDash val="solid"/>
+              <a:round/>
+            </a:ln>
+            <a:effectLst/>
+          </p:spPr>
+          <p:txBody>
+            <a:bodyPr wrap="square" lIns="28575" tIns="28575" rIns="28575" bIns="28575" numCol="1" anchor="ctr">
+              <a:noAutofit/>
+            </a:bodyPr>
+            <a:lstStyle/>
+            <a:p>
+              <a:pPr marL="0" marR="0" lvl="0" indent="0" algn="ctr" defTabSz="1219184" rtl="0" eaLnBrk="1" fontAlgn="auto" latinLnBrk="0" hangingPunct="0">
+                <a:lnSpc>
+                  <a:spcPct val="90000"/>
+                </a:lnSpc>
+                <a:spcBef>
+                  <a:spcPts val="0"/>
+                </a:spcBef>
+                <a:spcAft>
+                  <a:spcPts val="0"/>
+                </a:spcAft>
+                <a:buClrTx/>
+                <a:buSzTx/>
+                <a:buFontTx/>
+                <a:buNone/>
+                <a:tabLst/>
+                <a:defRPr sz="900" b="0">
+                  <a:solidFill>
+                    <a:srgbClr val="002060"/>
+                  </a:solidFill>
+                  <a:latin typeface="IBM Plex Sans"/>
+                  <a:ea typeface="IBM Plex Sans"/>
+                  <a:cs typeface="IBM Plex Sans"/>
+                  <a:sym typeface="IBM Plex Sans"/>
+                </a:defRPr>
+              </a:pPr>
+              <a:endParaRPr kumimoji="0" sz="1400" b="0" i="0" u="none" strike="noStrike" kern="0" cap="none" spc="0" normalizeH="0" baseline="0" noProof="0" dirty="0">
+                <a:ln>
+                  <a:noFill/>
+                </a:ln>
+                <a:solidFill>
+                  <a:srgbClr val="002060"/>
+                </a:solidFill>
+                <a:effectLst/>
+                <a:uLnTx/>
+                <a:uFillTx/>
+                <a:latin typeface="IBM Plex Sans"/>
+                <a:sym typeface="IBM Plex Sans"/>
+              </a:endParaRPr>
+            </a:p>
+          </p:txBody>
+        </p:sp>
+        <p:sp>
+          <p:nvSpPr>
+            <p:cNvPr id="31" name="Rounded Rectangle">
+              <a:extLst>
+                <a:ext uri="{FF2B5EF4-FFF2-40B4-BE49-F238E27FC236}">
+                  <a16:creationId xmlns:a16="http://schemas.microsoft.com/office/drawing/2014/main" id="{5B792338-88B4-5C42-9D94-F5A47128B0F5}"/>
+                </a:ext>
+              </a:extLst>
+            </p:cNvPr>
+            <p:cNvSpPr/>
+            <p:nvPr/>
+          </p:nvSpPr>
+          <p:spPr>
+            <a:xfrm>
+              <a:off x="845271" y="2954563"/>
+              <a:ext cx="186040" cy="629490"/>
+            </a:xfrm>
+            <a:prstGeom prst="roundRect">
+              <a:avLst>
+                <a:gd name="adj" fmla="val 16667"/>
+              </a:avLst>
+            </a:prstGeom>
+            <a:solidFill>
+              <a:srgbClr val="FEFFFE"/>
+            </a:solidFill>
+            <a:ln w="38100" cap="flat">
+              <a:solidFill>
+                <a:srgbClr val="7030A0"/>
+              </a:solidFill>
+              <a:prstDash val="solid"/>
+              <a:round/>
+            </a:ln>
+            <a:effectLst/>
+          </p:spPr>
+          <p:txBody>
+            <a:bodyPr wrap="square" lIns="28575" tIns="28575" rIns="28575" bIns="28575" numCol="1" anchor="ctr">
+              <a:noAutofit/>
+            </a:bodyPr>
+            <a:lstStyle/>
+            <a:p>
+              <a:pPr marL="0" marR="0" lvl="0" indent="0" algn="ctr" defTabSz="1219184" rtl="0" eaLnBrk="1" fontAlgn="auto" latinLnBrk="0" hangingPunct="0">
+                <a:lnSpc>
+                  <a:spcPct val="90000"/>
+                </a:lnSpc>
+                <a:spcBef>
+                  <a:spcPts val="0"/>
+                </a:spcBef>
+                <a:spcAft>
+                  <a:spcPts val="0"/>
+                </a:spcAft>
+                <a:buClrTx/>
+                <a:buSzTx/>
+                <a:buFontTx/>
+                <a:buNone/>
+                <a:tabLst/>
+                <a:defRPr sz="900" b="0">
+                  <a:solidFill>
+                    <a:srgbClr val="002060"/>
+                  </a:solidFill>
+                  <a:latin typeface="IBM Plex Sans"/>
+                  <a:ea typeface="IBM Plex Sans"/>
+                  <a:cs typeface="IBM Plex Sans"/>
+                  <a:sym typeface="IBM Plex Sans"/>
+                </a:defRPr>
+              </a:pPr>
+              <a:endParaRPr kumimoji="0" sz="1400" i="0" u="none" strike="noStrike" kern="0" cap="none" spc="0" normalizeH="0" baseline="0" noProof="0" dirty="0">
+                <a:ln>
+                  <a:noFill/>
+                </a:ln>
+                <a:solidFill>
+                  <a:srgbClr val="002060"/>
+                </a:solidFill>
+                <a:effectLst/>
+                <a:uLnTx/>
+                <a:uFillTx/>
+                <a:latin typeface="IBM Plex Sans"/>
+                <a:sym typeface="IBM Plex Sans"/>
+              </a:endParaRPr>
+            </a:p>
+          </p:txBody>
+        </p:sp>
+        <p:sp>
+          <p:nvSpPr>
+            <p:cNvPr id="32" name="Rounded Rectangle">
+              <a:extLst>
+                <a:ext uri="{FF2B5EF4-FFF2-40B4-BE49-F238E27FC236}">
+                  <a16:creationId xmlns:a16="http://schemas.microsoft.com/office/drawing/2014/main" id="{BF1CC6E3-39F9-514B-B096-B9AB30D21EB5}"/>
+                </a:ext>
+              </a:extLst>
+            </p:cNvPr>
+            <p:cNvSpPr/>
+            <p:nvPr/>
+          </p:nvSpPr>
+          <p:spPr>
+            <a:xfrm>
+              <a:off x="997671" y="2954563"/>
+              <a:ext cx="186040" cy="629490"/>
+            </a:xfrm>
+            <a:prstGeom prst="roundRect">
+              <a:avLst>
+                <a:gd name="adj" fmla="val 16667"/>
+              </a:avLst>
+            </a:prstGeom>
+            <a:solidFill>
+              <a:srgbClr val="FEFFFE"/>
+            </a:solidFill>
+            <a:ln w="38100" cap="flat">
+              <a:solidFill>
+                <a:srgbClr val="7030A0"/>
+              </a:solidFill>
+              <a:prstDash val="solid"/>
+              <a:round/>
+            </a:ln>
+            <a:effectLst/>
+          </p:spPr>
+          <p:txBody>
+            <a:bodyPr wrap="square" lIns="28575" tIns="28575" rIns="28575" bIns="28575" numCol="1" anchor="ctr">
+              <a:noAutofit/>
+            </a:bodyPr>
+            <a:lstStyle/>
+            <a:p>
+              <a:pPr marL="0" marR="0" lvl="0" indent="0" algn="ctr" defTabSz="1219184" rtl="0" eaLnBrk="1" fontAlgn="auto" latinLnBrk="0" hangingPunct="0">
+                <a:lnSpc>
+                  <a:spcPct val="90000"/>
+                </a:lnSpc>
+                <a:spcBef>
+                  <a:spcPts val="0"/>
+                </a:spcBef>
+                <a:spcAft>
+                  <a:spcPts val="0"/>
+                </a:spcAft>
+                <a:buClrTx/>
+                <a:buSzTx/>
+                <a:buFontTx/>
+                <a:buNone/>
+                <a:tabLst/>
+                <a:defRPr sz="900" b="0">
+                  <a:solidFill>
+                    <a:srgbClr val="002060"/>
+                  </a:solidFill>
+                  <a:latin typeface="IBM Plex Sans"/>
+                  <a:ea typeface="IBM Plex Sans"/>
+                  <a:cs typeface="IBM Plex Sans"/>
+                  <a:sym typeface="IBM Plex Sans"/>
+                </a:defRPr>
+              </a:pPr>
+              <a:endParaRPr kumimoji="0" sz="1400" b="0" i="0" u="none" strike="noStrike" kern="0" cap="none" spc="0" normalizeH="0" baseline="0" noProof="0" dirty="0">
+                <a:ln>
+                  <a:noFill/>
+                </a:ln>
+                <a:solidFill>
+                  <a:srgbClr val="002060"/>
+                </a:solidFill>
+                <a:effectLst/>
+                <a:uLnTx/>
+                <a:uFillTx/>
+                <a:latin typeface="IBM Plex Sans"/>
+                <a:sym typeface="IBM Plex Sans"/>
+              </a:endParaRPr>
+            </a:p>
+          </p:txBody>
+        </p:sp>
+        <p:sp>
+          <p:nvSpPr>
+            <p:cNvPr id="33" name="Rounded Rectangle">
+              <a:extLst>
+                <a:ext uri="{FF2B5EF4-FFF2-40B4-BE49-F238E27FC236}">
+                  <a16:creationId xmlns:a16="http://schemas.microsoft.com/office/drawing/2014/main" id="{41BA005E-4F26-A14D-A5B1-6B1D45F7E446}"/>
+                </a:ext>
+              </a:extLst>
+            </p:cNvPr>
+            <p:cNvSpPr/>
+            <p:nvPr/>
+          </p:nvSpPr>
+          <p:spPr>
+            <a:xfrm>
+              <a:off x="1150071" y="2954563"/>
+              <a:ext cx="186040" cy="629490"/>
+            </a:xfrm>
+            <a:prstGeom prst="roundRect">
+              <a:avLst>
+                <a:gd name="adj" fmla="val 16667"/>
+              </a:avLst>
+            </a:prstGeom>
+            <a:solidFill>
+              <a:srgbClr val="FEFFFE"/>
+            </a:solidFill>
+            <a:ln w="38100" cap="flat">
+              <a:solidFill>
+                <a:srgbClr val="7030A0"/>
+              </a:solidFill>
+              <a:prstDash val="solid"/>
+              <a:round/>
+            </a:ln>
+            <a:effectLst/>
+          </p:spPr>
+          <p:txBody>
+            <a:bodyPr wrap="square" lIns="28575" tIns="28575" rIns="28575" bIns="28575" numCol="1" anchor="ctr">
+              <a:noAutofit/>
+            </a:bodyPr>
+            <a:lstStyle/>
+            <a:p>
+              <a:pPr marL="0" marR="0" lvl="0" indent="0" algn="ctr" defTabSz="1219184" rtl="0" eaLnBrk="1" fontAlgn="auto" latinLnBrk="0" hangingPunct="0">
+                <a:lnSpc>
+                  <a:spcPct val="90000"/>
+                </a:lnSpc>
+                <a:spcBef>
+                  <a:spcPts val="0"/>
+                </a:spcBef>
+                <a:spcAft>
+                  <a:spcPts val="0"/>
+                </a:spcAft>
+                <a:buClrTx/>
+                <a:buSzTx/>
+                <a:buFontTx/>
+                <a:buNone/>
+                <a:tabLst/>
+                <a:defRPr sz="900" b="0">
+                  <a:solidFill>
+                    <a:srgbClr val="002060"/>
+                  </a:solidFill>
+                  <a:latin typeface="IBM Plex Sans"/>
+                  <a:ea typeface="IBM Plex Sans"/>
+                  <a:cs typeface="IBM Plex Sans"/>
+                  <a:sym typeface="IBM Plex Sans"/>
+                </a:defRPr>
+              </a:pPr>
+              <a:endParaRPr kumimoji="0" sz="1400" b="0" i="0" u="none" strike="noStrike" kern="0" cap="none" spc="0" normalizeH="0" baseline="0" noProof="0" dirty="0">
+                <a:ln>
+                  <a:noFill/>
+                </a:ln>
+                <a:solidFill>
+                  <a:srgbClr val="002060"/>
+                </a:solidFill>
+                <a:effectLst/>
+                <a:uLnTx/>
+                <a:uFillTx/>
+                <a:latin typeface="IBM Plex Sans"/>
+                <a:sym typeface="IBM Plex Sans"/>
+              </a:endParaRPr>
+            </a:p>
+          </p:txBody>
+        </p:sp>
+        <p:sp>
+          <p:nvSpPr>
+            <p:cNvPr id="34" name="Rounded Rectangle">
+              <a:extLst>
+                <a:ext uri="{FF2B5EF4-FFF2-40B4-BE49-F238E27FC236}">
+                  <a16:creationId xmlns:a16="http://schemas.microsoft.com/office/drawing/2014/main" id="{D35CD717-AC73-B64C-988E-9580AC4F4E9A}"/>
+                </a:ext>
+              </a:extLst>
+            </p:cNvPr>
+            <p:cNvSpPr/>
+            <p:nvPr/>
+          </p:nvSpPr>
+          <p:spPr>
+            <a:xfrm>
+              <a:off x="1302471" y="2954563"/>
+              <a:ext cx="186040" cy="629490"/>
+            </a:xfrm>
+            <a:prstGeom prst="roundRect">
+              <a:avLst>
+                <a:gd name="adj" fmla="val 16667"/>
+              </a:avLst>
+            </a:prstGeom>
+            <a:solidFill>
+              <a:srgbClr val="FEFFFE"/>
+            </a:solidFill>
+            <a:ln w="38100" cap="flat">
+              <a:solidFill>
+                <a:srgbClr val="7030A0"/>
+              </a:solidFill>
+              <a:prstDash val="solid"/>
+              <a:round/>
+            </a:ln>
+            <a:effectLst/>
+          </p:spPr>
+          <p:txBody>
+            <a:bodyPr wrap="square" lIns="28575" tIns="28575" rIns="28575" bIns="28575" numCol="1" anchor="ctr">
+              <a:noAutofit/>
+            </a:bodyPr>
+            <a:lstStyle/>
+            <a:p>
+              <a:pPr marL="0" marR="0" lvl="0" indent="0" algn="ctr" defTabSz="1219184" rtl="0" eaLnBrk="1" fontAlgn="auto" latinLnBrk="0" hangingPunct="0">
+                <a:lnSpc>
+                  <a:spcPct val="90000"/>
+                </a:lnSpc>
+                <a:spcBef>
+                  <a:spcPts val="0"/>
+                </a:spcBef>
+                <a:spcAft>
+                  <a:spcPts val="0"/>
+                </a:spcAft>
+                <a:buClrTx/>
+                <a:buSzTx/>
+                <a:buFontTx/>
+                <a:buNone/>
+                <a:tabLst/>
+                <a:defRPr sz="900" b="0">
+                  <a:solidFill>
+                    <a:srgbClr val="002060"/>
+                  </a:solidFill>
+                  <a:latin typeface="IBM Plex Sans"/>
+                  <a:ea typeface="IBM Plex Sans"/>
+                  <a:cs typeface="IBM Plex Sans"/>
+                  <a:sym typeface="IBM Plex Sans"/>
+                </a:defRPr>
+              </a:pPr>
+              <a:r>
+                <a:rPr lang="en-US" sz="1400" kern="0" dirty="0">
+                  <a:solidFill>
+                    <a:srgbClr val="002060"/>
+                  </a:solidFill>
+                  <a:latin typeface="IBM Plex Sans"/>
+                  <a:sym typeface="IBM Plex Sans"/>
+                </a:rPr>
+                <a:t>n</a:t>
+              </a:r>
+              <a:endParaRPr kumimoji="0" sz="1400" b="0" i="0" u="none" strike="noStrike" kern="0" cap="none" spc="0" normalizeH="0" baseline="0" noProof="0" dirty="0">
+                <a:ln>
+                  <a:noFill/>
+                </a:ln>
+                <a:solidFill>
+                  <a:srgbClr val="002060"/>
+                </a:solidFill>
+                <a:effectLst/>
+                <a:uLnTx/>
+                <a:uFillTx/>
+                <a:latin typeface="IBM Plex Sans"/>
+                <a:sym typeface="IBM Plex Sans"/>
+              </a:endParaRPr>
+            </a:p>
+          </p:txBody>
+        </p:sp>
+      </p:grpSp>
+      <p:sp>
+        <p:nvSpPr>
+          <p:cNvPr id="37" name="Rectangle 36">
+            <a:extLst>
+              <a:ext uri="{FF2B5EF4-FFF2-40B4-BE49-F238E27FC236}">
+                <a16:creationId xmlns:a16="http://schemas.microsoft.com/office/drawing/2014/main" id="{D5F2224E-8C84-7640-90FA-95D0CEB68280}"/>
+              </a:ext>
+            </a:extLst>
+          </p:cNvPr>
+          <p:cNvSpPr/>
+          <p:nvPr/>
+        </p:nvSpPr>
+        <p:spPr>
+          <a:xfrm>
+            <a:off x="2064472" y="1939147"/>
+            <a:ext cx="3686759" cy="2337292"/>
+          </a:xfrm>
+          <a:custGeom>
+            <a:avLst/>
+            <a:gdLst>
+              <a:gd name="connsiteX0" fmla="*/ 0 w 3686759"/>
+              <a:gd name="connsiteY0" fmla="*/ 0 h 2337292"/>
+              <a:gd name="connsiteX1" fmla="*/ 489812 w 3686759"/>
+              <a:gd name="connsiteY1" fmla="*/ 0 h 2337292"/>
+              <a:gd name="connsiteX2" fmla="*/ 905889 w 3686759"/>
+              <a:gd name="connsiteY2" fmla="*/ 0 h 2337292"/>
+              <a:gd name="connsiteX3" fmla="*/ 1506304 w 3686759"/>
+              <a:gd name="connsiteY3" fmla="*/ 0 h 2337292"/>
+              <a:gd name="connsiteX4" fmla="*/ 1996117 w 3686759"/>
+              <a:gd name="connsiteY4" fmla="*/ 0 h 2337292"/>
+              <a:gd name="connsiteX5" fmla="*/ 2485929 w 3686759"/>
+              <a:gd name="connsiteY5" fmla="*/ 0 h 2337292"/>
+              <a:gd name="connsiteX6" fmla="*/ 3086344 w 3686759"/>
+              <a:gd name="connsiteY6" fmla="*/ 0 h 2337292"/>
+              <a:gd name="connsiteX7" fmla="*/ 3686759 w 3686759"/>
+              <a:gd name="connsiteY7" fmla="*/ 0 h 2337292"/>
+              <a:gd name="connsiteX8" fmla="*/ 3686759 w 3686759"/>
+              <a:gd name="connsiteY8" fmla="*/ 631069 h 2337292"/>
+              <a:gd name="connsiteX9" fmla="*/ 3686759 w 3686759"/>
+              <a:gd name="connsiteY9" fmla="*/ 1168646 h 2337292"/>
+              <a:gd name="connsiteX10" fmla="*/ 3686759 w 3686759"/>
+              <a:gd name="connsiteY10" fmla="*/ 1706223 h 2337292"/>
+              <a:gd name="connsiteX11" fmla="*/ 3686759 w 3686759"/>
+              <a:gd name="connsiteY11" fmla="*/ 2337292 h 2337292"/>
+              <a:gd name="connsiteX12" fmla="*/ 3123212 w 3686759"/>
+              <a:gd name="connsiteY12" fmla="*/ 2337292 h 2337292"/>
+              <a:gd name="connsiteX13" fmla="*/ 2522797 w 3686759"/>
+              <a:gd name="connsiteY13" fmla="*/ 2337292 h 2337292"/>
+              <a:gd name="connsiteX14" fmla="*/ 1922381 w 3686759"/>
+              <a:gd name="connsiteY14" fmla="*/ 2337292 h 2337292"/>
+              <a:gd name="connsiteX15" fmla="*/ 1469437 w 3686759"/>
+              <a:gd name="connsiteY15" fmla="*/ 2337292 h 2337292"/>
+              <a:gd name="connsiteX16" fmla="*/ 942757 w 3686759"/>
+              <a:gd name="connsiteY16" fmla="*/ 2337292 h 2337292"/>
+              <a:gd name="connsiteX17" fmla="*/ 0 w 3686759"/>
+              <a:gd name="connsiteY17" fmla="*/ 2337292 h 2337292"/>
+              <a:gd name="connsiteX18" fmla="*/ 0 w 3686759"/>
+              <a:gd name="connsiteY18" fmla="*/ 1752969 h 2337292"/>
+              <a:gd name="connsiteX19" fmla="*/ 0 w 3686759"/>
+              <a:gd name="connsiteY19" fmla="*/ 1215392 h 2337292"/>
+              <a:gd name="connsiteX20" fmla="*/ 0 w 3686759"/>
+              <a:gd name="connsiteY20" fmla="*/ 677815 h 2337292"/>
+              <a:gd name="connsiteX21" fmla="*/ 0 w 3686759"/>
+              <a:gd name="connsiteY21" fmla="*/ 0 h 2337292"/>
+            </a:gdLst>
+            <a:ahLst/>
+            <a:cxnLst>
+              <a:cxn ang="0">
+                <a:pos x="connsiteX0" y="connsiteY0"/>
+              </a:cxn>
+              <a:cxn ang="0">
+                <a:pos x="connsiteX1" y="connsiteY1"/>
+              </a:cxn>
+              <a:cxn ang="0">
+                <a:pos x="connsiteX2" y="connsiteY2"/>
+              </a:cxn>
+              <a:cxn ang="0">
+                <a:pos x="connsiteX3" y="connsiteY3"/>
+              </a:cxn>
+              <a:cxn ang="0">
+                <a:pos x="connsiteX4" y="connsiteY4"/>
+              </a:cxn>
+              <a:cxn ang="0">
+                <a:pos x="connsiteX5" y="connsiteY5"/>
+              </a:cxn>
+              <a:cxn ang="0">
+                <a:pos x="connsiteX6" y="connsiteY6"/>
+              </a:cxn>
+              <a:cxn ang="0">
+                <a:pos x="connsiteX7" y="connsiteY7"/>
+              </a:cxn>
+              <a:cxn ang="0">
+                <a:pos x="connsiteX8" y="connsiteY8"/>
+              </a:cxn>
+              <a:cxn ang="0">
+                <a:pos x="connsiteX9" y="connsiteY9"/>
+              </a:cxn>
+              <a:cxn ang="0">
+                <a:pos x="connsiteX10" y="connsiteY10"/>
+              </a:cxn>
+              <a:cxn ang="0">
+                <a:pos x="connsiteX11" y="connsiteY11"/>
+              </a:cxn>
+              <a:cxn ang="0">
+                <a:pos x="connsiteX12" y="connsiteY12"/>
+              </a:cxn>
+              <a:cxn ang="0">
+                <a:pos x="connsiteX13" y="connsiteY13"/>
+              </a:cxn>
+              <a:cxn ang="0">
+                <a:pos x="connsiteX14" y="connsiteY14"/>
+              </a:cxn>
+              <a:cxn ang="0">
+                <a:pos x="connsiteX15" y="connsiteY15"/>
+              </a:cxn>
+              <a:cxn ang="0">
+                <a:pos x="connsiteX16" y="connsiteY16"/>
+              </a:cxn>
+              <a:cxn ang="0">
+                <a:pos x="connsiteX17" y="connsiteY17"/>
+              </a:cxn>
+              <a:cxn ang="0">
+                <a:pos x="connsiteX18" y="connsiteY18"/>
+              </a:cxn>
+              <a:cxn ang="0">
+                <a:pos x="connsiteX19" y="connsiteY19"/>
+              </a:cxn>
+              <a:cxn ang="0">
+                <a:pos x="connsiteX20" y="connsiteY20"/>
+              </a:cxn>
+              <a:cxn ang="0">
+                <a:pos x="connsiteX21" y="connsiteY21"/>
+              </a:cxn>
+            </a:cxnLst>
+            <a:rect l="l" t="t" r="r" b="b"/>
+            <a:pathLst>
+              <a:path w="3686759" h="2337292" extrusionOk="0">
+                <a:moveTo>
+                  <a:pt x="0" y="0"/>
+                </a:moveTo>
+                <a:cubicBezTo>
+                  <a:pt x="140009" y="-29981"/>
+                  <a:pt x="290038" y="23499"/>
+                  <a:pt x="489812" y="0"/>
+                </a:cubicBezTo>
+                <a:cubicBezTo>
+                  <a:pt x="689586" y="-23499"/>
+                  <a:pt x="821821" y="33493"/>
+                  <a:pt x="905889" y="0"/>
+                </a:cubicBezTo>
+                <a:cubicBezTo>
+                  <a:pt x="989957" y="-33493"/>
+                  <a:pt x="1214998" y="45895"/>
+                  <a:pt x="1506304" y="0"/>
+                </a:cubicBezTo>
+                <a:cubicBezTo>
+                  <a:pt x="1797611" y="-45895"/>
+                  <a:pt x="1782539" y="51075"/>
+                  <a:pt x="1996117" y="0"/>
+                </a:cubicBezTo>
+                <a:cubicBezTo>
+                  <a:pt x="2209695" y="-51075"/>
+                  <a:pt x="2353573" y="1001"/>
+                  <a:pt x="2485929" y="0"/>
+                </a:cubicBezTo>
+                <a:cubicBezTo>
+                  <a:pt x="2618285" y="-1001"/>
+                  <a:pt x="2919535" y="27717"/>
+                  <a:pt x="3086344" y="0"/>
+                </a:cubicBezTo>
+                <a:cubicBezTo>
+                  <a:pt x="3253154" y="-27717"/>
+                  <a:pt x="3561752" y="52679"/>
+                  <a:pt x="3686759" y="0"/>
+                </a:cubicBezTo>
+                <a:cubicBezTo>
+                  <a:pt x="3742570" y="166612"/>
+                  <a:pt x="3617166" y="390508"/>
+                  <a:pt x="3686759" y="631069"/>
+                </a:cubicBezTo>
+                <a:cubicBezTo>
+                  <a:pt x="3756352" y="871630"/>
+                  <a:pt x="3653998" y="1008872"/>
+                  <a:pt x="3686759" y="1168646"/>
+                </a:cubicBezTo>
+                <a:cubicBezTo>
+                  <a:pt x="3719520" y="1328420"/>
+                  <a:pt x="3625328" y="1527695"/>
+                  <a:pt x="3686759" y="1706223"/>
+                </a:cubicBezTo>
+                <a:cubicBezTo>
+                  <a:pt x="3748190" y="1884751"/>
+                  <a:pt x="3645176" y="2041424"/>
+                  <a:pt x="3686759" y="2337292"/>
+                </a:cubicBezTo>
+                <a:cubicBezTo>
+                  <a:pt x="3520227" y="2348515"/>
+                  <a:pt x="3365635" y="2315084"/>
+                  <a:pt x="3123212" y="2337292"/>
+                </a:cubicBezTo>
+                <a:cubicBezTo>
+                  <a:pt x="2880789" y="2359500"/>
+                  <a:pt x="2644138" y="2323696"/>
+                  <a:pt x="2522797" y="2337292"/>
+                </a:cubicBezTo>
+                <a:cubicBezTo>
+                  <a:pt x="2401457" y="2350888"/>
+                  <a:pt x="2052263" y="2266827"/>
+                  <a:pt x="1922381" y="2337292"/>
+                </a:cubicBezTo>
+                <a:cubicBezTo>
+                  <a:pt x="1792499" y="2407757"/>
+                  <a:pt x="1672333" y="2336449"/>
+                  <a:pt x="1469437" y="2337292"/>
+                </a:cubicBezTo>
+                <a:cubicBezTo>
+                  <a:pt x="1266541" y="2338135"/>
+                  <a:pt x="1107177" y="2333895"/>
+                  <a:pt x="942757" y="2337292"/>
+                </a:cubicBezTo>
+                <a:cubicBezTo>
+                  <a:pt x="778337" y="2340689"/>
+                  <a:pt x="400607" y="2241648"/>
+                  <a:pt x="0" y="2337292"/>
+                </a:cubicBezTo>
+                <a:cubicBezTo>
+                  <a:pt x="-33523" y="2090760"/>
+                  <a:pt x="38868" y="1970384"/>
+                  <a:pt x="0" y="1752969"/>
+                </a:cubicBezTo>
+                <a:cubicBezTo>
+                  <a:pt x="-38868" y="1535554"/>
+                  <a:pt x="42536" y="1385183"/>
+                  <a:pt x="0" y="1215392"/>
+                </a:cubicBezTo>
+                <a:cubicBezTo>
+                  <a:pt x="-42536" y="1045601"/>
+                  <a:pt x="48071" y="798655"/>
+                  <a:pt x="0" y="677815"/>
+                </a:cubicBezTo>
+                <a:cubicBezTo>
+                  <a:pt x="-48071" y="556975"/>
+                  <a:pt x="24603" y="194401"/>
+                  <a:pt x="0" y="0"/>
+                </a:cubicBezTo>
+                <a:close/>
+              </a:path>
+            </a:pathLst>
+          </a:custGeom>
+          <a:noFill/>
+          <a:ln w="12700">
+            <a:solidFill>
+              <a:srgbClr val="7030A0"/>
+            </a:solidFill>
+            <a:extLst>
+              <a:ext uri="{C807C97D-BFC1-408E-A445-0C87EB9F89A2}">
+                <ask:lineSketchStyleProps xmlns:ask="http://schemas.microsoft.com/office/drawing/2018/sketchyshapes" sd="1219033472">
+                  <a:prstGeom prst="rect">
+                    <a:avLst/>
+                  </a:prstGeom>
+                  <ask:type>
+                    <ask:lineSketchScribble/>
+                  </ask:type>
+                </ask:lineSketchStyleProps>
+              </a:ext>
+            </a:extLst>
+          </a:ln>
+        </p:spPr>
+        <p:style>
+          <a:lnRef idx="2">
+            <a:schemeClr val="accent1">
+              <a:shade val="50000"/>
+            </a:schemeClr>
+          </a:lnRef>
+          <a:fillRef idx="1">
+            <a:schemeClr val="accent1"/>
+          </a:fillRef>
+          <a:effectRef idx="0">
+            <a:schemeClr val="accent1"/>
+          </a:effectRef>
+          <a:fontRef idx="minor">
+            <a:schemeClr val="lt1"/>
+          </a:fontRef>
+        </p:style>
+        <p:txBody>
+          <a:bodyPr rtlCol="0" anchor="t"/>
+          <a:lstStyle/>
+          <a:p>
+            <a:pPr algn="ctr"/>
+            <a:r>
+              <a:rPr lang="en-US" sz="1200" dirty="0">
+                <a:solidFill>
+                  <a:srgbClr val="7030A0"/>
+                </a:solidFill>
+              </a:rPr>
+              <a:t>Flink Runtime</a:t>
+            </a:r>
+            <a:endParaRPr sz="1200" dirty="0">
+              <a:solidFill>
+                <a:srgbClr val="7030A0"/>
+              </a:solidFill>
+            </a:endParaRPr>
+          </a:p>
+        </p:txBody>
+      </p:sp>
+      <p:sp>
+        <p:nvSpPr>
+          <p:cNvPr id="38" name="Rounded Rectangle 37">
+            <a:extLst>
+              <a:ext uri="{FF2B5EF4-FFF2-40B4-BE49-F238E27FC236}">
+                <a16:creationId xmlns:a16="http://schemas.microsoft.com/office/drawing/2014/main" id="{A8615493-8BAE-464D-A145-9ED8C6392D20}"/>
+              </a:ext>
+            </a:extLst>
+          </p:cNvPr>
+          <p:cNvSpPr/>
+          <p:nvPr/>
+        </p:nvSpPr>
+        <p:spPr>
+          <a:xfrm>
+            <a:off x="2157491" y="2339413"/>
+            <a:ext cx="1629418" cy="531368"/>
+          </a:xfrm>
+          <a:prstGeom prst="roundRect">
+            <a:avLst>
+              <a:gd name="adj" fmla="val 6808"/>
+            </a:avLst>
+          </a:prstGeom>
+          <a:solidFill>
+            <a:schemeClr val="accent6">
+              <a:lumMod val="60000"/>
+              <a:lumOff val="40000"/>
+            </a:schemeClr>
+          </a:solidFill>
+          <a:ln>
+            <a:noFill/>
+          </a:ln>
+          <a:effectLst>
+            <a:outerShdw blurRad="50800" dist="38100" dir="5400000" algn="t" rotWithShape="0">
+              <a:prstClr val="black">
+                <a:alpha val="40000"/>
+              </a:prstClr>
+            </a:outerShdw>
+          </a:effectLst>
+        </p:spPr>
+        <p:style>
+          <a:lnRef idx="2">
+            <a:schemeClr val="accent1">
+              <a:shade val="50000"/>
+            </a:schemeClr>
+          </a:lnRef>
+          <a:fillRef idx="1">
+            <a:schemeClr val="accent1"/>
+          </a:fillRef>
+          <a:effectRef idx="0">
+            <a:schemeClr val="accent1"/>
+          </a:effectRef>
+          <a:fontRef idx="minor">
+            <a:schemeClr val="lt1"/>
+          </a:fontRef>
+        </p:style>
+        <p:txBody>
+          <a:bodyPr rtlCol="0" anchor="t"/>
+          <a:lstStyle/>
+          <a:p>
+            <a:pPr algn="ctr"/>
+            <a:r>
+              <a:rPr lang="en-US" sz="1000" dirty="0"/>
+              <a:t>Data Stream </a:t>
+            </a:r>
+          </a:p>
+          <a:p>
+            <a:pPr algn="ctr"/>
+            <a:r>
+              <a:rPr lang="en-US" sz="1000" dirty="0"/>
+              <a:t>Real Time Processing</a:t>
+            </a:r>
+            <a:endParaRPr sz="1000" dirty="0"/>
+          </a:p>
+        </p:txBody>
+      </p:sp>
+      <p:sp>
+        <p:nvSpPr>
+          <p:cNvPr id="44" name="Rounded Rectangle 43">
+            <a:extLst>
+              <a:ext uri="{FF2B5EF4-FFF2-40B4-BE49-F238E27FC236}">
+                <a16:creationId xmlns:a16="http://schemas.microsoft.com/office/drawing/2014/main" id="{A3B3C7A8-0A61-DE4C-BC4A-A637B2833849}"/>
+              </a:ext>
+            </a:extLst>
+          </p:cNvPr>
+          <p:cNvSpPr/>
+          <p:nvPr/>
+        </p:nvSpPr>
+        <p:spPr>
+          <a:xfrm>
+            <a:off x="6848579" y="2304392"/>
+            <a:ext cx="1629418" cy="248222"/>
+          </a:xfrm>
+          <a:prstGeom prst="roundRect">
+            <a:avLst>
+              <a:gd name="adj" fmla="val 6808"/>
+            </a:avLst>
+          </a:prstGeom>
+          <a:solidFill>
+            <a:schemeClr val="accent6">
+              <a:lumMod val="60000"/>
+              <a:lumOff val="40000"/>
+            </a:schemeClr>
+          </a:solidFill>
+          <a:ln>
+            <a:noFill/>
+          </a:ln>
+          <a:effectLst>
+            <a:outerShdw blurRad="50800" dist="38100" dir="5400000" algn="t" rotWithShape="0">
+              <a:prstClr val="black">
+                <a:alpha val="40000"/>
+              </a:prstClr>
+            </a:outerShdw>
+          </a:effectLst>
+        </p:spPr>
+        <p:style>
+          <a:lnRef idx="2">
+            <a:schemeClr val="accent1">
+              <a:shade val="50000"/>
+            </a:schemeClr>
+          </a:lnRef>
+          <a:fillRef idx="1">
+            <a:schemeClr val="accent1"/>
+          </a:fillRef>
+          <a:effectRef idx="0">
+            <a:schemeClr val="accent1"/>
+          </a:effectRef>
+          <a:fontRef idx="minor">
+            <a:schemeClr val="lt1"/>
+          </a:fontRef>
+        </p:style>
+        <p:txBody>
+          <a:bodyPr rtlCol="0" anchor="t"/>
+          <a:lstStyle/>
+          <a:p>
+            <a:pPr algn="ctr"/>
+            <a:r>
+              <a:rPr lang="en-US" sz="1000" dirty="0"/>
+              <a:t>Rule Engine / Rule App</a:t>
+            </a:r>
+            <a:endParaRPr sz="1000" dirty="0"/>
+          </a:p>
+        </p:txBody>
+      </p:sp>
+      <p:cxnSp>
+        <p:nvCxnSpPr>
+          <p:cNvPr id="45" name="Straight Arrow Connector 37">
+            <a:extLst>
+              <a:ext uri="{FF2B5EF4-FFF2-40B4-BE49-F238E27FC236}">
+                <a16:creationId xmlns:a16="http://schemas.microsoft.com/office/drawing/2014/main" id="{4083E5D6-980C-BE46-A643-18EF7EF5C099}"/>
+              </a:ext>
+            </a:extLst>
+          </p:cNvPr>
+          <p:cNvCxnSpPr>
+            <a:cxnSpLocks/>
+            <a:stCxn id="38" idx="3"/>
+            <a:endCxn id="44" idx="1"/>
+          </p:cNvCxnSpPr>
+          <p:nvPr/>
+        </p:nvCxnSpPr>
+        <p:spPr>
+          <a:xfrm flipV="1">
+            <a:off x="3786909" y="2428503"/>
+            <a:ext cx="3061670" cy="176594"/>
+          </a:xfrm>
+          <a:prstGeom prst="curvedConnector3">
+            <a:avLst>
+              <a:gd name="adj1" fmla="val 50000"/>
+            </a:avLst>
+          </a:prstGeom>
+          <a:ln>
+            <a:solidFill>
+              <a:srgbClr val="7030A0"/>
+            </a:solidFill>
+            <a:headEnd type="triangle"/>
+            <a:tailEnd type="triangle"/>
+          </a:ln>
+        </p:spPr>
+        <p:style>
+          <a:lnRef idx="1">
+            <a:schemeClr val="accent1"/>
+          </a:lnRef>
+          <a:fillRef idx="0">
+            <a:schemeClr val="accent1"/>
+          </a:fillRef>
+          <a:effectRef idx="0">
+            <a:schemeClr val="accent1"/>
+          </a:effectRef>
+          <a:fontRef idx="minor">
+            <a:schemeClr val="tx1"/>
+          </a:fontRef>
+        </p:style>
+      </p:cxnSp>
+      <p:grpSp>
+        <p:nvGrpSpPr>
+          <p:cNvPr id="46" name="Group 45">
+            <a:extLst>
+              <a:ext uri="{FF2B5EF4-FFF2-40B4-BE49-F238E27FC236}">
+                <a16:creationId xmlns:a16="http://schemas.microsoft.com/office/drawing/2014/main" id="{2AC4CBAD-1317-6842-95A5-75B096C7E434}"/>
+              </a:ext>
+            </a:extLst>
+          </p:cNvPr>
+          <p:cNvGrpSpPr/>
+          <p:nvPr/>
+        </p:nvGrpSpPr>
+        <p:grpSpPr>
+          <a:xfrm>
+            <a:off x="3786909" y="4893357"/>
+            <a:ext cx="948040" cy="629490"/>
+            <a:chOff x="540471" y="2954563"/>
+            <a:chExt cx="948040" cy="629490"/>
+          </a:xfrm>
+        </p:grpSpPr>
+        <p:sp>
+          <p:nvSpPr>
+            <p:cNvPr id="47" name="Rounded Rectangle">
+              <a:extLst>
+                <a:ext uri="{FF2B5EF4-FFF2-40B4-BE49-F238E27FC236}">
+                  <a16:creationId xmlns:a16="http://schemas.microsoft.com/office/drawing/2014/main" id="{14606055-720C-4047-A0AD-672F9406E69D}"/>
+                </a:ext>
+              </a:extLst>
+            </p:cNvPr>
+            <p:cNvSpPr/>
+            <p:nvPr/>
+          </p:nvSpPr>
+          <p:spPr>
+            <a:xfrm>
+              <a:off x="540471" y="2954563"/>
+              <a:ext cx="186040" cy="629490"/>
+            </a:xfrm>
+            <a:prstGeom prst="roundRect">
+              <a:avLst>
+                <a:gd name="adj" fmla="val 16667"/>
+              </a:avLst>
+            </a:prstGeom>
+            <a:solidFill>
+              <a:srgbClr val="FEFFFE"/>
+            </a:solidFill>
+            <a:ln w="38100" cap="flat">
+              <a:solidFill>
+                <a:srgbClr val="7030A0"/>
+              </a:solidFill>
+              <a:prstDash val="solid"/>
+              <a:round/>
+            </a:ln>
+            <a:effectLst/>
+          </p:spPr>
+          <p:txBody>
+            <a:bodyPr wrap="square" lIns="28575" tIns="28575" rIns="28575" bIns="28575" numCol="1" anchor="ctr">
+              <a:noAutofit/>
+            </a:bodyPr>
+            <a:lstStyle/>
+            <a:p>
+              <a:pPr marL="0" marR="0" lvl="0" indent="0" algn="ctr" defTabSz="1219184" rtl="0" eaLnBrk="1" fontAlgn="auto" latinLnBrk="0" hangingPunct="0">
+                <a:lnSpc>
+                  <a:spcPct val="90000"/>
+                </a:lnSpc>
+                <a:spcBef>
+                  <a:spcPts val="0"/>
+                </a:spcBef>
+                <a:spcAft>
+                  <a:spcPts val="0"/>
+                </a:spcAft>
+                <a:buClrTx/>
+                <a:buSzTx/>
+                <a:buFontTx/>
+                <a:buNone/>
+                <a:tabLst/>
+                <a:defRPr sz="900" b="0">
+                  <a:solidFill>
+                    <a:srgbClr val="002060"/>
+                  </a:solidFill>
+                  <a:latin typeface="IBM Plex Sans"/>
+                  <a:ea typeface="IBM Plex Sans"/>
+                  <a:cs typeface="IBM Plex Sans"/>
+                  <a:sym typeface="IBM Plex Sans"/>
+                </a:defRPr>
+              </a:pPr>
+              <a:r>
+                <a:rPr kumimoji="0" lang="en-US" sz="1400" b="0" i="0" u="none" strike="noStrike" kern="0" cap="none" spc="0" normalizeH="0" baseline="0" noProof="0" dirty="0">
+                  <a:ln>
+                    <a:noFill/>
+                  </a:ln>
+                  <a:solidFill>
+                    <a:srgbClr val="002060"/>
+                  </a:solidFill>
+                  <a:effectLst/>
+                  <a:uLnTx/>
+                  <a:uFillTx/>
+                  <a:latin typeface="IBM Plex Sans"/>
+                  <a:sym typeface="IBM Plex Sans"/>
+                </a:rPr>
+                <a:t>0</a:t>
+              </a:r>
+              <a:endParaRPr kumimoji="0" sz="1400" b="0" i="0" u="none" strike="noStrike" kern="0" cap="none" spc="0" normalizeH="0" baseline="0" noProof="0" dirty="0">
+                <a:ln>
+                  <a:noFill/>
+                </a:ln>
+                <a:solidFill>
+                  <a:srgbClr val="002060"/>
+                </a:solidFill>
+                <a:effectLst/>
+                <a:uLnTx/>
+                <a:uFillTx/>
+                <a:latin typeface="IBM Plex Sans"/>
+                <a:sym typeface="IBM Plex Sans"/>
+              </a:endParaRPr>
+            </a:p>
+          </p:txBody>
+        </p:sp>
+        <p:sp>
+          <p:nvSpPr>
+            <p:cNvPr id="48" name="Rounded Rectangle">
+              <a:extLst>
+                <a:ext uri="{FF2B5EF4-FFF2-40B4-BE49-F238E27FC236}">
+                  <a16:creationId xmlns:a16="http://schemas.microsoft.com/office/drawing/2014/main" id="{C9EF96AA-3AB8-5F4F-A8ED-D80DA57811AE}"/>
+                </a:ext>
+              </a:extLst>
+            </p:cNvPr>
+            <p:cNvSpPr/>
+            <p:nvPr/>
+          </p:nvSpPr>
+          <p:spPr>
+            <a:xfrm>
+              <a:off x="692871" y="2954563"/>
+              <a:ext cx="186040" cy="629490"/>
+            </a:xfrm>
+            <a:prstGeom prst="roundRect">
+              <a:avLst>
+                <a:gd name="adj" fmla="val 16667"/>
+              </a:avLst>
+            </a:prstGeom>
+            <a:solidFill>
+              <a:srgbClr val="FEFFFE"/>
+            </a:solidFill>
+            <a:ln w="38100" cap="flat">
+              <a:solidFill>
+                <a:srgbClr val="7030A0"/>
+              </a:solidFill>
+              <a:prstDash val="solid"/>
+              <a:round/>
+            </a:ln>
+            <a:effectLst/>
+          </p:spPr>
+          <p:txBody>
+            <a:bodyPr wrap="square" lIns="28575" tIns="28575" rIns="28575" bIns="28575" numCol="1" anchor="ctr">
+              <a:noAutofit/>
+            </a:bodyPr>
+            <a:lstStyle/>
+            <a:p>
+              <a:pPr marL="0" marR="0" lvl="0" indent="0" algn="ctr" defTabSz="1219184" rtl="0" eaLnBrk="1" fontAlgn="auto" latinLnBrk="0" hangingPunct="0">
+                <a:lnSpc>
+                  <a:spcPct val="90000"/>
+                </a:lnSpc>
+                <a:spcBef>
+                  <a:spcPts val="0"/>
+                </a:spcBef>
+                <a:spcAft>
+                  <a:spcPts val="0"/>
+                </a:spcAft>
+                <a:buClrTx/>
+                <a:buSzTx/>
+                <a:buFontTx/>
+                <a:buNone/>
+                <a:tabLst/>
+                <a:defRPr sz="900" b="0">
+                  <a:solidFill>
+                    <a:srgbClr val="002060"/>
+                  </a:solidFill>
+                  <a:latin typeface="IBM Plex Sans"/>
+                  <a:ea typeface="IBM Plex Sans"/>
+                  <a:cs typeface="IBM Plex Sans"/>
+                  <a:sym typeface="IBM Plex Sans"/>
+                </a:defRPr>
+              </a:pPr>
+              <a:endParaRPr kumimoji="0" sz="1400" b="0" i="0" u="none" strike="noStrike" kern="0" cap="none" spc="0" normalizeH="0" baseline="0" noProof="0" dirty="0">
+                <a:ln>
+                  <a:noFill/>
+                </a:ln>
+                <a:solidFill>
+                  <a:srgbClr val="002060"/>
+                </a:solidFill>
+                <a:effectLst/>
+                <a:uLnTx/>
+                <a:uFillTx/>
+                <a:latin typeface="IBM Plex Sans"/>
+                <a:sym typeface="IBM Plex Sans"/>
+              </a:endParaRPr>
+            </a:p>
+          </p:txBody>
+        </p:sp>
+        <p:sp>
+          <p:nvSpPr>
+            <p:cNvPr id="49" name="Rounded Rectangle">
+              <a:extLst>
+                <a:ext uri="{FF2B5EF4-FFF2-40B4-BE49-F238E27FC236}">
+                  <a16:creationId xmlns:a16="http://schemas.microsoft.com/office/drawing/2014/main" id="{5988D613-9AB3-DB44-BD3C-B8C99AD776FC}"/>
+                </a:ext>
+              </a:extLst>
+            </p:cNvPr>
+            <p:cNvSpPr/>
+            <p:nvPr/>
+          </p:nvSpPr>
+          <p:spPr>
+            <a:xfrm>
+              <a:off x="845271" y="2954563"/>
+              <a:ext cx="186040" cy="629490"/>
+            </a:xfrm>
+            <a:prstGeom prst="roundRect">
+              <a:avLst>
+                <a:gd name="adj" fmla="val 16667"/>
+              </a:avLst>
+            </a:prstGeom>
+            <a:solidFill>
+              <a:srgbClr val="FEFFFE"/>
+            </a:solidFill>
+            <a:ln w="38100" cap="flat">
+              <a:solidFill>
+                <a:srgbClr val="7030A0"/>
+              </a:solidFill>
+              <a:prstDash val="solid"/>
+              <a:round/>
+            </a:ln>
+            <a:effectLst/>
+          </p:spPr>
+          <p:txBody>
+            <a:bodyPr wrap="square" lIns="28575" tIns="28575" rIns="28575" bIns="28575" numCol="1" anchor="ctr">
+              <a:noAutofit/>
+            </a:bodyPr>
+            <a:lstStyle/>
+            <a:p>
+              <a:pPr marL="0" marR="0" lvl="0" indent="0" algn="ctr" defTabSz="1219184" rtl="0" eaLnBrk="1" fontAlgn="auto" latinLnBrk="0" hangingPunct="0">
+                <a:lnSpc>
+                  <a:spcPct val="90000"/>
+                </a:lnSpc>
+                <a:spcBef>
+                  <a:spcPts val="0"/>
+                </a:spcBef>
+                <a:spcAft>
+                  <a:spcPts val="0"/>
+                </a:spcAft>
+                <a:buClrTx/>
+                <a:buSzTx/>
+                <a:buFontTx/>
+                <a:buNone/>
+                <a:tabLst/>
+                <a:defRPr sz="900" b="0">
+                  <a:solidFill>
+                    <a:srgbClr val="002060"/>
+                  </a:solidFill>
+                  <a:latin typeface="IBM Plex Sans"/>
+                  <a:ea typeface="IBM Plex Sans"/>
+                  <a:cs typeface="IBM Plex Sans"/>
+                  <a:sym typeface="IBM Plex Sans"/>
+                </a:defRPr>
+              </a:pPr>
+              <a:endParaRPr kumimoji="0" sz="1400" i="0" u="none" strike="noStrike" kern="0" cap="none" spc="0" normalizeH="0" baseline="0" noProof="0" dirty="0">
+                <a:ln>
+                  <a:noFill/>
+                </a:ln>
+                <a:solidFill>
+                  <a:srgbClr val="002060"/>
+                </a:solidFill>
+                <a:effectLst/>
+                <a:uLnTx/>
+                <a:uFillTx/>
+                <a:latin typeface="IBM Plex Sans"/>
+                <a:sym typeface="IBM Plex Sans"/>
+              </a:endParaRPr>
+            </a:p>
+          </p:txBody>
+        </p:sp>
+        <p:sp>
+          <p:nvSpPr>
+            <p:cNvPr id="50" name="Rounded Rectangle">
+              <a:extLst>
+                <a:ext uri="{FF2B5EF4-FFF2-40B4-BE49-F238E27FC236}">
+                  <a16:creationId xmlns:a16="http://schemas.microsoft.com/office/drawing/2014/main" id="{EA6C752B-1ED6-914C-9CED-DFA93B109846}"/>
+                </a:ext>
+              </a:extLst>
+            </p:cNvPr>
+            <p:cNvSpPr/>
+            <p:nvPr/>
+          </p:nvSpPr>
+          <p:spPr>
+            <a:xfrm>
+              <a:off x="997671" y="2954563"/>
+              <a:ext cx="186040" cy="629490"/>
+            </a:xfrm>
+            <a:prstGeom prst="roundRect">
+              <a:avLst>
+                <a:gd name="adj" fmla="val 16667"/>
+              </a:avLst>
+            </a:prstGeom>
+            <a:solidFill>
+              <a:srgbClr val="FEFFFE"/>
+            </a:solidFill>
+            <a:ln w="38100" cap="flat">
+              <a:solidFill>
+                <a:srgbClr val="7030A0"/>
+              </a:solidFill>
+              <a:prstDash val="solid"/>
+              <a:round/>
+            </a:ln>
+            <a:effectLst/>
+          </p:spPr>
+          <p:txBody>
+            <a:bodyPr wrap="square" lIns="28575" tIns="28575" rIns="28575" bIns="28575" numCol="1" anchor="ctr">
+              <a:noAutofit/>
+            </a:bodyPr>
+            <a:lstStyle/>
+            <a:p>
+              <a:pPr marL="0" marR="0" lvl="0" indent="0" algn="ctr" defTabSz="1219184" rtl="0" eaLnBrk="1" fontAlgn="auto" latinLnBrk="0" hangingPunct="0">
+                <a:lnSpc>
+                  <a:spcPct val="90000"/>
+                </a:lnSpc>
+                <a:spcBef>
+                  <a:spcPts val="0"/>
+                </a:spcBef>
+                <a:spcAft>
+                  <a:spcPts val="0"/>
+                </a:spcAft>
+                <a:buClrTx/>
+                <a:buSzTx/>
+                <a:buFontTx/>
+                <a:buNone/>
+                <a:tabLst/>
+                <a:defRPr sz="900" b="0">
+                  <a:solidFill>
+                    <a:srgbClr val="002060"/>
+                  </a:solidFill>
+                  <a:latin typeface="IBM Plex Sans"/>
+                  <a:ea typeface="IBM Plex Sans"/>
+                  <a:cs typeface="IBM Plex Sans"/>
+                  <a:sym typeface="IBM Plex Sans"/>
+                </a:defRPr>
+              </a:pPr>
+              <a:endParaRPr kumimoji="0" sz="1400" b="0" i="0" u="none" strike="noStrike" kern="0" cap="none" spc="0" normalizeH="0" baseline="0" noProof="0" dirty="0">
+                <a:ln>
+                  <a:noFill/>
+                </a:ln>
+                <a:solidFill>
+                  <a:srgbClr val="002060"/>
+                </a:solidFill>
+                <a:effectLst/>
+                <a:uLnTx/>
+                <a:uFillTx/>
+                <a:latin typeface="IBM Plex Sans"/>
+                <a:sym typeface="IBM Plex Sans"/>
+              </a:endParaRPr>
+            </a:p>
+          </p:txBody>
+        </p:sp>
+        <p:sp>
+          <p:nvSpPr>
+            <p:cNvPr id="51" name="Rounded Rectangle">
+              <a:extLst>
+                <a:ext uri="{FF2B5EF4-FFF2-40B4-BE49-F238E27FC236}">
+                  <a16:creationId xmlns:a16="http://schemas.microsoft.com/office/drawing/2014/main" id="{5A391FE3-6A0F-D240-9829-950096A6F259}"/>
+                </a:ext>
+              </a:extLst>
+            </p:cNvPr>
+            <p:cNvSpPr/>
+            <p:nvPr/>
+          </p:nvSpPr>
+          <p:spPr>
+            <a:xfrm>
+              <a:off x="1150071" y="2954563"/>
+              <a:ext cx="186040" cy="629490"/>
+            </a:xfrm>
+            <a:prstGeom prst="roundRect">
+              <a:avLst>
+                <a:gd name="adj" fmla="val 16667"/>
+              </a:avLst>
+            </a:prstGeom>
+            <a:solidFill>
+              <a:srgbClr val="FEFFFE"/>
+            </a:solidFill>
+            <a:ln w="38100" cap="flat">
+              <a:solidFill>
+                <a:srgbClr val="7030A0"/>
+              </a:solidFill>
+              <a:prstDash val="solid"/>
+              <a:round/>
+            </a:ln>
+            <a:effectLst/>
+          </p:spPr>
+          <p:txBody>
+            <a:bodyPr wrap="square" lIns="28575" tIns="28575" rIns="28575" bIns="28575" numCol="1" anchor="ctr">
+              <a:noAutofit/>
+            </a:bodyPr>
+            <a:lstStyle/>
+            <a:p>
+              <a:pPr marL="0" marR="0" lvl="0" indent="0" algn="ctr" defTabSz="1219184" rtl="0" eaLnBrk="1" fontAlgn="auto" latinLnBrk="0" hangingPunct="0">
+                <a:lnSpc>
+                  <a:spcPct val="90000"/>
+                </a:lnSpc>
+                <a:spcBef>
+                  <a:spcPts val="0"/>
+                </a:spcBef>
+                <a:spcAft>
+                  <a:spcPts val="0"/>
+                </a:spcAft>
+                <a:buClrTx/>
+                <a:buSzTx/>
+                <a:buFontTx/>
+                <a:buNone/>
+                <a:tabLst/>
+                <a:defRPr sz="900" b="0">
+                  <a:solidFill>
+                    <a:srgbClr val="002060"/>
+                  </a:solidFill>
+                  <a:latin typeface="IBM Plex Sans"/>
+                  <a:ea typeface="IBM Plex Sans"/>
+                  <a:cs typeface="IBM Plex Sans"/>
+                  <a:sym typeface="IBM Plex Sans"/>
+                </a:defRPr>
+              </a:pPr>
+              <a:endParaRPr kumimoji="0" sz="1400" b="0" i="0" u="none" strike="noStrike" kern="0" cap="none" spc="0" normalizeH="0" baseline="0" noProof="0" dirty="0">
+                <a:ln>
+                  <a:noFill/>
+                </a:ln>
+                <a:solidFill>
+                  <a:srgbClr val="002060"/>
+                </a:solidFill>
+                <a:effectLst/>
+                <a:uLnTx/>
+                <a:uFillTx/>
+                <a:latin typeface="IBM Plex Sans"/>
+                <a:sym typeface="IBM Plex Sans"/>
+              </a:endParaRPr>
+            </a:p>
+          </p:txBody>
+        </p:sp>
+        <p:sp>
+          <p:nvSpPr>
+            <p:cNvPr id="52" name="Rounded Rectangle">
+              <a:extLst>
+                <a:ext uri="{FF2B5EF4-FFF2-40B4-BE49-F238E27FC236}">
+                  <a16:creationId xmlns:a16="http://schemas.microsoft.com/office/drawing/2014/main" id="{E3F1DD97-1B09-8D48-934B-D612DA0C62C6}"/>
+                </a:ext>
+              </a:extLst>
+            </p:cNvPr>
+            <p:cNvSpPr/>
+            <p:nvPr/>
+          </p:nvSpPr>
+          <p:spPr>
+            <a:xfrm>
+              <a:off x="1302471" y="2954563"/>
+              <a:ext cx="186040" cy="629490"/>
+            </a:xfrm>
+            <a:prstGeom prst="roundRect">
+              <a:avLst>
+                <a:gd name="adj" fmla="val 16667"/>
+              </a:avLst>
+            </a:prstGeom>
+            <a:solidFill>
+              <a:srgbClr val="FEFFFE"/>
+            </a:solidFill>
+            <a:ln w="38100" cap="flat">
+              <a:solidFill>
+                <a:srgbClr val="7030A0"/>
+              </a:solidFill>
+              <a:prstDash val="solid"/>
+              <a:round/>
+            </a:ln>
+            <a:effectLst/>
+          </p:spPr>
+          <p:txBody>
+            <a:bodyPr wrap="square" lIns="28575" tIns="28575" rIns="28575" bIns="28575" numCol="1" anchor="ctr">
+              <a:noAutofit/>
+            </a:bodyPr>
+            <a:lstStyle/>
+            <a:p>
+              <a:pPr marL="0" marR="0" lvl="0" indent="0" algn="ctr" defTabSz="1219184" rtl="0" eaLnBrk="1" fontAlgn="auto" latinLnBrk="0" hangingPunct="0">
+                <a:lnSpc>
+                  <a:spcPct val="90000"/>
+                </a:lnSpc>
+                <a:spcBef>
+                  <a:spcPts val="0"/>
+                </a:spcBef>
+                <a:spcAft>
+                  <a:spcPts val="0"/>
+                </a:spcAft>
+                <a:buClrTx/>
+                <a:buSzTx/>
+                <a:buFontTx/>
+                <a:buNone/>
+                <a:tabLst/>
+                <a:defRPr sz="900" b="0">
+                  <a:solidFill>
+                    <a:srgbClr val="002060"/>
+                  </a:solidFill>
+                  <a:latin typeface="IBM Plex Sans"/>
+                  <a:ea typeface="IBM Plex Sans"/>
+                  <a:cs typeface="IBM Plex Sans"/>
+                  <a:sym typeface="IBM Plex Sans"/>
+                </a:defRPr>
+              </a:pPr>
+              <a:r>
+                <a:rPr lang="en-US" sz="1400" kern="0" dirty="0">
+                  <a:solidFill>
+                    <a:srgbClr val="002060"/>
+                  </a:solidFill>
+                  <a:latin typeface="IBM Plex Sans"/>
+                  <a:sym typeface="IBM Plex Sans"/>
+                </a:rPr>
+                <a:t>n</a:t>
+              </a:r>
+              <a:endParaRPr kumimoji="0" sz="1400" b="0" i="0" u="none" strike="noStrike" kern="0" cap="none" spc="0" normalizeH="0" baseline="0" noProof="0" dirty="0">
+                <a:ln>
+                  <a:noFill/>
+                </a:ln>
+                <a:solidFill>
+                  <a:srgbClr val="002060"/>
+                </a:solidFill>
+                <a:effectLst/>
+                <a:uLnTx/>
+                <a:uFillTx/>
+                <a:latin typeface="IBM Plex Sans"/>
+                <a:sym typeface="IBM Plex Sans"/>
+              </a:endParaRPr>
+            </a:p>
+          </p:txBody>
+        </p:sp>
+      </p:grpSp>
+      <p:sp>
+        <p:nvSpPr>
+          <p:cNvPr id="53" name="Rectangle 52">
+            <a:extLst>
+              <a:ext uri="{FF2B5EF4-FFF2-40B4-BE49-F238E27FC236}">
+                <a16:creationId xmlns:a16="http://schemas.microsoft.com/office/drawing/2014/main" id="{AE4472BE-C157-B646-8FB6-B35023FC7EEB}"/>
+              </a:ext>
+            </a:extLst>
+          </p:cNvPr>
+          <p:cNvSpPr/>
+          <p:nvPr/>
+        </p:nvSpPr>
+        <p:spPr>
+          <a:xfrm>
+            <a:off x="306098" y="4542124"/>
+            <a:ext cx="7563284" cy="1265971"/>
+          </a:xfrm>
+          <a:custGeom>
+            <a:avLst/>
+            <a:gdLst>
+              <a:gd name="connsiteX0" fmla="*/ 0 w 7563284"/>
+              <a:gd name="connsiteY0" fmla="*/ 0 h 1265971"/>
+              <a:gd name="connsiteX1" fmla="*/ 506158 w 7563284"/>
+              <a:gd name="connsiteY1" fmla="*/ 0 h 1265971"/>
+              <a:gd name="connsiteX2" fmla="*/ 861051 w 7563284"/>
+              <a:gd name="connsiteY2" fmla="*/ 0 h 1265971"/>
+              <a:gd name="connsiteX3" fmla="*/ 1594108 w 7563284"/>
+              <a:gd name="connsiteY3" fmla="*/ 0 h 1265971"/>
+              <a:gd name="connsiteX4" fmla="*/ 2100266 w 7563284"/>
+              <a:gd name="connsiteY4" fmla="*/ 0 h 1265971"/>
+              <a:gd name="connsiteX5" fmla="*/ 2606424 w 7563284"/>
+              <a:gd name="connsiteY5" fmla="*/ 0 h 1265971"/>
+              <a:gd name="connsiteX6" fmla="*/ 3339481 w 7563284"/>
+              <a:gd name="connsiteY6" fmla="*/ 0 h 1265971"/>
+              <a:gd name="connsiteX7" fmla="*/ 3770006 w 7563284"/>
+              <a:gd name="connsiteY7" fmla="*/ 0 h 1265971"/>
+              <a:gd name="connsiteX8" fmla="*/ 4503063 w 7563284"/>
+              <a:gd name="connsiteY8" fmla="*/ 0 h 1265971"/>
+              <a:gd name="connsiteX9" fmla="*/ 5236120 w 7563284"/>
+              <a:gd name="connsiteY9" fmla="*/ 0 h 1265971"/>
+              <a:gd name="connsiteX10" fmla="*/ 5817911 w 7563284"/>
+              <a:gd name="connsiteY10" fmla="*/ 0 h 1265971"/>
+              <a:gd name="connsiteX11" fmla="*/ 6550968 w 7563284"/>
+              <a:gd name="connsiteY11" fmla="*/ 0 h 1265971"/>
+              <a:gd name="connsiteX12" fmla="*/ 7057126 w 7563284"/>
+              <a:gd name="connsiteY12" fmla="*/ 0 h 1265971"/>
+              <a:gd name="connsiteX13" fmla="*/ 7563284 w 7563284"/>
+              <a:gd name="connsiteY13" fmla="*/ 0 h 1265971"/>
+              <a:gd name="connsiteX14" fmla="*/ 7563284 w 7563284"/>
+              <a:gd name="connsiteY14" fmla="*/ 434650 h 1265971"/>
+              <a:gd name="connsiteX15" fmla="*/ 7563284 w 7563284"/>
+              <a:gd name="connsiteY15" fmla="*/ 856640 h 1265971"/>
+              <a:gd name="connsiteX16" fmla="*/ 7563284 w 7563284"/>
+              <a:gd name="connsiteY16" fmla="*/ 1265971 h 1265971"/>
+              <a:gd name="connsiteX17" fmla="*/ 6905860 w 7563284"/>
+              <a:gd name="connsiteY17" fmla="*/ 1265971 h 1265971"/>
+              <a:gd name="connsiteX18" fmla="*/ 6324069 w 7563284"/>
+              <a:gd name="connsiteY18" fmla="*/ 1265971 h 1265971"/>
+              <a:gd name="connsiteX19" fmla="*/ 5969176 w 7563284"/>
+              <a:gd name="connsiteY19" fmla="*/ 1265971 h 1265971"/>
+              <a:gd name="connsiteX20" fmla="*/ 5538651 w 7563284"/>
+              <a:gd name="connsiteY20" fmla="*/ 1265971 h 1265971"/>
+              <a:gd name="connsiteX21" fmla="*/ 4805594 w 7563284"/>
+              <a:gd name="connsiteY21" fmla="*/ 1265971 h 1265971"/>
+              <a:gd name="connsiteX22" fmla="*/ 4223803 w 7563284"/>
+              <a:gd name="connsiteY22" fmla="*/ 1265971 h 1265971"/>
+              <a:gd name="connsiteX23" fmla="*/ 3793278 w 7563284"/>
+              <a:gd name="connsiteY23" fmla="*/ 1265971 h 1265971"/>
+              <a:gd name="connsiteX24" fmla="*/ 3211487 w 7563284"/>
+              <a:gd name="connsiteY24" fmla="*/ 1265971 h 1265971"/>
+              <a:gd name="connsiteX25" fmla="*/ 2856594 w 7563284"/>
+              <a:gd name="connsiteY25" fmla="*/ 1265971 h 1265971"/>
+              <a:gd name="connsiteX26" fmla="*/ 2501702 w 7563284"/>
+              <a:gd name="connsiteY26" fmla="*/ 1265971 h 1265971"/>
+              <a:gd name="connsiteX27" fmla="*/ 1919911 w 7563284"/>
+              <a:gd name="connsiteY27" fmla="*/ 1265971 h 1265971"/>
+              <a:gd name="connsiteX28" fmla="*/ 1489385 w 7563284"/>
+              <a:gd name="connsiteY28" fmla="*/ 1265971 h 1265971"/>
+              <a:gd name="connsiteX29" fmla="*/ 831961 w 7563284"/>
+              <a:gd name="connsiteY29" fmla="*/ 1265971 h 1265971"/>
+              <a:gd name="connsiteX30" fmla="*/ 0 w 7563284"/>
+              <a:gd name="connsiteY30" fmla="*/ 1265971 h 1265971"/>
+              <a:gd name="connsiteX31" fmla="*/ 0 w 7563284"/>
+              <a:gd name="connsiteY31" fmla="*/ 831321 h 1265971"/>
+              <a:gd name="connsiteX32" fmla="*/ 0 w 7563284"/>
+              <a:gd name="connsiteY32" fmla="*/ 396671 h 1265971"/>
+              <a:gd name="connsiteX33" fmla="*/ 0 w 7563284"/>
+              <a:gd name="connsiteY33" fmla="*/ 0 h 1265971"/>
+            </a:gdLst>
+            <a:ahLst/>
+            <a:cxnLst>
+              <a:cxn ang="0">
+                <a:pos x="connsiteX0" y="connsiteY0"/>
+              </a:cxn>
+              <a:cxn ang="0">
+                <a:pos x="connsiteX1" y="connsiteY1"/>
+              </a:cxn>
+              <a:cxn ang="0">
+                <a:pos x="connsiteX2" y="connsiteY2"/>
+              </a:cxn>
+              <a:cxn ang="0">
+                <a:pos x="connsiteX3" y="connsiteY3"/>
+              </a:cxn>
+              <a:cxn ang="0">
+                <a:pos x="connsiteX4" y="connsiteY4"/>
+              </a:cxn>
+              <a:cxn ang="0">
+                <a:pos x="connsiteX5" y="connsiteY5"/>
+              </a:cxn>
+              <a:cxn ang="0">
+                <a:pos x="connsiteX6" y="connsiteY6"/>
+              </a:cxn>
+              <a:cxn ang="0">
+                <a:pos x="connsiteX7" y="connsiteY7"/>
+              </a:cxn>
+              <a:cxn ang="0">
+                <a:pos x="connsiteX8" y="connsiteY8"/>
+              </a:cxn>
+              <a:cxn ang="0">
+                <a:pos x="connsiteX9" y="connsiteY9"/>
+              </a:cxn>
+              <a:cxn ang="0">
+                <a:pos x="connsiteX10" y="connsiteY10"/>
+              </a:cxn>
+              <a:cxn ang="0">
+                <a:pos x="connsiteX11" y="connsiteY11"/>
+              </a:cxn>
+              <a:cxn ang="0">
+                <a:pos x="connsiteX12" y="connsiteY12"/>
+              </a:cxn>
+              <a:cxn ang="0">
+                <a:pos x="connsiteX13" y="connsiteY13"/>
+              </a:cxn>
+              <a:cxn ang="0">
+                <a:pos x="connsiteX14" y="connsiteY14"/>
+              </a:cxn>
+              <a:cxn ang="0">
+                <a:pos x="connsiteX15" y="connsiteY15"/>
+              </a:cxn>
+              <a:cxn ang="0">
+                <a:pos x="connsiteX16" y="connsiteY16"/>
+              </a:cxn>
+              <a:cxn ang="0">
+                <a:pos x="connsiteX17" y="connsiteY17"/>
+              </a:cxn>
+              <a:cxn ang="0">
+                <a:pos x="connsiteX18" y="connsiteY18"/>
+              </a:cxn>
+              <a:cxn ang="0">
+                <a:pos x="connsiteX19" y="connsiteY19"/>
+              </a:cxn>
+              <a:cxn ang="0">
+                <a:pos x="connsiteX20" y="connsiteY20"/>
+              </a:cxn>
+              <a:cxn ang="0">
+                <a:pos x="connsiteX21" y="connsiteY21"/>
+              </a:cxn>
+              <a:cxn ang="0">
+                <a:pos x="connsiteX22" y="connsiteY22"/>
+              </a:cxn>
+              <a:cxn ang="0">
+                <a:pos x="connsiteX23" y="connsiteY23"/>
+              </a:cxn>
+              <a:cxn ang="0">
+                <a:pos x="connsiteX24" y="connsiteY24"/>
+              </a:cxn>
+              <a:cxn ang="0">
+                <a:pos x="connsiteX25" y="connsiteY25"/>
+              </a:cxn>
+              <a:cxn ang="0">
+                <a:pos x="connsiteX26" y="connsiteY26"/>
+              </a:cxn>
+              <a:cxn ang="0">
+                <a:pos x="connsiteX27" y="connsiteY27"/>
+              </a:cxn>
+              <a:cxn ang="0">
+                <a:pos x="connsiteX28" y="connsiteY28"/>
+              </a:cxn>
+              <a:cxn ang="0">
+                <a:pos x="connsiteX29" y="connsiteY29"/>
+              </a:cxn>
+              <a:cxn ang="0">
+                <a:pos x="connsiteX30" y="connsiteY30"/>
+              </a:cxn>
+              <a:cxn ang="0">
+                <a:pos x="connsiteX31" y="connsiteY31"/>
+              </a:cxn>
+              <a:cxn ang="0">
+                <a:pos x="connsiteX32" y="connsiteY32"/>
+              </a:cxn>
+              <a:cxn ang="0">
+                <a:pos x="connsiteX33" y="connsiteY33"/>
+              </a:cxn>
+            </a:cxnLst>
+            <a:rect l="l" t="t" r="r" b="b"/>
+            <a:pathLst>
+              <a:path w="7563284" h="1265971" extrusionOk="0">
+                <a:moveTo>
+                  <a:pt x="0" y="0"/>
+                </a:moveTo>
+                <a:cubicBezTo>
+                  <a:pt x="111574" y="-3011"/>
+                  <a:pt x="350692" y="7990"/>
+                  <a:pt x="506158" y="0"/>
+                </a:cubicBezTo>
+                <a:cubicBezTo>
+                  <a:pt x="661624" y="-7990"/>
+                  <a:pt x="772607" y="2425"/>
+                  <a:pt x="861051" y="0"/>
+                </a:cubicBezTo>
+                <a:cubicBezTo>
+                  <a:pt x="949495" y="-2425"/>
+                  <a:pt x="1313003" y="56165"/>
+                  <a:pt x="1594108" y="0"/>
+                </a:cubicBezTo>
+                <a:cubicBezTo>
+                  <a:pt x="1875213" y="-56165"/>
+                  <a:pt x="1955414" y="60495"/>
+                  <a:pt x="2100266" y="0"/>
+                </a:cubicBezTo>
+                <a:cubicBezTo>
+                  <a:pt x="2245118" y="-60495"/>
+                  <a:pt x="2398527" y="54690"/>
+                  <a:pt x="2606424" y="0"/>
+                </a:cubicBezTo>
+                <a:cubicBezTo>
+                  <a:pt x="2814321" y="-54690"/>
+                  <a:pt x="3165963" y="18756"/>
+                  <a:pt x="3339481" y="0"/>
+                </a:cubicBezTo>
+                <a:cubicBezTo>
+                  <a:pt x="3512999" y="-18756"/>
+                  <a:pt x="3630921" y="33915"/>
+                  <a:pt x="3770006" y="0"/>
+                </a:cubicBezTo>
+                <a:cubicBezTo>
+                  <a:pt x="3909092" y="-33915"/>
+                  <a:pt x="4207631" y="68258"/>
+                  <a:pt x="4503063" y="0"/>
+                </a:cubicBezTo>
+                <a:cubicBezTo>
+                  <a:pt x="4798495" y="-68258"/>
+                  <a:pt x="5084980" y="36557"/>
+                  <a:pt x="5236120" y="0"/>
+                </a:cubicBezTo>
+                <a:cubicBezTo>
+                  <a:pt x="5387260" y="-36557"/>
+                  <a:pt x="5650789" y="15632"/>
+                  <a:pt x="5817911" y="0"/>
+                </a:cubicBezTo>
+                <a:cubicBezTo>
+                  <a:pt x="5985033" y="-15632"/>
+                  <a:pt x="6348671" y="86688"/>
+                  <a:pt x="6550968" y="0"/>
+                </a:cubicBezTo>
+                <a:cubicBezTo>
+                  <a:pt x="6753265" y="-86688"/>
+                  <a:pt x="6894942" y="23405"/>
+                  <a:pt x="7057126" y="0"/>
+                </a:cubicBezTo>
+                <a:cubicBezTo>
+                  <a:pt x="7219310" y="-23405"/>
+                  <a:pt x="7404999" y="20399"/>
+                  <a:pt x="7563284" y="0"/>
+                </a:cubicBezTo>
+                <a:cubicBezTo>
+                  <a:pt x="7567775" y="136439"/>
+                  <a:pt x="7519329" y="244865"/>
+                  <a:pt x="7563284" y="434650"/>
+                </a:cubicBezTo>
+                <a:cubicBezTo>
+                  <a:pt x="7607239" y="624435"/>
+                  <a:pt x="7556227" y="737524"/>
+                  <a:pt x="7563284" y="856640"/>
+                </a:cubicBezTo>
+                <a:cubicBezTo>
+                  <a:pt x="7570341" y="975756"/>
+                  <a:pt x="7518229" y="1169900"/>
+                  <a:pt x="7563284" y="1265971"/>
+                </a:cubicBezTo>
+                <a:cubicBezTo>
+                  <a:pt x="7239490" y="1296134"/>
+                  <a:pt x="7117174" y="1243584"/>
+                  <a:pt x="6905860" y="1265971"/>
+                </a:cubicBezTo>
+                <a:cubicBezTo>
+                  <a:pt x="6694546" y="1288358"/>
+                  <a:pt x="6597911" y="1246305"/>
+                  <a:pt x="6324069" y="1265971"/>
+                </a:cubicBezTo>
+                <a:cubicBezTo>
+                  <a:pt x="6050227" y="1285637"/>
+                  <a:pt x="6115608" y="1265847"/>
+                  <a:pt x="5969176" y="1265971"/>
+                </a:cubicBezTo>
+                <a:cubicBezTo>
+                  <a:pt x="5822744" y="1266095"/>
+                  <a:pt x="5732800" y="1242777"/>
+                  <a:pt x="5538651" y="1265971"/>
+                </a:cubicBezTo>
+                <a:cubicBezTo>
+                  <a:pt x="5344502" y="1289165"/>
+                  <a:pt x="5141891" y="1214761"/>
+                  <a:pt x="4805594" y="1265971"/>
+                </a:cubicBezTo>
+                <a:cubicBezTo>
+                  <a:pt x="4469297" y="1317181"/>
+                  <a:pt x="4387993" y="1248699"/>
+                  <a:pt x="4223803" y="1265971"/>
+                </a:cubicBezTo>
+                <a:cubicBezTo>
+                  <a:pt x="4059613" y="1283243"/>
+                  <a:pt x="3918153" y="1223962"/>
+                  <a:pt x="3793278" y="1265971"/>
+                </a:cubicBezTo>
+                <a:cubicBezTo>
+                  <a:pt x="3668403" y="1307980"/>
+                  <a:pt x="3488159" y="1250100"/>
+                  <a:pt x="3211487" y="1265971"/>
+                </a:cubicBezTo>
+                <a:cubicBezTo>
+                  <a:pt x="2934815" y="1281842"/>
+                  <a:pt x="2938761" y="1259987"/>
+                  <a:pt x="2856594" y="1265971"/>
+                </a:cubicBezTo>
+                <a:cubicBezTo>
+                  <a:pt x="2774427" y="1271955"/>
+                  <a:pt x="2605832" y="1252791"/>
+                  <a:pt x="2501702" y="1265971"/>
+                </a:cubicBezTo>
+                <a:cubicBezTo>
+                  <a:pt x="2397572" y="1279151"/>
+                  <a:pt x="2184949" y="1242291"/>
+                  <a:pt x="1919911" y="1265971"/>
+                </a:cubicBezTo>
+                <a:cubicBezTo>
+                  <a:pt x="1654873" y="1289651"/>
+                  <a:pt x="1665892" y="1218414"/>
+                  <a:pt x="1489385" y="1265971"/>
+                </a:cubicBezTo>
+                <a:cubicBezTo>
+                  <a:pt x="1312878" y="1313528"/>
+                  <a:pt x="1004776" y="1195937"/>
+                  <a:pt x="831961" y="1265971"/>
+                </a:cubicBezTo>
+                <a:cubicBezTo>
+                  <a:pt x="659146" y="1336005"/>
+                  <a:pt x="389831" y="1181934"/>
+                  <a:pt x="0" y="1265971"/>
+                </a:cubicBezTo>
+                <a:cubicBezTo>
+                  <a:pt x="-19104" y="1121818"/>
+                  <a:pt x="7143" y="1003664"/>
+                  <a:pt x="0" y="831321"/>
+                </a:cubicBezTo>
+                <a:cubicBezTo>
+                  <a:pt x="-7143" y="658978"/>
+                  <a:pt x="51082" y="562648"/>
+                  <a:pt x="0" y="396671"/>
+                </a:cubicBezTo>
+                <a:cubicBezTo>
+                  <a:pt x="-51082" y="230694"/>
+                  <a:pt x="37113" y="180851"/>
+                  <a:pt x="0" y="0"/>
+                </a:cubicBezTo>
+                <a:close/>
+              </a:path>
+            </a:pathLst>
+          </a:custGeom>
+          <a:noFill/>
+          <a:ln w="12700">
+            <a:solidFill>
+              <a:srgbClr val="0000FF"/>
+            </a:solidFill>
+            <a:extLst>
+              <a:ext uri="{C807C97D-BFC1-408E-A445-0C87EB9F89A2}">
+                <ask:lineSketchStyleProps xmlns:ask="http://schemas.microsoft.com/office/drawing/2018/sketchyshapes" sd="1219033472">
+                  <a:prstGeom prst="rect">
+                    <a:avLst/>
+                  </a:prstGeom>
+                  <ask:type>
+                    <ask:lineSketchScribble/>
+                  </ask:type>
+                </ask:lineSketchStyleProps>
+              </a:ext>
+            </a:extLst>
+          </a:ln>
+        </p:spPr>
+        <p:style>
+          <a:lnRef idx="2">
+            <a:schemeClr val="accent1">
+              <a:shade val="50000"/>
+            </a:schemeClr>
+          </a:lnRef>
+          <a:fillRef idx="1">
+            <a:schemeClr val="accent1"/>
+          </a:fillRef>
+          <a:effectRef idx="0">
+            <a:schemeClr val="accent1"/>
+          </a:effectRef>
+          <a:fontRef idx="minor">
+            <a:schemeClr val="lt1"/>
+          </a:fontRef>
+        </p:style>
+        <p:txBody>
+          <a:bodyPr rtlCol="0" anchor="b"/>
+          <a:lstStyle/>
+          <a:p>
+            <a:pPr algn="ctr"/>
+            <a:r>
+              <a:rPr lang="en-US" sz="1200" dirty="0">
+                <a:solidFill>
+                  <a:srgbClr val="7030A0"/>
+                </a:solidFill>
+              </a:rPr>
+              <a:t>Kafka Runtime</a:t>
+            </a:r>
+            <a:endParaRPr sz="1200" dirty="0">
+              <a:solidFill>
+                <a:srgbClr val="7030A0"/>
+              </a:solidFill>
+            </a:endParaRPr>
+          </a:p>
+        </p:txBody>
+      </p:sp>
+      <p:cxnSp>
+        <p:nvCxnSpPr>
+          <p:cNvPr id="56" name="Straight Arrow Connector 37">
+            <a:extLst>
+              <a:ext uri="{FF2B5EF4-FFF2-40B4-BE49-F238E27FC236}">
+                <a16:creationId xmlns:a16="http://schemas.microsoft.com/office/drawing/2014/main" id="{787553B0-10A1-E140-AD9F-1153DDCFDD2C}"/>
+              </a:ext>
+            </a:extLst>
+          </p:cNvPr>
+          <p:cNvCxnSpPr>
+            <a:cxnSpLocks/>
+            <a:stCxn id="38" idx="2"/>
+            <a:endCxn id="52" idx="0"/>
+          </p:cNvCxnSpPr>
+          <p:nvPr/>
+        </p:nvCxnSpPr>
+        <p:spPr>
+          <a:xfrm rot="16200000" flipH="1">
+            <a:off x="2795776" y="3047204"/>
+            <a:ext cx="2022576" cy="1669729"/>
+          </a:xfrm>
+          <a:prstGeom prst="curvedConnector3">
+            <a:avLst>
+              <a:gd name="adj1" fmla="val 50000"/>
+            </a:avLst>
+          </a:prstGeom>
+          <a:ln>
+            <a:solidFill>
+              <a:srgbClr val="0000FF"/>
+            </a:solidFill>
+            <a:prstDash val="dash"/>
+            <a:tailEnd type="triangle"/>
+          </a:ln>
+        </p:spPr>
+        <p:style>
+          <a:lnRef idx="1">
+            <a:schemeClr val="accent1"/>
+          </a:lnRef>
+          <a:fillRef idx="0">
+            <a:schemeClr val="accent1"/>
+          </a:fillRef>
+          <a:effectRef idx="0">
+            <a:schemeClr val="accent1"/>
+          </a:effectRef>
+          <a:fontRef idx="minor">
+            <a:schemeClr val="tx1"/>
+          </a:fontRef>
+        </p:style>
+      </p:cxnSp>
+      <p:sp>
+        <p:nvSpPr>
+          <p:cNvPr id="60" name="Rectangle 59">
+            <a:extLst>
+              <a:ext uri="{FF2B5EF4-FFF2-40B4-BE49-F238E27FC236}">
+                <a16:creationId xmlns:a16="http://schemas.microsoft.com/office/drawing/2014/main" id="{E7412588-FA2F-3C40-B1D5-E6A6BCA4FC87}"/>
+              </a:ext>
+            </a:extLst>
+          </p:cNvPr>
+          <p:cNvSpPr/>
+          <p:nvPr/>
+        </p:nvSpPr>
+        <p:spPr>
+          <a:xfrm>
+            <a:off x="6277109" y="1986227"/>
+            <a:ext cx="2942691" cy="1265971"/>
+          </a:xfrm>
+          <a:custGeom>
+            <a:avLst/>
+            <a:gdLst>
+              <a:gd name="connsiteX0" fmla="*/ 0 w 2942691"/>
+              <a:gd name="connsiteY0" fmla="*/ 0 h 1265971"/>
+              <a:gd name="connsiteX1" fmla="*/ 559111 w 2942691"/>
+              <a:gd name="connsiteY1" fmla="*/ 0 h 1265971"/>
+              <a:gd name="connsiteX2" fmla="*/ 1059369 w 2942691"/>
+              <a:gd name="connsiteY2" fmla="*/ 0 h 1265971"/>
+              <a:gd name="connsiteX3" fmla="*/ 1706761 w 2942691"/>
+              <a:gd name="connsiteY3" fmla="*/ 0 h 1265971"/>
+              <a:gd name="connsiteX4" fmla="*/ 2265872 w 2942691"/>
+              <a:gd name="connsiteY4" fmla="*/ 0 h 1265971"/>
+              <a:gd name="connsiteX5" fmla="*/ 2942691 w 2942691"/>
+              <a:gd name="connsiteY5" fmla="*/ 0 h 1265971"/>
+              <a:gd name="connsiteX6" fmla="*/ 2942691 w 2942691"/>
+              <a:gd name="connsiteY6" fmla="*/ 447310 h 1265971"/>
+              <a:gd name="connsiteX7" fmla="*/ 2942691 w 2942691"/>
+              <a:gd name="connsiteY7" fmla="*/ 869300 h 1265971"/>
+              <a:gd name="connsiteX8" fmla="*/ 2942691 w 2942691"/>
+              <a:gd name="connsiteY8" fmla="*/ 1265971 h 1265971"/>
+              <a:gd name="connsiteX9" fmla="*/ 2413007 w 2942691"/>
+              <a:gd name="connsiteY9" fmla="*/ 1265971 h 1265971"/>
+              <a:gd name="connsiteX10" fmla="*/ 1824468 w 2942691"/>
+              <a:gd name="connsiteY10" fmla="*/ 1265971 h 1265971"/>
+              <a:gd name="connsiteX11" fmla="*/ 1235930 w 2942691"/>
+              <a:gd name="connsiteY11" fmla="*/ 1265971 h 1265971"/>
+              <a:gd name="connsiteX12" fmla="*/ 676819 w 2942691"/>
+              <a:gd name="connsiteY12" fmla="*/ 1265971 h 1265971"/>
+              <a:gd name="connsiteX13" fmla="*/ 0 w 2942691"/>
+              <a:gd name="connsiteY13" fmla="*/ 1265971 h 1265971"/>
+              <a:gd name="connsiteX14" fmla="*/ 0 w 2942691"/>
+              <a:gd name="connsiteY14" fmla="*/ 818661 h 1265971"/>
+              <a:gd name="connsiteX15" fmla="*/ 0 w 2942691"/>
+              <a:gd name="connsiteY15" fmla="*/ 371351 h 1265971"/>
+              <a:gd name="connsiteX16" fmla="*/ 0 w 2942691"/>
+              <a:gd name="connsiteY16" fmla="*/ 0 h 1265971"/>
+            </a:gdLst>
+            <a:ahLst/>
+            <a:cxnLst>
+              <a:cxn ang="0">
+                <a:pos x="connsiteX0" y="connsiteY0"/>
+              </a:cxn>
+              <a:cxn ang="0">
+                <a:pos x="connsiteX1" y="connsiteY1"/>
+              </a:cxn>
+              <a:cxn ang="0">
+                <a:pos x="connsiteX2" y="connsiteY2"/>
+              </a:cxn>
+              <a:cxn ang="0">
+                <a:pos x="connsiteX3" y="connsiteY3"/>
+              </a:cxn>
+              <a:cxn ang="0">
+                <a:pos x="connsiteX4" y="connsiteY4"/>
+              </a:cxn>
+              <a:cxn ang="0">
+                <a:pos x="connsiteX5" y="connsiteY5"/>
+              </a:cxn>
+              <a:cxn ang="0">
+                <a:pos x="connsiteX6" y="connsiteY6"/>
+              </a:cxn>
+              <a:cxn ang="0">
+                <a:pos x="connsiteX7" y="connsiteY7"/>
+              </a:cxn>
+              <a:cxn ang="0">
+                <a:pos x="connsiteX8" y="connsiteY8"/>
+              </a:cxn>
+              <a:cxn ang="0">
+                <a:pos x="connsiteX9" y="connsiteY9"/>
+              </a:cxn>
+              <a:cxn ang="0">
+                <a:pos x="connsiteX10" y="connsiteY10"/>
+              </a:cxn>
+              <a:cxn ang="0">
+                <a:pos x="connsiteX11" y="connsiteY11"/>
+              </a:cxn>
+              <a:cxn ang="0">
+                <a:pos x="connsiteX12" y="connsiteY12"/>
+              </a:cxn>
+              <a:cxn ang="0">
+                <a:pos x="connsiteX13" y="connsiteY13"/>
+              </a:cxn>
+              <a:cxn ang="0">
+                <a:pos x="connsiteX14" y="connsiteY14"/>
+              </a:cxn>
+              <a:cxn ang="0">
+                <a:pos x="connsiteX15" y="connsiteY15"/>
+              </a:cxn>
+              <a:cxn ang="0">
+                <a:pos x="connsiteX16" y="connsiteY16"/>
+              </a:cxn>
+            </a:cxnLst>
+            <a:rect l="l" t="t" r="r" b="b"/>
+            <a:pathLst>
+              <a:path w="2942691" h="1265971" extrusionOk="0">
+                <a:moveTo>
+                  <a:pt x="0" y="0"/>
+                </a:moveTo>
+                <a:cubicBezTo>
+                  <a:pt x="252744" y="-1772"/>
+                  <a:pt x="325041" y="48224"/>
+                  <a:pt x="559111" y="0"/>
+                </a:cubicBezTo>
+                <a:cubicBezTo>
+                  <a:pt x="793181" y="-48224"/>
+                  <a:pt x="950746" y="26306"/>
+                  <a:pt x="1059369" y="0"/>
+                </a:cubicBezTo>
+                <a:cubicBezTo>
+                  <a:pt x="1167992" y="-26306"/>
+                  <a:pt x="1461678" y="36773"/>
+                  <a:pt x="1706761" y="0"/>
+                </a:cubicBezTo>
+                <a:cubicBezTo>
+                  <a:pt x="1951844" y="-36773"/>
+                  <a:pt x="2031444" y="21975"/>
+                  <a:pt x="2265872" y="0"/>
+                </a:cubicBezTo>
+                <a:cubicBezTo>
+                  <a:pt x="2500300" y="-21975"/>
+                  <a:pt x="2656901" y="64517"/>
+                  <a:pt x="2942691" y="0"/>
+                </a:cubicBezTo>
+                <a:cubicBezTo>
+                  <a:pt x="2995665" y="95182"/>
+                  <a:pt x="2921190" y="277144"/>
+                  <a:pt x="2942691" y="447310"/>
+                </a:cubicBezTo>
+                <a:cubicBezTo>
+                  <a:pt x="2964192" y="617476"/>
+                  <a:pt x="2922036" y="696448"/>
+                  <a:pt x="2942691" y="869300"/>
+                </a:cubicBezTo>
+                <a:cubicBezTo>
+                  <a:pt x="2963346" y="1042152"/>
+                  <a:pt x="2932717" y="1098583"/>
+                  <a:pt x="2942691" y="1265971"/>
+                </a:cubicBezTo>
+                <a:cubicBezTo>
+                  <a:pt x="2719196" y="1295420"/>
+                  <a:pt x="2531096" y="1216590"/>
+                  <a:pt x="2413007" y="1265971"/>
+                </a:cubicBezTo>
+                <a:cubicBezTo>
+                  <a:pt x="2294918" y="1315352"/>
+                  <a:pt x="1988957" y="1251600"/>
+                  <a:pt x="1824468" y="1265971"/>
+                </a:cubicBezTo>
+                <a:cubicBezTo>
+                  <a:pt x="1659979" y="1280342"/>
+                  <a:pt x="1436426" y="1210010"/>
+                  <a:pt x="1235930" y="1265971"/>
+                </a:cubicBezTo>
+                <a:cubicBezTo>
+                  <a:pt x="1035434" y="1321932"/>
+                  <a:pt x="851996" y="1246224"/>
+                  <a:pt x="676819" y="1265971"/>
+                </a:cubicBezTo>
+                <a:cubicBezTo>
+                  <a:pt x="501642" y="1285718"/>
+                  <a:pt x="247430" y="1254844"/>
+                  <a:pt x="0" y="1265971"/>
+                </a:cubicBezTo>
+                <a:cubicBezTo>
+                  <a:pt x="-36993" y="1089408"/>
+                  <a:pt x="35054" y="920535"/>
+                  <a:pt x="0" y="818661"/>
+                </a:cubicBezTo>
+                <a:cubicBezTo>
+                  <a:pt x="-35054" y="716787"/>
+                  <a:pt x="38784" y="565503"/>
+                  <a:pt x="0" y="371351"/>
+                </a:cubicBezTo>
+                <a:cubicBezTo>
+                  <a:pt x="-38784" y="177199"/>
+                  <a:pt x="34711" y="75890"/>
+                  <a:pt x="0" y="0"/>
+                </a:cubicBezTo>
+                <a:close/>
+              </a:path>
+            </a:pathLst>
+          </a:custGeom>
+          <a:noFill/>
+          <a:ln w="12700">
+            <a:solidFill>
+              <a:srgbClr val="7030A0"/>
+            </a:solidFill>
+            <a:extLst>
+              <a:ext uri="{C807C97D-BFC1-408E-A445-0C87EB9F89A2}">
+                <ask:lineSketchStyleProps xmlns:ask="http://schemas.microsoft.com/office/drawing/2018/sketchyshapes" sd="1219033472">
+                  <a:prstGeom prst="rect">
+                    <a:avLst/>
+                  </a:prstGeom>
+                  <ask:type>
+                    <ask:lineSketchScribble/>
+                  </ask:type>
+                </ask:lineSketchStyleProps>
+              </a:ext>
+            </a:extLst>
+          </a:ln>
+        </p:spPr>
+        <p:style>
+          <a:lnRef idx="2">
+            <a:schemeClr val="accent1">
+              <a:shade val="50000"/>
+            </a:schemeClr>
+          </a:lnRef>
+          <a:fillRef idx="1">
+            <a:schemeClr val="accent1"/>
+          </a:fillRef>
+          <a:effectRef idx="0">
+            <a:schemeClr val="accent1"/>
+          </a:effectRef>
+          <a:fontRef idx="minor">
+            <a:schemeClr val="lt1"/>
+          </a:fontRef>
+        </p:style>
+        <p:txBody>
+          <a:bodyPr rtlCol="0" anchor="t"/>
+          <a:lstStyle/>
+          <a:p>
+            <a:pPr algn="ctr"/>
+            <a:r>
+              <a:rPr lang="en-US" sz="1200" dirty="0">
+                <a:solidFill>
+                  <a:srgbClr val="7030A0"/>
+                </a:solidFill>
+              </a:rPr>
+              <a:t>Decision Service Runtime</a:t>
+            </a:r>
+            <a:endParaRPr sz="1200" dirty="0">
+              <a:solidFill>
+                <a:srgbClr val="7030A0"/>
+              </a:solidFill>
+            </a:endParaRPr>
+          </a:p>
+        </p:txBody>
+      </p:sp>
+      <p:sp>
+        <p:nvSpPr>
+          <p:cNvPr id="62" name="Rounded Rectangle 61">
+            <a:extLst>
+              <a:ext uri="{FF2B5EF4-FFF2-40B4-BE49-F238E27FC236}">
+                <a16:creationId xmlns:a16="http://schemas.microsoft.com/office/drawing/2014/main" id="{98E643A1-E8C9-9440-9C53-2E638F45CECA}"/>
+              </a:ext>
+            </a:extLst>
+          </p:cNvPr>
+          <p:cNvSpPr/>
+          <p:nvPr/>
+        </p:nvSpPr>
+        <p:spPr>
+          <a:xfrm>
+            <a:off x="8105395" y="4104989"/>
+            <a:ext cx="1037818" cy="342900"/>
+          </a:xfrm>
+          <a:prstGeom prst="roundRect">
+            <a:avLst>
+              <a:gd name="adj" fmla="val 6808"/>
+            </a:avLst>
+          </a:prstGeom>
+          <a:solidFill>
+            <a:schemeClr val="accent3">
+              <a:lumMod val="65000"/>
+            </a:schemeClr>
+          </a:solidFill>
+          <a:ln>
+            <a:noFill/>
+          </a:ln>
+          <a:effectLst>
+            <a:outerShdw blurRad="50800" dist="38100" dir="5400000" algn="t" rotWithShape="0">
+              <a:prstClr val="black">
+                <a:alpha val="40000"/>
+              </a:prstClr>
+            </a:outerShdw>
+          </a:effectLst>
+        </p:spPr>
+        <p:style>
+          <a:lnRef idx="2">
+            <a:schemeClr val="accent1">
+              <a:shade val="50000"/>
+            </a:schemeClr>
+          </a:lnRef>
+          <a:fillRef idx="1">
+            <a:schemeClr val="accent1"/>
+          </a:fillRef>
+          <a:effectRef idx="0">
+            <a:schemeClr val="accent1"/>
+          </a:effectRef>
+          <a:fontRef idx="minor">
+            <a:schemeClr val="lt1"/>
+          </a:fontRef>
+        </p:style>
+        <p:txBody>
+          <a:bodyPr rtlCol="0" anchor="t"/>
+          <a:lstStyle/>
+          <a:p>
+            <a:pPr algn="ctr"/>
+            <a:r>
+              <a:rPr lang="en-US" sz="1000" dirty="0"/>
+              <a:t>Entity Service</a:t>
+            </a:r>
+            <a:endParaRPr sz="1000" dirty="0"/>
+          </a:p>
+        </p:txBody>
+      </p:sp>
+      <p:sp>
+        <p:nvSpPr>
+          <p:cNvPr id="65" name="Rounded Rectangle 64">
+            <a:extLst>
+              <a:ext uri="{FF2B5EF4-FFF2-40B4-BE49-F238E27FC236}">
+                <a16:creationId xmlns:a16="http://schemas.microsoft.com/office/drawing/2014/main" id="{AF4EBE46-AA94-4946-A3AA-9EC4930ECD9C}"/>
+              </a:ext>
+            </a:extLst>
+          </p:cNvPr>
+          <p:cNvSpPr/>
+          <p:nvPr/>
+        </p:nvSpPr>
+        <p:spPr>
+          <a:xfrm>
+            <a:off x="6856397" y="2793795"/>
+            <a:ext cx="1629418" cy="248222"/>
+          </a:xfrm>
+          <a:prstGeom prst="roundRect">
+            <a:avLst>
+              <a:gd name="adj" fmla="val 6808"/>
+            </a:avLst>
+          </a:prstGeom>
+          <a:solidFill>
+            <a:schemeClr val="accent6">
+              <a:lumMod val="60000"/>
+              <a:lumOff val="40000"/>
+            </a:schemeClr>
+          </a:solidFill>
+          <a:ln>
+            <a:noFill/>
+          </a:ln>
+          <a:effectLst>
+            <a:outerShdw blurRad="50800" dist="38100" dir="5400000" algn="t" rotWithShape="0">
+              <a:prstClr val="black">
+                <a:alpha val="40000"/>
+              </a:prstClr>
+            </a:outerShdw>
+          </a:effectLst>
+        </p:spPr>
+        <p:style>
+          <a:lnRef idx="2">
+            <a:schemeClr val="accent1">
+              <a:shade val="50000"/>
+            </a:schemeClr>
+          </a:lnRef>
+          <a:fillRef idx="1">
+            <a:schemeClr val="accent1"/>
+          </a:fillRef>
+          <a:effectRef idx="0">
+            <a:schemeClr val="accent1"/>
+          </a:effectRef>
+          <a:fontRef idx="minor">
+            <a:schemeClr val="lt1"/>
+          </a:fontRef>
+        </p:style>
+        <p:txBody>
+          <a:bodyPr rtlCol="0" anchor="t"/>
+          <a:lstStyle/>
+          <a:p>
+            <a:pPr algn="ctr"/>
+            <a:r>
+              <a:rPr lang="en-US" sz="1000" dirty="0"/>
+              <a:t>Rule Engine / Rule App</a:t>
+            </a:r>
+            <a:endParaRPr sz="1000" dirty="0"/>
+          </a:p>
+        </p:txBody>
+      </p:sp>
+      <p:cxnSp>
+        <p:nvCxnSpPr>
+          <p:cNvPr id="66" name="Straight Arrow Connector 37">
+            <a:extLst>
+              <a:ext uri="{FF2B5EF4-FFF2-40B4-BE49-F238E27FC236}">
+                <a16:creationId xmlns:a16="http://schemas.microsoft.com/office/drawing/2014/main" id="{4AD8A9E9-5707-B74D-860A-92E866D837D0}"/>
+              </a:ext>
+            </a:extLst>
+          </p:cNvPr>
+          <p:cNvCxnSpPr>
+            <a:cxnSpLocks/>
+            <a:stCxn id="50" idx="0"/>
+            <a:endCxn id="62" idx="1"/>
+          </p:cNvCxnSpPr>
+          <p:nvPr/>
+        </p:nvCxnSpPr>
+        <p:spPr>
+          <a:xfrm rot="5400000" flipH="1" flipV="1">
+            <a:off x="5912803" y="2700765"/>
+            <a:ext cx="616918" cy="3768266"/>
+          </a:xfrm>
+          <a:prstGeom prst="curvedConnector2">
+            <a:avLst/>
+          </a:prstGeom>
+          <a:ln>
+            <a:solidFill>
+              <a:srgbClr val="0000FF"/>
+            </a:solidFill>
+            <a:prstDash val="dash"/>
+            <a:tailEnd type="triangle"/>
+          </a:ln>
+        </p:spPr>
+        <p:style>
+          <a:lnRef idx="1">
+            <a:schemeClr val="accent1"/>
+          </a:lnRef>
+          <a:fillRef idx="0">
+            <a:schemeClr val="accent1"/>
+          </a:fillRef>
+          <a:effectRef idx="0">
+            <a:schemeClr val="accent1"/>
+          </a:effectRef>
+          <a:fontRef idx="minor">
+            <a:schemeClr val="tx1"/>
+          </a:fontRef>
+        </p:style>
+      </p:cxnSp>
+      <p:cxnSp>
+        <p:nvCxnSpPr>
+          <p:cNvPr id="69" name="Straight Arrow Connector 37">
+            <a:extLst>
+              <a:ext uri="{FF2B5EF4-FFF2-40B4-BE49-F238E27FC236}">
+                <a16:creationId xmlns:a16="http://schemas.microsoft.com/office/drawing/2014/main" id="{A39D74C5-B534-F14C-8CA9-7C0D1A726EDD}"/>
+              </a:ext>
+            </a:extLst>
+          </p:cNvPr>
+          <p:cNvCxnSpPr>
+            <a:cxnSpLocks/>
+            <a:stCxn id="62" idx="0"/>
+            <a:endCxn id="65" idx="2"/>
+          </p:cNvCxnSpPr>
+          <p:nvPr/>
+        </p:nvCxnSpPr>
+        <p:spPr>
+          <a:xfrm rot="16200000" flipV="1">
+            <a:off x="7616219" y="3096904"/>
+            <a:ext cx="1062972" cy="953198"/>
+          </a:xfrm>
+          <a:prstGeom prst="curvedConnector3">
+            <a:avLst>
+              <a:gd name="adj1" fmla="val 50000"/>
+            </a:avLst>
+          </a:prstGeom>
+          <a:ln>
+            <a:solidFill>
+              <a:srgbClr val="7030A0"/>
+            </a:solidFill>
+            <a:headEnd type="triangle"/>
+            <a:tailEnd type="triangle"/>
+          </a:ln>
+        </p:spPr>
+        <p:style>
+          <a:lnRef idx="1">
+            <a:schemeClr val="accent1"/>
+          </a:lnRef>
+          <a:fillRef idx="0">
+            <a:schemeClr val="accent1"/>
+          </a:fillRef>
+          <a:effectRef idx="0">
+            <a:schemeClr val="accent1"/>
+          </a:effectRef>
+          <a:fontRef idx="minor">
+            <a:schemeClr val="tx1"/>
+          </a:fontRef>
+        </p:style>
+      </p:cxnSp>
+      <p:sp>
+        <p:nvSpPr>
+          <p:cNvPr id="72" name="TextBox 71">
+            <a:extLst>
+              <a:ext uri="{FF2B5EF4-FFF2-40B4-BE49-F238E27FC236}">
+                <a16:creationId xmlns:a16="http://schemas.microsoft.com/office/drawing/2014/main" id="{6EE9573A-F196-874F-A7C5-1C9ABF3B8391}"/>
+              </a:ext>
+            </a:extLst>
+          </p:cNvPr>
+          <p:cNvSpPr txBox="1"/>
+          <p:nvPr/>
+        </p:nvSpPr>
+        <p:spPr>
+          <a:xfrm>
+            <a:off x="8147705" y="3570363"/>
+            <a:ext cx="1236927" cy="233972"/>
+          </a:xfrm>
+          <a:prstGeom prst="rect">
+            <a:avLst/>
+          </a:prstGeom>
+          <a:solidFill>
+            <a:schemeClr val="bg1">
+              <a:lumMod val="95000"/>
+            </a:schemeClr>
+          </a:solidFill>
+        </p:spPr>
+        <p:txBody>
+          <a:bodyPr wrap="square" rtlCol="0">
+            <a:spAutoFit/>
+          </a:bodyPr>
+          <a:lstStyle/>
+          <a:p>
+            <a:r>
+              <a:rPr lang="en-US" sz="900" dirty="0"/>
+              <a:t>Next best action</a:t>
+            </a:r>
+          </a:p>
+        </p:txBody>
+      </p:sp>
+      <p:sp>
+        <p:nvSpPr>
+          <p:cNvPr id="73" name="TextBox 72">
+            <a:extLst>
+              <a:ext uri="{FF2B5EF4-FFF2-40B4-BE49-F238E27FC236}">
+                <a16:creationId xmlns:a16="http://schemas.microsoft.com/office/drawing/2014/main" id="{FA599055-F5DC-BE47-B256-D43FB1A92DDC}"/>
+              </a:ext>
+            </a:extLst>
+          </p:cNvPr>
+          <p:cNvSpPr txBox="1"/>
+          <p:nvPr/>
+        </p:nvSpPr>
+        <p:spPr>
+          <a:xfrm>
+            <a:off x="4502839" y="2477725"/>
+            <a:ext cx="1236927" cy="230832"/>
+          </a:xfrm>
+          <a:prstGeom prst="rect">
+            <a:avLst/>
+          </a:prstGeom>
+          <a:solidFill>
+            <a:schemeClr val="bg1">
+              <a:lumMod val="95000"/>
+            </a:schemeClr>
+          </a:solidFill>
+        </p:spPr>
+        <p:txBody>
+          <a:bodyPr wrap="square" rtlCol="0">
+            <a:spAutoFit/>
+          </a:bodyPr>
+          <a:lstStyle/>
+          <a:p>
+            <a:r>
+              <a:rPr lang="en-US" sz="900" dirty="0"/>
+              <a:t>Situation detection</a:t>
+            </a:r>
+          </a:p>
+        </p:txBody>
+      </p:sp>
+      <p:sp>
+        <p:nvSpPr>
+          <p:cNvPr id="75" name="Rounded Rectangle 74">
+            <a:extLst>
+              <a:ext uri="{FF2B5EF4-FFF2-40B4-BE49-F238E27FC236}">
+                <a16:creationId xmlns:a16="http://schemas.microsoft.com/office/drawing/2014/main" id="{4D914E27-740D-AA4C-B1FB-E3EBAB4523D5}"/>
+              </a:ext>
+            </a:extLst>
+          </p:cNvPr>
+          <p:cNvSpPr/>
+          <p:nvPr/>
+        </p:nvSpPr>
+        <p:spPr>
+          <a:xfrm>
+            <a:off x="9878764" y="3804335"/>
+            <a:ext cx="1037818" cy="472104"/>
+          </a:xfrm>
+          <a:prstGeom prst="roundRect">
+            <a:avLst>
+              <a:gd name="adj" fmla="val 6808"/>
+            </a:avLst>
+          </a:prstGeom>
+          <a:solidFill>
+            <a:schemeClr val="accent3">
+              <a:lumMod val="65000"/>
+            </a:schemeClr>
+          </a:solidFill>
+          <a:ln>
+            <a:noFill/>
+          </a:ln>
+          <a:effectLst>
+            <a:outerShdw blurRad="50800" dist="38100" dir="5400000" algn="t" rotWithShape="0">
+              <a:prstClr val="black">
+                <a:alpha val="40000"/>
+              </a:prstClr>
+            </a:outerShdw>
+          </a:effectLst>
+        </p:spPr>
+        <p:style>
+          <a:lnRef idx="2">
+            <a:schemeClr val="accent1">
+              <a:shade val="50000"/>
+            </a:schemeClr>
+          </a:lnRef>
+          <a:fillRef idx="1">
+            <a:schemeClr val="accent1"/>
+          </a:fillRef>
+          <a:effectRef idx="0">
+            <a:schemeClr val="accent1"/>
+          </a:effectRef>
+          <a:fontRef idx="minor">
+            <a:schemeClr val="lt1"/>
+          </a:fontRef>
+        </p:style>
+        <p:txBody>
+          <a:bodyPr rtlCol="0" anchor="t"/>
+          <a:lstStyle/>
+          <a:p>
+            <a:pPr algn="ctr"/>
+            <a:r>
+              <a:rPr lang="en-US" sz="1000" dirty="0"/>
+              <a:t>Process Service</a:t>
+            </a:r>
+            <a:endParaRPr sz="1000" dirty="0"/>
+          </a:p>
+        </p:txBody>
+      </p:sp>
+      <p:sp>
+        <p:nvSpPr>
+          <p:cNvPr id="76" name="Rounded Rectangle 75">
+            <a:extLst>
+              <a:ext uri="{FF2B5EF4-FFF2-40B4-BE49-F238E27FC236}">
+                <a16:creationId xmlns:a16="http://schemas.microsoft.com/office/drawing/2014/main" id="{31721104-286C-E648-8DFA-D63470EA074B}"/>
+              </a:ext>
+            </a:extLst>
+          </p:cNvPr>
+          <p:cNvSpPr/>
+          <p:nvPr/>
+        </p:nvSpPr>
+        <p:spPr>
+          <a:xfrm>
+            <a:off x="9878764" y="4447889"/>
+            <a:ext cx="1037818" cy="472104"/>
+          </a:xfrm>
+          <a:prstGeom prst="roundRect">
+            <a:avLst>
+              <a:gd name="adj" fmla="val 6808"/>
+            </a:avLst>
+          </a:prstGeom>
+          <a:solidFill>
+            <a:schemeClr val="accent3">
+              <a:lumMod val="65000"/>
+            </a:schemeClr>
+          </a:solidFill>
+          <a:ln>
+            <a:noFill/>
+          </a:ln>
+          <a:effectLst>
+            <a:outerShdw blurRad="50800" dist="38100" dir="5400000" algn="t" rotWithShape="0">
+              <a:prstClr val="black">
+                <a:alpha val="40000"/>
+              </a:prstClr>
+            </a:outerShdw>
+          </a:effectLst>
+        </p:spPr>
+        <p:style>
+          <a:lnRef idx="2">
+            <a:schemeClr val="accent1">
+              <a:shade val="50000"/>
+            </a:schemeClr>
+          </a:lnRef>
+          <a:fillRef idx="1">
+            <a:schemeClr val="accent1"/>
+          </a:fillRef>
+          <a:effectRef idx="0">
+            <a:schemeClr val="accent1"/>
+          </a:effectRef>
+          <a:fontRef idx="minor">
+            <a:schemeClr val="lt1"/>
+          </a:fontRef>
+        </p:style>
+        <p:txBody>
+          <a:bodyPr rtlCol="0" anchor="t"/>
+          <a:lstStyle/>
+          <a:p>
+            <a:pPr algn="ctr"/>
+            <a:r>
+              <a:rPr lang="en-US" sz="1000" dirty="0"/>
+              <a:t>RPA Service</a:t>
+            </a:r>
+            <a:endParaRPr sz="1000" dirty="0"/>
+          </a:p>
+        </p:txBody>
+      </p:sp>
+      <p:grpSp>
+        <p:nvGrpSpPr>
+          <p:cNvPr id="78" name="Group 77">
+            <a:extLst>
+              <a:ext uri="{FF2B5EF4-FFF2-40B4-BE49-F238E27FC236}">
+                <a16:creationId xmlns:a16="http://schemas.microsoft.com/office/drawing/2014/main" id="{832780BD-D457-2445-BC91-B45FE6D25C8A}"/>
+              </a:ext>
+            </a:extLst>
+          </p:cNvPr>
+          <p:cNvGrpSpPr/>
+          <p:nvPr/>
+        </p:nvGrpSpPr>
+        <p:grpSpPr>
+          <a:xfrm>
+            <a:off x="6602480" y="4893357"/>
+            <a:ext cx="948040" cy="629490"/>
+            <a:chOff x="540471" y="2954563"/>
+            <a:chExt cx="948040" cy="629490"/>
+          </a:xfrm>
+        </p:grpSpPr>
+        <p:sp>
+          <p:nvSpPr>
+            <p:cNvPr id="79" name="Rounded Rectangle">
+              <a:extLst>
+                <a:ext uri="{FF2B5EF4-FFF2-40B4-BE49-F238E27FC236}">
+                  <a16:creationId xmlns:a16="http://schemas.microsoft.com/office/drawing/2014/main" id="{F6FD60ED-3EDD-134C-9F59-2C1AF7755705}"/>
+                </a:ext>
+              </a:extLst>
+            </p:cNvPr>
+            <p:cNvSpPr/>
+            <p:nvPr/>
+          </p:nvSpPr>
+          <p:spPr>
+            <a:xfrm>
+              <a:off x="540471" y="2954563"/>
+              <a:ext cx="186040" cy="629490"/>
+            </a:xfrm>
+            <a:prstGeom prst="roundRect">
+              <a:avLst>
+                <a:gd name="adj" fmla="val 16667"/>
+              </a:avLst>
+            </a:prstGeom>
+            <a:solidFill>
+              <a:srgbClr val="FEFFFE"/>
+            </a:solidFill>
+            <a:ln w="38100" cap="flat">
+              <a:solidFill>
+                <a:srgbClr val="7030A0"/>
+              </a:solidFill>
+              <a:prstDash val="solid"/>
+              <a:round/>
+            </a:ln>
+            <a:effectLst/>
+          </p:spPr>
+          <p:txBody>
+            <a:bodyPr wrap="square" lIns="28575" tIns="28575" rIns="28575" bIns="28575" numCol="1" anchor="ctr">
+              <a:noAutofit/>
+            </a:bodyPr>
+            <a:lstStyle/>
+            <a:p>
+              <a:pPr marL="0" marR="0" lvl="0" indent="0" algn="ctr" defTabSz="1219184" rtl="0" eaLnBrk="1" fontAlgn="auto" latinLnBrk="0" hangingPunct="0">
+                <a:lnSpc>
+                  <a:spcPct val="90000"/>
+                </a:lnSpc>
+                <a:spcBef>
+                  <a:spcPts val="0"/>
+                </a:spcBef>
+                <a:spcAft>
+                  <a:spcPts val="0"/>
+                </a:spcAft>
+                <a:buClrTx/>
+                <a:buSzTx/>
+                <a:buFontTx/>
+                <a:buNone/>
+                <a:tabLst/>
+                <a:defRPr sz="900" b="0">
+                  <a:solidFill>
+                    <a:srgbClr val="002060"/>
+                  </a:solidFill>
+                  <a:latin typeface="IBM Plex Sans"/>
+                  <a:ea typeface="IBM Plex Sans"/>
+                  <a:cs typeface="IBM Plex Sans"/>
+                  <a:sym typeface="IBM Plex Sans"/>
+                </a:defRPr>
+              </a:pPr>
+              <a:r>
+                <a:rPr kumimoji="0" lang="en-US" sz="1400" b="0" i="0" u="none" strike="noStrike" kern="0" cap="none" spc="0" normalizeH="0" baseline="0" noProof="0" dirty="0">
+                  <a:ln>
+                    <a:noFill/>
+                  </a:ln>
+                  <a:solidFill>
+                    <a:srgbClr val="002060"/>
+                  </a:solidFill>
+                  <a:effectLst/>
+                  <a:uLnTx/>
+                  <a:uFillTx/>
+                  <a:latin typeface="IBM Plex Sans"/>
+                  <a:sym typeface="IBM Plex Sans"/>
+                </a:rPr>
+                <a:t>0</a:t>
+              </a:r>
+              <a:endParaRPr kumimoji="0" sz="1400" b="0" i="0" u="none" strike="noStrike" kern="0" cap="none" spc="0" normalizeH="0" baseline="0" noProof="0" dirty="0">
+                <a:ln>
+                  <a:noFill/>
+                </a:ln>
+                <a:solidFill>
+                  <a:srgbClr val="002060"/>
+                </a:solidFill>
+                <a:effectLst/>
+                <a:uLnTx/>
+                <a:uFillTx/>
+                <a:latin typeface="IBM Plex Sans"/>
+                <a:sym typeface="IBM Plex Sans"/>
+              </a:endParaRPr>
+            </a:p>
+          </p:txBody>
+        </p:sp>
+        <p:sp>
+          <p:nvSpPr>
+            <p:cNvPr id="80" name="Rounded Rectangle">
+              <a:extLst>
+                <a:ext uri="{FF2B5EF4-FFF2-40B4-BE49-F238E27FC236}">
+                  <a16:creationId xmlns:a16="http://schemas.microsoft.com/office/drawing/2014/main" id="{A8C2C823-F2E5-5F4B-94A5-11EA8D37F7C3}"/>
+                </a:ext>
+              </a:extLst>
+            </p:cNvPr>
+            <p:cNvSpPr/>
+            <p:nvPr/>
+          </p:nvSpPr>
+          <p:spPr>
+            <a:xfrm>
+              <a:off x="692871" y="2954563"/>
+              <a:ext cx="186040" cy="629490"/>
+            </a:xfrm>
+            <a:prstGeom prst="roundRect">
+              <a:avLst>
+                <a:gd name="adj" fmla="val 16667"/>
+              </a:avLst>
+            </a:prstGeom>
+            <a:solidFill>
+              <a:srgbClr val="FEFFFE"/>
+            </a:solidFill>
+            <a:ln w="38100" cap="flat">
+              <a:solidFill>
+                <a:srgbClr val="7030A0"/>
+              </a:solidFill>
+              <a:prstDash val="solid"/>
+              <a:round/>
+            </a:ln>
+            <a:effectLst/>
+          </p:spPr>
+          <p:txBody>
+            <a:bodyPr wrap="square" lIns="28575" tIns="28575" rIns="28575" bIns="28575" numCol="1" anchor="ctr">
+              <a:noAutofit/>
+            </a:bodyPr>
+            <a:lstStyle/>
+            <a:p>
+              <a:pPr marL="0" marR="0" lvl="0" indent="0" algn="ctr" defTabSz="1219184" rtl="0" eaLnBrk="1" fontAlgn="auto" latinLnBrk="0" hangingPunct="0">
+                <a:lnSpc>
+                  <a:spcPct val="90000"/>
+                </a:lnSpc>
+                <a:spcBef>
+                  <a:spcPts val="0"/>
+                </a:spcBef>
+                <a:spcAft>
+                  <a:spcPts val="0"/>
+                </a:spcAft>
+                <a:buClrTx/>
+                <a:buSzTx/>
+                <a:buFontTx/>
+                <a:buNone/>
+                <a:tabLst/>
+                <a:defRPr sz="900" b="0">
+                  <a:solidFill>
+                    <a:srgbClr val="002060"/>
+                  </a:solidFill>
+                  <a:latin typeface="IBM Plex Sans"/>
+                  <a:ea typeface="IBM Plex Sans"/>
+                  <a:cs typeface="IBM Plex Sans"/>
+                  <a:sym typeface="IBM Plex Sans"/>
+                </a:defRPr>
+              </a:pPr>
+              <a:endParaRPr kumimoji="0" sz="1400" b="0" i="0" u="none" strike="noStrike" kern="0" cap="none" spc="0" normalizeH="0" baseline="0" noProof="0" dirty="0">
+                <a:ln>
+                  <a:noFill/>
+                </a:ln>
+                <a:solidFill>
+                  <a:srgbClr val="002060"/>
+                </a:solidFill>
+                <a:effectLst/>
+                <a:uLnTx/>
+                <a:uFillTx/>
+                <a:latin typeface="IBM Plex Sans"/>
+                <a:sym typeface="IBM Plex Sans"/>
+              </a:endParaRPr>
+            </a:p>
+          </p:txBody>
+        </p:sp>
+        <p:sp>
+          <p:nvSpPr>
+            <p:cNvPr id="81" name="Rounded Rectangle">
+              <a:extLst>
+                <a:ext uri="{FF2B5EF4-FFF2-40B4-BE49-F238E27FC236}">
+                  <a16:creationId xmlns:a16="http://schemas.microsoft.com/office/drawing/2014/main" id="{93011D27-80ED-E347-9051-B4ADA556CB67}"/>
+                </a:ext>
+              </a:extLst>
+            </p:cNvPr>
+            <p:cNvSpPr/>
+            <p:nvPr/>
+          </p:nvSpPr>
+          <p:spPr>
+            <a:xfrm>
+              <a:off x="845271" y="2954563"/>
+              <a:ext cx="186040" cy="629490"/>
+            </a:xfrm>
+            <a:prstGeom prst="roundRect">
+              <a:avLst>
+                <a:gd name="adj" fmla="val 16667"/>
+              </a:avLst>
+            </a:prstGeom>
+            <a:solidFill>
+              <a:srgbClr val="FEFFFE"/>
+            </a:solidFill>
+            <a:ln w="38100" cap="flat">
+              <a:solidFill>
+                <a:srgbClr val="7030A0"/>
+              </a:solidFill>
+              <a:prstDash val="solid"/>
+              <a:round/>
+            </a:ln>
+            <a:effectLst/>
+          </p:spPr>
+          <p:txBody>
+            <a:bodyPr wrap="square" lIns="28575" tIns="28575" rIns="28575" bIns="28575" numCol="1" anchor="ctr">
+              <a:noAutofit/>
+            </a:bodyPr>
+            <a:lstStyle/>
+            <a:p>
+              <a:pPr marL="0" marR="0" lvl="0" indent="0" algn="ctr" defTabSz="1219184" rtl="0" eaLnBrk="1" fontAlgn="auto" latinLnBrk="0" hangingPunct="0">
+                <a:lnSpc>
+                  <a:spcPct val="90000"/>
+                </a:lnSpc>
+                <a:spcBef>
+                  <a:spcPts val="0"/>
+                </a:spcBef>
+                <a:spcAft>
+                  <a:spcPts val="0"/>
+                </a:spcAft>
+                <a:buClrTx/>
+                <a:buSzTx/>
+                <a:buFontTx/>
+                <a:buNone/>
+                <a:tabLst/>
+                <a:defRPr sz="900" b="0">
+                  <a:solidFill>
+                    <a:srgbClr val="002060"/>
+                  </a:solidFill>
+                  <a:latin typeface="IBM Plex Sans"/>
+                  <a:ea typeface="IBM Plex Sans"/>
+                  <a:cs typeface="IBM Plex Sans"/>
+                  <a:sym typeface="IBM Plex Sans"/>
+                </a:defRPr>
+              </a:pPr>
+              <a:endParaRPr kumimoji="0" sz="1400" i="0" u="none" strike="noStrike" kern="0" cap="none" spc="0" normalizeH="0" baseline="0" noProof="0" dirty="0">
+                <a:ln>
+                  <a:noFill/>
+                </a:ln>
+                <a:solidFill>
+                  <a:srgbClr val="002060"/>
+                </a:solidFill>
+                <a:effectLst/>
+                <a:uLnTx/>
+                <a:uFillTx/>
+                <a:latin typeface="IBM Plex Sans"/>
+                <a:sym typeface="IBM Plex Sans"/>
+              </a:endParaRPr>
+            </a:p>
+          </p:txBody>
+        </p:sp>
+        <p:sp>
+          <p:nvSpPr>
+            <p:cNvPr id="82" name="Rounded Rectangle">
+              <a:extLst>
+                <a:ext uri="{FF2B5EF4-FFF2-40B4-BE49-F238E27FC236}">
+                  <a16:creationId xmlns:a16="http://schemas.microsoft.com/office/drawing/2014/main" id="{1F823A1E-5DEC-B440-833B-52584CE42F6B}"/>
+                </a:ext>
+              </a:extLst>
+            </p:cNvPr>
+            <p:cNvSpPr/>
+            <p:nvPr/>
+          </p:nvSpPr>
+          <p:spPr>
+            <a:xfrm>
+              <a:off x="997671" y="2954563"/>
+              <a:ext cx="186040" cy="629490"/>
+            </a:xfrm>
+            <a:prstGeom prst="roundRect">
+              <a:avLst>
+                <a:gd name="adj" fmla="val 16667"/>
+              </a:avLst>
+            </a:prstGeom>
+            <a:solidFill>
+              <a:srgbClr val="FEFFFE"/>
+            </a:solidFill>
+            <a:ln w="38100" cap="flat">
+              <a:solidFill>
+                <a:srgbClr val="7030A0"/>
+              </a:solidFill>
+              <a:prstDash val="solid"/>
+              <a:round/>
+            </a:ln>
+            <a:effectLst/>
+          </p:spPr>
+          <p:txBody>
+            <a:bodyPr wrap="square" lIns="28575" tIns="28575" rIns="28575" bIns="28575" numCol="1" anchor="ctr">
+              <a:noAutofit/>
+            </a:bodyPr>
+            <a:lstStyle/>
+            <a:p>
+              <a:pPr marL="0" marR="0" lvl="0" indent="0" algn="ctr" defTabSz="1219184" rtl="0" eaLnBrk="1" fontAlgn="auto" latinLnBrk="0" hangingPunct="0">
+                <a:lnSpc>
+                  <a:spcPct val="90000"/>
+                </a:lnSpc>
+                <a:spcBef>
+                  <a:spcPts val="0"/>
+                </a:spcBef>
+                <a:spcAft>
+                  <a:spcPts val="0"/>
+                </a:spcAft>
+                <a:buClrTx/>
+                <a:buSzTx/>
+                <a:buFontTx/>
+                <a:buNone/>
+                <a:tabLst/>
+                <a:defRPr sz="900" b="0">
+                  <a:solidFill>
+                    <a:srgbClr val="002060"/>
+                  </a:solidFill>
+                  <a:latin typeface="IBM Plex Sans"/>
+                  <a:ea typeface="IBM Plex Sans"/>
+                  <a:cs typeface="IBM Plex Sans"/>
+                  <a:sym typeface="IBM Plex Sans"/>
+                </a:defRPr>
+              </a:pPr>
+              <a:endParaRPr kumimoji="0" sz="1400" b="0" i="0" u="none" strike="noStrike" kern="0" cap="none" spc="0" normalizeH="0" baseline="0" noProof="0" dirty="0">
+                <a:ln>
+                  <a:noFill/>
+                </a:ln>
+                <a:solidFill>
+                  <a:srgbClr val="002060"/>
+                </a:solidFill>
+                <a:effectLst/>
+                <a:uLnTx/>
+                <a:uFillTx/>
+                <a:latin typeface="IBM Plex Sans"/>
+                <a:sym typeface="IBM Plex Sans"/>
+              </a:endParaRPr>
+            </a:p>
+          </p:txBody>
+        </p:sp>
+        <p:sp>
+          <p:nvSpPr>
+            <p:cNvPr id="83" name="Rounded Rectangle">
+              <a:extLst>
+                <a:ext uri="{FF2B5EF4-FFF2-40B4-BE49-F238E27FC236}">
+                  <a16:creationId xmlns:a16="http://schemas.microsoft.com/office/drawing/2014/main" id="{1598CD59-68FE-1A46-BCA9-CED7B79E1203}"/>
+                </a:ext>
+              </a:extLst>
+            </p:cNvPr>
+            <p:cNvSpPr/>
+            <p:nvPr/>
+          </p:nvSpPr>
+          <p:spPr>
+            <a:xfrm>
+              <a:off x="1150071" y="2954563"/>
+              <a:ext cx="186040" cy="629490"/>
+            </a:xfrm>
+            <a:prstGeom prst="roundRect">
+              <a:avLst>
+                <a:gd name="adj" fmla="val 16667"/>
+              </a:avLst>
+            </a:prstGeom>
+            <a:solidFill>
+              <a:srgbClr val="FEFFFE"/>
+            </a:solidFill>
+            <a:ln w="38100" cap="flat">
+              <a:solidFill>
+                <a:srgbClr val="7030A0"/>
+              </a:solidFill>
+              <a:prstDash val="solid"/>
+              <a:round/>
+            </a:ln>
+            <a:effectLst/>
+          </p:spPr>
+          <p:txBody>
+            <a:bodyPr wrap="square" lIns="28575" tIns="28575" rIns="28575" bIns="28575" numCol="1" anchor="ctr">
+              <a:noAutofit/>
+            </a:bodyPr>
+            <a:lstStyle/>
+            <a:p>
+              <a:pPr marL="0" marR="0" lvl="0" indent="0" algn="ctr" defTabSz="1219184" rtl="0" eaLnBrk="1" fontAlgn="auto" latinLnBrk="0" hangingPunct="0">
+                <a:lnSpc>
+                  <a:spcPct val="90000"/>
+                </a:lnSpc>
+                <a:spcBef>
+                  <a:spcPts val="0"/>
+                </a:spcBef>
+                <a:spcAft>
+                  <a:spcPts val="0"/>
+                </a:spcAft>
+                <a:buClrTx/>
+                <a:buSzTx/>
+                <a:buFontTx/>
+                <a:buNone/>
+                <a:tabLst/>
+                <a:defRPr sz="900" b="0">
+                  <a:solidFill>
+                    <a:srgbClr val="002060"/>
+                  </a:solidFill>
+                  <a:latin typeface="IBM Plex Sans"/>
+                  <a:ea typeface="IBM Plex Sans"/>
+                  <a:cs typeface="IBM Plex Sans"/>
+                  <a:sym typeface="IBM Plex Sans"/>
+                </a:defRPr>
+              </a:pPr>
+              <a:endParaRPr kumimoji="0" sz="1400" b="0" i="0" u="none" strike="noStrike" kern="0" cap="none" spc="0" normalizeH="0" baseline="0" noProof="0" dirty="0">
+                <a:ln>
+                  <a:noFill/>
+                </a:ln>
+                <a:solidFill>
+                  <a:srgbClr val="002060"/>
+                </a:solidFill>
+                <a:effectLst/>
+                <a:uLnTx/>
+                <a:uFillTx/>
+                <a:latin typeface="IBM Plex Sans"/>
+                <a:sym typeface="IBM Plex Sans"/>
+              </a:endParaRPr>
+            </a:p>
+          </p:txBody>
+        </p:sp>
+        <p:sp>
+          <p:nvSpPr>
+            <p:cNvPr id="84" name="Rounded Rectangle">
+              <a:extLst>
+                <a:ext uri="{FF2B5EF4-FFF2-40B4-BE49-F238E27FC236}">
+                  <a16:creationId xmlns:a16="http://schemas.microsoft.com/office/drawing/2014/main" id="{63792A87-7FD3-DB4F-95B9-1F4A9F6D8031}"/>
+                </a:ext>
+              </a:extLst>
+            </p:cNvPr>
+            <p:cNvSpPr/>
+            <p:nvPr/>
+          </p:nvSpPr>
+          <p:spPr>
+            <a:xfrm>
+              <a:off x="1302471" y="2954563"/>
+              <a:ext cx="186040" cy="629490"/>
+            </a:xfrm>
+            <a:prstGeom prst="roundRect">
+              <a:avLst>
+                <a:gd name="adj" fmla="val 16667"/>
+              </a:avLst>
+            </a:prstGeom>
+            <a:solidFill>
+              <a:srgbClr val="FEFFFE"/>
+            </a:solidFill>
+            <a:ln w="38100" cap="flat">
+              <a:solidFill>
+                <a:srgbClr val="7030A0"/>
+              </a:solidFill>
+              <a:prstDash val="solid"/>
+              <a:round/>
+            </a:ln>
+            <a:effectLst/>
+          </p:spPr>
+          <p:txBody>
+            <a:bodyPr wrap="square" lIns="28575" tIns="28575" rIns="28575" bIns="28575" numCol="1" anchor="ctr">
+              <a:noAutofit/>
+            </a:bodyPr>
+            <a:lstStyle/>
+            <a:p>
+              <a:pPr marL="0" marR="0" lvl="0" indent="0" algn="ctr" defTabSz="1219184" rtl="0" eaLnBrk="1" fontAlgn="auto" latinLnBrk="0" hangingPunct="0">
+                <a:lnSpc>
+                  <a:spcPct val="90000"/>
+                </a:lnSpc>
+                <a:spcBef>
+                  <a:spcPts val="0"/>
+                </a:spcBef>
+                <a:spcAft>
+                  <a:spcPts val="0"/>
+                </a:spcAft>
+                <a:buClrTx/>
+                <a:buSzTx/>
+                <a:buFontTx/>
+                <a:buNone/>
+                <a:tabLst/>
+                <a:defRPr sz="900" b="0">
+                  <a:solidFill>
+                    <a:srgbClr val="002060"/>
+                  </a:solidFill>
+                  <a:latin typeface="IBM Plex Sans"/>
+                  <a:ea typeface="IBM Plex Sans"/>
+                  <a:cs typeface="IBM Plex Sans"/>
+                  <a:sym typeface="IBM Plex Sans"/>
+                </a:defRPr>
+              </a:pPr>
+              <a:r>
+                <a:rPr lang="en-US" sz="1400" kern="0" dirty="0">
+                  <a:solidFill>
+                    <a:srgbClr val="002060"/>
+                  </a:solidFill>
+                  <a:latin typeface="IBM Plex Sans"/>
+                  <a:sym typeface="IBM Plex Sans"/>
+                </a:rPr>
+                <a:t>n</a:t>
+              </a:r>
+              <a:endParaRPr kumimoji="0" sz="1400" b="0" i="0" u="none" strike="noStrike" kern="0" cap="none" spc="0" normalizeH="0" baseline="0" noProof="0" dirty="0">
+                <a:ln>
+                  <a:noFill/>
+                </a:ln>
+                <a:solidFill>
+                  <a:srgbClr val="002060"/>
+                </a:solidFill>
+                <a:effectLst/>
+                <a:uLnTx/>
+                <a:uFillTx/>
+                <a:latin typeface="IBM Plex Sans"/>
+                <a:sym typeface="IBM Plex Sans"/>
+              </a:endParaRPr>
+            </a:p>
+          </p:txBody>
+        </p:sp>
+      </p:grpSp>
+      <p:cxnSp>
+        <p:nvCxnSpPr>
+          <p:cNvPr id="85" name="Straight Arrow Connector 37">
+            <a:extLst>
+              <a:ext uri="{FF2B5EF4-FFF2-40B4-BE49-F238E27FC236}">
+                <a16:creationId xmlns:a16="http://schemas.microsoft.com/office/drawing/2014/main" id="{E691701E-F368-CA45-A390-D57C35406A57}"/>
+              </a:ext>
+            </a:extLst>
+          </p:cNvPr>
+          <p:cNvCxnSpPr>
+            <a:cxnSpLocks/>
+            <a:stCxn id="62" idx="2"/>
+            <a:endCxn id="84" idx="0"/>
+          </p:cNvCxnSpPr>
+          <p:nvPr/>
+        </p:nvCxnSpPr>
+        <p:spPr>
+          <a:xfrm rot="5400000">
+            <a:off x="7818168" y="4087221"/>
+            <a:ext cx="445468" cy="1166804"/>
+          </a:xfrm>
+          <a:prstGeom prst="curvedConnector3">
+            <a:avLst>
+              <a:gd name="adj1" fmla="val 50000"/>
+            </a:avLst>
+          </a:prstGeom>
+          <a:ln>
+            <a:solidFill>
+              <a:srgbClr val="0000FF"/>
+            </a:solidFill>
+            <a:prstDash val="dash"/>
+            <a:tailEnd type="triangle"/>
+          </a:ln>
+        </p:spPr>
+        <p:style>
+          <a:lnRef idx="1">
+            <a:schemeClr val="accent1"/>
+          </a:lnRef>
+          <a:fillRef idx="0">
+            <a:schemeClr val="accent1"/>
+          </a:fillRef>
+          <a:effectRef idx="0">
+            <a:schemeClr val="accent1"/>
+          </a:effectRef>
+          <a:fontRef idx="minor">
+            <a:schemeClr val="tx1"/>
+          </a:fontRef>
+        </p:style>
+      </p:cxnSp>
+      <p:cxnSp>
+        <p:nvCxnSpPr>
+          <p:cNvPr id="88" name="Straight Arrow Connector 37">
+            <a:extLst>
+              <a:ext uri="{FF2B5EF4-FFF2-40B4-BE49-F238E27FC236}">
+                <a16:creationId xmlns:a16="http://schemas.microsoft.com/office/drawing/2014/main" id="{0797BE2C-5036-1C41-BE77-447487238801}"/>
+              </a:ext>
+            </a:extLst>
+          </p:cNvPr>
+          <p:cNvCxnSpPr>
+            <a:cxnSpLocks/>
+            <a:stCxn id="62" idx="3"/>
+            <a:endCxn id="75" idx="1"/>
+          </p:cNvCxnSpPr>
+          <p:nvPr/>
+        </p:nvCxnSpPr>
+        <p:spPr>
+          <a:xfrm flipV="1">
+            <a:off x="9143213" y="4040387"/>
+            <a:ext cx="735551" cy="236052"/>
+          </a:xfrm>
+          <a:prstGeom prst="curvedConnector3">
+            <a:avLst>
+              <a:gd name="adj1" fmla="val 50000"/>
+            </a:avLst>
+          </a:prstGeom>
+          <a:ln>
+            <a:solidFill>
+              <a:srgbClr val="7030A0"/>
+            </a:solidFill>
+            <a:headEnd type="triangle"/>
+            <a:tailEnd type="triangle"/>
+          </a:ln>
+        </p:spPr>
+        <p:style>
+          <a:lnRef idx="1">
+            <a:schemeClr val="accent1"/>
+          </a:lnRef>
+          <a:fillRef idx="0">
+            <a:schemeClr val="accent1"/>
+          </a:fillRef>
+          <a:effectRef idx="0">
+            <a:schemeClr val="accent1"/>
+          </a:effectRef>
+          <a:fontRef idx="minor">
+            <a:schemeClr val="tx1"/>
+          </a:fontRef>
+        </p:style>
+      </p:cxnSp>
+      <p:cxnSp>
+        <p:nvCxnSpPr>
+          <p:cNvPr id="91" name="Straight Arrow Connector 37">
+            <a:extLst>
+              <a:ext uri="{FF2B5EF4-FFF2-40B4-BE49-F238E27FC236}">
+                <a16:creationId xmlns:a16="http://schemas.microsoft.com/office/drawing/2014/main" id="{2D0BEA9E-CE0F-A844-AA23-14CCAA0DF84D}"/>
+              </a:ext>
+            </a:extLst>
+          </p:cNvPr>
+          <p:cNvCxnSpPr>
+            <a:cxnSpLocks/>
+            <a:stCxn id="62" idx="3"/>
+            <a:endCxn id="76" idx="1"/>
+          </p:cNvCxnSpPr>
+          <p:nvPr/>
+        </p:nvCxnSpPr>
+        <p:spPr>
+          <a:xfrm>
+            <a:off x="9143213" y="4276439"/>
+            <a:ext cx="735551" cy="407502"/>
+          </a:xfrm>
+          <a:prstGeom prst="curvedConnector3">
+            <a:avLst>
+              <a:gd name="adj1" fmla="val 50000"/>
+            </a:avLst>
+          </a:prstGeom>
+          <a:ln>
+            <a:solidFill>
+              <a:srgbClr val="7030A0"/>
+            </a:solidFill>
+            <a:headEnd type="triangle"/>
+            <a:tailEnd type="triangle"/>
+          </a:ln>
+        </p:spPr>
+        <p:style>
+          <a:lnRef idx="1">
+            <a:schemeClr val="accent1"/>
+          </a:lnRef>
+          <a:fillRef idx="0">
+            <a:schemeClr val="accent1"/>
+          </a:fillRef>
+          <a:effectRef idx="0">
+            <a:schemeClr val="accent1"/>
+          </a:effectRef>
+          <a:fontRef idx="minor">
+            <a:schemeClr val="tx1"/>
+          </a:fontRef>
+        </p:style>
+      </p:cxnSp>
+      <p:sp>
+        <p:nvSpPr>
+          <p:cNvPr id="94" name="Rectangle 93">
+            <a:extLst>
+              <a:ext uri="{FF2B5EF4-FFF2-40B4-BE49-F238E27FC236}">
+                <a16:creationId xmlns:a16="http://schemas.microsoft.com/office/drawing/2014/main" id="{2F31A49E-54B9-AF43-AA30-46C492B57998}"/>
+              </a:ext>
+            </a:extLst>
+          </p:cNvPr>
+          <p:cNvSpPr/>
+          <p:nvPr/>
+        </p:nvSpPr>
+        <p:spPr>
+          <a:xfrm>
+            <a:off x="1862257" y="5966166"/>
+            <a:ext cx="1758920" cy="382933"/>
+          </a:xfrm>
+          <a:prstGeom prst="rect">
+            <a:avLst/>
+          </a:prstGeom>
+          <a:solidFill>
+            <a:schemeClr val="bg1">
+              <a:lumMod val="95000"/>
+            </a:schemeClr>
+          </a:solidFill>
+          <a:ln>
+            <a:noFill/>
+          </a:ln>
+          <a:effectLst>
+            <a:outerShdw blurRad="50800" dist="38100" dir="5400000" algn="t" rotWithShape="0">
+              <a:prstClr val="black">
+                <a:alpha val="40000"/>
+              </a:prstClr>
+            </a:outerShdw>
+          </a:effectLst>
+        </p:spPr>
+        <p:style>
+          <a:lnRef idx="2">
+            <a:schemeClr val="accent1">
+              <a:shade val="50000"/>
+            </a:schemeClr>
+          </a:lnRef>
+          <a:fillRef idx="1">
+            <a:schemeClr val="accent1"/>
+          </a:fillRef>
+          <a:effectRef idx="0">
+            <a:schemeClr val="accent1"/>
+          </a:effectRef>
+          <a:fontRef idx="minor">
+            <a:schemeClr val="lt1"/>
+          </a:fontRef>
+        </p:style>
+        <p:txBody>
+          <a:bodyPr rtlCol="0" anchor="t"/>
+          <a:lstStyle/>
+          <a:p>
+            <a:pPr marL="0" marR="0" indent="0" algn="l" defTabSz="685800" rtl="0" eaLnBrk="1" fontAlgn="auto" latinLnBrk="0" hangingPunct="1">
+              <a:lnSpc>
+                <a:spcPct val="100000"/>
+              </a:lnSpc>
+              <a:spcBef>
+                <a:spcPts val="0"/>
+              </a:spcBef>
+              <a:spcAft>
+                <a:spcPts val="0"/>
+              </a:spcAft>
+              <a:buClrTx/>
+              <a:buSzTx/>
+              <a:buFontTx/>
+              <a:buNone/>
+              <a:tabLst/>
+            </a:pPr>
+            <a:r>
+              <a:rPr kumimoji="0" lang="en-US" sz="1000" b="0" i="0" u="none" strike="noStrike" kern="1200" cap="none" spc="0" normalizeH="0" baseline="0" noProof="0" dirty="0">
+                <a:ln>
+                  <a:noFill/>
+                </a:ln>
+                <a:solidFill>
+                  <a:schemeClr val="bg2"/>
+                </a:solidFill>
+                <a:effectLst/>
+                <a:uLnTx/>
+                <a:uFillTx/>
+                <a:latin typeface="Arial"/>
+                <a:ea typeface="+mn-ea"/>
+                <a:cs typeface="+mn-cs"/>
+              </a:rPr>
+              <a:t>Schema Registry</a:t>
+            </a:r>
+          </a:p>
+        </p:txBody>
+      </p:sp>
+      <p:sp>
+        <p:nvSpPr>
+          <p:cNvPr id="96" name="Rectangle 95">
+            <a:extLst>
+              <a:ext uri="{FF2B5EF4-FFF2-40B4-BE49-F238E27FC236}">
+                <a16:creationId xmlns:a16="http://schemas.microsoft.com/office/drawing/2014/main" id="{8E4A4102-4B38-944A-BD16-3EADB50DC92D}"/>
+              </a:ext>
+            </a:extLst>
+          </p:cNvPr>
+          <p:cNvSpPr/>
+          <p:nvPr/>
+        </p:nvSpPr>
+        <p:spPr>
+          <a:xfrm>
+            <a:off x="4032329" y="5974181"/>
+            <a:ext cx="1758920" cy="382933"/>
+          </a:xfrm>
+          <a:prstGeom prst="rect">
+            <a:avLst/>
+          </a:prstGeom>
+          <a:solidFill>
+            <a:schemeClr val="bg1">
+              <a:lumMod val="95000"/>
+            </a:schemeClr>
+          </a:solidFill>
+          <a:ln>
+            <a:noFill/>
+          </a:ln>
+          <a:effectLst>
+            <a:outerShdw blurRad="50800" dist="38100" dir="5400000" algn="t" rotWithShape="0">
+              <a:prstClr val="black">
+                <a:alpha val="40000"/>
+              </a:prstClr>
+            </a:outerShdw>
+          </a:effectLst>
+        </p:spPr>
+        <p:style>
+          <a:lnRef idx="2">
+            <a:schemeClr val="accent1">
+              <a:shade val="50000"/>
+            </a:schemeClr>
+          </a:lnRef>
+          <a:fillRef idx="1">
+            <a:schemeClr val="accent1"/>
+          </a:fillRef>
+          <a:effectRef idx="0">
+            <a:schemeClr val="accent1"/>
+          </a:effectRef>
+          <a:fontRef idx="minor">
+            <a:schemeClr val="lt1"/>
+          </a:fontRef>
+        </p:style>
+        <p:txBody>
+          <a:bodyPr rtlCol="0" anchor="t"/>
+          <a:lstStyle/>
+          <a:p>
+            <a:pPr marL="0" marR="0" indent="0" algn="l" defTabSz="685800" rtl="0" eaLnBrk="1" fontAlgn="auto" latinLnBrk="0" hangingPunct="1">
+              <a:lnSpc>
+                <a:spcPct val="100000"/>
+              </a:lnSpc>
+              <a:spcBef>
+                <a:spcPts val="0"/>
+              </a:spcBef>
+              <a:spcAft>
+                <a:spcPts val="0"/>
+              </a:spcAft>
+              <a:buClrTx/>
+              <a:buSzTx/>
+              <a:buFontTx/>
+              <a:buNone/>
+              <a:tabLst/>
+            </a:pPr>
+            <a:r>
+              <a:rPr kumimoji="0" lang="en-US" sz="1000" b="0" i="0" u="none" strike="noStrike" kern="1200" cap="none" spc="0" normalizeH="0" baseline="0" noProof="0" dirty="0">
+                <a:ln>
+                  <a:noFill/>
+                </a:ln>
+                <a:solidFill>
+                  <a:schemeClr val="bg2"/>
+                </a:solidFill>
+                <a:effectLst/>
+                <a:uLnTx/>
+                <a:uFillTx/>
+                <a:latin typeface="Arial"/>
+                <a:ea typeface="+mn-ea"/>
+                <a:cs typeface="+mn-cs"/>
+              </a:rPr>
+              <a:t>Elastic Search</a:t>
+            </a:r>
+          </a:p>
+        </p:txBody>
+      </p:sp>
+      <p:sp>
+        <p:nvSpPr>
+          <p:cNvPr id="97" name="Rectangle 96">
+            <a:extLst>
+              <a:ext uri="{FF2B5EF4-FFF2-40B4-BE49-F238E27FC236}">
+                <a16:creationId xmlns:a16="http://schemas.microsoft.com/office/drawing/2014/main" id="{276AC6D7-89D5-AC40-A7D8-ACB7B6ACD4AA}"/>
+              </a:ext>
+            </a:extLst>
+          </p:cNvPr>
+          <p:cNvSpPr/>
+          <p:nvPr/>
+        </p:nvSpPr>
+        <p:spPr>
+          <a:xfrm>
+            <a:off x="6281982" y="5974181"/>
+            <a:ext cx="1758920" cy="382933"/>
+          </a:xfrm>
+          <a:prstGeom prst="rect">
+            <a:avLst/>
+          </a:prstGeom>
+          <a:solidFill>
+            <a:schemeClr val="bg1">
+              <a:lumMod val="95000"/>
+            </a:schemeClr>
+          </a:solidFill>
+          <a:ln>
+            <a:noFill/>
+          </a:ln>
+          <a:effectLst>
+            <a:outerShdw blurRad="50800" dist="38100" dir="5400000" algn="t" rotWithShape="0">
+              <a:prstClr val="black">
+                <a:alpha val="40000"/>
+              </a:prstClr>
+            </a:outerShdw>
+          </a:effectLst>
+        </p:spPr>
+        <p:style>
+          <a:lnRef idx="2">
+            <a:schemeClr val="accent1">
+              <a:shade val="50000"/>
+            </a:schemeClr>
+          </a:lnRef>
+          <a:fillRef idx="1">
+            <a:schemeClr val="accent1"/>
+          </a:fillRef>
+          <a:effectRef idx="0">
+            <a:schemeClr val="accent1"/>
+          </a:effectRef>
+          <a:fontRef idx="minor">
+            <a:schemeClr val="lt1"/>
+          </a:fontRef>
+        </p:style>
+        <p:txBody>
+          <a:bodyPr rtlCol="0" anchor="t"/>
+          <a:lstStyle/>
+          <a:p>
+            <a:pPr marL="0" marR="0" indent="0" algn="l" defTabSz="685800" rtl="0" eaLnBrk="1" fontAlgn="auto" latinLnBrk="0" hangingPunct="1">
+              <a:lnSpc>
+                <a:spcPct val="100000"/>
+              </a:lnSpc>
+              <a:spcBef>
+                <a:spcPts val="0"/>
+              </a:spcBef>
+              <a:spcAft>
+                <a:spcPts val="0"/>
+              </a:spcAft>
+              <a:buClrTx/>
+              <a:buSzTx/>
+              <a:buFontTx/>
+              <a:buNone/>
+              <a:tabLst/>
+            </a:pPr>
+            <a:r>
+              <a:rPr kumimoji="0" lang="en-US" sz="1000" b="0" i="0" u="none" strike="noStrike" kern="1200" cap="none" spc="0" normalizeH="0" baseline="0" noProof="0" dirty="0">
+                <a:ln>
+                  <a:noFill/>
+                </a:ln>
+                <a:solidFill>
+                  <a:schemeClr val="bg2"/>
+                </a:solidFill>
+                <a:effectLst/>
+                <a:uLnTx/>
+                <a:uFillTx/>
+                <a:latin typeface="Arial"/>
+                <a:ea typeface="+mn-ea"/>
+                <a:cs typeface="+mn-cs"/>
+              </a:rPr>
+              <a:t>Dashboard</a:t>
+            </a:r>
+          </a:p>
+        </p:txBody>
+      </p:sp>
+      <p:sp>
+        <p:nvSpPr>
+          <p:cNvPr id="98" name="Rectangle 97">
+            <a:extLst>
+              <a:ext uri="{FF2B5EF4-FFF2-40B4-BE49-F238E27FC236}">
+                <a16:creationId xmlns:a16="http://schemas.microsoft.com/office/drawing/2014/main" id="{706DEEDB-8110-9E46-960B-2DE50B19E691}"/>
+              </a:ext>
+            </a:extLst>
+          </p:cNvPr>
+          <p:cNvSpPr/>
+          <p:nvPr/>
+        </p:nvSpPr>
+        <p:spPr>
+          <a:xfrm>
+            <a:off x="6300385" y="972125"/>
+            <a:ext cx="2942691" cy="924765"/>
+          </a:xfrm>
+          <a:custGeom>
+            <a:avLst/>
+            <a:gdLst>
+              <a:gd name="connsiteX0" fmla="*/ 0 w 2942691"/>
+              <a:gd name="connsiteY0" fmla="*/ 0 h 924765"/>
+              <a:gd name="connsiteX1" fmla="*/ 559111 w 2942691"/>
+              <a:gd name="connsiteY1" fmla="*/ 0 h 924765"/>
+              <a:gd name="connsiteX2" fmla="*/ 1059369 w 2942691"/>
+              <a:gd name="connsiteY2" fmla="*/ 0 h 924765"/>
+              <a:gd name="connsiteX3" fmla="*/ 1706761 w 2942691"/>
+              <a:gd name="connsiteY3" fmla="*/ 0 h 924765"/>
+              <a:gd name="connsiteX4" fmla="*/ 2265872 w 2942691"/>
+              <a:gd name="connsiteY4" fmla="*/ 0 h 924765"/>
+              <a:gd name="connsiteX5" fmla="*/ 2942691 w 2942691"/>
+              <a:gd name="connsiteY5" fmla="*/ 0 h 924765"/>
+              <a:gd name="connsiteX6" fmla="*/ 2942691 w 2942691"/>
+              <a:gd name="connsiteY6" fmla="*/ 480878 h 924765"/>
+              <a:gd name="connsiteX7" fmla="*/ 2942691 w 2942691"/>
+              <a:gd name="connsiteY7" fmla="*/ 924765 h 924765"/>
+              <a:gd name="connsiteX8" fmla="*/ 2354153 w 2942691"/>
+              <a:gd name="connsiteY8" fmla="*/ 924765 h 924765"/>
+              <a:gd name="connsiteX9" fmla="*/ 1853895 w 2942691"/>
+              <a:gd name="connsiteY9" fmla="*/ 924765 h 924765"/>
+              <a:gd name="connsiteX10" fmla="*/ 1265357 w 2942691"/>
+              <a:gd name="connsiteY10" fmla="*/ 924765 h 924765"/>
+              <a:gd name="connsiteX11" fmla="*/ 676819 w 2942691"/>
+              <a:gd name="connsiteY11" fmla="*/ 924765 h 924765"/>
+              <a:gd name="connsiteX12" fmla="*/ 0 w 2942691"/>
+              <a:gd name="connsiteY12" fmla="*/ 924765 h 924765"/>
+              <a:gd name="connsiteX13" fmla="*/ 0 w 2942691"/>
+              <a:gd name="connsiteY13" fmla="*/ 443887 h 924765"/>
+              <a:gd name="connsiteX14" fmla="*/ 0 w 2942691"/>
+              <a:gd name="connsiteY14" fmla="*/ 0 h 924765"/>
+            </a:gdLst>
+            <a:ahLst/>
+            <a:cxnLst>
+              <a:cxn ang="0">
+                <a:pos x="connsiteX0" y="connsiteY0"/>
+              </a:cxn>
+              <a:cxn ang="0">
+                <a:pos x="connsiteX1" y="connsiteY1"/>
+              </a:cxn>
+              <a:cxn ang="0">
+                <a:pos x="connsiteX2" y="connsiteY2"/>
+              </a:cxn>
+              <a:cxn ang="0">
+                <a:pos x="connsiteX3" y="connsiteY3"/>
+              </a:cxn>
+              <a:cxn ang="0">
+                <a:pos x="connsiteX4" y="connsiteY4"/>
+              </a:cxn>
+              <a:cxn ang="0">
+                <a:pos x="connsiteX5" y="connsiteY5"/>
+              </a:cxn>
+              <a:cxn ang="0">
+                <a:pos x="connsiteX6" y="connsiteY6"/>
+              </a:cxn>
+              <a:cxn ang="0">
+                <a:pos x="connsiteX7" y="connsiteY7"/>
+              </a:cxn>
+              <a:cxn ang="0">
+                <a:pos x="connsiteX8" y="connsiteY8"/>
+              </a:cxn>
+              <a:cxn ang="0">
+                <a:pos x="connsiteX9" y="connsiteY9"/>
+              </a:cxn>
+              <a:cxn ang="0">
+                <a:pos x="connsiteX10" y="connsiteY10"/>
+              </a:cxn>
+              <a:cxn ang="0">
+                <a:pos x="connsiteX11" y="connsiteY11"/>
+              </a:cxn>
+              <a:cxn ang="0">
+                <a:pos x="connsiteX12" y="connsiteY12"/>
+              </a:cxn>
+              <a:cxn ang="0">
+                <a:pos x="connsiteX13" y="connsiteY13"/>
+              </a:cxn>
+              <a:cxn ang="0">
+                <a:pos x="connsiteX14" y="connsiteY14"/>
+              </a:cxn>
+            </a:cxnLst>
+            <a:rect l="l" t="t" r="r" b="b"/>
+            <a:pathLst>
+              <a:path w="2942691" h="924765" extrusionOk="0">
+                <a:moveTo>
+                  <a:pt x="0" y="0"/>
+                </a:moveTo>
+                <a:cubicBezTo>
+                  <a:pt x="252744" y="-1772"/>
+                  <a:pt x="325041" y="48224"/>
+                  <a:pt x="559111" y="0"/>
+                </a:cubicBezTo>
+                <a:cubicBezTo>
+                  <a:pt x="793181" y="-48224"/>
+                  <a:pt x="950746" y="26306"/>
+                  <a:pt x="1059369" y="0"/>
+                </a:cubicBezTo>
+                <a:cubicBezTo>
+                  <a:pt x="1167992" y="-26306"/>
+                  <a:pt x="1461678" y="36773"/>
+                  <a:pt x="1706761" y="0"/>
+                </a:cubicBezTo>
+                <a:cubicBezTo>
+                  <a:pt x="1951844" y="-36773"/>
+                  <a:pt x="2031444" y="21975"/>
+                  <a:pt x="2265872" y="0"/>
+                </a:cubicBezTo>
+                <a:cubicBezTo>
+                  <a:pt x="2500300" y="-21975"/>
+                  <a:pt x="2656901" y="64517"/>
+                  <a:pt x="2942691" y="0"/>
+                </a:cubicBezTo>
+                <a:cubicBezTo>
+                  <a:pt x="2953529" y="212548"/>
+                  <a:pt x="2905944" y="379966"/>
+                  <a:pt x="2942691" y="480878"/>
+                </a:cubicBezTo>
+                <a:cubicBezTo>
+                  <a:pt x="2979438" y="581790"/>
+                  <a:pt x="2927661" y="746055"/>
+                  <a:pt x="2942691" y="924765"/>
+                </a:cubicBezTo>
+                <a:cubicBezTo>
+                  <a:pt x="2742916" y="973524"/>
+                  <a:pt x="2640680" y="888762"/>
+                  <a:pt x="2354153" y="924765"/>
+                </a:cubicBezTo>
+                <a:cubicBezTo>
+                  <a:pt x="2067626" y="960768"/>
+                  <a:pt x="1964561" y="905378"/>
+                  <a:pt x="1853895" y="924765"/>
+                </a:cubicBezTo>
+                <a:cubicBezTo>
+                  <a:pt x="1743229" y="944152"/>
+                  <a:pt x="1428355" y="905366"/>
+                  <a:pt x="1265357" y="924765"/>
+                </a:cubicBezTo>
+                <a:cubicBezTo>
+                  <a:pt x="1102359" y="944164"/>
+                  <a:pt x="877315" y="868804"/>
+                  <a:pt x="676819" y="924765"/>
+                </a:cubicBezTo>
+                <a:cubicBezTo>
+                  <a:pt x="476323" y="980726"/>
+                  <a:pt x="198026" y="924371"/>
+                  <a:pt x="0" y="924765"/>
+                </a:cubicBezTo>
+                <a:cubicBezTo>
+                  <a:pt x="-912" y="713530"/>
+                  <a:pt x="3776" y="669947"/>
+                  <a:pt x="0" y="443887"/>
+                </a:cubicBezTo>
+                <a:cubicBezTo>
+                  <a:pt x="-3776" y="217827"/>
+                  <a:pt x="15220" y="202728"/>
+                  <a:pt x="0" y="0"/>
+                </a:cubicBezTo>
+                <a:close/>
+              </a:path>
+            </a:pathLst>
+          </a:custGeom>
+          <a:noFill/>
+          <a:ln w="12700">
+            <a:solidFill>
+              <a:srgbClr val="7030A0"/>
+            </a:solidFill>
+            <a:extLst>
+              <a:ext uri="{C807C97D-BFC1-408E-A445-0C87EB9F89A2}">
+                <ask:lineSketchStyleProps xmlns:ask="http://schemas.microsoft.com/office/drawing/2018/sketchyshapes" sd="1219033472">
+                  <a:prstGeom prst="rect">
+                    <a:avLst/>
+                  </a:prstGeom>
+                  <ask:type>
+                    <ask:lineSketchScribble/>
+                  </ask:type>
+                </ask:lineSketchStyleProps>
+              </a:ext>
+            </a:extLst>
+          </a:ln>
+        </p:spPr>
+        <p:style>
+          <a:lnRef idx="2">
+            <a:schemeClr val="accent1">
+              <a:shade val="50000"/>
+            </a:schemeClr>
+          </a:lnRef>
+          <a:fillRef idx="1">
+            <a:schemeClr val="accent1"/>
+          </a:fillRef>
+          <a:effectRef idx="0">
+            <a:schemeClr val="accent1"/>
+          </a:effectRef>
+          <a:fontRef idx="minor">
+            <a:schemeClr val="lt1"/>
+          </a:fontRef>
+        </p:style>
+        <p:txBody>
+          <a:bodyPr rtlCol="0" anchor="t"/>
+          <a:lstStyle/>
+          <a:p>
+            <a:pPr algn="ctr"/>
+            <a:r>
+              <a:rPr lang="en-US" sz="1200" dirty="0">
+                <a:solidFill>
+                  <a:srgbClr val="7030A0"/>
+                </a:solidFill>
+              </a:rPr>
+              <a:t>Decision Management</a:t>
+            </a:r>
+            <a:endParaRPr sz="1200" dirty="0">
+              <a:solidFill>
+                <a:srgbClr val="7030A0"/>
+              </a:solidFill>
+            </a:endParaRPr>
+          </a:p>
+        </p:txBody>
+      </p:sp>
+      <p:grpSp>
+        <p:nvGrpSpPr>
+          <p:cNvPr id="100" name="Group 99">
+            <a:extLst>
+              <a:ext uri="{FF2B5EF4-FFF2-40B4-BE49-F238E27FC236}">
+                <a16:creationId xmlns:a16="http://schemas.microsoft.com/office/drawing/2014/main" id="{034E76D7-1781-CE45-93C8-36E530E8F0EA}"/>
+              </a:ext>
+            </a:extLst>
+          </p:cNvPr>
+          <p:cNvGrpSpPr/>
+          <p:nvPr/>
+        </p:nvGrpSpPr>
+        <p:grpSpPr>
+          <a:xfrm>
+            <a:off x="8730912" y="1073324"/>
+            <a:ext cx="522207" cy="827128"/>
+            <a:chOff x="8059744" y="2529572"/>
+            <a:chExt cx="621791" cy="900068"/>
+          </a:xfrm>
+        </p:grpSpPr>
+        <p:grpSp>
+          <p:nvGrpSpPr>
+            <p:cNvPr id="101" name="Group 100">
+              <a:extLst>
+                <a:ext uri="{FF2B5EF4-FFF2-40B4-BE49-F238E27FC236}">
+                  <a16:creationId xmlns:a16="http://schemas.microsoft.com/office/drawing/2014/main" id="{3C25F95A-897D-D54A-83FE-01D989BB2E9F}"/>
+                </a:ext>
+              </a:extLst>
+            </p:cNvPr>
+            <p:cNvGrpSpPr/>
+            <p:nvPr/>
+          </p:nvGrpSpPr>
+          <p:grpSpPr>
+            <a:xfrm>
+              <a:off x="8059744" y="2529572"/>
+              <a:ext cx="621791" cy="621792"/>
+              <a:chOff x="8059744" y="2529572"/>
+              <a:chExt cx="621791" cy="621792"/>
+            </a:xfrm>
+          </p:grpSpPr>
+          <p:sp>
+            <p:nvSpPr>
+              <p:cNvPr id="103" name="Shape 224">
+                <a:extLst>
+                  <a:ext uri="{FF2B5EF4-FFF2-40B4-BE49-F238E27FC236}">
+                    <a16:creationId xmlns:a16="http://schemas.microsoft.com/office/drawing/2014/main" id="{EA9090FE-5982-5A41-9817-F6A113A94956}"/>
+                  </a:ext>
+                </a:extLst>
+              </p:cNvPr>
+              <p:cNvSpPr>
+                <a:spLocks noChangeAspect="1"/>
+              </p:cNvSpPr>
+              <p:nvPr/>
+            </p:nvSpPr>
+            <p:spPr>
+              <a:xfrm>
+                <a:off x="8059744" y="2529572"/>
+                <a:ext cx="621791" cy="621792"/>
+              </a:xfrm>
+              <a:custGeom>
+                <a:avLst/>
+                <a:gdLst/>
+                <a:ahLst/>
+                <a:cxnLst>
+                  <a:cxn ang="0">
+                    <a:pos x="wd2" y="hd2"/>
+                  </a:cxn>
+                  <a:cxn ang="5400000">
+                    <a:pos x="wd2" y="hd2"/>
+                  </a:cxn>
+                  <a:cxn ang="10800000">
+                    <a:pos x="wd2" y="hd2"/>
+                  </a:cxn>
+                  <a:cxn ang="16200000">
+                    <a:pos x="wd2" y="hd2"/>
+                  </a:cxn>
+                </a:cxnLst>
+                <a:rect l="0" t="0" r="r" b="b"/>
+                <a:pathLst>
+                  <a:path w="19679" h="19679" extrusionOk="0">
+                    <a:moveTo>
+                      <a:pt x="16796" y="2882"/>
+                    </a:moveTo>
+                    <a:cubicBezTo>
+                      <a:pt x="20639" y="6724"/>
+                      <a:pt x="20639" y="12954"/>
+                      <a:pt x="16796" y="16796"/>
+                    </a:cubicBezTo>
+                    <a:cubicBezTo>
+                      <a:pt x="12954" y="20639"/>
+                      <a:pt x="6724" y="20639"/>
+                      <a:pt x="2882" y="16796"/>
+                    </a:cubicBezTo>
+                    <a:cubicBezTo>
+                      <a:pt x="-961" y="12954"/>
+                      <a:pt x="-961" y="6724"/>
+                      <a:pt x="2882" y="2882"/>
+                    </a:cubicBezTo>
+                    <a:cubicBezTo>
+                      <a:pt x="6724" y="-961"/>
+                      <a:pt x="12954" y="-961"/>
+                      <a:pt x="16796" y="2882"/>
+                    </a:cubicBezTo>
+                    <a:close/>
+                  </a:path>
+                </a:pathLst>
+              </a:custGeom>
+              <a:solidFill>
+                <a:srgbClr val="C6982C"/>
+              </a:solidFill>
+              <a:ln w="3175" cap="flat">
+                <a:noFill/>
+                <a:miter lim="400000"/>
+              </a:ln>
+              <a:effectLst/>
+            </p:spPr>
+            <p:txBody>
+              <a:bodyPr wrap="square" lIns="0" tIns="0" rIns="0" bIns="0" numCol="1" anchor="ctr">
+                <a:noAutofit/>
+              </a:bodyPr>
+              <a:lstStyle/>
+              <a:p>
+                <a:pPr lvl="0">
+                  <a:defRPr sz="1800">
+                    <a:solidFill>
+                      <a:srgbClr val="FFFFFF"/>
+                    </a:solidFill>
+                  </a:defRPr>
+                </a:pPr>
+                <a:endParaRPr dirty="0"/>
+              </a:p>
+            </p:txBody>
+          </p:sp>
+          <p:pic>
+            <p:nvPicPr>
+              <p:cNvPr id="104" name="Picture 103">
+                <a:extLst>
+                  <a:ext uri="{FF2B5EF4-FFF2-40B4-BE49-F238E27FC236}">
+                    <a16:creationId xmlns:a16="http://schemas.microsoft.com/office/drawing/2014/main" id="{0D006E7F-8717-A448-80D2-1974FD695143}"/>
+                  </a:ext>
+                </a:extLst>
+              </p:cNvPr>
+              <p:cNvPicPr>
+                <a:picLocks noChangeAspect="1"/>
+              </p:cNvPicPr>
+              <p:nvPr/>
+            </p:nvPicPr>
+            <p:blipFill>
+              <a:blip r:embed="rId2"/>
+              <a:stretch>
+                <a:fillRect/>
+              </a:stretch>
+            </p:blipFill>
+            <p:spPr>
+              <a:xfrm>
+                <a:off x="8215298" y="2618040"/>
+                <a:ext cx="304800" cy="419100"/>
+              </a:xfrm>
+              <a:prstGeom prst="rect">
+                <a:avLst/>
+              </a:prstGeom>
+            </p:spPr>
+          </p:pic>
+        </p:grpSp>
+        <p:sp>
+          <p:nvSpPr>
+            <p:cNvPr id="102" name="Shape 226">
+              <a:extLst>
+                <a:ext uri="{FF2B5EF4-FFF2-40B4-BE49-F238E27FC236}">
+                  <a16:creationId xmlns:a16="http://schemas.microsoft.com/office/drawing/2014/main" id="{9ED6524B-FD8C-2B4E-B475-1263035C3565}"/>
+                </a:ext>
+              </a:extLst>
+            </p:cNvPr>
+            <p:cNvSpPr/>
+            <p:nvPr/>
+          </p:nvSpPr>
+          <p:spPr>
+            <a:xfrm>
+              <a:off x="8107749" y="3183419"/>
+              <a:ext cx="525785" cy="246221"/>
+            </a:xfrm>
+            <a:custGeom>
+              <a:avLst/>
+              <a:gdLst>
+                <a:gd name="connsiteX0" fmla="*/ 0 w 532050"/>
+                <a:gd name="connsiteY0" fmla="*/ 0 h 238955"/>
+                <a:gd name="connsiteX1" fmla="*/ 532050 w 532050"/>
+                <a:gd name="connsiteY1" fmla="*/ 0 h 238955"/>
+                <a:gd name="connsiteX2" fmla="*/ 532050 w 532050"/>
+                <a:gd name="connsiteY2" fmla="*/ 238955 h 238955"/>
+                <a:gd name="connsiteX3" fmla="*/ 0 w 532050"/>
+                <a:gd name="connsiteY3" fmla="*/ 238955 h 238955"/>
+                <a:gd name="connsiteX4" fmla="*/ 0 w 532050"/>
+                <a:gd name="connsiteY4" fmla="*/ 0 h 238955"/>
+                <a:gd name="connsiteX0" fmla="*/ 0 w 532050"/>
+                <a:gd name="connsiteY0" fmla="*/ 0 h 239839"/>
+                <a:gd name="connsiteX1" fmla="*/ 532050 w 532050"/>
+                <a:gd name="connsiteY1" fmla="*/ 0 h 239839"/>
+                <a:gd name="connsiteX2" fmla="*/ 532050 w 532050"/>
+                <a:gd name="connsiteY2" fmla="*/ 238955 h 239839"/>
+                <a:gd name="connsiteX3" fmla="*/ 138349 w 532050"/>
+                <a:gd name="connsiteY3" fmla="*/ 239839 h 239839"/>
+                <a:gd name="connsiteX4" fmla="*/ 0 w 532050"/>
+                <a:gd name="connsiteY4" fmla="*/ 238955 h 239839"/>
+                <a:gd name="connsiteX5" fmla="*/ 0 w 532050"/>
+                <a:gd name="connsiteY5" fmla="*/ 0 h 239839"/>
+              </a:gdLst>
+              <a:ahLst/>
+              <a:cxnLst>
+                <a:cxn ang="0">
+                  <a:pos x="connsiteX0" y="connsiteY0"/>
+                </a:cxn>
+                <a:cxn ang="0">
+                  <a:pos x="connsiteX1" y="connsiteY1"/>
+                </a:cxn>
+                <a:cxn ang="0">
+                  <a:pos x="connsiteX2" y="connsiteY2"/>
+                </a:cxn>
+                <a:cxn ang="0">
+                  <a:pos x="connsiteX3" y="connsiteY3"/>
+                </a:cxn>
+                <a:cxn ang="0">
+                  <a:pos x="connsiteX4" y="connsiteY4"/>
+                </a:cxn>
+                <a:cxn ang="0">
+                  <a:pos x="connsiteX5" y="connsiteY5"/>
+                </a:cxn>
+              </a:cxnLst>
+              <a:rect l="l" t="t" r="r" b="b"/>
+              <a:pathLst>
+                <a:path w="532050" h="239839">
+                  <a:moveTo>
+                    <a:pt x="0" y="0"/>
+                  </a:moveTo>
+                  <a:lnTo>
+                    <a:pt x="532050" y="0"/>
+                  </a:lnTo>
+                  <a:lnTo>
+                    <a:pt x="532050" y="238955"/>
+                  </a:lnTo>
+                  <a:lnTo>
+                    <a:pt x="138349" y="239839"/>
+                  </a:lnTo>
+                  <a:lnTo>
+                    <a:pt x="0" y="238955"/>
+                  </a:lnTo>
+                  <a:lnTo>
+                    <a:pt x="0" y="0"/>
+                  </a:lnTo>
+                  <a:close/>
+                </a:path>
+              </a:pathLst>
+            </a:custGeom>
+            <a:noFill/>
+            <a:ln w="3175" cap="flat">
+              <a:noFill/>
+              <a:miter lim="400000"/>
+            </a:ln>
+            <a:effectLst/>
+            <a:extLst>
+              <a:ext uri="{C572A759-6A51-4108-AA02-DFA0A04FC94B}">
+                <ma14:wrappingTextBoxFlag xmlns="" xmlns:ma14="http://schemas.microsoft.com/office/mac/drawingml/2011/main" val="1"/>
+              </a:ext>
+            </a:extLst>
+          </p:spPr>
+          <p:txBody>
+            <a:bodyPr wrap="none" lIns="0" tIns="0" rIns="0" bIns="0" numCol="1" anchor="t">
+              <a:spAutoFit/>
+            </a:bodyPr>
+            <a:lstStyle>
+              <a:lvl1pPr>
+                <a:defRPr sz="800" b="1">
+                  <a:solidFill>
+                    <a:srgbClr val="4277BB"/>
+                  </a:solidFill>
+                  <a:latin typeface="Helvetica"/>
+                  <a:ea typeface="Helvetica"/>
+                  <a:cs typeface="Helvetica"/>
+                  <a:sym typeface="Helvetica"/>
+                </a:defRPr>
+              </a:lvl1pPr>
+            </a:lstStyle>
+            <a:p>
+              <a:pPr lvl="0">
+                <a:defRPr sz="1800" b="0">
+                  <a:solidFill>
+                    <a:srgbClr val="000000"/>
+                  </a:solidFill>
+                </a:defRPr>
+              </a:pPr>
+              <a:r>
+                <a:rPr lang="en-US" sz="800" b="1" dirty="0">
+                  <a:solidFill>
+                    <a:srgbClr val="4277BB"/>
+                  </a:solidFill>
+                </a:rPr>
+                <a:t>BUSINESS</a:t>
+              </a:r>
+            </a:p>
+            <a:p>
+              <a:pPr lvl="0">
+                <a:defRPr sz="1800" b="0">
+                  <a:solidFill>
+                    <a:srgbClr val="000000"/>
+                  </a:solidFill>
+                </a:defRPr>
+              </a:pPr>
+              <a:r>
+                <a:rPr lang="en-US" sz="800" b="1" dirty="0">
+                  <a:solidFill>
+                    <a:srgbClr val="4277BB"/>
+                  </a:solidFill>
+                </a:rPr>
+                <a:t> USER</a:t>
+              </a:r>
+              <a:endParaRPr sz="800" b="1" dirty="0">
+                <a:solidFill>
+                  <a:srgbClr val="4277BB"/>
+                </a:solidFill>
+              </a:endParaRPr>
+            </a:p>
+          </p:txBody>
+        </p:sp>
+      </p:grpSp>
+      <p:grpSp>
+        <p:nvGrpSpPr>
+          <p:cNvPr id="105" name="Group 104">
+            <a:extLst>
+              <a:ext uri="{FF2B5EF4-FFF2-40B4-BE49-F238E27FC236}">
+                <a16:creationId xmlns:a16="http://schemas.microsoft.com/office/drawing/2014/main" id="{5FCAD6DF-EE87-1C4A-90A3-BF0100D9A84B}"/>
+              </a:ext>
+            </a:extLst>
+          </p:cNvPr>
+          <p:cNvGrpSpPr/>
+          <p:nvPr/>
+        </p:nvGrpSpPr>
+        <p:grpSpPr>
+          <a:xfrm>
+            <a:off x="2304091" y="818138"/>
+            <a:ext cx="634790" cy="768402"/>
+            <a:chOff x="8598846" y="586472"/>
+            <a:chExt cx="634790" cy="768402"/>
+          </a:xfrm>
+        </p:grpSpPr>
+        <p:grpSp>
+          <p:nvGrpSpPr>
+            <p:cNvPr id="106" name="Group 105">
+              <a:extLst>
+                <a:ext uri="{FF2B5EF4-FFF2-40B4-BE49-F238E27FC236}">
+                  <a16:creationId xmlns:a16="http://schemas.microsoft.com/office/drawing/2014/main" id="{F801D38A-A1FB-874A-8A12-6D1FD362AD04}"/>
+                </a:ext>
+              </a:extLst>
+            </p:cNvPr>
+            <p:cNvGrpSpPr/>
+            <p:nvPr/>
+          </p:nvGrpSpPr>
+          <p:grpSpPr>
+            <a:xfrm>
+              <a:off x="8605343" y="586472"/>
+              <a:ext cx="621791" cy="621792"/>
+              <a:chOff x="8605343" y="586472"/>
+              <a:chExt cx="621791" cy="621792"/>
+            </a:xfrm>
+          </p:grpSpPr>
+          <p:sp>
+            <p:nvSpPr>
+              <p:cNvPr id="108" name="Shape 224">
+                <a:extLst>
+                  <a:ext uri="{FF2B5EF4-FFF2-40B4-BE49-F238E27FC236}">
+                    <a16:creationId xmlns:a16="http://schemas.microsoft.com/office/drawing/2014/main" id="{3278BA67-314E-4544-95C1-0EBC637ECDAC}"/>
+                  </a:ext>
+                </a:extLst>
+              </p:cNvPr>
+              <p:cNvSpPr>
+                <a:spLocks noChangeAspect="1"/>
+              </p:cNvSpPr>
+              <p:nvPr/>
+            </p:nvSpPr>
+            <p:spPr>
+              <a:xfrm>
+                <a:off x="8605343" y="586472"/>
+                <a:ext cx="621791" cy="621792"/>
+              </a:xfrm>
+              <a:custGeom>
+                <a:avLst/>
+                <a:gdLst/>
+                <a:ahLst/>
+                <a:cxnLst>
+                  <a:cxn ang="0">
+                    <a:pos x="wd2" y="hd2"/>
+                  </a:cxn>
+                  <a:cxn ang="5400000">
+                    <a:pos x="wd2" y="hd2"/>
+                  </a:cxn>
+                  <a:cxn ang="10800000">
+                    <a:pos x="wd2" y="hd2"/>
+                  </a:cxn>
+                  <a:cxn ang="16200000">
+                    <a:pos x="wd2" y="hd2"/>
+                  </a:cxn>
+                </a:cxnLst>
+                <a:rect l="0" t="0" r="r" b="b"/>
+                <a:pathLst>
+                  <a:path w="19679" h="19679" extrusionOk="0">
+                    <a:moveTo>
+                      <a:pt x="16796" y="2882"/>
+                    </a:moveTo>
+                    <a:cubicBezTo>
+                      <a:pt x="20639" y="6724"/>
+                      <a:pt x="20639" y="12954"/>
+                      <a:pt x="16796" y="16796"/>
+                    </a:cubicBezTo>
+                    <a:cubicBezTo>
+                      <a:pt x="12954" y="20639"/>
+                      <a:pt x="6724" y="20639"/>
+                      <a:pt x="2882" y="16796"/>
+                    </a:cubicBezTo>
+                    <a:cubicBezTo>
+                      <a:pt x="-961" y="12954"/>
+                      <a:pt x="-961" y="6724"/>
+                      <a:pt x="2882" y="2882"/>
+                    </a:cubicBezTo>
+                    <a:cubicBezTo>
+                      <a:pt x="6724" y="-961"/>
+                      <a:pt x="12954" y="-961"/>
+                      <a:pt x="16796" y="2882"/>
+                    </a:cubicBezTo>
+                    <a:close/>
+                  </a:path>
+                </a:pathLst>
+              </a:custGeom>
+              <a:solidFill>
+                <a:srgbClr val="C6982C"/>
+              </a:solidFill>
+              <a:ln w="3175" cap="flat">
+                <a:noFill/>
+                <a:miter lim="400000"/>
+              </a:ln>
+              <a:effectLst/>
+            </p:spPr>
+            <p:txBody>
+              <a:bodyPr wrap="square" lIns="0" tIns="0" rIns="0" bIns="0" numCol="1" anchor="ctr">
+                <a:noAutofit/>
+              </a:bodyPr>
+              <a:lstStyle/>
+              <a:p>
+                <a:pPr lvl="0">
+                  <a:defRPr sz="1800">
+                    <a:solidFill>
+                      <a:srgbClr val="FFFFFF"/>
+                    </a:solidFill>
+                  </a:defRPr>
+                </a:pPr>
+                <a:endParaRPr dirty="0"/>
+              </a:p>
+            </p:txBody>
+          </p:sp>
+          <p:pic>
+            <p:nvPicPr>
+              <p:cNvPr id="109" name="Picture 108">
+                <a:extLst>
+                  <a:ext uri="{FF2B5EF4-FFF2-40B4-BE49-F238E27FC236}">
+                    <a16:creationId xmlns:a16="http://schemas.microsoft.com/office/drawing/2014/main" id="{411280D4-316F-7F4D-BC82-CA2C141F4CF6}"/>
+                  </a:ext>
+                </a:extLst>
+              </p:cNvPr>
+              <p:cNvPicPr>
+                <a:picLocks noChangeAspect="1"/>
+              </p:cNvPicPr>
+              <p:nvPr/>
+            </p:nvPicPr>
+            <p:blipFill>
+              <a:blip r:embed="rId2"/>
+              <a:stretch>
+                <a:fillRect/>
+              </a:stretch>
+            </p:blipFill>
+            <p:spPr>
+              <a:xfrm>
+                <a:off x="8765289" y="659903"/>
+                <a:ext cx="304800" cy="419100"/>
+              </a:xfrm>
+              <a:prstGeom prst="rect">
+                <a:avLst/>
+              </a:prstGeom>
+            </p:spPr>
+          </p:pic>
+        </p:grpSp>
+        <p:sp>
+          <p:nvSpPr>
+            <p:cNvPr id="107" name="Shape 226">
+              <a:extLst>
+                <a:ext uri="{FF2B5EF4-FFF2-40B4-BE49-F238E27FC236}">
+                  <a16:creationId xmlns:a16="http://schemas.microsoft.com/office/drawing/2014/main" id="{0C8837A1-A783-F34C-BD6A-EF98E64830A2}"/>
+                </a:ext>
+              </a:extLst>
+            </p:cNvPr>
+            <p:cNvSpPr/>
+            <p:nvPr/>
+          </p:nvSpPr>
+          <p:spPr>
+            <a:xfrm>
+              <a:off x="8598846" y="1231763"/>
+              <a:ext cx="634790" cy="123111"/>
+            </a:xfrm>
+            <a:custGeom>
+              <a:avLst/>
+              <a:gdLst>
+                <a:gd name="connsiteX0" fmla="*/ 0 w 532050"/>
+                <a:gd name="connsiteY0" fmla="*/ 0 h 238955"/>
+                <a:gd name="connsiteX1" fmla="*/ 532050 w 532050"/>
+                <a:gd name="connsiteY1" fmla="*/ 0 h 238955"/>
+                <a:gd name="connsiteX2" fmla="*/ 532050 w 532050"/>
+                <a:gd name="connsiteY2" fmla="*/ 238955 h 238955"/>
+                <a:gd name="connsiteX3" fmla="*/ 0 w 532050"/>
+                <a:gd name="connsiteY3" fmla="*/ 238955 h 238955"/>
+                <a:gd name="connsiteX4" fmla="*/ 0 w 532050"/>
+                <a:gd name="connsiteY4" fmla="*/ 0 h 238955"/>
+                <a:gd name="connsiteX0" fmla="*/ 0 w 532050"/>
+                <a:gd name="connsiteY0" fmla="*/ 0 h 239839"/>
+                <a:gd name="connsiteX1" fmla="*/ 532050 w 532050"/>
+                <a:gd name="connsiteY1" fmla="*/ 0 h 239839"/>
+                <a:gd name="connsiteX2" fmla="*/ 532050 w 532050"/>
+                <a:gd name="connsiteY2" fmla="*/ 238955 h 239839"/>
+                <a:gd name="connsiteX3" fmla="*/ 138349 w 532050"/>
+                <a:gd name="connsiteY3" fmla="*/ 239839 h 239839"/>
+                <a:gd name="connsiteX4" fmla="*/ 0 w 532050"/>
+                <a:gd name="connsiteY4" fmla="*/ 238955 h 239839"/>
+                <a:gd name="connsiteX5" fmla="*/ 0 w 532050"/>
+                <a:gd name="connsiteY5" fmla="*/ 0 h 239839"/>
+              </a:gdLst>
+              <a:ahLst/>
+              <a:cxnLst>
+                <a:cxn ang="0">
+                  <a:pos x="connsiteX0" y="connsiteY0"/>
+                </a:cxn>
+                <a:cxn ang="0">
+                  <a:pos x="connsiteX1" y="connsiteY1"/>
+                </a:cxn>
+                <a:cxn ang="0">
+                  <a:pos x="connsiteX2" y="connsiteY2"/>
+                </a:cxn>
+                <a:cxn ang="0">
+                  <a:pos x="connsiteX3" y="connsiteY3"/>
+                </a:cxn>
+                <a:cxn ang="0">
+                  <a:pos x="connsiteX4" y="connsiteY4"/>
+                </a:cxn>
+                <a:cxn ang="0">
+                  <a:pos x="connsiteX5" y="connsiteY5"/>
+                </a:cxn>
+              </a:cxnLst>
+              <a:rect l="l" t="t" r="r" b="b"/>
+              <a:pathLst>
+                <a:path w="532050" h="239839">
+                  <a:moveTo>
+                    <a:pt x="0" y="0"/>
+                  </a:moveTo>
+                  <a:lnTo>
+                    <a:pt x="532050" y="0"/>
+                  </a:lnTo>
+                  <a:lnTo>
+                    <a:pt x="532050" y="238955"/>
+                  </a:lnTo>
+                  <a:lnTo>
+                    <a:pt x="138349" y="239839"/>
+                  </a:lnTo>
+                  <a:lnTo>
+                    <a:pt x="0" y="238955"/>
+                  </a:lnTo>
+                  <a:lnTo>
+                    <a:pt x="0" y="0"/>
+                  </a:lnTo>
+                  <a:close/>
+                </a:path>
+              </a:pathLst>
+            </a:custGeom>
+            <a:noFill/>
+            <a:ln w="3175" cap="flat">
+              <a:noFill/>
+              <a:miter lim="400000"/>
+            </a:ln>
+            <a:effectLst/>
+            <a:extLst>
+              <a:ext uri="{C572A759-6A51-4108-AA02-DFA0A04FC94B}">
+                <ma14:wrappingTextBoxFlag xmlns="" xmlns:ma14="http://schemas.microsoft.com/office/mac/drawingml/2011/main" val="1"/>
+              </a:ext>
+            </a:extLst>
+          </p:spPr>
+          <p:txBody>
+            <a:bodyPr wrap="none" lIns="0" tIns="0" rIns="0" bIns="0" numCol="1" anchor="t">
+              <a:spAutoFit/>
+            </a:bodyPr>
+            <a:lstStyle>
+              <a:lvl1pPr>
+                <a:defRPr sz="800" b="1">
+                  <a:solidFill>
+                    <a:srgbClr val="4277BB"/>
+                  </a:solidFill>
+                  <a:latin typeface="Helvetica"/>
+                  <a:ea typeface="Helvetica"/>
+                  <a:cs typeface="Helvetica"/>
+                  <a:sym typeface="Helvetica"/>
+                </a:defRPr>
+              </a:lvl1pPr>
+            </a:lstStyle>
+            <a:p>
+              <a:pPr lvl="0">
+                <a:defRPr sz="1800" b="0">
+                  <a:solidFill>
+                    <a:srgbClr val="000000"/>
+                  </a:solidFill>
+                </a:defRPr>
+              </a:pPr>
+              <a:r>
+                <a:rPr lang="en-US" sz="800" b="1" dirty="0">
+                  <a:solidFill>
+                    <a:srgbClr val="4277BB"/>
+                  </a:solidFill>
+                </a:rPr>
+                <a:t>DEVELOPER</a:t>
+              </a:r>
+              <a:endParaRPr sz="800" b="1" dirty="0">
+                <a:solidFill>
+                  <a:srgbClr val="4277BB"/>
+                </a:solidFill>
+              </a:endParaRPr>
+            </a:p>
+          </p:txBody>
+        </p:sp>
+      </p:grpSp>
+      <p:sp>
+        <p:nvSpPr>
+          <p:cNvPr id="110" name="Rectangle 109">
+            <a:extLst>
+              <a:ext uri="{FF2B5EF4-FFF2-40B4-BE49-F238E27FC236}">
+                <a16:creationId xmlns:a16="http://schemas.microsoft.com/office/drawing/2014/main" id="{48E0EE49-0BCE-ED44-A089-02EA6B0559EE}"/>
+              </a:ext>
+            </a:extLst>
+          </p:cNvPr>
+          <p:cNvSpPr/>
+          <p:nvPr/>
+        </p:nvSpPr>
+        <p:spPr>
+          <a:xfrm>
+            <a:off x="2142430" y="703796"/>
+            <a:ext cx="2942691" cy="924765"/>
+          </a:xfrm>
+          <a:custGeom>
+            <a:avLst/>
+            <a:gdLst>
+              <a:gd name="connsiteX0" fmla="*/ 0 w 2942691"/>
+              <a:gd name="connsiteY0" fmla="*/ 0 h 924765"/>
+              <a:gd name="connsiteX1" fmla="*/ 559111 w 2942691"/>
+              <a:gd name="connsiteY1" fmla="*/ 0 h 924765"/>
+              <a:gd name="connsiteX2" fmla="*/ 1059369 w 2942691"/>
+              <a:gd name="connsiteY2" fmla="*/ 0 h 924765"/>
+              <a:gd name="connsiteX3" fmla="*/ 1706761 w 2942691"/>
+              <a:gd name="connsiteY3" fmla="*/ 0 h 924765"/>
+              <a:gd name="connsiteX4" fmla="*/ 2265872 w 2942691"/>
+              <a:gd name="connsiteY4" fmla="*/ 0 h 924765"/>
+              <a:gd name="connsiteX5" fmla="*/ 2942691 w 2942691"/>
+              <a:gd name="connsiteY5" fmla="*/ 0 h 924765"/>
+              <a:gd name="connsiteX6" fmla="*/ 2942691 w 2942691"/>
+              <a:gd name="connsiteY6" fmla="*/ 480878 h 924765"/>
+              <a:gd name="connsiteX7" fmla="*/ 2942691 w 2942691"/>
+              <a:gd name="connsiteY7" fmla="*/ 924765 h 924765"/>
+              <a:gd name="connsiteX8" fmla="*/ 2354153 w 2942691"/>
+              <a:gd name="connsiteY8" fmla="*/ 924765 h 924765"/>
+              <a:gd name="connsiteX9" fmla="*/ 1853895 w 2942691"/>
+              <a:gd name="connsiteY9" fmla="*/ 924765 h 924765"/>
+              <a:gd name="connsiteX10" fmla="*/ 1265357 w 2942691"/>
+              <a:gd name="connsiteY10" fmla="*/ 924765 h 924765"/>
+              <a:gd name="connsiteX11" fmla="*/ 676819 w 2942691"/>
+              <a:gd name="connsiteY11" fmla="*/ 924765 h 924765"/>
+              <a:gd name="connsiteX12" fmla="*/ 0 w 2942691"/>
+              <a:gd name="connsiteY12" fmla="*/ 924765 h 924765"/>
+              <a:gd name="connsiteX13" fmla="*/ 0 w 2942691"/>
+              <a:gd name="connsiteY13" fmla="*/ 443887 h 924765"/>
+              <a:gd name="connsiteX14" fmla="*/ 0 w 2942691"/>
+              <a:gd name="connsiteY14" fmla="*/ 0 h 924765"/>
+            </a:gdLst>
+            <a:ahLst/>
+            <a:cxnLst>
+              <a:cxn ang="0">
+                <a:pos x="connsiteX0" y="connsiteY0"/>
+              </a:cxn>
+              <a:cxn ang="0">
+                <a:pos x="connsiteX1" y="connsiteY1"/>
+              </a:cxn>
+              <a:cxn ang="0">
+                <a:pos x="connsiteX2" y="connsiteY2"/>
+              </a:cxn>
+              <a:cxn ang="0">
+                <a:pos x="connsiteX3" y="connsiteY3"/>
+              </a:cxn>
+              <a:cxn ang="0">
+                <a:pos x="connsiteX4" y="connsiteY4"/>
+              </a:cxn>
+              <a:cxn ang="0">
+                <a:pos x="connsiteX5" y="connsiteY5"/>
+              </a:cxn>
+              <a:cxn ang="0">
+                <a:pos x="connsiteX6" y="connsiteY6"/>
+              </a:cxn>
+              <a:cxn ang="0">
+                <a:pos x="connsiteX7" y="connsiteY7"/>
+              </a:cxn>
+              <a:cxn ang="0">
+                <a:pos x="connsiteX8" y="connsiteY8"/>
+              </a:cxn>
+              <a:cxn ang="0">
+                <a:pos x="connsiteX9" y="connsiteY9"/>
+              </a:cxn>
+              <a:cxn ang="0">
+                <a:pos x="connsiteX10" y="connsiteY10"/>
+              </a:cxn>
+              <a:cxn ang="0">
+                <a:pos x="connsiteX11" y="connsiteY11"/>
+              </a:cxn>
+              <a:cxn ang="0">
+                <a:pos x="connsiteX12" y="connsiteY12"/>
+              </a:cxn>
+              <a:cxn ang="0">
+                <a:pos x="connsiteX13" y="connsiteY13"/>
+              </a:cxn>
+              <a:cxn ang="0">
+                <a:pos x="connsiteX14" y="connsiteY14"/>
+              </a:cxn>
+            </a:cxnLst>
+            <a:rect l="l" t="t" r="r" b="b"/>
+            <a:pathLst>
+              <a:path w="2942691" h="924765" extrusionOk="0">
+                <a:moveTo>
+                  <a:pt x="0" y="0"/>
+                </a:moveTo>
+                <a:cubicBezTo>
+                  <a:pt x="252744" y="-1772"/>
+                  <a:pt x="325041" y="48224"/>
+                  <a:pt x="559111" y="0"/>
+                </a:cubicBezTo>
+                <a:cubicBezTo>
+                  <a:pt x="793181" y="-48224"/>
+                  <a:pt x="950746" y="26306"/>
+                  <a:pt x="1059369" y="0"/>
+                </a:cubicBezTo>
+                <a:cubicBezTo>
+                  <a:pt x="1167992" y="-26306"/>
+                  <a:pt x="1461678" y="36773"/>
+                  <a:pt x="1706761" y="0"/>
+                </a:cubicBezTo>
+                <a:cubicBezTo>
+                  <a:pt x="1951844" y="-36773"/>
+                  <a:pt x="2031444" y="21975"/>
+                  <a:pt x="2265872" y="0"/>
+                </a:cubicBezTo>
+                <a:cubicBezTo>
+                  <a:pt x="2500300" y="-21975"/>
+                  <a:pt x="2656901" y="64517"/>
+                  <a:pt x="2942691" y="0"/>
+                </a:cubicBezTo>
+                <a:cubicBezTo>
+                  <a:pt x="2953529" y="212548"/>
+                  <a:pt x="2905944" y="379966"/>
+                  <a:pt x="2942691" y="480878"/>
+                </a:cubicBezTo>
+                <a:cubicBezTo>
+                  <a:pt x="2979438" y="581790"/>
+                  <a:pt x="2927661" y="746055"/>
+                  <a:pt x="2942691" y="924765"/>
+                </a:cubicBezTo>
+                <a:cubicBezTo>
+                  <a:pt x="2742916" y="973524"/>
+                  <a:pt x="2640680" y="888762"/>
+                  <a:pt x="2354153" y="924765"/>
+                </a:cubicBezTo>
+                <a:cubicBezTo>
+                  <a:pt x="2067626" y="960768"/>
+                  <a:pt x="1964561" y="905378"/>
+                  <a:pt x="1853895" y="924765"/>
+                </a:cubicBezTo>
+                <a:cubicBezTo>
+                  <a:pt x="1743229" y="944152"/>
+                  <a:pt x="1428355" y="905366"/>
+                  <a:pt x="1265357" y="924765"/>
+                </a:cubicBezTo>
+                <a:cubicBezTo>
+                  <a:pt x="1102359" y="944164"/>
+                  <a:pt x="877315" y="868804"/>
+                  <a:pt x="676819" y="924765"/>
+                </a:cubicBezTo>
+                <a:cubicBezTo>
+                  <a:pt x="476323" y="980726"/>
+                  <a:pt x="198026" y="924371"/>
+                  <a:pt x="0" y="924765"/>
+                </a:cubicBezTo>
+                <a:cubicBezTo>
+                  <a:pt x="-912" y="713530"/>
+                  <a:pt x="3776" y="669947"/>
+                  <a:pt x="0" y="443887"/>
+                </a:cubicBezTo>
+                <a:cubicBezTo>
+                  <a:pt x="-3776" y="217827"/>
+                  <a:pt x="15220" y="202728"/>
+                  <a:pt x="0" y="0"/>
+                </a:cubicBezTo>
+                <a:close/>
+              </a:path>
+            </a:pathLst>
+          </a:custGeom>
+          <a:noFill/>
+          <a:ln w="12700">
+            <a:solidFill>
+              <a:srgbClr val="7030A0"/>
+            </a:solidFill>
+            <a:extLst>
+              <a:ext uri="{C807C97D-BFC1-408E-A445-0C87EB9F89A2}">
+                <ask:lineSketchStyleProps xmlns:ask="http://schemas.microsoft.com/office/drawing/2018/sketchyshapes" sd="1219033472">
+                  <a:prstGeom prst="rect">
+                    <a:avLst/>
+                  </a:prstGeom>
+                  <ask:type>
+                    <ask:lineSketchScribble/>
+                  </ask:type>
+                </ask:lineSketchStyleProps>
+              </a:ext>
+            </a:extLst>
+          </a:ln>
+        </p:spPr>
+        <p:style>
+          <a:lnRef idx="2">
+            <a:schemeClr val="accent1">
+              <a:shade val="50000"/>
+            </a:schemeClr>
+          </a:lnRef>
+          <a:fillRef idx="1">
+            <a:schemeClr val="accent1"/>
+          </a:fillRef>
+          <a:effectRef idx="0">
+            <a:schemeClr val="accent1"/>
+          </a:effectRef>
+          <a:fontRef idx="minor">
+            <a:schemeClr val="lt1"/>
+          </a:fontRef>
+        </p:style>
+        <p:txBody>
+          <a:bodyPr rtlCol="0" anchor="t"/>
+          <a:lstStyle/>
+          <a:p>
+            <a:pPr algn="ctr"/>
+            <a:r>
+              <a:rPr lang="en-US" sz="1200" dirty="0">
+                <a:solidFill>
+                  <a:srgbClr val="7030A0"/>
+                </a:solidFill>
+              </a:rPr>
+              <a:t>Dev environment</a:t>
+            </a:r>
+            <a:endParaRPr sz="1200" dirty="0">
+              <a:solidFill>
+                <a:srgbClr val="7030A0"/>
+              </a:solidFill>
+            </a:endParaRPr>
+          </a:p>
+        </p:txBody>
+      </p:sp>
+    </p:spTree>
+    <p:extLst>
+      <p:ext uri="{BB962C8B-B14F-4D97-AF65-F5344CB8AC3E}">
+        <p14:creationId xmlns:p14="http://schemas.microsoft.com/office/powerpoint/2010/main" val="2609812500"/>
+      </p:ext>
+    </p:extLst>
+  </p:cSld>
+  <p:clrMapOvr>
+    <a:masterClrMapping/>
+  </p:clrMapOvr>
+</p:sld>
+</file>
+
+<file path=ppt/slides/slide11.xml><?xml version="1.0" encoding="utf-8"?>
+<p:sld xmlns:a="http://schemas.openxmlformats.org/drawingml/2006/main" xmlns:r="http://schemas.openxmlformats.org/officeDocument/2006/relationships" xmlns:p="http://schemas.openxmlformats.org/presentationml/2006/main">
+  <p:cSld>
+    <p:spTree>
+      <p:nvGrpSpPr>
+        <p:cNvPr id="1" name=""/>
+        <p:cNvGrpSpPr/>
+        <p:nvPr/>
+      </p:nvGrpSpPr>
+      <p:grpSpPr>
+        <a:xfrm>
+          <a:off x="0" y="0"/>
+          <a:ext cx="0" cy="0"/>
+          <a:chOff x="0" y="0"/>
+          <a:chExt cx="0" cy="0"/>
+        </a:xfrm>
+      </p:grpSpPr>
+      <p:sp>
+        <p:nvSpPr>
+          <p:cNvPr id="2" name="Title 1">
+            <a:extLst>
+              <a:ext uri="{FF2B5EF4-FFF2-40B4-BE49-F238E27FC236}">
+                <a16:creationId xmlns:a16="http://schemas.microsoft.com/office/drawing/2014/main" id="{1F1CFE9F-9732-7446-BE9C-F7152DE4B2C9}"/>
+              </a:ext>
+            </a:extLst>
+          </p:cNvPr>
+          <p:cNvSpPr>
+            <a:spLocks noGrp="1"/>
+          </p:cNvSpPr>
+          <p:nvPr>
+            <p:ph type="title"/>
+          </p:nvPr>
+        </p:nvSpPr>
+        <p:spPr>
+          <a:xfrm>
+            <a:off x="554922" y="178320"/>
+            <a:ext cx="10993967" cy="342900"/>
+          </a:xfrm>
+        </p:spPr>
+        <p:txBody>
+          <a:bodyPr/>
+          <a:lstStyle/>
+          <a:p>
+            <a:r>
+              <a:rPr lang="en-US" dirty="0"/>
+              <a:t>Rule Engine Integration</a:t>
+            </a:r>
+          </a:p>
+        </p:txBody>
+      </p:sp>
+      <p:cxnSp>
+        <p:nvCxnSpPr>
+          <p:cNvPr id="24" name="Straight Arrow Connector 37">
+            <a:extLst>
+              <a:ext uri="{FF2B5EF4-FFF2-40B4-BE49-F238E27FC236}">
+                <a16:creationId xmlns:a16="http://schemas.microsoft.com/office/drawing/2014/main" id="{17250F93-B154-8C49-A6C0-6F5EC992E2F5}"/>
+              </a:ext>
+            </a:extLst>
+          </p:cNvPr>
+          <p:cNvCxnSpPr>
+            <a:cxnSpLocks/>
+            <a:stCxn id="32" idx="0"/>
+            <a:endCxn id="38" idx="1"/>
+          </p:cNvCxnSpPr>
+          <p:nvPr/>
+        </p:nvCxnSpPr>
+        <p:spPr>
+          <a:xfrm rot="5400000" flipH="1" flipV="1">
+            <a:off x="650631" y="3233402"/>
+            <a:ext cx="2042800" cy="1277111"/>
+          </a:xfrm>
+          <a:prstGeom prst="curvedConnector2">
+            <a:avLst/>
+          </a:prstGeom>
+          <a:ln>
+            <a:solidFill>
+              <a:srgbClr val="0000FF"/>
+            </a:solidFill>
+            <a:prstDash val="dash"/>
+            <a:tailEnd type="triangle"/>
+          </a:ln>
+        </p:spPr>
+        <p:style>
+          <a:lnRef idx="1">
+            <a:schemeClr val="accent1"/>
+          </a:lnRef>
+          <a:fillRef idx="0">
+            <a:schemeClr val="accent1"/>
+          </a:fillRef>
+          <a:effectRef idx="0">
+            <a:schemeClr val="accent1"/>
+          </a:effectRef>
+          <a:fontRef idx="minor">
+            <a:schemeClr val="tx1"/>
+          </a:fontRef>
+        </p:style>
+      </p:cxnSp>
+      <p:sp>
+        <p:nvSpPr>
+          <p:cNvPr id="25" name="Rounded Rectangle 24">
+            <a:extLst>
+              <a:ext uri="{FF2B5EF4-FFF2-40B4-BE49-F238E27FC236}">
+                <a16:creationId xmlns:a16="http://schemas.microsoft.com/office/drawing/2014/main" id="{06B20124-D229-8043-97C3-22B959C80AB0}"/>
+              </a:ext>
+            </a:extLst>
+          </p:cNvPr>
+          <p:cNvSpPr/>
+          <p:nvPr/>
+        </p:nvSpPr>
+        <p:spPr>
+          <a:xfrm>
+            <a:off x="264654" y="2054022"/>
+            <a:ext cx="1037818" cy="342900"/>
+          </a:xfrm>
+          <a:prstGeom prst="roundRect">
+            <a:avLst>
+              <a:gd name="adj" fmla="val 6808"/>
+            </a:avLst>
+          </a:prstGeom>
+          <a:solidFill>
+            <a:schemeClr val="accent3">
+              <a:lumMod val="65000"/>
+            </a:schemeClr>
+          </a:solidFill>
+          <a:ln>
+            <a:noFill/>
+          </a:ln>
+          <a:effectLst>
+            <a:outerShdw blurRad="50800" dist="38100" dir="5400000" algn="t" rotWithShape="0">
+              <a:prstClr val="black">
+                <a:alpha val="40000"/>
+              </a:prstClr>
+            </a:outerShdw>
+          </a:effectLst>
+        </p:spPr>
+        <p:style>
+          <a:lnRef idx="2">
+            <a:schemeClr val="accent1">
+              <a:shade val="50000"/>
+            </a:schemeClr>
+          </a:lnRef>
+          <a:fillRef idx="1">
+            <a:schemeClr val="accent1"/>
+          </a:fillRef>
+          <a:effectRef idx="0">
+            <a:schemeClr val="accent1"/>
+          </a:effectRef>
+          <a:fontRef idx="minor">
+            <a:schemeClr val="lt1"/>
+          </a:fontRef>
+        </p:style>
+        <p:txBody>
+          <a:bodyPr rtlCol="0" anchor="t"/>
+          <a:lstStyle/>
+          <a:p>
+            <a:pPr algn="ctr"/>
+            <a:r>
+              <a:rPr lang="en-US" sz="1000" dirty="0"/>
+              <a:t>Event Source</a:t>
+            </a:r>
+            <a:endParaRPr sz="1000" dirty="0"/>
+          </a:p>
+        </p:txBody>
+      </p:sp>
+      <p:cxnSp>
+        <p:nvCxnSpPr>
+          <p:cNvPr id="26" name="Straight Arrow Connector 37">
+            <a:extLst>
+              <a:ext uri="{FF2B5EF4-FFF2-40B4-BE49-F238E27FC236}">
+                <a16:creationId xmlns:a16="http://schemas.microsoft.com/office/drawing/2014/main" id="{D83BF498-3751-054D-A3C0-19F193623D1B}"/>
+              </a:ext>
+            </a:extLst>
+          </p:cNvPr>
+          <p:cNvCxnSpPr>
+            <a:cxnSpLocks/>
+            <a:stCxn id="25" idx="2"/>
+            <a:endCxn id="34" idx="0"/>
+          </p:cNvCxnSpPr>
+          <p:nvPr/>
+        </p:nvCxnSpPr>
+        <p:spPr>
+          <a:xfrm rot="16200000" flipH="1">
+            <a:off x="-187298" y="3367782"/>
+            <a:ext cx="2496435" cy="554713"/>
+          </a:xfrm>
+          <a:prstGeom prst="curvedConnector3">
+            <a:avLst>
+              <a:gd name="adj1" fmla="val 50000"/>
+            </a:avLst>
+          </a:prstGeom>
+          <a:ln>
+            <a:solidFill>
+              <a:srgbClr val="0000FF"/>
+            </a:solidFill>
+            <a:prstDash val="dash"/>
+            <a:tailEnd type="triangle"/>
+          </a:ln>
+        </p:spPr>
+        <p:style>
+          <a:lnRef idx="1">
+            <a:schemeClr val="accent1"/>
+          </a:lnRef>
+          <a:fillRef idx="0">
+            <a:schemeClr val="accent1"/>
+          </a:fillRef>
+          <a:effectRef idx="0">
+            <a:schemeClr val="accent1"/>
+          </a:effectRef>
+          <a:fontRef idx="minor">
+            <a:schemeClr val="tx1"/>
+          </a:fontRef>
+        </p:style>
+      </p:cxnSp>
+      <p:grpSp>
+        <p:nvGrpSpPr>
+          <p:cNvPr id="36" name="Group 35">
+            <a:extLst>
+              <a:ext uri="{FF2B5EF4-FFF2-40B4-BE49-F238E27FC236}">
+                <a16:creationId xmlns:a16="http://schemas.microsoft.com/office/drawing/2014/main" id="{334F158D-B271-CD4B-9E15-321ACB3F9544}"/>
+              </a:ext>
+            </a:extLst>
+          </p:cNvPr>
+          <p:cNvGrpSpPr/>
+          <p:nvPr/>
+        </p:nvGrpSpPr>
+        <p:grpSpPr>
+          <a:xfrm>
+            <a:off x="483256" y="4893357"/>
+            <a:ext cx="948040" cy="629490"/>
+            <a:chOff x="540471" y="2954563"/>
+            <a:chExt cx="948040" cy="629490"/>
+          </a:xfrm>
+        </p:grpSpPr>
+        <p:sp>
+          <p:nvSpPr>
+            <p:cNvPr id="15" name="Rounded Rectangle">
+              <a:extLst>
+                <a:ext uri="{FF2B5EF4-FFF2-40B4-BE49-F238E27FC236}">
+                  <a16:creationId xmlns:a16="http://schemas.microsoft.com/office/drawing/2014/main" id="{CC0DD6BE-648E-E14B-BDE7-3B8F68E78A5A}"/>
+                </a:ext>
+              </a:extLst>
+            </p:cNvPr>
+            <p:cNvSpPr/>
+            <p:nvPr/>
+          </p:nvSpPr>
+          <p:spPr>
+            <a:xfrm>
+              <a:off x="540471" y="2954563"/>
+              <a:ext cx="186040" cy="629490"/>
+            </a:xfrm>
+            <a:prstGeom prst="roundRect">
+              <a:avLst>
+                <a:gd name="adj" fmla="val 16667"/>
+              </a:avLst>
+            </a:prstGeom>
+            <a:solidFill>
+              <a:srgbClr val="FEFFFE"/>
+            </a:solidFill>
+            <a:ln w="38100" cap="flat">
+              <a:solidFill>
+                <a:srgbClr val="7030A0"/>
+              </a:solidFill>
+              <a:prstDash val="solid"/>
+              <a:round/>
+            </a:ln>
+            <a:effectLst/>
+          </p:spPr>
+          <p:txBody>
+            <a:bodyPr wrap="square" lIns="28575" tIns="28575" rIns="28575" bIns="28575" numCol="1" anchor="ctr">
+              <a:noAutofit/>
+            </a:bodyPr>
+            <a:lstStyle/>
+            <a:p>
+              <a:pPr marL="0" marR="0" lvl="0" indent="0" algn="ctr" defTabSz="1219184" rtl="0" eaLnBrk="1" fontAlgn="auto" latinLnBrk="0" hangingPunct="0">
+                <a:lnSpc>
+                  <a:spcPct val="90000"/>
+                </a:lnSpc>
+                <a:spcBef>
+                  <a:spcPts val="0"/>
+                </a:spcBef>
+                <a:spcAft>
+                  <a:spcPts val="0"/>
+                </a:spcAft>
+                <a:buClrTx/>
+                <a:buSzTx/>
+                <a:buFontTx/>
+                <a:buNone/>
+                <a:tabLst/>
+                <a:defRPr sz="900" b="0">
+                  <a:solidFill>
+                    <a:srgbClr val="002060"/>
+                  </a:solidFill>
+                  <a:latin typeface="IBM Plex Sans"/>
+                  <a:ea typeface="IBM Plex Sans"/>
+                  <a:cs typeface="IBM Plex Sans"/>
+                  <a:sym typeface="IBM Plex Sans"/>
+                </a:defRPr>
+              </a:pPr>
+              <a:r>
+                <a:rPr kumimoji="0" lang="en-US" sz="1400" b="0" i="0" u="none" strike="noStrike" kern="0" cap="none" spc="0" normalizeH="0" baseline="0" noProof="0" dirty="0">
+                  <a:ln>
+                    <a:noFill/>
+                  </a:ln>
+                  <a:solidFill>
+                    <a:srgbClr val="002060"/>
+                  </a:solidFill>
+                  <a:effectLst/>
+                  <a:uLnTx/>
+                  <a:uFillTx/>
+                  <a:latin typeface="IBM Plex Sans"/>
+                  <a:sym typeface="IBM Plex Sans"/>
+                </a:rPr>
+                <a:t>0</a:t>
+              </a:r>
+              <a:endParaRPr kumimoji="0" sz="1400" b="0" i="0" u="none" strike="noStrike" kern="0" cap="none" spc="0" normalizeH="0" baseline="0" noProof="0" dirty="0">
+                <a:ln>
+                  <a:noFill/>
+                </a:ln>
+                <a:solidFill>
+                  <a:srgbClr val="002060"/>
+                </a:solidFill>
+                <a:effectLst/>
+                <a:uLnTx/>
+                <a:uFillTx/>
+                <a:latin typeface="IBM Plex Sans"/>
+                <a:sym typeface="IBM Plex Sans"/>
+              </a:endParaRPr>
+            </a:p>
+          </p:txBody>
+        </p:sp>
+        <p:sp>
+          <p:nvSpPr>
+            <p:cNvPr id="30" name="Rounded Rectangle">
+              <a:extLst>
+                <a:ext uri="{FF2B5EF4-FFF2-40B4-BE49-F238E27FC236}">
+                  <a16:creationId xmlns:a16="http://schemas.microsoft.com/office/drawing/2014/main" id="{8051C379-0C75-FB4B-9F61-7AF330B954A2}"/>
+                </a:ext>
+              </a:extLst>
+            </p:cNvPr>
+            <p:cNvSpPr/>
+            <p:nvPr/>
+          </p:nvSpPr>
+          <p:spPr>
+            <a:xfrm>
+              <a:off x="692871" y="2954563"/>
+              <a:ext cx="186040" cy="629490"/>
+            </a:xfrm>
+            <a:prstGeom prst="roundRect">
+              <a:avLst>
+                <a:gd name="adj" fmla="val 16667"/>
+              </a:avLst>
+            </a:prstGeom>
+            <a:solidFill>
+              <a:srgbClr val="FEFFFE"/>
+            </a:solidFill>
+            <a:ln w="38100" cap="flat">
+              <a:solidFill>
+                <a:srgbClr val="7030A0"/>
+              </a:solidFill>
+              <a:prstDash val="solid"/>
+              <a:round/>
+            </a:ln>
+            <a:effectLst/>
+          </p:spPr>
+          <p:txBody>
+            <a:bodyPr wrap="square" lIns="28575" tIns="28575" rIns="28575" bIns="28575" numCol="1" anchor="ctr">
+              <a:noAutofit/>
+            </a:bodyPr>
+            <a:lstStyle/>
+            <a:p>
+              <a:pPr marL="0" marR="0" lvl="0" indent="0" algn="ctr" defTabSz="1219184" rtl="0" eaLnBrk="1" fontAlgn="auto" latinLnBrk="0" hangingPunct="0">
+                <a:lnSpc>
+                  <a:spcPct val="90000"/>
+                </a:lnSpc>
+                <a:spcBef>
+                  <a:spcPts val="0"/>
+                </a:spcBef>
+                <a:spcAft>
+                  <a:spcPts val="0"/>
+                </a:spcAft>
+                <a:buClrTx/>
+                <a:buSzTx/>
+                <a:buFontTx/>
+                <a:buNone/>
+                <a:tabLst/>
+                <a:defRPr sz="900" b="0">
+                  <a:solidFill>
+                    <a:srgbClr val="002060"/>
+                  </a:solidFill>
+                  <a:latin typeface="IBM Plex Sans"/>
+                  <a:ea typeface="IBM Plex Sans"/>
+                  <a:cs typeface="IBM Plex Sans"/>
+                  <a:sym typeface="IBM Plex Sans"/>
+                </a:defRPr>
+              </a:pPr>
+              <a:endParaRPr kumimoji="0" sz="1400" b="0" i="0" u="none" strike="noStrike" kern="0" cap="none" spc="0" normalizeH="0" baseline="0" noProof="0" dirty="0">
+                <a:ln>
+                  <a:noFill/>
+                </a:ln>
+                <a:solidFill>
+                  <a:srgbClr val="002060"/>
+                </a:solidFill>
+                <a:effectLst/>
+                <a:uLnTx/>
+                <a:uFillTx/>
+                <a:latin typeface="IBM Plex Sans"/>
+                <a:sym typeface="IBM Plex Sans"/>
+              </a:endParaRPr>
+            </a:p>
+          </p:txBody>
+        </p:sp>
+        <p:sp>
+          <p:nvSpPr>
+            <p:cNvPr id="31" name="Rounded Rectangle">
+              <a:extLst>
+                <a:ext uri="{FF2B5EF4-FFF2-40B4-BE49-F238E27FC236}">
+                  <a16:creationId xmlns:a16="http://schemas.microsoft.com/office/drawing/2014/main" id="{5B792338-88B4-5C42-9D94-F5A47128B0F5}"/>
+                </a:ext>
+              </a:extLst>
+            </p:cNvPr>
+            <p:cNvSpPr/>
+            <p:nvPr/>
+          </p:nvSpPr>
+          <p:spPr>
+            <a:xfrm>
+              <a:off x="845271" y="2954563"/>
+              <a:ext cx="186040" cy="629490"/>
+            </a:xfrm>
+            <a:prstGeom prst="roundRect">
+              <a:avLst>
+                <a:gd name="adj" fmla="val 16667"/>
+              </a:avLst>
+            </a:prstGeom>
+            <a:solidFill>
+              <a:srgbClr val="FEFFFE"/>
+            </a:solidFill>
+            <a:ln w="38100" cap="flat">
+              <a:solidFill>
+                <a:srgbClr val="7030A0"/>
+              </a:solidFill>
+              <a:prstDash val="solid"/>
+              <a:round/>
+            </a:ln>
+            <a:effectLst/>
+          </p:spPr>
+          <p:txBody>
+            <a:bodyPr wrap="square" lIns="28575" tIns="28575" rIns="28575" bIns="28575" numCol="1" anchor="ctr">
+              <a:noAutofit/>
+            </a:bodyPr>
+            <a:lstStyle/>
+            <a:p>
+              <a:pPr marL="0" marR="0" lvl="0" indent="0" algn="ctr" defTabSz="1219184" rtl="0" eaLnBrk="1" fontAlgn="auto" latinLnBrk="0" hangingPunct="0">
+                <a:lnSpc>
+                  <a:spcPct val="90000"/>
+                </a:lnSpc>
+                <a:spcBef>
+                  <a:spcPts val="0"/>
+                </a:spcBef>
+                <a:spcAft>
+                  <a:spcPts val="0"/>
+                </a:spcAft>
+                <a:buClrTx/>
+                <a:buSzTx/>
+                <a:buFontTx/>
+                <a:buNone/>
+                <a:tabLst/>
+                <a:defRPr sz="900" b="0">
+                  <a:solidFill>
+                    <a:srgbClr val="002060"/>
+                  </a:solidFill>
+                  <a:latin typeface="IBM Plex Sans"/>
+                  <a:ea typeface="IBM Plex Sans"/>
+                  <a:cs typeface="IBM Plex Sans"/>
+                  <a:sym typeface="IBM Plex Sans"/>
+                </a:defRPr>
+              </a:pPr>
+              <a:endParaRPr kumimoji="0" sz="1400" i="0" u="none" strike="noStrike" kern="0" cap="none" spc="0" normalizeH="0" baseline="0" noProof="0" dirty="0">
+                <a:ln>
+                  <a:noFill/>
+                </a:ln>
+                <a:solidFill>
+                  <a:srgbClr val="002060"/>
+                </a:solidFill>
+                <a:effectLst/>
+                <a:uLnTx/>
+                <a:uFillTx/>
+                <a:latin typeface="IBM Plex Sans"/>
+                <a:sym typeface="IBM Plex Sans"/>
+              </a:endParaRPr>
+            </a:p>
+          </p:txBody>
+        </p:sp>
+        <p:sp>
+          <p:nvSpPr>
+            <p:cNvPr id="32" name="Rounded Rectangle">
+              <a:extLst>
+                <a:ext uri="{FF2B5EF4-FFF2-40B4-BE49-F238E27FC236}">
+                  <a16:creationId xmlns:a16="http://schemas.microsoft.com/office/drawing/2014/main" id="{BF1CC6E3-39F9-514B-B096-B9AB30D21EB5}"/>
+                </a:ext>
+              </a:extLst>
+            </p:cNvPr>
+            <p:cNvSpPr/>
+            <p:nvPr/>
+          </p:nvSpPr>
+          <p:spPr>
+            <a:xfrm>
+              <a:off x="997671" y="2954563"/>
+              <a:ext cx="186040" cy="629490"/>
+            </a:xfrm>
+            <a:prstGeom prst="roundRect">
+              <a:avLst>
+                <a:gd name="adj" fmla="val 16667"/>
+              </a:avLst>
+            </a:prstGeom>
+            <a:solidFill>
+              <a:srgbClr val="FEFFFE"/>
+            </a:solidFill>
+            <a:ln w="38100" cap="flat">
+              <a:solidFill>
+                <a:srgbClr val="7030A0"/>
+              </a:solidFill>
+              <a:prstDash val="solid"/>
+              <a:round/>
+            </a:ln>
+            <a:effectLst/>
+          </p:spPr>
+          <p:txBody>
+            <a:bodyPr wrap="square" lIns="28575" tIns="28575" rIns="28575" bIns="28575" numCol="1" anchor="ctr">
+              <a:noAutofit/>
+            </a:bodyPr>
+            <a:lstStyle/>
+            <a:p>
+              <a:pPr marL="0" marR="0" lvl="0" indent="0" algn="ctr" defTabSz="1219184" rtl="0" eaLnBrk="1" fontAlgn="auto" latinLnBrk="0" hangingPunct="0">
+                <a:lnSpc>
+                  <a:spcPct val="90000"/>
+                </a:lnSpc>
+                <a:spcBef>
+                  <a:spcPts val="0"/>
+                </a:spcBef>
+                <a:spcAft>
+                  <a:spcPts val="0"/>
+                </a:spcAft>
+                <a:buClrTx/>
+                <a:buSzTx/>
+                <a:buFontTx/>
+                <a:buNone/>
+                <a:tabLst/>
+                <a:defRPr sz="900" b="0">
+                  <a:solidFill>
+                    <a:srgbClr val="002060"/>
+                  </a:solidFill>
+                  <a:latin typeface="IBM Plex Sans"/>
+                  <a:ea typeface="IBM Plex Sans"/>
+                  <a:cs typeface="IBM Plex Sans"/>
+                  <a:sym typeface="IBM Plex Sans"/>
+                </a:defRPr>
+              </a:pPr>
+              <a:endParaRPr kumimoji="0" sz="1400" b="0" i="0" u="none" strike="noStrike" kern="0" cap="none" spc="0" normalizeH="0" baseline="0" noProof="0" dirty="0">
+                <a:ln>
+                  <a:noFill/>
+                </a:ln>
+                <a:solidFill>
+                  <a:srgbClr val="002060"/>
+                </a:solidFill>
+                <a:effectLst/>
+                <a:uLnTx/>
+                <a:uFillTx/>
+                <a:latin typeface="IBM Plex Sans"/>
+                <a:sym typeface="IBM Plex Sans"/>
+              </a:endParaRPr>
+            </a:p>
+          </p:txBody>
+        </p:sp>
+        <p:sp>
+          <p:nvSpPr>
+            <p:cNvPr id="33" name="Rounded Rectangle">
+              <a:extLst>
+                <a:ext uri="{FF2B5EF4-FFF2-40B4-BE49-F238E27FC236}">
+                  <a16:creationId xmlns:a16="http://schemas.microsoft.com/office/drawing/2014/main" id="{41BA005E-4F26-A14D-A5B1-6B1D45F7E446}"/>
+                </a:ext>
+              </a:extLst>
+            </p:cNvPr>
+            <p:cNvSpPr/>
+            <p:nvPr/>
+          </p:nvSpPr>
+          <p:spPr>
+            <a:xfrm>
+              <a:off x="1150071" y="2954563"/>
+              <a:ext cx="186040" cy="629490"/>
+            </a:xfrm>
+            <a:prstGeom prst="roundRect">
+              <a:avLst>
+                <a:gd name="adj" fmla="val 16667"/>
+              </a:avLst>
+            </a:prstGeom>
+            <a:solidFill>
+              <a:srgbClr val="FEFFFE"/>
+            </a:solidFill>
+            <a:ln w="38100" cap="flat">
+              <a:solidFill>
+                <a:srgbClr val="7030A0"/>
+              </a:solidFill>
+              <a:prstDash val="solid"/>
+              <a:round/>
+            </a:ln>
+            <a:effectLst/>
+          </p:spPr>
+          <p:txBody>
+            <a:bodyPr wrap="square" lIns="28575" tIns="28575" rIns="28575" bIns="28575" numCol="1" anchor="ctr">
+              <a:noAutofit/>
+            </a:bodyPr>
+            <a:lstStyle/>
+            <a:p>
+              <a:pPr marL="0" marR="0" lvl="0" indent="0" algn="ctr" defTabSz="1219184" rtl="0" eaLnBrk="1" fontAlgn="auto" latinLnBrk="0" hangingPunct="0">
+                <a:lnSpc>
+                  <a:spcPct val="90000"/>
+                </a:lnSpc>
+                <a:spcBef>
+                  <a:spcPts val="0"/>
+                </a:spcBef>
+                <a:spcAft>
+                  <a:spcPts val="0"/>
+                </a:spcAft>
+                <a:buClrTx/>
+                <a:buSzTx/>
+                <a:buFontTx/>
+                <a:buNone/>
+                <a:tabLst/>
+                <a:defRPr sz="900" b="0">
+                  <a:solidFill>
+                    <a:srgbClr val="002060"/>
+                  </a:solidFill>
+                  <a:latin typeface="IBM Plex Sans"/>
+                  <a:ea typeface="IBM Plex Sans"/>
+                  <a:cs typeface="IBM Plex Sans"/>
+                  <a:sym typeface="IBM Plex Sans"/>
+                </a:defRPr>
+              </a:pPr>
+              <a:endParaRPr kumimoji="0" sz="1400" b="0" i="0" u="none" strike="noStrike" kern="0" cap="none" spc="0" normalizeH="0" baseline="0" noProof="0" dirty="0">
+                <a:ln>
+                  <a:noFill/>
+                </a:ln>
+                <a:solidFill>
+                  <a:srgbClr val="002060"/>
+                </a:solidFill>
+                <a:effectLst/>
+                <a:uLnTx/>
+                <a:uFillTx/>
+                <a:latin typeface="IBM Plex Sans"/>
+                <a:sym typeface="IBM Plex Sans"/>
+              </a:endParaRPr>
+            </a:p>
+          </p:txBody>
+        </p:sp>
+        <p:sp>
+          <p:nvSpPr>
+            <p:cNvPr id="34" name="Rounded Rectangle">
+              <a:extLst>
+                <a:ext uri="{FF2B5EF4-FFF2-40B4-BE49-F238E27FC236}">
+                  <a16:creationId xmlns:a16="http://schemas.microsoft.com/office/drawing/2014/main" id="{D35CD717-AC73-B64C-988E-9580AC4F4E9A}"/>
+                </a:ext>
+              </a:extLst>
+            </p:cNvPr>
+            <p:cNvSpPr/>
+            <p:nvPr/>
+          </p:nvSpPr>
+          <p:spPr>
+            <a:xfrm>
+              <a:off x="1302471" y="2954563"/>
+              <a:ext cx="186040" cy="629490"/>
+            </a:xfrm>
+            <a:prstGeom prst="roundRect">
+              <a:avLst>
+                <a:gd name="adj" fmla="val 16667"/>
+              </a:avLst>
+            </a:prstGeom>
+            <a:solidFill>
+              <a:srgbClr val="FEFFFE"/>
+            </a:solidFill>
+            <a:ln w="38100" cap="flat">
+              <a:solidFill>
+                <a:srgbClr val="7030A0"/>
+              </a:solidFill>
+              <a:prstDash val="solid"/>
+              <a:round/>
+            </a:ln>
+            <a:effectLst/>
+          </p:spPr>
+          <p:txBody>
+            <a:bodyPr wrap="square" lIns="28575" tIns="28575" rIns="28575" bIns="28575" numCol="1" anchor="ctr">
+              <a:noAutofit/>
+            </a:bodyPr>
+            <a:lstStyle/>
+            <a:p>
+              <a:pPr marL="0" marR="0" lvl="0" indent="0" algn="ctr" defTabSz="1219184" rtl="0" eaLnBrk="1" fontAlgn="auto" latinLnBrk="0" hangingPunct="0">
+                <a:lnSpc>
+                  <a:spcPct val="90000"/>
+                </a:lnSpc>
+                <a:spcBef>
+                  <a:spcPts val="0"/>
+                </a:spcBef>
+                <a:spcAft>
+                  <a:spcPts val="0"/>
+                </a:spcAft>
+                <a:buClrTx/>
+                <a:buSzTx/>
+                <a:buFontTx/>
+                <a:buNone/>
+                <a:tabLst/>
+                <a:defRPr sz="900" b="0">
+                  <a:solidFill>
+                    <a:srgbClr val="002060"/>
+                  </a:solidFill>
+                  <a:latin typeface="IBM Plex Sans"/>
+                  <a:ea typeface="IBM Plex Sans"/>
+                  <a:cs typeface="IBM Plex Sans"/>
+                  <a:sym typeface="IBM Plex Sans"/>
+                </a:defRPr>
+              </a:pPr>
+              <a:r>
+                <a:rPr lang="en-US" sz="1400" kern="0" dirty="0">
+                  <a:solidFill>
+                    <a:srgbClr val="002060"/>
+                  </a:solidFill>
+                  <a:latin typeface="IBM Plex Sans"/>
+                  <a:sym typeface="IBM Plex Sans"/>
+                </a:rPr>
+                <a:t>n</a:t>
+              </a:r>
+              <a:endParaRPr kumimoji="0" sz="1400" b="0" i="0" u="none" strike="noStrike" kern="0" cap="none" spc="0" normalizeH="0" baseline="0" noProof="0" dirty="0">
+                <a:ln>
+                  <a:noFill/>
+                </a:ln>
+                <a:solidFill>
+                  <a:srgbClr val="002060"/>
+                </a:solidFill>
+                <a:effectLst/>
+                <a:uLnTx/>
+                <a:uFillTx/>
+                <a:latin typeface="IBM Plex Sans"/>
+                <a:sym typeface="IBM Plex Sans"/>
+              </a:endParaRPr>
+            </a:p>
+          </p:txBody>
+        </p:sp>
+      </p:grpSp>
+      <p:sp>
+        <p:nvSpPr>
+          <p:cNvPr id="37" name="Rectangle 36">
+            <a:extLst>
+              <a:ext uri="{FF2B5EF4-FFF2-40B4-BE49-F238E27FC236}">
+                <a16:creationId xmlns:a16="http://schemas.microsoft.com/office/drawing/2014/main" id="{D5F2224E-8C84-7640-90FA-95D0CEB68280}"/>
+              </a:ext>
+            </a:extLst>
+          </p:cNvPr>
+          <p:cNvSpPr/>
+          <p:nvPr/>
+        </p:nvSpPr>
+        <p:spPr>
+          <a:xfrm>
+            <a:off x="2064472" y="1939147"/>
+            <a:ext cx="3686759" cy="2337292"/>
+          </a:xfrm>
+          <a:custGeom>
+            <a:avLst/>
+            <a:gdLst>
+              <a:gd name="connsiteX0" fmla="*/ 0 w 3686759"/>
+              <a:gd name="connsiteY0" fmla="*/ 0 h 2337292"/>
+              <a:gd name="connsiteX1" fmla="*/ 489812 w 3686759"/>
+              <a:gd name="connsiteY1" fmla="*/ 0 h 2337292"/>
+              <a:gd name="connsiteX2" fmla="*/ 905889 w 3686759"/>
+              <a:gd name="connsiteY2" fmla="*/ 0 h 2337292"/>
+              <a:gd name="connsiteX3" fmla="*/ 1506304 w 3686759"/>
+              <a:gd name="connsiteY3" fmla="*/ 0 h 2337292"/>
+              <a:gd name="connsiteX4" fmla="*/ 1996117 w 3686759"/>
+              <a:gd name="connsiteY4" fmla="*/ 0 h 2337292"/>
+              <a:gd name="connsiteX5" fmla="*/ 2485929 w 3686759"/>
+              <a:gd name="connsiteY5" fmla="*/ 0 h 2337292"/>
+              <a:gd name="connsiteX6" fmla="*/ 3086344 w 3686759"/>
+              <a:gd name="connsiteY6" fmla="*/ 0 h 2337292"/>
+              <a:gd name="connsiteX7" fmla="*/ 3686759 w 3686759"/>
+              <a:gd name="connsiteY7" fmla="*/ 0 h 2337292"/>
+              <a:gd name="connsiteX8" fmla="*/ 3686759 w 3686759"/>
+              <a:gd name="connsiteY8" fmla="*/ 631069 h 2337292"/>
+              <a:gd name="connsiteX9" fmla="*/ 3686759 w 3686759"/>
+              <a:gd name="connsiteY9" fmla="*/ 1168646 h 2337292"/>
+              <a:gd name="connsiteX10" fmla="*/ 3686759 w 3686759"/>
+              <a:gd name="connsiteY10" fmla="*/ 1706223 h 2337292"/>
+              <a:gd name="connsiteX11" fmla="*/ 3686759 w 3686759"/>
+              <a:gd name="connsiteY11" fmla="*/ 2337292 h 2337292"/>
+              <a:gd name="connsiteX12" fmla="*/ 3123212 w 3686759"/>
+              <a:gd name="connsiteY12" fmla="*/ 2337292 h 2337292"/>
+              <a:gd name="connsiteX13" fmla="*/ 2522797 w 3686759"/>
+              <a:gd name="connsiteY13" fmla="*/ 2337292 h 2337292"/>
+              <a:gd name="connsiteX14" fmla="*/ 1922381 w 3686759"/>
+              <a:gd name="connsiteY14" fmla="*/ 2337292 h 2337292"/>
+              <a:gd name="connsiteX15" fmla="*/ 1469437 w 3686759"/>
+              <a:gd name="connsiteY15" fmla="*/ 2337292 h 2337292"/>
+              <a:gd name="connsiteX16" fmla="*/ 942757 w 3686759"/>
+              <a:gd name="connsiteY16" fmla="*/ 2337292 h 2337292"/>
+              <a:gd name="connsiteX17" fmla="*/ 0 w 3686759"/>
+              <a:gd name="connsiteY17" fmla="*/ 2337292 h 2337292"/>
+              <a:gd name="connsiteX18" fmla="*/ 0 w 3686759"/>
+              <a:gd name="connsiteY18" fmla="*/ 1752969 h 2337292"/>
+              <a:gd name="connsiteX19" fmla="*/ 0 w 3686759"/>
+              <a:gd name="connsiteY19" fmla="*/ 1215392 h 2337292"/>
+              <a:gd name="connsiteX20" fmla="*/ 0 w 3686759"/>
+              <a:gd name="connsiteY20" fmla="*/ 677815 h 2337292"/>
+              <a:gd name="connsiteX21" fmla="*/ 0 w 3686759"/>
+              <a:gd name="connsiteY21" fmla="*/ 0 h 2337292"/>
+            </a:gdLst>
+            <a:ahLst/>
+            <a:cxnLst>
+              <a:cxn ang="0">
+                <a:pos x="connsiteX0" y="connsiteY0"/>
+              </a:cxn>
+              <a:cxn ang="0">
+                <a:pos x="connsiteX1" y="connsiteY1"/>
+              </a:cxn>
+              <a:cxn ang="0">
+                <a:pos x="connsiteX2" y="connsiteY2"/>
+              </a:cxn>
+              <a:cxn ang="0">
+                <a:pos x="connsiteX3" y="connsiteY3"/>
+              </a:cxn>
+              <a:cxn ang="0">
+                <a:pos x="connsiteX4" y="connsiteY4"/>
+              </a:cxn>
+              <a:cxn ang="0">
+                <a:pos x="connsiteX5" y="connsiteY5"/>
+              </a:cxn>
+              <a:cxn ang="0">
+                <a:pos x="connsiteX6" y="connsiteY6"/>
+              </a:cxn>
+              <a:cxn ang="0">
+                <a:pos x="connsiteX7" y="connsiteY7"/>
+              </a:cxn>
+              <a:cxn ang="0">
+                <a:pos x="connsiteX8" y="connsiteY8"/>
+              </a:cxn>
+              <a:cxn ang="0">
+                <a:pos x="connsiteX9" y="connsiteY9"/>
+              </a:cxn>
+              <a:cxn ang="0">
+                <a:pos x="connsiteX10" y="connsiteY10"/>
+              </a:cxn>
+              <a:cxn ang="0">
+                <a:pos x="connsiteX11" y="connsiteY11"/>
+              </a:cxn>
+              <a:cxn ang="0">
+                <a:pos x="connsiteX12" y="connsiteY12"/>
+              </a:cxn>
+              <a:cxn ang="0">
+                <a:pos x="connsiteX13" y="connsiteY13"/>
+              </a:cxn>
+              <a:cxn ang="0">
+                <a:pos x="connsiteX14" y="connsiteY14"/>
+              </a:cxn>
+              <a:cxn ang="0">
+                <a:pos x="connsiteX15" y="connsiteY15"/>
+              </a:cxn>
+              <a:cxn ang="0">
+                <a:pos x="connsiteX16" y="connsiteY16"/>
+              </a:cxn>
+              <a:cxn ang="0">
+                <a:pos x="connsiteX17" y="connsiteY17"/>
+              </a:cxn>
+              <a:cxn ang="0">
+                <a:pos x="connsiteX18" y="connsiteY18"/>
+              </a:cxn>
+              <a:cxn ang="0">
+                <a:pos x="connsiteX19" y="connsiteY19"/>
+              </a:cxn>
+              <a:cxn ang="0">
+                <a:pos x="connsiteX20" y="connsiteY20"/>
+              </a:cxn>
+              <a:cxn ang="0">
+                <a:pos x="connsiteX21" y="connsiteY21"/>
+              </a:cxn>
+            </a:cxnLst>
+            <a:rect l="l" t="t" r="r" b="b"/>
+            <a:pathLst>
+              <a:path w="3686759" h="2337292" extrusionOk="0">
+                <a:moveTo>
+                  <a:pt x="0" y="0"/>
+                </a:moveTo>
+                <a:cubicBezTo>
+                  <a:pt x="140009" y="-29981"/>
+                  <a:pt x="290038" y="23499"/>
+                  <a:pt x="489812" y="0"/>
+                </a:cubicBezTo>
+                <a:cubicBezTo>
+                  <a:pt x="689586" y="-23499"/>
+                  <a:pt x="821821" y="33493"/>
+                  <a:pt x="905889" y="0"/>
+                </a:cubicBezTo>
+                <a:cubicBezTo>
+                  <a:pt x="989957" y="-33493"/>
+                  <a:pt x="1214998" y="45895"/>
+                  <a:pt x="1506304" y="0"/>
+                </a:cubicBezTo>
+                <a:cubicBezTo>
+                  <a:pt x="1797611" y="-45895"/>
+                  <a:pt x="1782539" y="51075"/>
+                  <a:pt x="1996117" y="0"/>
+                </a:cubicBezTo>
+                <a:cubicBezTo>
+                  <a:pt x="2209695" y="-51075"/>
+                  <a:pt x="2353573" y="1001"/>
+                  <a:pt x="2485929" y="0"/>
+                </a:cubicBezTo>
+                <a:cubicBezTo>
+                  <a:pt x="2618285" y="-1001"/>
+                  <a:pt x="2919535" y="27717"/>
+                  <a:pt x="3086344" y="0"/>
+                </a:cubicBezTo>
+                <a:cubicBezTo>
+                  <a:pt x="3253154" y="-27717"/>
+                  <a:pt x="3561752" y="52679"/>
+                  <a:pt x="3686759" y="0"/>
+                </a:cubicBezTo>
+                <a:cubicBezTo>
+                  <a:pt x="3742570" y="166612"/>
+                  <a:pt x="3617166" y="390508"/>
+                  <a:pt x="3686759" y="631069"/>
+                </a:cubicBezTo>
+                <a:cubicBezTo>
+                  <a:pt x="3756352" y="871630"/>
+                  <a:pt x="3653998" y="1008872"/>
+                  <a:pt x="3686759" y="1168646"/>
+                </a:cubicBezTo>
+                <a:cubicBezTo>
+                  <a:pt x="3719520" y="1328420"/>
+                  <a:pt x="3625328" y="1527695"/>
+                  <a:pt x="3686759" y="1706223"/>
+                </a:cubicBezTo>
+                <a:cubicBezTo>
+                  <a:pt x="3748190" y="1884751"/>
+                  <a:pt x="3645176" y="2041424"/>
+                  <a:pt x="3686759" y="2337292"/>
+                </a:cubicBezTo>
+                <a:cubicBezTo>
+                  <a:pt x="3520227" y="2348515"/>
+                  <a:pt x="3365635" y="2315084"/>
+                  <a:pt x="3123212" y="2337292"/>
+                </a:cubicBezTo>
+                <a:cubicBezTo>
+                  <a:pt x="2880789" y="2359500"/>
+                  <a:pt x="2644138" y="2323696"/>
+                  <a:pt x="2522797" y="2337292"/>
+                </a:cubicBezTo>
+                <a:cubicBezTo>
+                  <a:pt x="2401457" y="2350888"/>
+                  <a:pt x="2052263" y="2266827"/>
+                  <a:pt x="1922381" y="2337292"/>
+                </a:cubicBezTo>
+                <a:cubicBezTo>
+                  <a:pt x="1792499" y="2407757"/>
+                  <a:pt x="1672333" y="2336449"/>
+                  <a:pt x="1469437" y="2337292"/>
+                </a:cubicBezTo>
+                <a:cubicBezTo>
+                  <a:pt x="1266541" y="2338135"/>
+                  <a:pt x="1107177" y="2333895"/>
+                  <a:pt x="942757" y="2337292"/>
+                </a:cubicBezTo>
+                <a:cubicBezTo>
+                  <a:pt x="778337" y="2340689"/>
+                  <a:pt x="400607" y="2241648"/>
+                  <a:pt x="0" y="2337292"/>
+                </a:cubicBezTo>
+                <a:cubicBezTo>
+                  <a:pt x="-33523" y="2090760"/>
+                  <a:pt x="38868" y="1970384"/>
+                  <a:pt x="0" y="1752969"/>
+                </a:cubicBezTo>
+                <a:cubicBezTo>
+                  <a:pt x="-38868" y="1535554"/>
+                  <a:pt x="42536" y="1385183"/>
+                  <a:pt x="0" y="1215392"/>
+                </a:cubicBezTo>
+                <a:cubicBezTo>
+                  <a:pt x="-42536" y="1045601"/>
+                  <a:pt x="48071" y="798655"/>
+                  <a:pt x="0" y="677815"/>
+                </a:cubicBezTo>
+                <a:cubicBezTo>
+                  <a:pt x="-48071" y="556975"/>
+                  <a:pt x="24603" y="194401"/>
+                  <a:pt x="0" y="0"/>
+                </a:cubicBezTo>
+                <a:close/>
+              </a:path>
+            </a:pathLst>
+          </a:custGeom>
+          <a:noFill/>
+          <a:ln w="12700">
+            <a:solidFill>
+              <a:srgbClr val="7030A0"/>
+            </a:solidFill>
+            <a:extLst>
+              <a:ext uri="{C807C97D-BFC1-408E-A445-0C87EB9F89A2}">
+                <ask:lineSketchStyleProps xmlns:ask="http://schemas.microsoft.com/office/drawing/2018/sketchyshapes" sd="1219033472">
+                  <a:prstGeom prst="rect">
+                    <a:avLst/>
+                  </a:prstGeom>
+                  <ask:type>
+                    <ask:lineSketchScribble/>
+                  </ask:type>
+                </ask:lineSketchStyleProps>
+              </a:ext>
+            </a:extLst>
+          </a:ln>
+        </p:spPr>
+        <p:style>
+          <a:lnRef idx="2">
+            <a:schemeClr val="accent1">
+              <a:shade val="50000"/>
+            </a:schemeClr>
+          </a:lnRef>
+          <a:fillRef idx="1">
+            <a:schemeClr val="accent1"/>
+          </a:fillRef>
+          <a:effectRef idx="0">
+            <a:schemeClr val="accent1"/>
+          </a:effectRef>
+          <a:fontRef idx="minor">
+            <a:schemeClr val="lt1"/>
+          </a:fontRef>
+        </p:style>
+        <p:txBody>
+          <a:bodyPr rtlCol="0" anchor="t"/>
+          <a:lstStyle/>
+          <a:p>
+            <a:pPr algn="ctr"/>
+            <a:r>
+              <a:rPr lang="en-US" sz="1200" dirty="0">
+                <a:solidFill>
+                  <a:srgbClr val="7030A0"/>
+                </a:solidFill>
+              </a:rPr>
+              <a:t>Flink Runtime</a:t>
+            </a:r>
+            <a:endParaRPr sz="1200" dirty="0">
+              <a:solidFill>
+                <a:srgbClr val="7030A0"/>
+              </a:solidFill>
+            </a:endParaRPr>
+          </a:p>
+        </p:txBody>
+      </p:sp>
+      <p:sp>
+        <p:nvSpPr>
+          <p:cNvPr id="38" name="Rounded Rectangle 37">
+            <a:extLst>
+              <a:ext uri="{FF2B5EF4-FFF2-40B4-BE49-F238E27FC236}">
+                <a16:creationId xmlns:a16="http://schemas.microsoft.com/office/drawing/2014/main" id="{A8615493-8BAE-464D-A145-9ED8C6392D20}"/>
+              </a:ext>
+            </a:extLst>
+          </p:cNvPr>
+          <p:cNvSpPr/>
+          <p:nvPr/>
+        </p:nvSpPr>
+        <p:spPr>
+          <a:xfrm>
+            <a:off x="2310587" y="2339413"/>
+            <a:ext cx="2712061" cy="1022288"/>
+          </a:xfrm>
+          <a:prstGeom prst="roundRect">
+            <a:avLst>
+              <a:gd name="adj" fmla="val 6808"/>
+            </a:avLst>
+          </a:prstGeom>
+          <a:solidFill>
+            <a:schemeClr val="accent6">
+              <a:lumMod val="60000"/>
+              <a:lumOff val="40000"/>
+            </a:schemeClr>
+          </a:solidFill>
+          <a:ln>
+            <a:noFill/>
+          </a:ln>
+          <a:effectLst>
+            <a:outerShdw blurRad="50800" dist="38100" dir="5400000" algn="t" rotWithShape="0">
+              <a:prstClr val="black">
+                <a:alpha val="40000"/>
+              </a:prstClr>
+            </a:outerShdw>
+          </a:effectLst>
+        </p:spPr>
+        <p:style>
+          <a:lnRef idx="2">
+            <a:schemeClr val="accent1">
+              <a:shade val="50000"/>
+            </a:schemeClr>
+          </a:lnRef>
+          <a:fillRef idx="1">
+            <a:schemeClr val="accent1"/>
+          </a:fillRef>
+          <a:effectRef idx="0">
+            <a:schemeClr val="accent1"/>
+          </a:effectRef>
+          <a:fontRef idx="minor">
+            <a:schemeClr val="lt1"/>
+          </a:fontRef>
+        </p:style>
+        <p:txBody>
+          <a:bodyPr rtlCol="0" anchor="t"/>
+          <a:lstStyle/>
+          <a:p>
+            <a:pPr algn="ctr"/>
+            <a:r>
+              <a:rPr lang="en-US" sz="1000" dirty="0"/>
+              <a:t>Data Stream </a:t>
+            </a:r>
+          </a:p>
+          <a:p>
+            <a:pPr algn="ctr"/>
+            <a:r>
+              <a:rPr lang="en-US" sz="1000" dirty="0"/>
+              <a:t>Real Time Processing</a:t>
+            </a:r>
+            <a:endParaRPr sz="1000" dirty="0"/>
+          </a:p>
+        </p:txBody>
+      </p:sp>
+      <p:sp>
+        <p:nvSpPr>
+          <p:cNvPr id="44" name="Rounded Rectangle 43">
+            <a:extLst>
+              <a:ext uri="{FF2B5EF4-FFF2-40B4-BE49-F238E27FC236}">
+                <a16:creationId xmlns:a16="http://schemas.microsoft.com/office/drawing/2014/main" id="{A3B3C7A8-0A61-DE4C-BC4A-A637B2833849}"/>
+              </a:ext>
+            </a:extLst>
+          </p:cNvPr>
+          <p:cNvSpPr/>
+          <p:nvPr/>
+        </p:nvSpPr>
+        <p:spPr>
+          <a:xfrm>
+            <a:off x="3124600" y="2937862"/>
+            <a:ext cx="1629418" cy="248222"/>
+          </a:xfrm>
+          <a:prstGeom prst="roundRect">
+            <a:avLst>
+              <a:gd name="adj" fmla="val 6808"/>
+            </a:avLst>
+          </a:prstGeom>
+          <a:solidFill>
+            <a:schemeClr val="accent6">
+              <a:lumMod val="20000"/>
+              <a:lumOff val="80000"/>
+            </a:schemeClr>
+          </a:solidFill>
+          <a:ln>
+            <a:noFill/>
+          </a:ln>
+          <a:effectLst>
+            <a:outerShdw blurRad="50800" dist="38100" dir="5400000" algn="t" rotWithShape="0">
+              <a:prstClr val="black">
+                <a:alpha val="40000"/>
+              </a:prstClr>
+            </a:outerShdw>
+          </a:effectLst>
+        </p:spPr>
+        <p:style>
+          <a:lnRef idx="2">
+            <a:schemeClr val="accent1">
+              <a:shade val="50000"/>
+            </a:schemeClr>
+          </a:lnRef>
+          <a:fillRef idx="1">
+            <a:schemeClr val="accent1"/>
+          </a:fillRef>
+          <a:effectRef idx="0">
+            <a:schemeClr val="accent1"/>
+          </a:effectRef>
+          <a:fontRef idx="minor">
+            <a:schemeClr val="lt1"/>
+          </a:fontRef>
+        </p:style>
+        <p:txBody>
+          <a:bodyPr rtlCol="0" anchor="t"/>
+          <a:lstStyle/>
+          <a:p>
+            <a:pPr algn="ctr"/>
+            <a:r>
+              <a:rPr lang="en-US" sz="1000" dirty="0"/>
+              <a:t>Rule Engine / Rule App</a:t>
+            </a:r>
+            <a:endParaRPr sz="1000" dirty="0"/>
+          </a:p>
+        </p:txBody>
+      </p:sp>
+      <p:grpSp>
+        <p:nvGrpSpPr>
+          <p:cNvPr id="46" name="Group 45">
+            <a:extLst>
+              <a:ext uri="{FF2B5EF4-FFF2-40B4-BE49-F238E27FC236}">
+                <a16:creationId xmlns:a16="http://schemas.microsoft.com/office/drawing/2014/main" id="{2AC4CBAD-1317-6842-95A5-75B096C7E434}"/>
+              </a:ext>
+            </a:extLst>
+          </p:cNvPr>
+          <p:cNvGrpSpPr/>
+          <p:nvPr/>
+        </p:nvGrpSpPr>
+        <p:grpSpPr>
+          <a:xfrm>
+            <a:off x="3786909" y="4893357"/>
+            <a:ext cx="948040" cy="629490"/>
+            <a:chOff x="540471" y="2954563"/>
+            <a:chExt cx="948040" cy="629490"/>
+          </a:xfrm>
+        </p:grpSpPr>
+        <p:sp>
+          <p:nvSpPr>
+            <p:cNvPr id="47" name="Rounded Rectangle">
+              <a:extLst>
+                <a:ext uri="{FF2B5EF4-FFF2-40B4-BE49-F238E27FC236}">
+                  <a16:creationId xmlns:a16="http://schemas.microsoft.com/office/drawing/2014/main" id="{14606055-720C-4047-A0AD-672F9406E69D}"/>
+                </a:ext>
+              </a:extLst>
+            </p:cNvPr>
+            <p:cNvSpPr/>
+            <p:nvPr/>
+          </p:nvSpPr>
+          <p:spPr>
+            <a:xfrm>
+              <a:off x="540471" y="2954563"/>
+              <a:ext cx="186040" cy="629490"/>
+            </a:xfrm>
+            <a:prstGeom prst="roundRect">
+              <a:avLst>
+                <a:gd name="adj" fmla="val 16667"/>
+              </a:avLst>
+            </a:prstGeom>
+            <a:solidFill>
+              <a:srgbClr val="FEFFFE"/>
+            </a:solidFill>
+            <a:ln w="38100" cap="flat">
+              <a:solidFill>
+                <a:srgbClr val="7030A0"/>
+              </a:solidFill>
+              <a:prstDash val="solid"/>
+              <a:round/>
+            </a:ln>
+            <a:effectLst/>
+          </p:spPr>
+          <p:txBody>
+            <a:bodyPr wrap="square" lIns="28575" tIns="28575" rIns="28575" bIns="28575" numCol="1" anchor="ctr">
+              <a:noAutofit/>
+            </a:bodyPr>
+            <a:lstStyle/>
+            <a:p>
+              <a:pPr marL="0" marR="0" lvl="0" indent="0" algn="ctr" defTabSz="1219184" rtl="0" eaLnBrk="1" fontAlgn="auto" latinLnBrk="0" hangingPunct="0">
+                <a:lnSpc>
+                  <a:spcPct val="90000"/>
+                </a:lnSpc>
+                <a:spcBef>
+                  <a:spcPts val="0"/>
+                </a:spcBef>
+                <a:spcAft>
+                  <a:spcPts val="0"/>
+                </a:spcAft>
+                <a:buClrTx/>
+                <a:buSzTx/>
+                <a:buFontTx/>
+                <a:buNone/>
+                <a:tabLst/>
+                <a:defRPr sz="900" b="0">
+                  <a:solidFill>
+                    <a:srgbClr val="002060"/>
+                  </a:solidFill>
+                  <a:latin typeface="IBM Plex Sans"/>
+                  <a:ea typeface="IBM Plex Sans"/>
+                  <a:cs typeface="IBM Plex Sans"/>
+                  <a:sym typeface="IBM Plex Sans"/>
+                </a:defRPr>
+              </a:pPr>
+              <a:r>
+                <a:rPr kumimoji="0" lang="en-US" sz="1400" b="0" i="0" u="none" strike="noStrike" kern="0" cap="none" spc="0" normalizeH="0" baseline="0" noProof="0" dirty="0">
+                  <a:ln>
+                    <a:noFill/>
+                  </a:ln>
+                  <a:solidFill>
+                    <a:srgbClr val="002060"/>
+                  </a:solidFill>
+                  <a:effectLst/>
+                  <a:uLnTx/>
+                  <a:uFillTx/>
+                  <a:latin typeface="IBM Plex Sans"/>
+                  <a:sym typeface="IBM Plex Sans"/>
+                </a:rPr>
+                <a:t>0</a:t>
+              </a:r>
+              <a:endParaRPr kumimoji="0" sz="1400" b="0" i="0" u="none" strike="noStrike" kern="0" cap="none" spc="0" normalizeH="0" baseline="0" noProof="0" dirty="0">
+                <a:ln>
+                  <a:noFill/>
+                </a:ln>
+                <a:solidFill>
+                  <a:srgbClr val="002060"/>
+                </a:solidFill>
+                <a:effectLst/>
+                <a:uLnTx/>
+                <a:uFillTx/>
+                <a:latin typeface="IBM Plex Sans"/>
+                <a:sym typeface="IBM Plex Sans"/>
+              </a:endParaRPr>
+            </a:p>
+          </p:txBody>
+        </p:sp>
+        <p:sp>
+          <p:nvSpPr>
+            <p:cNvPr id="48" name="Rounded Rectangle">
+              <a:extLst>
+                <a:ext uri="{FF2B5EF4-FFF2-40B4-BE49-F238E27FC236}">
+                  <a16:creationId xmlns:a16="http://schemas.microsoft.com/office/drawing/2014/main" id="{C9EF96AA-3AB8-5F4F-A8ED-D80DA57811AE}"/>
+                </a:ext>
+              </a:extLst>
+            </p:cNvPr>
+            <p:cNvSpPr/>
+            <p:nvPr/>
+          </p:nvSpPr>
+          <p:spPr>
+            <a:xfrm>
+              <a:off x="692871" y="2954563"/>
+              <a:ext cx="186040" cy="629490"/>
+            </a:xfrm>
+            <a:prstGeom prst="roundRect">
+              <a:avLst>
+                <a:gd name="adj" fmla="val 16667"/>
+              </a:avLst>
+            </a:prstGeom>
+            <a:solidFill>
+              <a:srgbClr val="FEFFFE"/>
+            </a:solidFill>
+            <a:ln w="38100" cap="flat">
+              <a:solidFill>
+                <a:srgbClr val="7030A0"/>
+              </a:solidFill>
+              <a:prstDash val="solid"/>
+              <a:round/>
+            </a:ln>
+            <a:effectLst/>
+          </p:spPr>
+          <p:txBody>
+            <a:bodyPr wrap="square" lIns="28575" tIns="28575" rIns="28575" bIns="28575" numCol="1" anchor="ctr">
+              <a:noAutofit/>
+            </a:bodyPr>
+            <a:lstStyle/>
+            <a:p>
+              <a:pPr marL="0" marR="0" lvl="0" indent="0" algn="ctr" defTabSz="1219184" rtl="0" eaLnBrk="1" fontAlgn="auto" latinLnBrk="0" hangingPunct="0">
+                <a:lnSpc>
+                  <a:spcPct val="90000"/>
+                </a:lnSpc>
+                <a:spcBef>
+                  <a:spcPts val="0"/>
+                </a:spcBef>
+                <a:spcAft>
+                  <a:spcPts val="0"/>
+                </a:spcAft>
+                <a:buClrTx/>
+                <a:buSzTx/>
+                <a:buFontTx/>
+                <a:buNone/>
+                <a:tabLst/>
+                <a:defRPr sz="900" b="0">
+                  <a:solidFill>
+                    <a:srgbClr val="002060"/>
+                  </a:solidFill>
+                  <a:latin typeface="IBM Plex Sans"/>
+                  <a:ea typeface="IBM Plex Sans"/>
+                  <a:cs typeface="IBM Plex Sans"/>
+                  <a:sym typeface="IBM Plex Sans"/>
+                </a:defRPr>
+              </a:pPr>
+              <a:endParaRPr kumimoji="0" sz="1400" b="0" i="0" u="none" strike="noStrike" kern="0" cap="none" spc="0" normalizeH="0" baseline="0" noProof="0" dirty="0">
+                <a:ln>
+                  <a:noFill/>
+                </a:ln>
+                <a:solidFill>
+                  <a:srgbClr val="002060"/>
+                </a:solidFill>
+                <a:effectLst/>
+                <a:uLnTx/>
+                <a:uFillTx/>
+                <a:latin typeface="IBM Plex Sans"/>
+                <a:sym typeface="IBM Plex Sans"/>
+              </a:endParaRPr>
+            </a:p>
+          </p:txBody>
+        </p:sp>
+        <p:sp>
+          <p:nvSpPr>
+            <p:cNvPr id="49" name="Rounded Rectangle">
+              <a:extLst>
+                <a:ext uri="{FF2B5EF4-FFF2-40B4-BE49-F238E27FC236}">
+                  <a16:creationId xmlns:a16="http://schemas.microsoft.com/office/drawing/2014/main" id="{5988D613-9AB3-DB44-BD3C-B8C99AD776FC}"/>
+                </a:ext>
+              </a:extLst>
+            </p:cNvPr>
+            <p:cNvSpPr/>
+            <p:nvPr/>
+          </p:nvSpPr>
+          <p:spPr>
+            <a:xfrm>
+              <a:off x="845271" y="2954563"/>
+              <a:ext cx="186040" cy="629490"/>
+            </a:xfrm>
+            <a:prstGeom prst="roundRect">
+              <a:avLst>
+                <a:gd name="adj" fmla="val 16667"/>
+              </a:avLst>
+            </a:prstGeom>
+            <a:solidFill>
+              <a:srgbClr val="FEFFFE"/>
+            </a:solidFill>
+            <a:ln w="38100" cap="flat">
+              <a:solidFill>
+                <a:srgbClr val="7030A0"/>
+              </a:solidFill>
+              <a:prstDash val="solid"/>
+              <a:round/>
+            </a:ln>
+            <a:effectLst/>
+          </p:spPr>
+          <p:txBody>
+            <a:bodyPr wrap="square" lIns="28575" tIns="28575" rIns="28575" bIns="28575" numCol="1" anchor="ctr">
+              <a:noAutofit/>
+            </a:bodyPr>
+            <a:lstStyle/>
+            <a:p>
+              <a:pPr marL="0" marR="0" lvl="0" indent="0" algn="ctr" defTabSz="1219184" rtl="0" eaLnBrk="1" fontAlgn="auto" latinLnBrk="0" hangingPunct="0">
+                <a:lnSpc>
+                  <a:spcPct val="90000"/>
+                </a:lnSpc>
+                <a:spcBef>
+                  <a:spcPts val="0"/>
+                </a:spcBef>
+                <a:spcAft>
+                  <a:spcPts val="0"/>
+                </a:spcAft>
+                <a:buClrTx/>
+                <a:buSzTx/>
+                <a:buFontTx/>
+                <a:buNone/>
+                <a:tabLst/>
+                <a:defRPr sz="900" b="0">
+                  <a:solidFill>
+                    <a:srgbClr val="002060"/>
+                  </a:solidFill>
+                  <a:latin typeface="IBM Plex Sans"/>
+                  <a:ea typeface="IBM Plex Sans"/>
+                  <a:cs typeface="IBM Plex Sans"/>
+                  <a:sym typeface="IBM Plex Sans"/>
+                </a:defRPr>
+              </a:pPr>
+              <a:endParaRPr kumimoji="0" sz="1400" i="0" u="none" strike="noStrike" kern="0" cap="none" spc="0" normalizeH="0" baseline="0" noProof="0" dirty="0">
+                <a:ln>
+                  <a:noFill/>
+                </a:ln>
+                <a:solidFill>
+                  <a:srgbClr val="002060"/>
+                </a:solidFill>
+                <a:effectLst/>
+                <a:uLnTx/>
+                <a:uFillTx/>
+                <a:latin typeface="IBM Plex Sans"/>
+                <a:sym typeface="IBM Plex Sans"/>
+              </a:endParaRPr>
+            </a:p>
+          </p:txBody>
+        </p:sp>
+        <p:sp>
+          <p:nvSpPr>
+            <p:cNvPr id="50" name="Rounded Rectangle">
+              <a:extLst>
+                <a:ext uri="{FF2B5EF4-FFF2-40B4-BE49-F238E27FC236}">
+                  <a16:creationId xmlns:a16="http://schemas.microsoft.com/office/drawing/2014/main" id="{EA6C752B-1ED6-914C-9CED-DFA93B109846}"/>
+                </a:ext>
+              </a:extLst>
+            </p:cNvPr>
+            <p:cNvSpPr/>
+            <p:nvPr/>
+          </p:nvSpPr>
+          <p:spPr>
+            <a:xfrm>
+              <a:off x="997671" y="2954563"/>
+              <a:ext cx="186040" cy="629490"/>
+            </a:xfrm>
+            <a:prstGeom prst="roundRect">
+              <a:avLst>
+                <a:gd name="adj" fmla="val 16667"/>
+              </a:avLst>
+            </a:prstGeom>
+            <a:solidFill>
+              <a:srgbClr val="FEFFFE"/>
+            </a:solidFill>
+            <a:ln w="38100" cap="flat">
+              <a:solidFill>
+                <a:srgbClr val="7030A0"/>
+              </a:solidFill>
+              <a:prstDash val="solid"/>
+              <a:round/>
+            </a:ln>
+            <a:effectLst/>
+          </p:spPr>
+          <p:txBody>
+            <a:bodyPr wrap="square" lIns="28575" tIns="28575" rIns="28575" bIns="28575" numCol="1" anchor="ctr">
+              <a:noAutofit/>
+            </a:bodyPr>
+            <a:lstStyle/>
+            <a:p>
+              <a:pPr marL="0" marR="0" lvl="0" indent="0" algn="ctr" defTabSz="1219184" rtl="0" eaLnBrk="1" fontAlgn="auto" latinLnBrk="0" hangingPunct="0">
+                <a:lnSpc>
+                  <a:spcPct val="90000"/>
+                </a:lnSpc>
+                <a:spcBef>
+                  <a:spcPts val="0"/>
+                </a:spcBef>
+                <a:spcAft>
+                  <a:spcPts val="0"/>
+                </a:spcAft>
+                <a:buClrTx/>
+                <a:buSzTx/>
+                <a:buFontTx/>
+                <a:buNone/>
+                <a:tabLst/>
+                <a:defRPr sz="900" b="0">
+                  <a:solidFill>
+                    <a:srgbClr val="002060"/>
+                  </a:solidFill>
+                  <a:latin typeface="IBM Plex Sans"/>
+                  <a:ea typeface="IBM Plex Sans"/>
+                  <a:cs typeface="IBM Plex Sans"/>
+                  <a:sym typeface="IBM Plex Sans"/>
+                </a:defRPr>
+              </a:pPr>
+              <a:endParaRPr kumimoji="0" sz="1400" b="0" i="0" u="none" strike="noStrike" kern="0" cap="none" spc="0" normalizeH="0" baseline="0" noProof="0" dirty="0">
+                <a:ln>
+                  <a:noFill/>
+                </a:ln>
+                <a:solidFill>
+                  <a:srgbClr val="002060"/>
+                </a:solidFill>
+                <a:effectLst/>
+                <a:uLnTx/>
+                <a:uFillTx/>
+                <a:latin typeface="IBM Plex Sans"/>
+                <a:sym typeface="IBM Plex Sans"/>
+              </a:endParaRPr>
+            </a:p>
+          </p:txBody>
+        </p:sp>
+        <p:sp>
+          <p:nvSpPr>
+            <p:cNvPr id="51" name="Rounded Rectangle">
+              <a:extLst>
+                <a:ext uri="{FF2B5EF4-FFF2-40B4-BE49-F238E27FC236}">
+                  <a16:creationId xmlns:a16="http://schemas.microsoft.com/office/drawing/2014/main" id="{5A391FE3-6A0F-D240-9829-950096A6F259}"/>
+                </a:ext>
+              </a:extLst>
+            </p:cNvPr>
+            <p:cNvSpPr/>
+            <p:nvPr/>
+          </p:nvSpPr>
+          <p:spPr>
+            <a:xfrm>
+              <a:off x="1150071" y="2954563"/>
+              <a:ext cx="186040" cy="629490"/>
+            </a:xfrm>
+            <a:prstGeom prst="roundRect">
+              <a:avLst>
+                <a:gd name="adj" fmla="val 16667"/>
+              </a:avLst>
+            </a:prstGeom>
+            <a:solidFill>
+              <a:srgbClr val="FEFFFE"/>
+            </a:solidFill>
+            <a:ln w="38100" cap="flat">
+              <a:solidFill>
+                <a:srgbClr val="7030A0"/>
+              </a:solidFill>
+              <a:prstDash val="solid"/>
+              <a:round/>
+            </a:ln>
+            <a:effectLst/>
+          </p:spPr>
+          <p:txBody>
+            <a:bodyPr wrap="square" lIns="28575" tIns="28575" rIns="28575" bIns="28575" numCol="1" anchor="ctr">
+              <a:noAutofit/>
+            </a:bodyPr>
+            <a:lstStyle/>
+            <a:p>
+              <a:pPr marL="0" marR="0" lvl="0" indent="0" algn="ctr" defTabSz="1219184" rtl="0" eaLnBrk="1" fontAlgn="auto" latinLnBrk="0" hangingPunct="0">
+                <a:lnSpc>
+                  <a:spcPct val="90000"/>
+                </a:lnSpc>
+                <a:spcBef>
+                  <a:spcPts val="0"/>
+                </a:spcBef>
+                <a:spcAft>
+                  <a:spcPts val="0"/>
+                </a:spcAft>
+                <a:buClrTx/>
+                <a:buSzTx/>
+                <a:buFontTx/>
+                <a:buNone/>
+                <a:tabLst/>
+                <a:defRPr sz="900" b="0">
+                  <a:solidFill>
+                    <a:srgbClr val="002060"/>
+                  </a:solidFill>
+                  <a:latin typeface="IBM Plex Sans"/>
+                  <a:ea typeface="IBM Plex Sans"/>
+                  <a:cs typeface="IBM Plex Sans"/>
+                  <a:sym typeface="IBM Plex Sans"/>
+                </a:defRPr>
+              </a:pPr>
+              <a:endParaRPr kumimoji="0" sz="1400" b="0" i="0" u="none" strike="noStrike" kern="0" cap="none" spc="0" normalizeH="0" baseline="0" noProof="0" dirty="0">
+                <a:ln>
+                  <a:noFill/>
+                </a:ln>
+                <a:solidFill>
+                  <a:srgbClr val="002060"/>
+                </a:solidFill>
+                <a:effectLst/>
+                <a:uLnTx/>
+                <a:uFillTx/>
+                <a:latin typeface="IBM Plex Sans"/>
+                <a:sym typeface="IBM Plex Sans"/>
+              </a:endParaRPr>
+            </a:p>
+          </p:txBody>
+        </p:sp>
+        <p:sp>
+          <p:nvSpPr>
+            <p:cNvPr id="52" name="Rounded Rectangle">
+              <a:extLst>
+                <a:ext uri="{FF2B5EF4-FFF2-40B4-BE49-F238E27FC236}">
+                  <a16:creationId xmlns:a16="http://schemas.microsoft.com/office/drawing/2014/main" id="{E3F1DD97-1B09-8D48-934B-D612DA0C62C6}"/>
+                </a:ext>
+              </a:extLst>
+            </p:cNvPr>
+            <p:cNvSpPr/>
+            <p:nvPr/>
+          </p:nvSpPr>
+          <p:spPr>
+            <a:xfrm>
+              <a:off x="1302471" y="2954563"/>
+              <a:ext cx="186040" cy="629490"/>
+            </a:xfrm>
+            <a:prstGeom prst="roundRect">
+              <a:avLst>
+                <a:gd name="adj" fmla="val 16667"/>
+              </a:avLst>
+            </a:prstGeom>
+            <a:solidFill>
+              <a:srgbClr val="FEFFFE"/>
+            </a:solidFill>
+            <a:ln w="38100" cap="flat">
+              <a:solidFill>
+                <a:srgbClr val="7030A0"/>
+              </a:solidFill>
+              <a:prstDash val="solid"/>
+              <a:round/>
+            </a:ln>
+            <a:effectLst/>
+          </p:spPr>
+          <p:txBody>
+            <a:bodyPr wrap="square" lIns="28575" tIns="28575" rIns="28575" bIns="28575" numCol="1" anchor="ctr">
+              <a:noAutofit/>
+            </a:bodyPr>
+            <a:lstStyle/>
+            <a:p>
+              <a:pPr marL="0" marR="0" lvl="0" indent="0" algn="ctr" defTabSz="1219184" rtl="0" eaLnBrk="1" fontAlgn="auto" latinLnBrk="0" hangingPunct="0">
+                <a:lnSpc>
+                  <a:spcPct val="90000"/>
+                </a:lnSpc>
+                <a:spcBef>
+                  <a:spcPts val="0"/>
+                </a:spcBef>
+                <a:spcAft>
+                  <a:spcPts val="0"/>
+                </a:spcAft>
+                <a:buClrTx/>
+                <a:buSzTx/>
+                <a:buFontTx/>
+                <a:buNone/>
+                <a:tabLst/>
+                <a:defRPr sz="900" b="0">
+                  <a:solidFill>
+                    <a:srgbClr val="002060"/>
+                  </a:solidFill>
+                  <a:latin typeface="IBM Plex Sans"/>
+                  <a:ea typeface="IBM Plex Sans"/>
+                  <a:cs typeface="IBM Plex Sans"/>
+                  <a:sym typeface="IBM Plex Sans"/>
+                </a:defRPr>
+              </a:pPr>
+              <a:r>
+                <a:rPr lang="en-US" sz="1400" kern="0" dirty="0">
+                  <a:solidFill>
+                    <a:srgbClr val="002060"/>
+                  </a:solidFill>
+                  <a:latin typeface="IBM Plex Sans"/>
+                  <a:sym typeface="IBM Plex Sans"/>
+                </a:rPr>
+                <a:t>n</a:t>
+              </a:r>
+              <a:endParaRPr kumimoji="0" sz="1400" b="0" i="0" u="none" strike="noStrike" kern="0" cap="none" spc="0" normalizeH="0" baseline="0" noProof="0" dirty="0">
+                <a:ln>
+                  <a:noFill/>
+                </a:ln>
+                <a:solidFill>
+                  <a:srgbClr val="002060"/>
+                </a:solidFill>
+                <a:effectLst/>
+                <a:uLnTx/>
+                <a:uFillTx/>
+                <a:latin typeface="IBM Plex Sans"/>
+                <a:sym typeface="IBM Plex Sans"/>
+              </a:endParaRPr>
+            </a:p>
+          </p:txBody>
+        </p:sp>
+      </p:grpSp>
+      <p:sp>
+        <p:nvSpPr>
+          <p:cNvPr id="53" name="Rectangle 52">
+            <a:extLst>
+              <a:ext uri="{FF2B5EF4-FFF2-40B4-BE49-F238E27FC236}">
+                <a16:creationId xmlns:a16="http://schemas.microsoft.com/office/drawing/2014/main" id="{AE4472BE-C157-B646-8FB6-B35023FC7EEB}"/>
+              </a:ext>
+            </a:extLst>
+          </p:cNvPr>
+          <p:cNvSpPr/>
+          <p:nvPr/>
+        </p:nvSpPr>
+        <p:spPr>
+          <a:xfrm>
+            <a:off x="306098" y="4542124"/>
+            <a:ext cx="7563284" cy="1265971"/>
+          </a:xfrm>
+          <a:custGeom>
+            <a:avLst/>
+            <a:gdLst>
+              <a:gd name="connsiteX0" fmla="*/ 0 w 7563284"/>
+              <a:gd name="connsiteY0" fmla="*/ 0 h 1265971"/>
+              <a:gd name="connsiteX1" fmla="*/ 506158 w 7563284"/>
+              <a:gd name="connsiteY1" fmla="*/ 0 h 1265971"/>
+              <a:gd name="connsiteX2" fmla="*/ 861051 w 7563284"/>
+              <a:gd name="connsiteY2" fmla="*/ 0 h 1265971"/>
+              <a:gd name="connsiteX3" fmla="*/ 1594108 w 7563284"/>
+              <a:gd name="connsiteY3" fmla="*/ 0 h 1265971"/>
+              <a:gd name="connsiteX4" fmla="*/ 2100266 w 7563284"/>
+              <a:gd name="connsiteY4" fmla="*/ 0 h 1265971"/>
+              <a:gd name="connsiteX5" fmla="*/ 2606424 w 7563284"/>
+              <a:gd name="connsiteY5" fmla="*/ 0 h 1265971"/>
+              <a:gd name="connsiteX6" fmla="*/ 3339481 w 7563284"/>
+              <a:gd name="connsiteY6" fmla="*/ 0 h 1265971"/>
+              <a:gd name="connsiteX7" fmla="*/ 3770006 w 7563284"/>
+              <a:gd name="connsiteY7" fmla="*/ 0 h 1265971"/>
+              <a:gd name="connsiteX8" fmla="*/ 4503063 w 7563284"/>
+              <a:gd name="connsiteY8" fmla="*/ 0 h 1265971"/>
+              <a:gd name="connsiteX9" fmla="*/ 5236120 w 7563284"/>
+              <a:gd name="connsiteY9" fmla="*/ 0 h 1265971"/>
+              <a:gd name="connsiteX10" fmla="*/ 5817911 w 7563284"/>
+              <a:gd name="connsiteY10" fmla="*/ 0 h 1265971"/>
+              <a:gd name="connsiteX11" fmla="*/ 6550968 w 7563284"/>
+              <a:gd name="connsiteY11" fmla="*/ 0 h 1265971"/>
+              <a:gd name="connsiteX12" fmla="*/ 7057126 w 7563284"/>
+              <a:gd name="connsiteY12" fmla="*/ 0 h 1265971"/>
+              <a:gd name="connsiteX13" fmla="*/ 7563284 w 7563284"/>
+              <a:gd name="connsiteY13" fmla="*/ 0 h 1265971"/>
+              <a:gd name="connsiteX14" fmla="*/ 7563284 w 7563284"/>
+              <a:gd name="connsiteY14" fmla="*/ 434650 h 1265971"/>
+              <a:gd name="connsiteX15" fmla="*/ 7563284 w 7563284"/>
+              <a:gd name="connsiteY15" fmla="*/ 856640 h 1265971"/>
+              <a:gd name="connsiteX16" fmla="*/ 7563284 w 7563284"/>
+              <a:gd name="connsiteY16" fmla="*/ 1265971 h 1265971"/>
+              <a:gd name="connsiteX17" fmla="*/ 6905860 w 7563284"/>
+              <a:gd name="connsiteY17" fmla="*/ 1265971 h 1265971"/>
+              <a:gd name="connsiteX18" fmla="*/ 6324069 w 7563284"/>
+              <a:gd name="connsiteY18" fmla="*/ 1265971 h 1265971"/>
+              <a:gd name="connsiteX19" fmla="*/ 5969176 w 7563284"/>
+              <a:gd name="connsiteY19" fmla="*/ 1265971 h 1265971"/>
+              <a:gd name="connsiteX20" fmla="*/ 5538651 w 7563284"/>
+              <a:gd name="connsiteY20" fmla="*/ 1265971 h 1265971"/>
+              <a:gd name="connsiteX21" fmla="*/ 4805594 w 7563284"/>
+              <a:gd name="connsiteY21" fmla="*/ 1265971 h 1265971"/>
+              <a:gd name="connsiteX22" fmla="*/ 4223803 w 7563284"/>
+              <a:gd name="connsiteY22" fmla="*/ 1265971 h 1265971"/>
+              <a:gd name="connsiteX23" fmla="*/ 3793278 w 7563284"/>
+              <a:gd name="connsiteY23" fmla="*/ 1265971 h 1265971"/>
+              <a:gd name="connsiteX24" fmla="*/ 3211487 w 7563284"/>
+              <a:gd name="connsiteY24" fmla="*/ 1265971 h 1265971"/>
+              <a:gd name="connsiteX25" fmla="*/ 2856594 w 7563284"/>
+              <a:gd name="connsiteY25" fmla="*/ 1265971 h 1265971"/>
+              <a:gd name="connsiteX26" fmla="*/ 2501702 w 7563284"/>
+              <a:gd name="connsiteY26" fmla="*/ 1265971 h 1265971"/>
+              <a:gd name="connsiteX27" fmla="*/ 1919911 w 7563284"/>
+              <a:gd name="connsiteY27" fmla="*/ 1265971 h 1265971"/>
+              <a:gd name="connsiteX28" fmla="*/ 1489385 w 7563284"/>
+              <a:gd name="connsiteY28" fmla="*/ 1265971 h 1265971"/>
+              <a:gd name="connsiteX29" fmla="*/ 831961 w 7563284"/>
+              <a:gd name="connsiteY29" fmla="*/ 1265971 h 1265971"/>
+              <a:gd name="connsiteX30" fmla="*/ 0 w 7563284"/>
+              <a:gd name="connsiteY30" fmla="*/ 1265971 h 1265971"/>
+              <a:gd name="connsiteX31" fmla="*/ 0 w 7563284"/>
+              <a:gd name="connsiteY31" fmla="*/ 831321 h 1265971"/>
+              <a:gd name="connsiteX32" fmla="*/ 0 w 7563284"/>
+              <a:gd name="connsiteY32" fmla="*/ 396671 h 1265971"/>
+              <a:gd name="connsiteX33" fmla="*/ 0 w 7563284"/>
+              <a:gd name="connsiteY33" fmla="*/ 0 h 1265971"/>
+            </a:gdLst>
+            <a:ahLst/>
+            <a:cxnLst>
+              <a:cxn ang="0">
+                <a:pos x="connsiteX0" y="connsiteY0"/>
+              </a:cxn>
+              <a:cxn ang="0">
+                <a:pos x="connsiteX1" y="connsiteY1"/>
+              </a:cxn>
+              <a:cxn ang="0">
+                <a:pos x="connsiteX2" y="connsiteY2"/>
+              </a:cxn>
+              <a:cxn ang="0">
+                <a:pos x="connsiteX3" y="connsiteY3"/>
+              </a:cxn>
+              <a:cxn ang="0">
+                <a:pos x="connsiteX4" y="connsiteY4"/>
+              </a:cxn>
+              <a:cxn ang="0">
+                <a:pos x="connsiteX5" y="connsiteY5"/>
+              </a:cxn>
+              <a:cxn ang="0">
+                <a:pos x="connsiteX6" y="connsiteY6"/>
+              </a:cxn>
+              <a:cxn ang="0">
+                <a:pos x="connsiteX7" y="connsiteY7"/>
+              </a:cxn>
+              <a:cxn ang="0">
+                <a:pos x="connsiteX8" y="connsiteY8"/>
+              </a:cxn>
+              <a:cxn ang="0">
+                <a:pos x="connsiteX9" y="connsiteY9"/>
+              </a:cxn>
+              <a:cxn ang="0">
+                <a:pos x="connsiteX10" y="connsiteY10"/>
+              </a:cxn>
+              <a:cxn ang="0">
+                <a:pos x="connsiteX11" y="connsiteY11"/>
+              </a:cxn>
+              <a:cxn ang="0">
+                <a:pos x="connsiteX12" y="connsiteY12"/>
+              </a:cxn>
+              <a:cxn ang="0">
+                <a:pos x="connsiteX13" y="connsiteY13"/>
+              </a:cxn>
+              <a:cxn ang="0">
+                <a:pos x="connsiteX14" y="connsiteY14"/>
+              </a:cxn>
+              <a:cxn ang="0">
+                <a:pos x="connsiteX15" y="connsiteY15"/>
+              </a:cxn>
+              <a:cxn ang="0">
+                <a:pos x="connsiteX16" y="connsiteY16"/>
+              </a:cxn>
+              <a:cxn ang="0">
+                <a:pos x="connsiteX17" y="connsiteY17"/>
+              </a:cxn>
+              <a:cxn ang="0">
+                <a:pos x="connsiteX18" y="connsiteY18"/>
+              </a:cxn>
+              <a:cxn ang="0">
+                <a:pos x="connsiteX19" y="connsiteY19"/>
+              </a:cxn>
+              <a:cxn ang="0">
+                <a:pos x="connsiteX20" y="connsiteY20"/>
+              </a:cxn>
+              <a:cxn ang="0">
+                <a:pos x="connsiteX21" y="connsiteY21"/>
+              </a:cxn>
+              <a:cxn ang="0">
+                <a:pos x="connsiteX22" y="connsiteY22"/>
+              </a:cxn>
+              <a:cxn ang="0">
+                <a:pos x="connsiteX23" y="connsiteY23"/>
+              </a:cxn>
+              <a:cxn ang="0">
+                <a:pos x="connsiteX24" y="connsiteY24"/>
+              </a:cxn>
+              <a:cxn ang="0">
+                <a:pos x="connsiteX25" y="connsiteY25"/>
+              </a:cxn>
+              <a:cxn ang="0">
+                <a:pos x="connsiteX26" y="connsiteY26"/>
+              </a:cxn>
+              <a:cxn ang="0">
+                <a:pos x="connsiteX27" y="connsiteY27"/>
+              </a:cxn>
+              <a:cxn ang="0">
+                <a:pos x="connsiteX28" y="connsiteY28"/>
+              </a:cxn>
+              <a:cxn ang="0">
+                <a:pos x="connsiteX29" y="connsiteY29"/>
+              </a:cxn>
+              <a:cxn ang="0">
+                <a:pos x="connsiteX30" y="connsiteY30"/>
+              </a:cxn>
+              <a:cxn ang="0">
+                <a:pos x="connsiteX31" y="connsiteY31"/>
+              </a:cxn>
+              <a:cxn ang="0">
+                <a:pos x="connsiteX32" y="connsiteY32"/>
+              </a:cxn>
+              <a:cxn ang="0">
+                <a:pos x="connsiteX33" y="connsiteY33"/>
+              </a:cxn>
+            </a:cxnLst>
+            <a:rect l="l" t="t" r="r" b="b"/>
+            <a:pathLst>
+              <a:path w="7563284" h="1265971" extrusionOk="0">
+                <a:moveTo>
+                  <a:pt x="0" y="0"/>
+                </a:moveTo>
+                <a:cubicBezTo>
+                  <a:pt x="111574" y="-3011"/>
+                  <a:pt x="350692" y="7990"/>
+                  <a:pt x="506158" y="0"/>
+                </a:cubicBezTo>
+                <a:cubicBezTo>
+                  <a:pt x="661624" y="-7990"/>
+                  <a:pt x="772607" y="2425"/>
+                  <a:pt x="861051" y="0"/>
+                </a:cubicBezTo>
+                <a:cubicBezTo>
+                  <a:pt x="949495" y="-2425"/>
+                  <a:pt x="1313003" y="56165"/>
+                  <a:pt x="1594108" y="0"/>
+                </a:cubicBezTo>
+                <a:cubicBezTo>
+                  <a:pt x="1875213" y="-56165"/>
+                  <a:pt x="1955414" y="60495"/>
+                  <a:pt x="2100266" y="0"/>
+                </a:cubicBezTo>
+                <a:cubicBezTo>
+                  <a:pt x="2245118" y="-60495"/>
+                  <a:pt x="2398527" y="54690"/>
+                  <a:pt x="2606424" y="0"/>
+                </a:cubicBezTo>
+                <a:cubicBezTo>
+                  <a:pt x="2814321" y="-54690"/>
+                  <a:pt x="3165963" y="18756"/>
+                  <a:pt x="3339481" y="0"/>
+                </a:cubicBezTo>
+                <a:cubicBezTo>
+                  <a:pt x="3512999" y="-18756"/>
+                  <a:pt x="3630921" y="33915"/>
+                  <a:pt x="3770006" y="0"/>
+                </a:cubicBezTo>
+                <a:cubicBezTo>
+                  <a:pt x="3909092" y="-33915"/>
+                  <a:pt x="4207631" y="68258"/>
+                  <a:pt x="4503063" y="0"/>
+                </a:cubicBezTo>
+                <a:cubicBezTo>
+                  <a:pt x="4798495" y="-68258"/>
+                  <a:pt x="5084980" y="36557"/>
+                  <a:pt x="5236120" y="0"/>
+                </a:cubicBezTo>
+                <a:cubicBezTo>
+                  <a:pt x="5387260" y="-36557"/>
+                  <a:pt x="5650789" y="15632"/>
+                  <a:pt x="5817911" y="0"/>
+                </a:cubicBezTo>
+                <a:cubicBezTo>
+                  <a:pt x="5985033" y="-15632"/>
+                  <a:pt x="6348671" y="86688"/>
+                  <a:pt x="6550968" y="0"/>
+                </a:cubicBezTo>
+                <a:cubicBezTo>
+                  <a:pt x="6753265" y="-86688"/>
+                  <a:pt x="6894942" y="23405"/>
+                  <a:pt x="7057126" y="0"/>
+                </a:cubicBezTo>
+                <a:cubicBezTo>
+                  <a:pt x="7219310" y="-23405"/>
+                  <a:pt x="7404999" y="20399"/>
+                  <a:pt x="7563284" y="0"/>
+                </a:cubicBezTo>
+                <a:cubicBezTo>
+                  <a:pt x="7567775" y="136439"/>
+                  <a:pt x="7519329" y="244865"/>
+                  <a:pt x="7563284" y="434650"/>
+                </a:cubicBezTo>
+                <a:cubicBezTo>
+                  <a:pt x="7607239" y="624435"/>
+                  <a:pt x="7556227" y="737524"/>
+                  <a:pt x="7563284" y="856640"/>
+                </a:cubicBezTo>
+                <a:cubicBezTo>
+                  <a:pt x="7570341" y="975756"/>
+                  <a:pt x="7518229" y="1169900"/>
+                  <a:pt x="7563284" y="1265971"/>
+                </a:cubicBezTo>
+                <a:cubicBezTo>
+                  <a:pt x="7239490" y="1296134"/>
+                  <a:pt x="7117174" y="1243584"/>
+                  <a:pt x="6905860" y="1265971"/>
+                </a:cubicBezTo>
+                <a:cubicBezTo>
+                  <a:pt x="6694546" y="1288358"/>
+                  <a:pt x="6597911" y="1246305"/>
+                  <a:pt x="6324069" y="1265971"/>
+                </a:cubicBezTo>
+                <a:cubicBezTo>
+                  <a:pt x="6050227" y="1285637"/>
+                  <a:pt x="6115608" y="1265847"/>
+                  <a:pt x="5969176" y="1265971"/>
+                </a:cubicBezTo>
+                <a:cubicBezTo>
+                  <a:pt x="5822744" y="1266095"/>
+                  <a:pt x="5732800" y="1242777"/>
+                  <a:pt x="5538651" y="1265971"/>
+                </a:cubicBezTo>
+                <a:cubicBezTo>
+                  <a:pt x="5344502" y="1289165"/>
+                  <a:pt x="5141891" y="1214761"/>
+                  <a:pt x="4805594" y="1265971"/>
+                </a:cubicBezTo>
+                <a:cubicBezTo>
+                  <a:pt x="4469297" y="1317181"/>
+                  <a:pt x="4387993" y="1248699"/>
+                  <a:pt x="4223803" y="1265971"/>
+                </a:cubicBezTo>
+                <a:cubicBezTo>
+                  <a:pt x="4059613" y="1283243"/>
+                  <a:pt x="3918153" y="1223962"/>
+                  <a:pt x="3793278" y="1265971"/>
+                </a:cubicBezTo>
+                <a:cubicBezTo>
+                  <a:pt x="3668403" y="1307980"/>
+                  <a:pt x="3488159" y="1250100"/>
+                  <a:pt x="3211487" y="1265971"/>
+                </a:cubicBezTo>
+                <a:cubicBezTo>
+                  <a:pt x="2934815" y="1281842"/>
+                  <a:pt x="2938761" y="1259987"/>
+                  <a:pt x="2856594" y="1265971"/>
+                </a:cubicBezTo>
+                <a:cubicBezTo>
+                  <a:pt x="2774427" y="1271955"/>
+                  <a:pt x="2605832" y="1252791"/>
+                  <a:pt x="2501702" y="1265971"/>
+                </a:cubicBezTo>
+                <a:cubicBezTo>
+                  <a:pt x="2397572" y="1279151"/>
+                  <a:pt x="2184949" y="1242291"/>
+                  <a:pt x="1919911" y="1265971"/>
+                </a:cubicBezTo>
+                <a:cubicBezTo>
+                  <a:pt x="1654873" y="1289651"/>
+                  <a:pt x="1665892" y="1218414"/>
+                  <a:pt x="1489385" y="1265971"/>
+                </a:cubicBezTo>
+                <a:cubicBezTo>
+                  <a:pt x="1312878" y="1313528"/>
+                  <a:pt x="1004776" y="1195937"/>
+                  <a:pt x="831961" y="1265971"/>
+                </a:cubicBezTo>
+                <a:cubicBezTo>
+                  <a:pt x="659146" y="1336005"/>
+                  <a:pt x="389831" y="1181934"/>
+                  <a:pt x="0" y="1265971"/>
+                </a:cubicBezTo>
+                <a:cubicBezTo>
+                  <a:pt x="-19104" y="1121818"/>
+                  <a:pt x="7143" y="1003664"/>
+                  <a:pt x="0" y="831321"/>
+                </a:cubicBezTo>
+                <a:cubicBezTo>
+                  <a:pt x="-7143" y="658978"/>
+                  <a:pt x="51082" y="562648"/>
+                  <a:pt x="0" y="396671"/>
+                </a:cubicBezTo>
+                <a:cubicBezTo>
+                  <a:pt x="-51082" y="230694"/>
+                  <a:pt x="37113" y="180851"/>
+                  <a:pt x="0" y="0"/>
+                </a:cubicBezTo>
+                <a:close/>
+              </a:path>
+            </a:pathLst>
+          </a:custGeom>
+          <a:noFill/>
+          <a:ln w="12700">
+            <a:solidFill>
+              <a:srgbClr val="0000FF"/>
+            </a:solidFill>
+            <a:extLst>
+              <a:ext uri="{C807C97D-BFC1-408E-A445-0C87EB9F89A2}">
+                <ask:lineSketchStyleProps xmlns:ask="http://schemas.microsoft.com/office/drawing/2018/sketchyshapes" sd="1219033472">
+                  <a:prstGeom prst="rect">
+                    <a:avLst/>
+                  </a:prstGeom>
+                  <ask:type>
+                    <ask:lineSketchScribble/>
+                  </ask:type>
+                </ask:lineSketchStyleProps>
+              </a:ext>
+            </a:extLst>
+          </a:ln>
+        </p:spPr>
+        <p:style>
+          <a:lnRef idx="2">
+            <a:schemeClr val="accent1">
+              <a:shade val="50000"/>
+            </a:schemeClr>
+          </a:lnRef>
+          <a:fillRef idx="1">
+            <a:schemeClr val="accent1"/>
+          </a:fillRef>
+          <a:effectRef idx="0">
+            <a:schemeClr val="accent1"/>
+          </a:effectRef>
+          <a:fontRef idx="minor">
+            <a:schemeClr val="lt1"/>
+          </a:fontRef>
+        </p:style>
+        <p:txBody>
+          <a:bodyPr rtlCol="0" anchor="b"/>
+          <a:lstStyle/>
+          <a:p>
+            <a:pPr algn="ctr"/>
+            <a:r>
+              <a:rPr lang="en-US" sz="1200" dirty="0">
+                <a:solidFill>
+                  <a:srgbClr val="7030A0"/>
+                </a:solidFill>
+              </a:rPr>
+              <a:t>Kafka Runtime</a:t>
+            </a:r>
+            <a:endParaRPr sz="1200" dirty="0">
+              <a:solidFill>
+                <a:srgbClr val="7030A0"/>
+              </a:solidFill>
+            </a:endParaRPr>
+          </a:p>
+        </p:txBody>
+      </p:sp>
+      <p:cxnSp>
+        <p:nvCxnSpPr>
+          <p:cNvPr id="56" name="Straight Arrow Connector 37">
+            <a:extLst>
+              <a:ext uri="{FF2B5EF4-FFF2-40B4-BE49-F238E27FC236}">
+                <a16:creationId xmlns:a16="http://schemas.microsoft.com/office/drawing/2014/main" id="{787553B0-10A1-E140-AD9F-1153DDCFDD2C}"/>
+              </a:ext>
+            </a:extLst>
+          </p:cNvPr>
+          <p:cNvCxnSpPr>
+            <a:cxnSpLocks/>
+            <a:stCxn id="38" idx="2"/>
+            <a:endCxn id="52" idx="0"/>
+          </p:cNvCxnSpPr>
+          <p:nvPr/>
+        </p:nvCxnSpPr>
+        <p:spPr>
+          <a:xfrm rot="16200000" flipH="1">
+            <a:off x="3388445" y="3639873"/>
+            <a:ext cx="1531656" cy="975311"/>
+          </a:xfrm>
+          <a:prstGeom prst="curvedConnector3">
+            <a:avLst>
+              <a:gd name="adj1" fmla="val 50000"/>
+            </a:avLst>
+          </a:prstGeom>
+          <a:ln>
+            <a:solidFill>
+              <a:srgbClr val="0000FF"/>
+            </a:solidFill>
+            <a:prstDash val="dash"/>
+            <a:tailEnd type="triangle"/>
+          </a:ln>
+        </p:spPr>
+        <p:style>
+          <a:lnRef idx="1">
+            <a:schemeClr val="accent1"/>
+          </a:lnRef>
+          <a:fillRef idx="0">
+            <a:schemeClr val="accent1"/>
+          </a:fillRef>
+          <a:effectRef idx="0">
+            <a:schemeClr val="accent1"/>
+          </a:effectRef>
+          <a:fontRef idx="minor">
+            <a:schemeClr val="tx1"/>
+          </a:fontRef>
+        </p:style>
+      </p:cxnSp>
+      <p:sp>
+        <p:nvSpPr>
+          <p:cNvPr id="60" name="Rectangle 59">
+            <a:extLst>
+              <a:ext uri="{FF2B5EF4-FFF2-40B4-BE49-F238E27FC236}">
+                <a16:creationId xmlns:a16="http://schemas.microsoft.com/office/drawing/2014/main" id="{E7412588-FA2F-3C40-B1D5-E6A6BCA4FC87}"/>
+              </a:ext>
+            </a:extLst>
+          </p:cNvPr>
+          <p:cNvSpPr/>
+          <p:nvPr/>
+        </p:nvSpPr>
+        <p:spPr>
+          <a:xfrm>
+            <a:off x="6277109" y="1986227"/>
+            <a:ext cx="2942691" cy="1265971"/>
+          </a:xfrm>
+          <a:custGeom>
+            <a:avLst/>
+            <a:gdLst>
+              <a:gd name="connsiteX0" fmla="*/ 0 w 2942691"/>
+              <a:gd name="connsiteY0" fmla="*/ 0 h 1265971"/>
+              <a:gd name="connsiteX1" fmla="*/ 559111 w 2942691"/>
+              <a:gd name="connsiteY1" fmla="*/ 0 h 1265971"/>
+              <a:gd name="connsiteX2" fmla="*/ 1059369 w 2942691"/>
+              <a:gd name="connsiteY2" fmla="*/ 0 h 1265971"/>
+              <a:gd name="connsiteX3" fmla="*/ 1706761 w 2942691"/>
+              <a:gd name="connsiteY3" fmla="*/ 0 h 1265971"/>
+              <a:gd name="connsiteX4" fmla="*/ 2265872 w 2942691"/>
+              <a:gd name="connsiteY4" fmla="*/ 0 h 1265971"/>
+              <a:gd name="connsiteX5" fmla="*/ 2942691 w 2942691"/>
+              <a:gd name="connsiteY5" fmla="*/ 0 h 1265971"/>
+              <a:gd name="connsiteX6" fmla="*/ 2942691 w 2942691"/>
+              <a:gd name="connsiteY6" fmla="*/ 447310 h 1265971"/>
+              <a:gd name="connsiteX7" fmla="*/ 2942691 w 2942691"/>
+              <a:gd name="connsiteY7" fmla="*/ 869300 h 1265971"/>
+              <a:gd name="connsiteX8" fmla="*/ 2942691 w 2942691"/>
+              <a:gd name="connsiteY8" fmla="*/ 1265971 h 1265971"/>
+              <a:gd name="connsiteX9" fmla="*/ 2413007 w 2942691"/>
+              <a:gd name="connsiteY9" fmla="*/ 1265971 h 1265971"/>
+              <a:gd name="connsiteX10" fmla="*/ 1824468 w 2942691"/>
+              <a:gd name="connsiteY10" fmla="*/ 1265971 h 1265971"/>
+              <a:gd name="connsiteX11" fmla="*/ 1235930 w 2942691"/>
+              <a:gd name="connsiteY11" fmla="*/ 1265971 h 1265971"/>
+              <a:gd name="connsiteX12" fmla="*/ 676819 w 2942691"/>
+              <a:gd name="connsiteY12" fmla="*/ 1265971 h 1265971"/>
+              <a:gd name="connsiteX13" fmla="*/ 0 w 2942691"/>
+              <a:gd name="connsiteY13" fmla="*/ 1265971 h 1265971"/>
+              <a:gd name="connsiteX14" fmla="*/ 0 w 2942691"/>
+              <a:gd name="connsiteY14" fmla="*/ 818661 h 1265971"/>
+              <a:gd name="connsiteX15" fmla="*/ 0 w 2942691"/>
+              <a:gd name="connsiteY15" fmla="*/ 371351 h 1265971"/>
+              <a:gd name="connsiteX16" fmla="*/ 0 w 2942691"/>
+              <a:gd name="connsiteY16" fmla="*/ 0 h 1265971"/>
+            </a:gdLst>
+            <a:ahLst/>
+            <a:cxnLst>
+              <a:cxn ang="0">
+                <a:pos x="connsiteX0" y="connsiteY0"/>
+              </a:cxn>
+              <a:cxn ang="0">
+                <a:pos x="connsiteX1" y="connsiteY1"/>
+              </a:cxn>
+              <a:cxn ang="0">
+                <a:pos x="connsiteX2" y="connsiteY2"/>
+              </a:cxn>
+              <a:cxn ang="0">
+                <a:pos x="connsiteX3" y="connsiteY3"/>
+              </a:cxn>
+              <a:cxn ang="0">
+                <a:pos x="connsiteX4" y="connsiteY4"/>
+              </a:cxn>
+              <a:cxn ang="0">
+                <a:pos x="connsiteX5" y="connsiteY5"/>
+              </a:cxn>
+              <a:cxn ang="0">
+                <a:pos x="connsiteX6" y="connsiteY6"/>
+              </a:cxn>
+              <a:cxn ang="0">
+                <a:pos x="connsiteX7" y="connsiteY7"/>
+              </a:cxn>
+              <a:cxn ang="0">
+                <a:pos x="connsiteX8" y="connsiteY8"/>
+              </a:cxn>
+              <a:cxn ang="0">
+                <a:pos x="connsiteX9" y="connsiteY9"/>
+              </a:cxn>
+              <a:cxn ang="0">
+                <a:pos x="connsiteX10" y="connsiteY10"/>
+              </a:cxn>
+              <a:cxn ang="0">
+                <a:pos x="connsiteX11" y="connsiteY11"/>
+              </a:cxn>
+              <a:cxn ang="0">
+                <a:pos x="connsiteX12" y="connsiteY12"/>
+              </a:cxn>
+              <a:cxn ang="0">
+                <a:pos x="connsiteX13" y="connsiteY13"/>
+              </a:cxn>
+              <a:cxn ang="0">
+                <a:pos x="connsiteX14" y="connsiteY14"/>
+              </a:cxn>
+              <a:cxn ang="0">
+                <a:pos x="connsiteX15" y="connsiteY15"/>
+              </a:cxn>
+              <a:cxn ang="0">
+                <a:pos x="connsiteX16" y="connsiteY16"/>
+              </a:cxn>
+            </a:cxnLst>
+            <a:rect l="l" t="t" r="r" b="b"/>
+            <a:pathLst>
+              <a:path w="2942691" h="1265971" extrusionOk="0">
+                <a:moveTo>
+                  <a:pt x="0" y="0"/>
+                </a:moveTo>
+                <a:cubicBezTo>
+                  <a:pt x="252744" y="-1772"/>
+                  <a:pt x="325041" y="48224"/>
+                  <a:pt x="559111" y="0"/>
+                </a:cubicBezTo>
+                <a:cubicBezTo>
+                  <a:pt x="793181" y="-48224"/>
+                  <a:pt x="950746" y="26306"/>
+                  <a:pt x="1059369" y="0"/>
+                </a:cubicBezTo>
+                <a:cubicBezTo>
+                  <a:pt x="1167992" y="-26306"/>
+                  <a:pt x="1461678" y="36773"/>
+                  <a:pt x="1706761" y="0"/>
+                </a:cubicBezTo>
+                <a:cubicBezTo>
+                  <a:pt x="1951844" y="-36773"/>
+                  <a:pt x="2031444" y="21975"/>
+                  <a:pt x="2265872" y="0"/>
+                </a:cubicBezTo>
+                <a:cubicBezTo>
+                  <a:pt x="2500300" y="-21975"/>
+                  <a:pt x="2656901" y="64517"/>
+                  <a:pt x="2942691" y="0"/>
+                </a:cubicBezTo>
+                <a:cubicBezTo>
+                  <a:pt x="2995665" y="95182"/>
+                  <a:pt x="2921190" y="277144"/>
+                  <a:pt x="2942691" y="447310"/>
+                </a:cubicBezTo>
+                <a:cubicBezTo>
+                  <a:pt x="2964192" y="617476"/>
+                  <a:pt x="2922036" y="696448"/>
+                  <a:pt x="2942691" y="869300"/>
+                </a:cubicBezTo>
+                <a:cubicBezTo>
+                  <a:pt x="2963346" y="1042152"/>
+                  <a:pt x="2932717" y="1098583"/>
+                  <a:pt x="2942691" y="1265971"/>
+                </a:cubicBezTo>
+                <a:cubicBezTo>
+                  <a:pt x="2719196" y="1295420"/>
+                  <a:pt x="2531096" y="1216590"/>
+                  <a:pt x="2413007" y="1265971"/>
+                </a:cubicBezTo>
+                <a:cubicBezTo>
+                  <a:pt x="2294918" y="1315352"/>
+                  <a:pt x="1988957" y="1251600"/>
+                  <a:pt x="1824468" y="1265971"/>
+                </a:cubicBezTo>
+                <a:cubicBezTo>
+                  <a:pt x="1659979" y="1280342"/>
+                  <a:pt x="1436426" y="1210010"/>
+                  <a:pt x="1235930" y="1265971"/>
+                </a:cubicBezTo>
+                <a:cubicBezTo>
+                  <a:pt x="1035434" y="1321932"/>
+                  <a:pt x="851996" y="1246224"/>
+                  <a:pt x="676819" y="1265971"/>
+                </a:cubicBezTo>
+                <a:cubicBezTo>
+                  <a:pt x="501642" y="1285718"/>
+                  <a:pt x="247430" y="1254844"/>
+                  <a:pt x="0" y="1265971"/>
+                </a:cubicBezTo>
+                <a:cubicBezTo>
+                  <a:pt x="-36993" y="1089408"/>
+                  <a:pt x="35054" y="920535"/>
+                  <a:pt x="0" y="818661"/>
+                </a:cubicBezTo>
+                <a:cubicBezTo>
+                  <a:pt x="-35054" y="716787"/>
+                  <a:pt x="38784" y="565503"/>
+                  <a:pt x="0" y="371351"/>
+                </a:cubicBezTo>
+                <a:cubicBezTo>
+                  <a:pt x="-38784" y="177199"/>
+                  <a:pt x="34711" y="75890"/>
+                  <a:pt x="0" y="0"/>
+                </a:cubicBezTo>
+                <a:close/>
+              </a:path>
+            </a:pathLst>
+          </a:custGeom>
+          <a:noFill/>
+          <a:ln w="12700">
+            <a:solidFill>
+              <a:srgbClr val="7030A0"/>
+            </a:solidFill>
+            <a:extLst>
+              <a:ext uri="{C807C97D-BFC1-408E-A445-0C87EB9F89A2}">
+                <ask:lineSketchStyleProps xmlns:ask="http://schemas.microsoft.com/office/drawing/2018/sketchyshapes" sd="1219033472">
+                  <a:prstGeom prst="rect">
+                    <a:avLst/>
+                  </a:prstGeom>
+                  <ask:type>
+                    <ask:lineSketchScribble/>
+                  </ask:type>
+                </ask:lineSketchStyleProps>
+              </a:ext>
+            </a:extLst>
+          </a:ln>
+        </p:spPr>
+        <p:style>
+          <a:lnRef idx="2">
+            <a:schemeClr val="accent1">
+              <a:shade val="50000"/>
+            </a:schemeClr>
+          </a:lnRef>
+          <a:fillRef idx="1">
+            <a:schemeClr val="accent1"/>
+          </a:fillRef>
+          <a:effectRef idx="0">
+            <a:schemeClr val="accent1"/>
+          </a:effectRef>
+          <a:fontRef idx="minor">
+            <a:schemeClr val="lt1"/>
+          </a:fontRef>
+        </p:style>
+        <p:txBody>
+          <a:bodyPr rtlCol="0" anchor="t"/>
+          <a:lstStyle/>
+          <a:p>
+            <a:pPr algn="ctr"/>
+            <a:r>
+              <a:rPr lang="en-US" sz="1200" dirty="0">
+                <a:solidFill>
+                  <a:srgbClr val="7030A0"/>
+                </a:solidFill>
+              </a:rPr>
+              <a:t>Decision Service Runtime</a:t>
+            </a:r>
+            <a:endParaRPr sz="1200" dirty="0">
+              <a:solidFill>
+                <a:srgbClr val="7030A0"/>
+              </a:solidFill>
+            </a:endParaRPr>
+          </a:p>
+        </p:txBody>
+      </p:sp>
+      <p:sp>
+        <p:nvSpPr>
+          <p:cNvPr id="62" name="Rounded Rectangle 61">
+            <a:extLst>
+              <a:ext uri="{FF2B5EF4-FFF2-40B4-BE49-F238E27FC236}">
+                <a16:creationId xmlns:a16="http://schemas.microsoft.com/office/drawing/2014/main" id="{98E643A1-E8C9-9440-9C53-2E638F45CECA}"/>
+              </a:ext>
+            </a:extLst>
+          </p:cNvPr>
+          <p:cNvSpPr/>
+          <p:nvPr/>
+        </p:nvSpPr>
+        <p:spPr>
+          <a:xfrm>
+            <a:off x="8105395" y="4104989"/>
+            <a:ext cx="1037818" cy="342900"/>
+          </a:xfrm>
+          <a:prstGeom prst="roundRect">
+            <a:avLst>
+              <a:gd name="adj" fmla="val 6808"/>
+            </a:avLst>
+          </a:prstGeom>
+          <a:solidFill>
+            <a:schemeClr val="accent3">
+              <a:lumMod val="65000"/>
+            </a:schemeClr>
+          </a:solidFill>
+          <a:ln>
+            <a:noFill/>
+          </a:ln>
+          <a:effectLst>
+            <a:outerShdw blurRad="50800" dist="38100" dir="5400000" algn="t" rotWithShape="0">
+              <a:prstClr val="black">
+                <a:alpha val="40000"/>
+              </a:prstClr>
+            </a:outerShdw>
+          </a:effectLst>
+        </p:spPr>
+        <p:style>
+          <a:lnRef idx="2">
+            <a:schemeClr val="accent1">
+              <a:shade val="50000"/>
+            </a:schemeClr>
+          </a:lnRef>
+          <a:fillRef idx="1">
+            <a:schemeClr val="accent1"/>
+          </a:fillRef>
+          <a:effectRef idx="0">
+            <a:schemeClr val="accent1"/>
+          </a:effectRef>
+          <a:fontRef idx="minor">
+            <a:schemeClr val="lt1"/>
+          </a:fontRef>
+        </p:style>
+        <p:txBody>
+          <a:bodyPr rtlCol="0" anchor="t"/>
+          <a:lstStyle/>
+          <a:p>
+            <a:pPr algn="ctr"/>
+            <a:r>
+              <a:rPr lang="en-US" sz="1000" dirty="0"/>
+              <a:t>Entity Service</a:t>
+            </a:r>
+            <a:endParaRPr sz="1000" dirty="0"/>
+          </a:p>
+        </p:txBody>
+      </p:sp>
+      <p:sp>
+        <p:nvSpPr>
+          <p:cNvPr id="65" name="Rounded Rectangle 64">
+            <a:extLst>
+              <a:ext uri="{FF2B5EF4-FFF2-40B4-BE49-F238E27FC236}">
+                <a16:creationId xmlns:a16="http://schemas.microsoft.com/office/drawing/2014/main" id="{AF4EBE46-AA94-4946-A3AA-9EC4930ECD9C}"/>
+              </a:ext>
+            </a:extLst>
+          </p:cNvPr>
+          <p:cNvSpPr/>
+          <p:nvPr/>
+        </p:nvSpPr>
+        <p:spPr>
+          <a:xfrm>
+            <a:off x="6856397" y="2793795"/>
+            <a:ext cx="1629418" cy="248222"/>
+          </a:xfrm>
+          <a:prstGeom prst="roundRect">
+            <a:avLst>
+              <a:gd name="adj" fmla="val 6808"/>
+            </a:avLst>
+          </a:prstGeom>
+          <a:solidFill>
+            <a:schemeClr val="accent6">
+              <a:lumMod val="60000"/>
+              <a:lumOff val="40000"/>
+            </a:schemeClr>
+          </a:solidFill>
+          <a:ln>
+            <a:noFill/>
+          </a:ln>
+          <a:effectLst>
+            <a:outerShdw blurRad="50800" dist="38100" dir="5400000" algn="t" rotWithShape="0">
+              <a:prstClr val="black">
+                <a:alpha val="40000"/>
+              </a:prstClr>
+            </a:outerShdw>
+          </a:effectLst>
+        </p:spPr>
+        <p:style>
+          <a:lnRef idx="2">
+            <a:schemeClr val="accent1">
+              <a:shade val="50000"/>
+            </a:schemeClr>
+          </a:lnRef>
+          <a:fillRef idx="1">
+            <a:schemeClr val="accent1"/>
+          </a:fillRef>
+          <a:effectRef idx="0">
+            <a:schemeClr val="accent1"/>
+          </a:effectRef>
+          <a:fontRef idx="minor">
+            <a:schemeClr val="lt1"/>
+          </a:fontRef>
+        </p:style>
+        <p:txBody>
+          <a:bodyPr rtlCol="0" anchor="t"/>
+          <a:lstStyle/>
+          <a:p>
+            <a:pPr algn="ctr"/>
+            <a:r>
+              <a:rPr lang="en-US" sz="1000" dirty="0"/>
+              <a:t>Rule Engine / Rule App</a:t>
+            </a:r>
+            <a:endParaRPr sz="1000" dirty="0"/>
+          </a:p>
+        </p:txBody>
+      </p:sp>
+      <p:cxnSp>
+        <p:nvCxnSpPr>
+          <p:cNvPr id="66" name="Straight Arrow Connector 37">
+            <a:extLst>
+              <a:ext uri="{FF2B5EF4-FFF2-40B4-BE49-F238E27FC236}">
+                <a16:creationId xmlns:a16="http://schemas.microsoft.com/office/drawing/2014/main" id="{4AD8A9E9-5707-B74D-860A-92E866D837D0}"/>
+              </a:ext>
+            </a:extLst>
+          </p:cNvPr>
+          <p:cNvCxnSpPr>
+            <a:cxnSpLocks/>
+            <a:stCxn id="50" idx="0"/>
+            <a:endCxn id="62" idx="1"/>
+          </p:cNvCxnSpPr>
+          <p:nvPr/>
+        </p:nvCxnSpPr>
+        <p:spPr>
+          <a:xfrm rot="5400000" flipH="1" flipV="1">
+            <a:off x="5912803" y="2700765"/>
+            <a:ext cx="616918" cy="3768266"/>
+          </a:xfrm>
+          <a:prstGeom prst="curvedConnector2">
+            <a:avLst/>
+          </a:prstGeom>
+          <a:ln>
+            <a:solidFill>
+              <a:srgbClr val="0000FF"/>
+            </a:solidFill>
+            <a:prstDash val="dash"/>
+            <a:tailEnd type="triangle"/>
+          </a:ln>
+        </p:spPr>
+        <p:style>
+          <a:lnRef idx="1">
+            <a:schemeClr val="accent1"/>
+          </a:lnRef>
+          <a:fillRef idx="0">
+            <a:schemeClr val="accent1"/>
+          </a:fillRef>
+          <a:effectRef idx="0">
+            <a:schemeClr val="accent1"/>
+          </a:effectRef>
+          <a:fontRef idx="minor">
+            <a:schemeClr val="tx1"/>
+          </a:fontRef>
+        </p:style>
+      </p:cxnSp>
+      <p:cxnSp>
+        <p:nvCxnSpPr>
+          <p:cNvPr id="69" name="Straight Arrow Connector 37">
+            <a:extLst>
+              <a:ext uri="{FF2B5EF4-FFF2-40B4-BE49-F238E27FC236}">
+                <a16:creationId xmlns:a16="http://schemas.microsoft.com/office/drawing/2014/main" id="{A39D74C5-B534-F14C-8CA9-7C0D1A726EDD}"/>
+              </a:ext>
+            </a:extLst>
+          </p:cNvPr>
+          <p:cNvCxnSpPr>
+            <a:cxnSpLocks/>
+            <a:stCxn id="62" idx="0"/>
+            <a:endCxn id="65" idx="2"/>
+          </p:cNvCxnSpPr>
+          <p:nvPr/>
+        </p:nvCxnSpPr>
+        <p:spPr>
+          <a:xfrm rot="16200000" flipV="1">
+            <a:off x="7616219" y="3096904"/>
+            <a:ext cx="1062972" cy="953198"/>
+          </a:xfrm>
+          <a:prstGeom prst="curvedConnector3">
+            <a:avLst>
+              <a:gd name="adj1" fmla="val 50000"/>
+            </a:avLst>
+          </a:prstGeom>
+          <a:ln>
+            <a:solidFill>
+              <a:srgbClr val="7030A0"/>
+            </a:solidFill>
+            <a:headEnd type="triangle"/>
+            <a:tailEnd type="triangle"/>
+          </a:ln>
+        </p:spPr>
+        <p:style>
+          <a:lnRef idx="1">
+            <a:schemeClr val="accent1"/>
+          </a:lnRef>
+          <a:fillRef idx="0">
+            <a:schemeClr val="accent1"/>
+          </a:fillRef>
+          <a:effectRef idx="0">
+            <a:schemeClr val="accent1"/>
+          </a:effectRef>
+          <a:fontRef idx="minor">
+            <a:schemeClr val="tx1"/>
+          </a:fontRef>
+        </p:style>
+      </p:cxnSp>
+      <p:sp>
+        <p:nvSpPr>
+          <p:cNvPr id="72" name="TextBox 71">
+            <a:extLst>
+              <a:ext uri="{FF2B5EF4-FFF2-40B4-BE49-F238E27FC236}">
+                <a16:creationId xmlns:a16="http://schemas.microsoft.com/office/drawing/2014/main" id="{6EE9573A-F196-874F-A7C5-1C9ABF3B8391}"/>
+              </a:ext>
+            </a:extLst>
+          </p:cNvPr>
+          <p:cNvSpPr txBox="1"/>
+          <p:nvPr/>
+        </p:nvSpPr>
+        <p:spPr>
+          <a:xfrm>
+            <a:off x="8147705" y="3570363"/>
+            <a:ext cx="1236927" cy="233972"/>
+          </a:xfrm>
+          <a:prstGeom prst="rect">
+            <a:avLst/>
+          </a:prstGeom>
+          <a:solidFill>
+            <a:schemeClr val="bg1">
+              <a:lumMod val="95000"/>
+            </a:schemeClr>
+          </a:solidFill>
+        </p:spPr>
+        <p:txBody>
+          <a:bodyPr wrap="square" rtlCol="0">
+            <a:spAutoFit/>
+          </a:bodyPr>
+          <a:lstStyle/>
+          <a:p>
+            <a:r>
+              <a:rPr lang="en-US" sz="900" dirty="0"/>
+              <a:t>Next best action</a:t>
+            </a:r>
+          </a:p>
+        </p:txBody>
+      </p:sp>
+      <p:sp>
+        <p:nvSpPr>
+          <p:cNvPr id="75" name="Rounded Rectangle 74">
+            <a:extLst>
+              <a:ext uri="{FF2B5EF4-FFF2-40B4-BE49-F238E27FC236}">
+                <a16:creationId xmlns:a16="http://schemas.microsoft.com/office/drawing/2014/main" id="{4D914E27-740D-AA4C-B1FB-E3EBAB4523D5}"/>
+              </a:ext>
+            </a:extLst>
+          </p:cNvPr>
+          <p:cNvSpPr/>
+          <p:nvPr/>
+        </p:nvSpPr>
+        <p:spPr>
+          <a:xfrm>
+            <a:off x="9878764" y="3804335"/>
+            <a:ext cx="1037818" cy="472104"/>
+          </a:xfrm>
+          <a:prstGeom prst="roundRect">
+            <a:avLst>
+              <a:gd name="adj" fmla="val 6808"/>
+            </a:avLst>
+          </a:prstGeom>
+          <a:solidFill>
+            <a:schemeClr val="accent3">
+              <a:lumMod val="65000"/>
+            </a:schemeClr>
+          </a:solidFill>
+          <a:ln>
+            <a:noFill/>
+          </a:ln>
+          <a:effectLst>
+            <a:outerShdw blurRad="50800" dist="38100" dir="5400000" algn="t" rotWithShape="0">
+              <a:prstClr val="black">
+                <a:alpha val="40000"/>
+              </a:prstClr>
+            </a:outerShdw>
+          </a:effectLst>
+        </p:spPr>
+        <p:style>
+          <a:lnRef idx="2">
+            <a:schemeClr val="accent1">
+              <a:shade val="50000"/>
+            </a:schemeClr>
+          </a:lnRef>
+          <a:fillRef idx="1">
+            <a:schemeClr val="accent1"/>
+          </a:fillRef>
+          <a:effectRef idx="0">
+            <a:schemeClr val="accent1"/>
+          </a:effectRef>
+          <a:fontRef idx="minor">
+            <a:schemeClr val="lt1"/>
+          </a:fontRef>
+        </p:style>
+        <p:txBody>
+          <a:bodyPr rtlCol="0" anchor="t"/>
+          <a:lstStyle/>
+          <a:p>
+            <a:pPr algn="ctr"/>
+            <a:r>
+              <a:rPr lang="en-US" sz="1000" dirty="0"/>
+              <a:t>Process Service</a:t>
+            </a:r>
+            <a:endParaRPr sz="1000" dirty="0"/>
+          </a:p>
+        </p:txBody>
+      </p:sp>
+      <p:sp>
+        <p:nvSpPr>
+          <p:cNvPr id="76" name="Rounded Rectangle 75">
+            <a:extLst>
+              <a:ext uri="{FF2B5EF4-FFF2-40B4-BE49-F238E27FC236}">
+                <a16:creationId xmlns:a16="http://schemas.microsoft.com/office/drawing/2014/main" id="{31721104-286C-E648-8DFA-D63470EA074B}"/>
+              </a:ext>
+            </a:extLst>
+          </p:cNvPr>
+          <p:cNvSpPr/>
+          <p:nvPr/>
+        </p:nvSpPr>
+        <p:spPr>
+          <a:xfrm>
+            <a:off x="9878764" y="4447889"/>
+            <a:ext cx="1037818" cy="472104"/>
+          </a:xfrm>
+          <a:prstGeom prst="roundRect">
+            <a:avLst>
+              <a:gd name="adj" fmla="val 6808"/>
+            </a:avLst>
+          </a:prstGeom>
+          <a:solidFill>
+            <a:schemeClr val="accent3">
+              <a:lumMod val="65000"/>
+            </a:schemeClr>
+          </a:solidFill>
+          <a:ln>
+            <a:noFill/>
+          </a:ln>
+          <a:effectLst>
+            <a:outerShdw blurRad="50800" dist="38100" dir="5400000" algn="t" rotWithShape="0">
+              <a:prstClr val="black">
+                <a:alpha val="40000"/>
+              </a:prstClr>
+            </a:outerShdw>
+          </a:effectLst>
+        </p:spPr>
+        <p:style>
+          <a:lnRef idx="2">
+            <a:schemeClr val="accent1">
+              <a:shade val="50000"/>
+            </a:schemeClr>
+          </a:lnRef>
+          <a:fillRef idx="1">
+            <a:schemeClr val="accent1"/>
+          </a:fillRef>
+          <a:effectRef idx="0">
+            <a:schemeClr val="accent1"/>
+          </a:effectRef>
+          <a:fontRef idx="minor">
+            <a:schemeClr val="lt1"/>
+          </a:fontRef>
+        </p:style>
+        <p:txBody>
+          <a:bodyPr rtlCol="0" anchor="t"/>
+          <a:lstStyle/>
+          <a:p>
+            <a:pPr algn="ctr"/>
+            <a:r>
+              <a:rPr lang="en-US" sz="1000" dirty="0"/>
+              <a:t>RPA Service</a:t>
+            </a:r>
+            <a:endParaRPr sz="1000" dirty="0"/>
+          </a:p>
+        </p:txBody>
+      </p:sp>
+      <p:grpSp>
+        <p:nvGrpSpPr>
+          <p:cNvPr id="78" name="Group 77">
+            <a:extLst>
+              <a:ext uri="{FF2B5EF4-FFF2-40B4-BE49-F238E27FC236}">
+                <a16:creationId xmlns:a16="http://schemas.microsoft.com/office/drawing/2014/main" id="{832780BD-D457-2445-BC91-B45FE6D25C8A}"/>
+              </a:ext>
+            </a:extLst>
+          </p:cNvPr>
+          <p:cNvGrpSpPr/>
+          <p:nvPr/>
+        </p:nvGrpSpPr>
+        <p:grpSpPr>
+          <a:xfrm>
+            <a:off x="6602480" y="4893357"/>
+            <a:ext cx="948040" cy="629490"/>
+            <a:chOff x="540471" y="2954563"/>
+            <a:chExt cx="948040" cy="629490"/>
+          </a:xfrm>
+        </p:grpSpPr>
+        <p:sp>
+          <p:nvSpPr>
+            <p:cNvPr id="79" name="Rounded Rectangle">
+              <a:extLst>
+                <a:ext uri="{FF2B5EF4-FFF2-40B4-BE49-F238E27FC236}">
+                  <a16:creationId xmlns:a16="http://schemas.microsoft.com/office/drawing/2014/main" id="{F6FD60ED-3EDD-134C-9F59-2C1AF7755705}"/>
+                </a:ext>
+              </a:extLst>
+            </p:cNvPr>
+            <p:cNvSpPr/>
+            <p:nvPr/>
+          </p:nvSpPr>
+          <p:spPr>
+            <a:xfrm>
+              <a:off x="540471" y="2954563"/>
+              <a:ext cx="186040" cy="629490"/>
+            </a:xfrm>
+            <a:prstGeom prst="roundRect">
+              <a:avLst>
+                <a:gd name="adj" fmla="val 16667"/>
+              </a:avLst>
+            </a:prstGeom>
+            <a:solidFill>
+              <a:srgbClr val="FEFFFE"/>
+            </a:solidFill>
+            <a:ln w="38100" cap="flat">
+              <a:solidFill>
+                <a:srgbClr val="7030A0"/>
+              </a:solidFill>
+              <a:prstDash val="solid"/>
+              <a:round/>
+            </a:ln>
+            <a:effectLst/>
+          </p:spPr>
+          <p:txBody>
+            <a:bodyPr wrap="square" lIns="28575" tIns="28575" rIns="28575" bIns="28575" numCol="1" anchor="ctr">
+              <a:noAutofit/>
+            </a:bodyPr>
+            <a:lstStyle/>
+            <a:p>
+              <a:pPr marL="0" marR="0" lvl="0" indent="0" algn="ctr" defTabSz="1219184" rtl="0" eaLnBrk="1" fontAlgn="auto" latinLnBrk="0" hangingPunct="0">
+                <a:lnSpc>
+                  <a:spcPct val="90000"/>
+                </a:lnSpc>
+                <a:spcBef>
+                  <a:spcPts val="0"/>
+                </a:spcBef>
+                <a:spcAft>
+                  <a:spcPts val="0"/>
+                </a:spcAft>
+                <a:buClrTx/>
+                <a:buSzTx/>
+                <a:buFontTx/>
+                <a:buNone/>
+                <a:tabLst/>
+                <a:defRPr sz="900" b="0">
+                  <a:solidFill>
+                    <a:srgbClr val="002060"/>
+                  </a:solidFill>
+                  <a:latin typeface="IBM Plex Sans"/>
+                  <a:ea typeface="IBM Plex Sans"/>
+                  <a:cs typeface="IBM Plex Sans"/>
+                  <a:sym typeface="IBM Plex Sans"/>
+                </a:defRPr>
+              </a:pPr>
+              <a:r>
+                <a:rPr kumimoji="0" lang="en-US" sz="1400" b="0" i="0" u="none" strike="noStrike" kern="0" cap="none" spc="0" normalizeH="0" baseline="0" noProof="0" dirty="0">
+                  <a:ln>
+                    <a:noFill/>
+                  </a:ln>
+                  <a:solidFill>
+                    <a:srgbClr val="002060"/>
+                  </a:solidFill>
+                  <a:effectLst/>
+                  <a:uLnTx/>
+                  <a:uFillTx/>
+                  <a:latin typeface="IBM Plex Sans"/>
+                  <a:sym typeface="IBM Plex Sans"/>
+                </a:rPr>
+                <a:t>0</a:t>
+              </a:r>
+              <a:endParaRPr kumimoji="0" sz="1400" b="0" i="0" u="none" strike="noStrike" kern="0" cap="none" spc="0" normalizeH="0" baseline="0" noProof="0" dirty="0">
+                <a:ln>
+                  <a:noFill/>
+                </a:ln>
+                <a:solidFill>
+                  <a:srgbClr val="002060"/>
+                </a:solidFill>
+                <a:effectLst/>
+                <a:uLnTx/>
+                <a:uFillTx/>
+                <a:latin typeface="IBM Plex Sans"/>
+                <a:sym typeface="IBM Plex Sans"/>
+              </a:endParaRPr>
+            </a:p>
+          </p:txBody>
+        </p:sp>
+        <p:sp>
+          <p:nvSpPr>
+            <p:cNvPr id="80" name="Rounded Rectangle">
+              <a:extLst>
+                <a:ext uri="{FF2B5EF4-FFF2-40B4-BE49-F238E27FC236}">
+                  <a16:creationId xmlns:a16="http://schemas.microsoft.com/office/drawing/2014/main" id="{A8C2C823-F2E5-5F4B-94A5-11EA8D37F7C3}"/>
+                </a:ext>
+              </a:extLst>
+            </p:cNvPr>
+            <p:cNvSpPr/>
+            <p:nvPr/>
+          </p:nvSpPr>
+          <p:spPr>
+            <a:xfrm>
+              <a:off x="692871" y="2954563"/>
+              <a:ext cx="186040" cy="629490"/>
+            </a:xfrm>
+            <a:prstGeom prst="roundRect">
+              <a:avLst>
+                <a:gd name="adj" fmla="val 16667"/>
+              </a:avLst>
+            </a:prstGeom>
+            <a:solidFill>
+              <a:srgbClr val="FEFFFE"/>
+            </a:solidFill>
+            <a:ln w="38100" cap="flat">
+              <a:solidFill>
+                <a:srgbClr val="7030A0"/>
+              </a:solidFill>
+              <a:prstDash val="solid"/>
+              <a:round/>
+            </a:ln>
+            <a:effectLst/>
+          </p:spPr>
+          <p:txBody>
+            <a:bodyPr wrap="square" lIns="28575" tIns="28575" rIns="28575" bIns="28575" numCol="1" anchor="ctr">
+              <a:noAutofit/>
+            </a:bodyPr>
+            <a:lstStyle/>
+            <a:p>
+              <a:pPr marL="0" marR="0" lvl="0" indent="0" algn="ctr" defTabSz="1219184" rtl="0" eaLnBrk="1" fontAlgn="auto" latinLnBrk="0" hangingPunct="0">
+                <a:lnSpc>
+                  <a:spcPct val="90000"/>
+                </a:lnSpc>
+                <a:spcBef>
+                  <a:spcPts val="0"/>
+                </a:spcBef>
+                <a:spcAft>
+                  <a:spcPts val="0"/>
+                </a:spcAft>
+                <a:buClrTx/>
+                <a:buSzTx/>
+                <a:buFontTx/>
+                <a:buNone/>
+                <a:tabLst/>
+                <a:defRPr sz="900" b="0">
+                  <a:solidFill>
+                    <a:srgbClr val="002060"/>
+                  </a:solidFill>
+                  <a:latin typeface="IBM Plex Sans"/>
+                  <a:ea typeface="IBM Plex Sans"/>
+                  <a:cs typeface="IBM Plex Sans"/>
+                  <a:sym typeface="IBM Plex Sans"/>
+                </a:defRPr>
+              </a:pPr>
+              <a:endParaRPr kumimoji="0" sz="1400" b="0" i="0" u="none" strike="noStrike" kern="0" cap="none" spc="0" normalizeH="0" baseline="0" noProof="0" dirty="0">
+                <a:ln>
+                  <a:noFill/>
+                </a:ln>
+                <a:solidFill>
+                  <a:srgbClr val="002060"/>
+                </a:solidFill>
+                <a:effectLst/>
+                <a:uLnTx/>
+                <a:uFillTx/>
+                <a:latin typeface="IBM Plex Sans"/>
+                <a:sym typeface="IBM Plex Sans"/>
+              </a:endParaRPr>
+            </a:p>
+          </p:txBody>
+        </p:sp>
+        <p:sp>
+          <p:nvSpPr>
+            <p:cNvPr id="81" name="Rounded Rectangle">
+              <a:extLst>
+                <a:ext uri="{FF2B5EF4-FFF2-40B4-BE49-F238E27FC236}">
+                  <a16:creationId xmlns:a16="http://schemas.microsoft.com/office/drawing/2014/main" id="{93011D27-80ED-E347-9051-B4ADA556CB67}"/>
+                </a:ext>
+              </a:extLst>
+            </p:cNvPr>
+            <p:cNvSpPr/>
+            <p:nvPr/>
+          </p:nvSpPr>
+          <p:spPr>
+            <a:xfrm>
+              <a:off x="845271" y="2954563"/>
+              <a:ext cx="186040" cy="629490"/>
+            </a:xfrm>
+            <a:prstGeom prst="roundRect">
+              <a:avLst>
+                <a:gd name="adj" fmla="val 16667"/>
+              </a:avLst>
+            </a:prstGeom>
+            <a:solidFill>
+              <a:srgbClr val="FEFFFE"/>
+            </a:solidFill>
+            <a:ln w="38100" cap="flat">
+              <a:solidFill>
+                <a:srgbClr val="7030A0"/>
+              </a:solidFill>
+              <a:prstDash val="solid"/>
+              <a:round/>
+            </a:ln>
+            <a:effectLst/>
+          </p:spPr>
+          <p:txBody>
+            <a:bodyPr wrap="square" lIns="28575" tIns="28575" rIns="28575" bIns="28575" numCol="1" anchor="ctr">
+              <a:noAutofit/>
+            </a:bodyPr>
+            <a:lstStyle/>
+            <a:p>
+              <a:pPr marL="0" marR="0" lvl="0" indent="0" algn="ctr" defTabSz="1219184" rtl="0" eaLnBrk="1" fontAlgn="auto" latinLnBrk="0" hangingPunct="0">
+                <a:lnSpc>
+                  <a:spcPct val="90000"/>
+                </a:lnSpc>
+                <a:spcBef>
+                  <a:spcPts val="0"/>
+                </a:spcBef>
+                <a:spcAft>
+                  <a:spcPts val="0"/>
+                </a:spcAft>
+                <a:buClrTx/>
+                <a:buSzTx/>
+                <a:buFontTx/>
+                <a:buNone/>
+                <a:tabLst/>
+                <a:defRPr sz="900" b="0">
+                  <a:solidFill>
+                    <a:srgbClr val="002060"/>
+                  </a:solidFill>
+                  <a:latin typeface="IBM Plex Sans"/>
+                  <a:ea typeface="IBM Plex Sans"/>
+                  <a:cs typeface="IBM Plex Sans"/>
+                  <a:sym typeface="IBM Plex Sans"/>
+                </a:defRPr>
+              </a:pPr>
+              <a:endParaRPr kumimoji="0" sz="1400" i="0" u="none" strike="noStrike" kern="0" cap="none" spc="0" normalizeH="0" baseline="0" noProof="0" dirty="0">
+                <a:ln>
+                  <a:noFill/>
+                </a:ln>
+                <a:solidFill>
+                  <a:srgbClr val="002060"/>
+                </a:solidFill>
+                <a:effectLst/>
+                <a:uLnTx/>
+                <a:uFillTx/>
+                <a:latin typeface="IBM Plex Sans"/>
+                <a:sym typeface="IBM Plex Sans"/>
+              </a:endParaRPr>
+            </a:p>
+          </p:txBody>
+        </p:sp>
+        <p:sp>
+          <p:nvSpPr>
+            <p:cNvPr id="82" name="Rounded Rectangle">
+              <a:extLst>
+                <a:ext uri="{FF2B5EF4-FFF2-40B4-BE49-F238E27FC236}">
+                  <a16:creationId xmlns:a16="http://schemas.microsoft.com/office/drawing/2014/main" id="{1F823A1E-5DEC-B440-833B-52584CE42F6B}"/>
+                </a:ext>
+              </a:extLst>
+            </p:cNvPr>
+            <p:cNvSpPr/>
+            <p:nvPr/>
+          </p:nvSpPr>
+          <p:spPr>
+            <a:xfrm>
+              <a:off x="997671" y="2954563"/>
+              <a:ext cx="186040" cy="629490"/>
+            </a:xfrm>
+            <a:prstGeom prst="roundRect">
+              <a:avLst>
+                <a:gd name="adj" fmla="val 16667"/>
+              </a:avLst>
+            </a:prstGeom>
+            <a:solidFill>
+              <a:srgbClr val="FEFFFE"/>
+            </a:solidFill>
+            <a:ln w="38100" cap="flat">
+              <a:solidFill>
+                <a:srgbClr val="7030A0"/>
+              </a:solidFill>
+              <a:prstDash val="solid"/>
+              <a:round/>
+            </a:ln>
+            <a:effectLst/>
+          </p:spPr>
+          <p:txBody>
+            <a:bodyPr wrap="square" lIns="28575" tIns="28575" rIns="28575" bIns="28575" numCol="1" anchor="ctr">
+              <a:noAutofit/>
+            </a:bodyPr>
+            <a:lstStyle/>
+            <a:p>
+              <a:pPr marL="0" marR="0" lvl="0" indent="0" algn="ctr" defTabSz="1219184" rtl="0" eaLnBrk="1" fontAlgn="auto" latinLnBrk="0" hangingPunct="0">
+                <a:lnSpc>
+                  <a:spcPct val="90000"/>
+                </a:lnSpc>
+                <a:spcBef>
+                  <a:spcPts val="0"/>
+                </a:spcBef>
+                <a:spcAft>
+                  <a:spcPts val="0"/>
+                </a:spcAft>
+                <a:buClrTx/>
+                <a:buSzTx/>
+                <a:buFontTx/>
+                <a:buNone/>
+                <a:tabLst/>
+                <a:defRPr sz="900" b="0">
+                  <a:solidFill>
+                    <a:srgbClr val="002060"/>
+                  </a:solidFill>
+                  <a:latin typeface="IBM Plex Sans"/>
+                  <a:ea typeface="IBM Plex Sans"/>
+                  <a:cs typeface="IBM Plex Sans"/>
+                  <a:sym typeface="IBM Plex Sans"/>
+                </a:defRPr>
+              </a:pPr>
+              <a:endParaRPr kumimoji="0" sz="1400" b="0" i="0" u="none" strike="noStrike" kern="0" cap="none" spc="0" normalizeH="0" baseline="0" noProof="0" dirty="0">
+                <a:ln>
+                  <a:noFill/>
+                </a:ln>
+                <a:solidFill>
+                  <a:srgbClr val="002060"/>
+                </a:solidFill>
+                <a:effectLst/>
+                <a:uLnTx/>
+                <a:uFillTx/>
+                <a:latin typeface="IBM Plex Sans"/>
+                <a:sym typeface="IBM Plex Sans"/>
+              </a:endParaRPr>
+            </a:p>
+          </p:txBody>
+        </p:sp>
+        <p:sp>
+          <p:nvSpPr>
+            <p:cNvPr id="83" name="Rounded Rectangle">
+              <a:extLst>
+                <a:ext uri="{FF2B5EF4-FFF2-40B4-BE49-F238E27FC236}">
+                  <a16:creationId xmlns:a16="http://schemas.microsoft.com/office/drawing/2014/main" id="{1598CD59-68FE-1A46-BCA9-CED7B79E1203}"/>
+                </a:ext>
+              </a:extLst>
+            </p:cNvPr>
+            <p:cNvSpPr/>
+            <p:nvPr/>
+          </p:nvSpPr>
+          <p:spPr>
+            <a:xfrm>
+              <a:off x="1150071" y="2954563"/>
+              <a:ext cx="186040" cy="629490"/>
+            </a:xfrm>
+            <a:prstGeom prst="roundRect">
+              <a:avLst>
+                <a:gd name="adj" fmla="val 16667"/>
+              </a:avLst>
+            </a:prstGeom>
+            <a:solidFill>
+              <a:srgbClr val="FEFFFE"/>
+            </a:solidFill>
+            <a:ln w="38100" cap="flat">
+              <a:solidFill>
+                <a:srgbClr val="7030A0"/>
+              </a:solidFill>
+              <a:prstDash val="solid"/>
+              <a:round/>
+            </a:ln>
+            <a:effectLst/>
+          </p:spPr>
+          <p:txBody>
+            <a:bodyPr wrap="square" lIns="28575" tIns="28575" rIns="28575" bIns="28575" numCol="1" anchor="ctr">
+              <a:noAutofit/>
+            </a:bodyPr>
+            <a:lstStyle/>
+            <a:p>
+              <a:pPr marL="0" marR="0" lvl="0" indent="0" algn="ctr" defTabSz="1219184" rtl="0" eaLnBrk="1" fontAlgn="auto" latinLnBrk="0" hangingPunct="0">
+                <a:lnSpc>
+                  <a:spcPct val="90000"/>
+                </a:lnSpc>
+                <a:spcBef>
+                  <a:spcPts val="0"/>
+                </a:spcBef>
+                <a:spcAft>
+                  <a:spcPts val="0"/>
+                </a:spcAft>
+                <a:buClrTx/>
+                <a:buSzTx/>
+                <a:buFontTx/>
+                <a:buNone/>
+                <a:tabLst/>
+                <a:defRPr sz="900" b="0">
+                  <a:solidFill>
+                    <a:srgbClr val="002060"/>
+                  </a:solidFill>
+                  <a:latin typeface="IBM Plex Sans"/>
+                  <a:ea typeface="IBM Plex Sans"/>
+                  <a:cs typeface="IBM Plex Sans"/>
+                  <a:sym typeface="IBM Plex Sans"/>
+                </a:defRPr>
+              </a:pPr>
+              <a:endParaRPr kumimoji="0" sz="1400" b="0" i="0" u="none" strike="noStrike" kern="0" cap="none" spc="0" normalizeH="0" baseline="0" noProof="0" dirty="0">
+                <a:ln>
+                  <a:noFill/>
+                </a:ln>
+                <a:solidFill>
+                  <a:srgbClr val="002060"/>
+                </a:solidFill>
+                <a:effectLst/>
+                <a:uLnTx/>
+                <a:uFillTx/>
+                <a:latin typeface="IBM Plex Sans"/>
+                <a:sym typeface="IBM Plex Sans"/>
+              </a:endParaRPr>
+            </a:p>
+          </p:txBody>
+        </p:sp>
+        <p:sp>
+          <p:nvSpPr>
+            <p:cNvPr id="84" name="Rounded Rectangle">
+              <a:extLst>
+                <a:ext uri="{FF2B5EF4-FFF2-40B4-BE49-F238E27FC236}">
+                  <a16:creationId xmlns:a16="http://schemas.microsoft.com/office/drawing/2014/main" id="{63792A87-7FD3-DB4F-95B9-1F4A9F6D8031}"/>
+                </a:ext>
+              </a:extLst>
+            </p:cNvPr>
+            <p:cNvSpPr/>
+            <p:nvPr/>
+          </p:nvSpPr>
+          <p:spPr>
+            <a:xfrm>
+              <a:off x="1302471" y="2954563"/>
+              <a:ext cx="186040" cy="629490"/>
+            </a:xfrm>
+            <a:prstGeom prst="roundRect">
+              <a:avLst>
+                <a:gd name="adj" fmla="val 16667"/>
+              </a:avLst>
+            </a:prstGeom>
+            <a:solidFill>
+              <a:srgbClr val="FEFFFE"/>
+            </a:solidFill>
+            <a:ln w="38100" cap="flat">
+              <a:solidFill>
+                <a:srgbClr val="7030A0"/>
+              </a:solidFill>
+              <a:prstDash val="solid"/>
+              <a:round/>
+            </a:ln>
+            <a:effectLst/>
+          </p:spPr>
+          <p:txBody>
+            <a:bodyPr wrap="square" lIns="28575" tIns="28575" rIns="28575" bIns="28575" numCol="1" anchor="ctr">
+              <a:noAutofit/>
+            </a:bodyPr>
+            <a:lstStyle/>
+            <a:p>
+              <a:pPr marL="0" marR="0" lvl="0" indent="0" algn="ctr" defTabSz="1219184" rtl="0" eaLnBrk="1" fontAlgn="auto" latinLnBrk="0" hangingPunct="0">
+                <a:lnSpc>
+                  <a:spcPct val="90000"/>
+                </a:lnSpc>
+                <a:spcBef>
+                  <a:spcPts val="0"/>
+                </a:spcBef>
+                <a:spcAft>
+                  <a:spcPts val="0"/>
+                </a:spcAft>
+                <a:buClrTx/>
+                <a:buSzTx/>
+                <a:buFontTx/>
+                <a:buNone/>
+                <a:tabLst/>
+                <a:defRPr sz="900" b="0">
+                  <a:solidFill>
+                    <a:srgbClr val="002060"/>
+                  </a:solidFill>
+                  <a:latin typeface="IBM Plex Sans"/>
+                  <a:ea typeface="IBM Plex Sans"/>
+                  <a:cs typeface="IBM Plex Sans"/>
+                  <a:sym typeface="IBM Plex Sans"/>
+                </a:defRPr>
+              </a:pPr>
+              <a:r>
+                <a:rPr lang="en-US" sz="1400" kern="0" dirty="0">
+                  <a:solidFill>
+                    <a:srgbClr val="002060"/>
+                  </a:solidFill>
+                  <a:latin typeface="IBM Plex Sans"/>
+                  <a:sym typeface="IBM Plex Sans"/>
+                </a:rPr>
+                <a:t>n</a:t>
+              </a:r>
+              <a:endParaRPr kumimoji="0" sz="1400" b="0" i="0" u="none" strike="noStrike" kern="0" cap="none" spc="0" normalizeH="0" baseline="0" noProof="0" dirty="0">
+                <a:ln>
+                  <a:noFill/>
+                </a:ln>
+                <a:solidFill>
+                  <a:srgbClr val="002060"/>
+                </a:solidFill>
+                <a:effectLst/>
+                <a:uLnTx/>
+                <a:uFillTx/>
+                <a:latin typeface="IBM Plex Sans"/>
+                <a:sym typeface="IBM Plex Sans"/>
+              </a:endParaRPr>
+            </a:p>
+          </p:txBody>
+        </p:sp>
+      </p:grpSp>
+      <p:cxnSp>
+        <p:nvCxnSpPr>
+          <p:cNvPr id="85" name="Straight Arrow Connector 37">
+            <a:extLst>
+              <a:ext uri="{FF2B5EF4-FFF2-40B4-BE49-F238E27FC236}">
+                <a16:creationId xmlns:a16="http://schemas.microsoft.com/office/drawing/2014/main" id="{E691701E-F368-CA45-A390-D57C35406A57}"/>
+              </a:ext>
+            </a:extLst>
+          </p:cNvPr>
+          <p:cNvCxnSpPr>
+            <a:cxnSpLocks/>
+            <a:stCxn id="62" idx="2"/>
+            <a:endCxn id="84" idx="0"/>
+          </p:cNvCxnSpPr>
+          <p:nvPr/>
+        </p:nvCxnSpPr>
+        <p:spPr>
+          <a:xfrm rot="5400000">
+            <a:off x="7818168" y="4087221"/>
+            <a:ext cx="445468" cy="1166804"/>
+          </a:xfrm>
+          <a:prstGeom prst="curvedConnector3">
+            <a:avLst>
+              <a:gd name="adj1" fmla="val 50000"/>
+            </a:avLst>
+          </a:prstGeom>
+          <a:ln>
+            <a:solidFill>
+              <a:srgbClr val="0000FF"/>
+            </a:solidFill>
+            <a:prstDash val="dash"/>
+            <a:tailEnd type="triangle"/>
+          </a:ln>
+        </p:spPr>
+        <p:style>
+          <a:lnRef idx="1">
+            <a:schemeClr val="accent1"/>
+          </a:lnRef>
+          <a:fillRef idx="0">
+            <a:schemeClr val="accent1"/>
+          </a:fillRef>
+          <a:effectRef idx="0">
+            <a:schemeClr val="accent1"/>
+          </a:effectRef>
+          <a:fontRef idx="minor">
+            <a:schemeClr val="tx1"/>
+          </a:fontRef>
+        </p:style>
+      </p:cxnSp>
+      <p:cxnSp>
+        <p:nvCxnSpPr>
+          <p:cNvPr id="88" name="Straight Arrow Connector 37">
+            <a:extLst>
+              <a:ext uri="{FF2B5EF4-FFF2-40B4-BE49-F238E27FC236}">
+                <a16:creationId xmlns:a16="http://schemas.microsoft.com/office/drawing/2014/main" id="{0797BE2C-5036-1C41-BE77-447487238801}"/>
+              </a:ext>
+            </a:extLst>
+          </p:cNvPr>
+          <p:cNvCxnSpPr>
+            <a:cxnSpLocks/>
+            <a:stCxn id="62" idx="3"/>
+            <a:endCxn id="75" idx="1"/>
+          </p:cNvCxnSpPr>
+          <p:nvPr/>
+        </p:nvCxnSpPr>
+        <p:spPr>
+          <a:xfrm flipV="1">
+            <a:off x="9143213" y="4040387"/>
+            <a:ext cx="735551" cy="236052"/>
+          </a:xfrm>
+          <a:prstGeom prst="curvedConnector3">
+            <a:avLst>
+              <a:gd name="adj1" fmla="val 50000"/>
+            </a:avLst>
+          </a:prstGeom>
+          <a:ln>
+            <a:solidFill>
+              <a:srgbClr val="7030A0"/>
+            </a:solidFill>
+            <a:headEnd type="triangle"/>
+            <a:tailEnd type="triangle"/>
+          </a:ln>
+        </p:spPr>
+        <p:style>
+          <a:lnRef idx="1">
+            <a:schemeClr val="accent1"/>
+          </a:lnRef>
+          <a:fillRef idx="0">
+            <a:schemeClr val="accent1"/>
+          </a:fillRef>
+          <a:effectRef idx="0">
+            <a:schemeClr val="accent1"/>
+          </a:effectRef>
+          <a:fontRef idx="minor">
+            <a:schemeClr val="tx1"/>
+          </a:fontRef>
+        </p:style>
+      </p:cxnSp>
+      <p:cxnSp>
+        <p:nvCxnSpPr>
+          <p:cNvPr id="91" name="Straight Arrow Connector 37">
+            <a:extLst>
+              <a:ext uri="{FF2B5EF4-FFF2-40B4-BE49-F238E27FC236}">
+                <a16:creationId xmlns:a16="http://schemas.microsoft.com/office/drawing/2014/main" id="{2D0BEA9E-CE0F-A844-AA23-14CCAA0DF84D}"/>
+              </a:ext>
+            </a:extLst>
+          </p:cNvPr>
+          <p:cNvCxnSpPr>
+            <a:cxnSpLocks/>
+            <a:stCxn id="62" idx="3"/>
+            <a:endCxn id="76" idx="1"/>
+          </p:cNvCxnSpPr>
+          <p:nvPr/>
+        </p:nvCxnSpPr>
+        <p:spPr>
+          <a:xfrm>
+            <a:off x="9143213" y="4276439"/>
+            <a:ext cx="735551" cy="407502"/>
+          </a:xfrm>
+          <a:prstGeom prst="curvedConnector3">
+            <a:avLst>
+              <a:gd name="adj1" fmla="val 50000"/>
+            </a:avLst>
+          </a:prstGeom>
+          <a:ln>
+            <a:solidFill>
+              <a:srgbClr val="7030A0"/>
+            </a:solidFill>
+            <a:headEnd type="triangle"/>
+            <a:tailEnd type="triangle"/>
+          </a:ln>
+        </p:spPr>
+        <p:style>
+          <a:lnRef idx="1">
+            <a:schemeClr val="accent1"/>
+          </a:lnRef>
+          <a:fillRef idx="0">
+            <a:schemeClr val="accent1"/>
+          </a:fillRef>
+          <a:effectRef idx="0">
+            <a:schemeClr val="accent1"/>
+          </a:effectRef>
+          <a:fontRef idx="minor">
+            <a:schemeClr val="tx1"/>
+          </a:fontRef>
+        </p:style>
+      </p:cxnSp>
+      <p:sp>
+        <p:nvSpPr>
+          <p:cNvPr id="94" name="Rectangle 93">
+            <a:extLst>
+              <a:ext uri="{FF2B5EF4-FFF2-40B4-BE49-F238E27FC236}">
+                <a16:creationId xmlns:a16="http://schemas.microsoft.com/office/drawing/2014/main" id="{2F31A49E-54B9-AF43-AA30-46C492B57998}"/>
+              </a:ext>
+            </a:extLst>
+          </p:cNvPr>
+          <p:cNvSpPr/>
+          <p:nvPr/>
+        </p:nvSpPr>
+        <p:spPr>
+          <a:xfrm>
+            <a:off x="1862257" y="5966166"/>
+            <a:ext cx="1758920" cy="382933"/>
+          </a:xfrm>
+          <a:prstGeom prst="rect">
+            <a:avLst/>
+          </a:prstGeom>
+          <a:solidFill>
+            <a:schemeClr val="bg1">
+              <a:lumMod val="95000"/>
+            </a:schemeClr>
+          </a:solidFill>
+          <a:ln>
+            <a:noFill/>
+          </a:ln>
+          <a:effectLst>
+            <a:outerShdw blurRad="50800" dist="38100" dir="5400000" algn="t" rotWithShape="0">
+              <a:prstClr val="black">
+                <a:alpha val="40000"/>
+              </a:prstClr>
+            </a:outerShdw>
+          </a:effectLst>
+        </p:spPr>
+        <p:style>
+          <a:lnRef idx="2">
+            <a:schemeClr val="accent1">
+              <a:shade val="50000"/>
+            </a:schemeClr>
+          </a:lnRef>
+          <a:fillRef idx="1">
+            <a:schemeClr val="accent1"/>
+          </a:fillRef>
+          <a:effectRef idx="0">
+            <a:schemeClr val="accent1"/>
+          </a:effectRef>
+          <a:fontRef idx="minor">
+            <a:schemeClr val="lt1"/>
+          </a:fontRef>
+        </p:style>
+        <p:txBody>
+          <a:bodyPr rtlCol="0" anchor="t"/>
+          <a:lstStyle/>
+          <a:p>
+            <a:pPr marL="0" marR="0" indent="0" algn="l" defTabSz="685800" rtl="0" eaLnBrk="1" fontAlgn="auto" latinLnBrk="0" hangingPunct="1">
+              <a:lnSpc>
+                <a:spcPct val="100000"/>
+              </a:lnSpc>
+              <a:spcBef>
+                <a:spcPts val="0"/>
+              </a:spcBef>
+              <a:spcAft>
+                <a:spcPts val="0"/>
+              </a:spcAft>
+              <a:buClrTx/>
+              <a:buSzTx/>
+              <a:buFontTx/>
+              <a:buNone/>
+              <a:tabLst/>
+            </a:pPr>
+            <a:r>
+              <a:rPr kumimoji="0" lang="en-US" sz="1000" b="0" i="0" u="none" strike="noStrike" kern="1200" cap="none" spc="0" normalizeH="0" baseline="0" noProof="0" dirty="0">
+                <a:ln>
+                  <a:noFill/>
+                </a:ln>
+                <a:solidFill>
+                  <a:schemeClr val="bg2"/>
+                </a:solidFill>
+                <a:effectLst/>
+                <a:uLnTx/>
+                <a:uFillTx/>
+                <a:latin typeface="Arial"/>
+                <a:ea typeface="+mn-ea"/>
+                <a:cs typeface="+mn-cs"/>
+              </a:rPr>
+              <a:t>Schema Registry</a:t>
+            </a:r>
+          </a:p>
+        </p:txBody>
+      </p:sp>
+      <p:sp>
+        <p:nvSpPr>
+          <p:cNvPr id="96" name="Rectangle 95">
+            <a:extLst>
+              <a:ext uri="{FF2B5EF4-FFF2-40B4-BE49-F238E27FC236}">
+                <a16:creationId xmlns:a16="http://schemas.microsoft.com/office/drawing/2014/main" id="{8E4A4102-4B38-944A-BD16-3EADB50DC92D}"/>
+              </a:ext>
+            </a:extLst>
+          </p:cNvPr>
+          <p:cNvSpPr/>
+          <p:nvPr/>
+        </p:nvSpPr>
+        <p:spPr>
+          <a:xfrm>
+            <a:off x="4032329" y="5974181"/>
+            <a:ext cx="1758920" cy="382933"/>
+          </a:xfrm>
+          <a:prstGeom prst="rect">
+            <a:avLst/>
+          </a:prstGeom>
+          <a:solidFill>
+            <a:schemeClr val="bg1">
+              <a:lumMod val="95000"/>
+            </a:schemeClr>
+          </a:solidFill>
+          <a:ln>
+            <a:noFill/>
+          </a:ln>
+          <a:effectLst>
+            <a:outerShdw blurRad="50800" dist="38100" dir="5400000" algn="t" rotWithShape="0">
+              <a:prstClr val="black">
+                <a:alpha val="40000"/>
+              </a:prstClr>
+            </a:outerShdw>
+          </a:effectLst>
+        </p:spPr>
+        <p:style>
+          <a:lnRef idx="2">
+            <a:schemeClr val="accent1">
+              <a:shade val="50000"/>
+            </a:schemeClr>
+          </a:lnRef>
+          <a:fillRef idx="1">
+            <a:schemeClr val="accent1"/>
+          </a:fillRef>
+          <a:effectRef idx="0">
+            <a:schemeClr val="accent1"/>
+          </a:effectRef>
+          <a:fontRef idx="minor">
+            <a:schemeClr val="lt1"/>
+          </a:fontRef>
+        </p:style>
+        <p:txBody>
+          <a:bodyPr rtlCol="0" anchor="t"/>
+          <a:lstStyle/>
+          <a:p>
+            <a:pPr marL="0" marR="0" indent="0" algn="l" defTabSz="685800" rtl="0" eaLnBrk="1" fontAlgn="auto" latinLnBrk="0" hangingPunct="1">
+              <a:lnSpc>
+                <a:spcPct val="100000"/>
+              </a:lnSpc>
+              <a:spcBef>
+                <a:spcPts val="0"/>
+              </a:spcBef>
+              <a:spcAft>
+                <a:spcPts val="0"/>
+              </a:spcAft>
+              <a:buClrTx/>
+              <a:buSzTx/>
+              <a:buFontTx/>
+              <a:buNone/>
+              <a:tabLst/>
+            </a:pPr>
+            <a:r>
+              <a:rPr kumimoji="0" lang="en-US" sz="1000" b="0" i="0" u="none" strike="noStrike" kern="1200" cap="none" spc="0" normalizeH="0" baseline="0" noProof="0" dirty="0">
+                <a:ln>
+                  <a:noFill/>
+                </a:ln>
+                <a:solidFill>
+                  <a:schemeClr val="bg2"/>
+                </a:solidFill>
+                <a:effectLst/>
+                <a:uLnTx/>
+                <a:uFillTx/>
+                <a:latin typeface="Arial"/>
+                <a:ea typeface="+mn-ea"/>
+                <a:cs typeface="+mn-cs"/>
+              </a:rPr>
+              <a:t>Elastic Search</a:t>
+            </a:r>
+          </a:p>
+        </p:txBody>
+      </p:sp>
+      <p:sp>
+        <p:nvSpPr>
+          <p:cNvPr id="97" name="Rectangle 96">
+            <a:extLst>
+              <a:ext uri="{FF2B5EF4-FFF2-40B4-BE49-F238E27FC236}">
+                <a16:creationId xmlns:a16="http://schemas.microsoft.com/office/drawing/2014/main" id="{276AC6D7-89D5-AC40-A7D8-ACB7B6ACD4AA}"/>
+              </a:ext>
+            </a:extLst>
+          </p:cNvPr>
+          <p:cNvSpPr/>
+          <p:nvPr/>
+        </p:nvSpPr>
+        <p:spPr>
+          <a:xfrm>
+            <a:off x="6281982" y="5974181"/>
+            <a:ext cx="1758920" cy="382933"/>
+          </a:xfrm>
+          <a:prstGeom prst="rect">
+            <a:avLst/>
+          </a:prstGeom>
+          <a:solidFill>
+            <a:schemeClr val="bg1">
+              <a:lumMod val="95000"/>
+            </a:schemeClr>
+          </a:solidFill>
+          <a:ln>
+            <a:noFill/>
+          </a:ln>
+          <a:effectLst>
+            <a:outerShdw blurRad="50800" dist="38100" dir="5400000" algn="t" rotWithShape="0">
+              <a:prstClr val="black">
+                <a:alpha val="40000"/>
+              </a:prstClr>
+            </a:outerShdw>
+          </a:effectLst>
+        </p:spPr>
+        <p:style>
+          <a:lnRef idx="2">
+            <a:schemeClr val="accent1">
+              <a:shade val="50000"/>
+            </a:schemeClr>
+          </a:lnRef>
+          <a:fillRef idx="1">
+            <a:schemeClr val="accent1"/>
+          </a:fillRef>
+          <a:effectRef idx="0">
+            <a:schemeClr val="accent1"/>
+          </a:effectRef>
+          <a:fontRef idx="minor">
+            <a:schemeClr val="lt1"/>
+          </a:fontRef>
+        </p:style>
+        <p:txBody>
+          <a:bodyPr rtlCol="0" anchor="t"/>
+          <a:lstStyle/>
+          <a:p>
+            <a:pPr marL="0" marR="0" indent="0" algn="l" defTabSz="685800" rtl="0" eaLnBrk="1" fontAlgn="auto" latinLnBrk="0" hangingPunct="1">
+              <a:lnSpc>
+                <a:spcPct val="100000"/>
+              </a:lnSpc>
+              <a:spcBef>
+                <a:spcPts val="0"/>
+              </a:spcBef>
+              <a:spcAft>
+                <a:spcPts val="0"/>
+              </a:spcAft>
+              <a:buClrTx/>
+              <a:buSzTx/>
+              <a:buFontTx/>
+              <a:buNone/>
+              <a:tabLst/>
+            </a:pPr>
+            <a:r>
+              <a:rPr kumimoji="0" lang="en-US" sz="1000" b="0" i="0" u="none" strike="noStrike" kern="1200" cap="none" spc="0" normalizeH="0" baseline="0" noProof="0" dirty="0">
+                <a:ln>
+                  <a:noFill/>
+                </a:ln>
+                <a:solidFill>
+                  <a:schemeClr val="bg2"/>
+                </a:solidFill>
+                <a:effectLst/>
+                <a:uLnTx/>
+                <a:uFillTx/>
+                <a:latin typeface="Arial"/>
+                <a:ea typeface="+mn-ea"/>
+                <a:cs typeface="+mn-cs"/>
+              </a:rPr>
+              <a:t>Dashboard</a:t>
+            </a:r>
+          </a:p>
+        </p:txBody>
+      </p:sp>
+    </p:spTree>
+    <p:extLst>
+      <p:ext uri="{BB962C8B-B14F-4D97-AF65-F5344CB8AC3E}">
+        <p14:creationId xmlns:p14="http://schemas.microsoft.com/office/powerpoint/2010/main" val="1710153052"/>
+      </p:ext>
+    </p:extLst>
+  </p:cSld>
+  <p:clrMapOvr>
+    <a:masterClrMapping/>
+  </p:clrMapOvr>
+</p:sld>
+</file>
+
 <file path=ppt/slides/slide2.xml><?xml version="1.0" encoding="utf-8"?>
 <p:sld xmlns:a="http://schemas.openxmlformats.org/drawingml/2006/main" xmlns:r="http://schemas.openxmlformats.org/officeDocument/2006/relationships" xmlns:p="http://schemas.openxmlformats.org/presentationml/2006/main">
   <p:cSld>
@@ -7016,7 +15865,7 @@
             <a:effectLst/>
             <a:extLst>
               <a:ext uri="{C572A759-6A51-4108-AA02-DFA0A04FC94B}">
-                <ma14:wrappingTextBoxFlag xmlns:ma14="http://schemas.microsoft.com/office/mac/drawingml/2011/main" xmlns:a14="http://schemas.microsoft.com/office/drawing/2010/main" xmlns:m="http://schemas.openxmlformats.org/officeDocument/2006/math" xmlns="" val="1"/>
+                <ma14:wrappingTextBoxFlag xmlns="" xmlns:m="http://schemas.openxmlformats.org/officeDocument/2006/math" xmlns:a14="http://schemas.microsoft.com/office/drawing/2010/main" xmlns:ma14="http://schemas.microsoft.com/office/mac/drawingml/2011/main" val="1"/>
               </a:ext>
             </a:extLst>
           </p:spPr>
@@ -7207,7 +16056,7 @@
             <a:effectLst/>
             <a:extLst>
               <a:ext uri="{C572A759-6A51-4108-AA02-DFA0A04FC94B}">
-                <ma14:wrappingTextBoxFlag xmlns:ma14="http://schemas.microsoft.com/office/mac/drawingml/2011/main" xmlns:a14="http://schemas.microsoft.com/office/drawing/2010/main" xmlns:m="http://schemas.openxmlformats.org/officeDocument/2006/math" xmlns="" val="1"/>
+                <ma14:wrappingTextBoxFlag xmlns="" xmlns:m="http://schemas.openxmlformats.org/officeDocument/2006/math" xmlns:a14="http://schemas.microsoft.com/office/drawing/2010/main" xmlns:ma14="http://schemas.microsoft.com/office/mac/drawingml/2011/main" val="1"/>
               </a:ext>
             </a:extLst>
           </p:spPr>
@@ -7283,7 +16132,7 @@
         </p:nvSpPr>
         <p:spPr>
           <a:xfrm>
-            <a:off x="2028297" y="1347361"/>
+            <a:off x="2028297" y="1322309"/>
             <a:ext cx="325305" cy="629490"/>
           </a:xfrm>
           <a:prstGeom prst="roundRect">
@@ -7495,7 +16344,7 @@
             <a:effectLst/>
             <a:extLst>
               <a:ext uri="{C572A759-6A51-4108-AA02-DFA0A04FC94B}">
-                <ma14:wrappingTextBoxFlag xmlns:ma14="http://schemas.microsoft.com/office/mac/drawingml/2011/main" xmlns:a14="http://schemas.microsoft.com/office/drawing/2010/main" xmlns:m="http://schemas.openxmlformats.org/officeDocument/2006/math" xmlns="" val="1"/>
+                <ma14:wrappingTextBoxFlag xmlns="" xmlns:m="http://schemas.openxmlformats.org/officeDocument/2006/math" xmlns:a14="http://schemas.microsoft.com/office/drawing/2010/main" xmlns:ma14="http://schemas.microsoft.com/office/mac/drawingml/2011/main" val="1"/>
               </a:ext>
             </a:extLst>
           </p:spPr>
@@ -7733,7 +16582,7 @@
             <a:effectLst/>
             <a:extLst>
               <a:ext uri="{C572A759-6A51-4108-AA02-DFA0A04FC94B}">
-                <ma14:wrappingTextBoxFlag xmlns:ma14="http://schemas.microsoft.com/office/mac/drawingml/2011/main" xmlns:a14="http://schemas.microsoft.com/office/drawing/2010/main" xmlns:m="http://schemas.openxmlformats.org/officeDocument/2006/math" xmlns="" val="1"/>
+                <ma14:wrappingTextBoxFlag xmlns="" xmlns:m="http://schemas.openxmlformats.org/officeDocument/2006/math" xmlns:a14="http://schemas.microsoft.com/office/drawing/2010/main" xmlns:ma14="http://schemas.microsoft.com/office/mac/drawingml/2011/main" val="1"/>
               </a:ext>
             </a:extLst>
           </p:spPr>
@@ -7924,7 +16773,7 @@
             <a:effectLst/>
             <a:extLst>
               <a:ext uri="{C572A759-6A51-4108-AA02-DFA0A04FC94B}">
-                <ma14:wrappingTextBoxFlag xmlns:ma14="http://schemas.microsoft.com/office/mac/drawingml/2011/main" xmlns:a14="http://schemas.microsoft.com/office/drawing/2010/main" xmlns:m="http://schemas.openxmlformats.org/officeDocument/2006/math" xmlns="" val="1"/>
+                <ma14:wrappingTextBoxFlag xmlns="" xmlns:m="http://schemas.openxmlformats.org/officeDocument/2006/math" xmlns:a14="http://schemas.microsoft.com/office/drawing/2010/main" xmlns:ma14="http://schemas.microsoft.com/office/mac/drawingml/2011/main" val="1"/>
               </a:ext>
             </a:extLst>
           </p:spPr>
@@ -8212,7 +17061,7 @@
             <a:effectLst/>
             <a:extLst>
               <a:ext uri="{C572A759-6A51-4108-AA02-DFA0A04FC94B}">
-                <ma14:wrappingTextBoxFlag xmlns:ma14="http://schemas.microsoft.com/office/mac/drawingml/2011/main" xmlns:a14="http://schemas.microsoft.com/office/drawing/2010/main" xmlns:m="http://schemas.openxmlformats.org/officeDocument/2006/math" xmlns="" val="1"/>
+                <ma14:wrappingTextBoxFlag xmlns="" xmlns:m="http://schemas.openxmlformats.org/officeDocument/2006/math" xmlns:a14="http://schemas.microsoft.com/office/drawing/2010/main" xmlns:ma14="http://schemas.microsoft.com/office/mac/drawingml/2011/main" val="1"/>
               </a:ext>
             </a:extLst>
           </p:spPr>
@@ -8908,7 +17757,7 @@
               <a:effectLst/>
               <a:extLst>
                 <a:ext uri="{C572A759-6A51-4108-AA02-DFA0A04FC94B}">
-                  <ma14:wrappingTextBoxFlag xmlns="" xmlns:m="http://schemas.openxmlformats.org/officeDocument/2006/math" xmlns:a14="http://schemas.microsoft.com/office/drawing/2010/main" xmlns:ma14="http://schemas.microsoft.com/office/mac/drawingml/2011/main" val="1"/>
+                  <ma14:wrappingTextBoxFlag xmlns:ma14="http://schemas.microsoft.com/office/mac/drawingml/2011/main" xmlns:a14="http://schemas.microsoft.com/office/drawing/2010/main" xmlns:m="http://schemas.openxmlformats.org/officeDocument/2006/math" xmlns="" val="1"/>
                 </a:ext>
               </a:extLst>
             </p:spPr>
@@ -9099,7 +17948,7 @@
               <a:effectLst/>
               <a:extLst>
                 <a:ext uri="{C572A759-6A51-4108-AA02-DFA0A04FC94B}">
-                  <ma14:wrappingTextBoxFlag xmlns="" xmlns:m="http://schemas.openxmlformats.org/officeDocument/2006/math" xmlns:a14="http://schemas.microsoft.com/office/drawing/2010/main" xmlns:ma14="http://schemas.microsoft.com/office/mac/drawingml/2011/main" val="1"/>
+                  <ma14:wrappingTextBoxFlag xmlns:ma14="http://schemas.microsoft.com/office/mac/drawingml/2011/main" xmlns:a14="http://schemas.microsoft.com/office/drawing/2010/main" xmlns:m="http://schemas.openxmlformats.org/officeDocument/2006/math" xmlns="" val="1"/>
                 </a:ext>
               </a:extLst>
             </p:spPr>
@@ -9387,7 +18236,7 @@
               <a:effectLst/>
               <a:extLst>
                 <a:ext uri="{C572A759-6A51-4108-AA02-DFA0A04FC94B}">
-                  <ma14:wrappingTextBoxFlag xmlns="" xmlns:m="http://schemas.openxmlformats.org/officeDocument/2006/math" xmlns:a14="http://schemas.microsoft.com/office/drawing/2010/main" xmlns:ma14="http://schemas.microsoft.com/office/mac/drawingml/2011/main" val="1"/>
+                  <ma14:wrappingTextBoxFlag xmlns:ma14="http://schemas.microsoft.com/office/mac/drawingml/2011/main" xmlns:a14="http://schemas.microsoft.com/office/drawing/2010/main" xmlns:m="http://schemas.openxmlformats.org/officeDocument/2006/math" xmlns="" val="1"/>
                 </a:ext>
               </a:extLst>
             </p:spPr>
@@ -9628,7 +18477,7 @@
             <a:effectLst/>
             <a:extLst>
               <a:ext uri="{C572A759-6A51-4108-AA02-DFA0A04FC94B}">
-                <ma14:wrappingTextBoxFlag xmlns="" xmlns:m="http://schemas.openxmlformats.org/officeDocument/2006/math" xmlns:a14="http://schemas.microsoft.com/office/drawing/2010/main" xmlns:ma14="http://schemas.microsoft.com/office/mac/drawingml/2011/main" val="1"/>
+                <ma14:wrappingTextBoxFlag xmlns:ma14="http://schemas.microsoft.com/office/mac/drawingml/2011/main" xmlns:a14="http://schemas.microsoft.com/office/drawing/2010/main" xmlns:m="http://schemas.openxmlformats.org/officeDocument/2006/math" xmlns="" val="1"/>
               </a:ext>
             </a:extLst>
           </p:spPr>
@@ -9819,7 +18668,7 @@
             <a:effectLst/>
             <a:extLst>
               <a:ext uri="{C572A759-6A51-4108-AA02-DFA0A04FC94B}">
-                <ma14:wrappingTextBoxFlag xmlns="" xmlns:m="http://schemas.openxmlformats.org/officeDocument/2006/math" xmlns:a14="http://schemas.microsoft.com/office/drawing/2010/main" xmlns:ma14="http://schemas.microsoft.com/office/mac/drawingml/2011/main" val="1"/>
+                <ma14:wrappingTextBoxFlag xmlns:ma14="http://schemas.microsoft.com/office/mac/drawingml/2011/main" xmlns:a14="http://schemas.microsoft.com/office/drawing/2010/main" xmlns:m="http://schemas.openxmlformats.org/officeDocument/2006/math" xmlns="" val="1"/>
               </a:ext>
             </a:extLst>
           </p:spPr>
@@ -10107,7 +18956,7 @@
             <a:effectLst/>
             <a:extLst>
               <a:ext uri="{C572A759-6A51-4108-AA02-DFA0A04FC94B}">
-                <ma14:wrappingTextBoxFlag xmlns="" xmlns:m="http://schemas.openxmlformats.org/officeDocument/2006/math" xmlns:a14="http://schemas.microsoft.com/office/drawing/2010/main" xmlns:ma14="http://schemas.microsoft.com/office/mac/drawingml/2011/main" val="1"/>
+                <ma14:wrappingTextBoxFlag xmlns:ma14="http://schemas.microsoft.com/office/mac/drawingml/2011/main" xmlns:a14="http://schemas.microsoft.com/office/drawing/2010/main" xmlns:m="http://schemas.openxmlformats.org/officeDocument/2006/math" xmlns="" val="1"/>
               </a:ext>
             </a:extLst>
           </p:spPr>
@@ -10471,7 +19320,7 @@
               <a:effectLst/>
               <a:extLst>
                 <a:ext uri="{C572A759-6A51-4108-AA02-DFA0A04FC94B}">
-                  <ma14:wrappingTextBoxFlag xmlns="" xmlns:m="http://schemas.openxmlformats.org/officeDocument/2006/math" xmlns:a14="http://schemas.microsoft.com/office/drawing/2010/main" xmlns:ma14="http://schemas.microsoft.com/office/mac/drawingml/2011/main" val="1"/>
+                  <ma14:wrappingTextBoxFlag xmlns:ma14="http://schemas.microsoft.com/office/mac/drawingml/2011/main" xmlns:a14="http://schemas.microsoft.com/office/drawing/2010/main" xmlns:m="http://schemas.openxmlformats.org/officeDocument/2006/math" xmlns="" val="1"/>
                 </a:ext>
               </a:extLst>
             </p:spPr>
@@ -10680,7 +19529,7 @@
               <a:effectLst/>
               <a:extLst>
                 <a:ext uri="{C572A759-6A51-4108-AA02-DFA0A04FC94B}">
-                  <ma14:wrappingTextBoxFlag xmlns="" xmlns:m="http://schemas.openxmlformats.org/officeDocument/2006/math" xmlns:a14="http://schemas.microsoft.com/office/drawing/2010/main" xmlns:ma14="http://schemas.microsoft.com/office/mac/drawingml/2011/main" val="1"/>
+                  <ma14:wrappingTextBoxFlag xmlns:ma14="http://schemas.microsoft.com/office/mac/drawingml/2011/main" xmlns:a14="http://schemas.microsoft.com/office/drawing/2010/main" xmlns:m="http://schemas.openxmlformats.org/officeDocument/2006/math" xmlns="" val="1"/>
                 </a:ext>
               </a:extLst>
             </p:spPr>
@@ -11001,7 +19850,7 @@
               <a:effectLst/>
               <a:extLst>
                 <a:ext uri="{C572A759-6A51-4108-AA02-DFA0A04FC94B}">
-                  <ma14:wrappingTextBoxFlag xmlns="" xmlns:m="http://schemas.openxmlformats.org/officeDocument/2006/math" xmlns:a14="http://schemas.microsoft.com/office/drawing/2010/main" xmlns:ma14="http://schemas.microsoft.com/office/mac/drawingml/2011/main" val="1"/>
+                  <ma14:wrappingTextBoxFlag xmlns:ma14="http://schemas.microsoft.com/office/mac/drawingml/2011/main" xmlns:a14="http://schemas.microsoft.com/office/drawing/2010/main" xmlns:m="http://schemas.openxmlformats.org/officeDocument/2006/math" xmlns="" val="1"/>
                 </a:ext>
               </a:extLst>
             </p:spPr>
@@ -11412,7 +20261,7 @@
             <a:effectLst/>
             <a:extLst>
               <a:ext uri="{C572A759-6A51-4108-AA02-DFA0A04FC94B}">
-                <ma14:wrappingTextBoxFlag xmlns="" xmlns:m="http://schemas.openxmlformats.org/officeDocument/2006/math" xmlns:a14="http://schemas.microsoft.com/office/drawing/2010/main" xmlns:ma14="http://schemas.microsoft.com/office/mac/drawingml/2011/main" val="1"/>
+                <ma14:wrappingTextBoxFlag xmlns:ma14="http://schemas.microsoft.com/office/mac/drawingml/2011/main" xmlns:a14="http://schemas.microsoft.com/office/drawing/2010/main" xmlns:m="http://schemas.openxmlformats.org/officeDocument/2006/math" xmlns="" val="1"/>
               </a:ext>
             </a:extLst>
           </p:spPr>
@@ -11603,7 +20452,7 @@
             <a:effectLst/>
             <a:extLst>
               <a:ext uri="{C572A759-6A51-4108-AA02-DFA0A04FC94B}">
-                <ma14:wrappingTextBoxFlag xmlns="" xmlns:m="http://schemas.openxmlformats.org/officeDocument/2006/math" xmlns:a14="http://schemas.microsoft.com/office/drawing/2010/main" xmlns:ma14="http://schemas.microsoft.com/office/mac/drawingml/2011/main" val="1"/>
+                <ma14:wrappingTextBoxFlag xmlns:ma14="http://schemas.microsoft.com/office/mac/drawingml/2011/main" xmlns:a14="http://schemas.microsoft.com/office/drawing/2010/main" xmlns:m="http://schemas.openxmlformats.org/officeDocument/2006/math" xmlns="" val="1"/>
               </a:ext>
             </a:extLst>
           </p:spPr>
@@ -12157,7 +21006,7 @@
             <a:effectLst/>
             <a:extLst>
               <a:ext uri="{C572A759-6A51-4108-AA02-DFA0A04FC94B}">
-                <ma14:wrappingTextBoxFlag xmlns="" xmlns:m="http://schemas.openxmlformats.org/officeDocument/2006/math" xmlns:a14="http://schemas.microsoft.com/office/drawing/2010/main" xmlns:ma14="http://schemas.microsoft.com/office/mac/drawingml/2011/main" val="1"/>
+                <ma14:wrappingTextBoxFlag xmlns:ma14="http://schemas.microsoft.com/office/mac/drawingml/2011/main" xmlns:a14="http://schemas.microsoft.com/office/drawing/2010/main" xmlns:m="http://schemas.openxmlformats.org/officeDocument/2006/math" xmlns="" val="1"/>
               </a:ext>
             </a:extLst>
           </p:spPr>
@@ -12348,7 +21197,7 @@
             <a:effectLst/>
             <a:extLst>
               <a:ext uri="{C572A759-6A51-4108-AA02-DFA0A04FC94B}">
-                <ma14:wrappingTextBoxFlag xmlns="" xmlns:m="http://schemas.openxmlformats.org/officeDocument/2006/math" xmlns:a14="http://schemas.microsoft.com/office/drawing/2010/main" xmlns:ma14="http://schemas.microsoft.com/office/mac/drawingml/2011/main" val="1"/>
+                <ma14:wrappingTextBoxFlag xmlns:ma14="http://schemas.microsoft.com/office/mac/drawingml/2011/main" xmlns:a14="http://schemas.microsoft.com/office/drawing/2010/main" xmlns:m="http://schemas.openxmlformats.org/officeDocument/2006/math" xmlns="" val="1"/>
               </a:ext>
             </a:extLst>
           </p:spPr>
@@ -12636,7 +21485,7 @@
             <a:effectLst/>
             <a:extLst>
               <a:ext uri="{C572A759-6A51-4108-AA02-DFA0A04FC94B}">
-                <ma14:wrappingTextBoxFlag xmlns="" xmlns:m="http://schemas.openxmlformats.org/officeDocument/2006/math" xmlns:a14="http://schemas.microsoft.com/office/drawing/2010/main" xmlns:ma14="http://schemas.microsoft.com/office/mac/drawingml/2011/main" val="1"/>
+                <ma14:wrappingTextBoxFlag xmlns:ma14="http://schemas.microsoft.com/office/mac/drawingml/2011/main" xmlns:a14="http://schemas.microsoft.com/office/drawing/2010/main" xmlns:m="http://schemas.openxmlformats.org/officeDocument/2006/math" xmlns="" val="1"/>
               </a:ext>
             </a:extLst>
           </p:spPr>
@@ -13145,7 +21994,7 @@
               <a:effectLst/>
               <a:extLst>
                 <a:ext uri="{C572A759-6A51-4108-AA02-DFA0A04FC94B}">
-                  <ma14:wrappingTextBoxFlag xmlns="" xmlns:m="http://schemas.openxmlformats.org/officeDocument/2006/math" xmlns:a14="http://schemas.microsoft.com/office/drawing/2010/main" xmlns:ma14="http://schemas.microsoft.com/office/mac/drawingml/2011/main" val="1"/>
+                  <ma14:wrappingTextBoxFlag xmlns:ma14="http://schemas.microsoft.com/office/mac/drawingml/2011/main" xmlns:a14="http://schemas.microsoft.com/office/drawing/2010/main" xmlns:m="http://schemas.openxmlformats.org/officeDocument/2006/math" xmlns="" val="1"/>
                 </a:ext>
               </a:extLst>
             </p:spPr>
@@ -13352,7 +22201,7 @@
               <a:effectLst/>
               <a:extLst>
                 <a:ext uri="{C572A759-6A51-4108-AA02-DFA0A04FC94B}">
-                  <ma14:wrappingTextBoxFlag xmlns="" xmlns:m="http://schemas.openxmlformats.org/officeDocument/2006/math" xmlns:a14="http://schemas.microsoft.com/office/drawing/2010/main" xmlns:ma14="http://schemas.microsoft.com/office/mac/drawingml/2011/main" val="1"/>
+                  <ma14:wrappingTextBoxFlag xmlns:ma14="http://schemas.microsoft.com/office/mac/drawingml/2011/main" xmlns:a14="http://schemas.microsoft.com/office/drawing/2010/main" xmlns:m="http://schemas.openxmlformats.org/officeDocument/2006/math" xmlns="" val="1"/>
                 </a:ext>
               </a:extLst>
             </p:spPr>
@@ -13608,7 +22457,7 @@
             <a:effectLst/>
             <a:extLst>
               <a:ext uri="{C572A759-6A51-4108-AA02-DFA0A04FC94B}">
-                <ma14:wrappingTextBoxFlag xmlns="" xmlns:m="http://schemas.openxmlformats.org/officeDocument/2006/math" xmlns:a14="http://schemas.microsoft.com/office/drawing/2010/main" xmlns:ma14="http://schemas.microsoft.com/office/mac/drawingml/2011/main" val="1"/>
+                <ma14:wrappingTextBoxFlag xmlns:ma14="http://schemas.microsoft.com/office/mac/drawingml/2011/main" xmlns:a14="http://schemas.microsoft.com/office/drawing/2010/main" xmlns:m="http://schemas.openxmlformats.org/officeDocument/2006/math" xmlns="" val="1"/>
               </a:ext>
             </a:extLst>
           </p:spPr>
@@ -13815,7 +22664,7 @@
             <a:effectLst/>
             <a:extLst>
               <a:ext uri="{C572A759-6A51-4108-AA02-DFA0A04FC94B}">
-                <ma14:wrappingTextBoxFlag xmlns="" xmlns:m="http://schemas.openxmlformats.org/officeDocument/2006/math" xmlns:a14="http://schemas.microsoft.com/office/drawing/2010/main" xmlns:ma14="http://schemas.microsoft.com/office/mac/drawingml/2011/main" val="1"/>
+                <ma14:wrappingTextBoxFlag xmlns:ma14="http://schemas.microsoft.com/office/mac/drawingml/2011/main" xmlns:a14="http://schemas.microsoft.com/office/drawing/2010/main" xmlns:m="http://schemas.openxmlformats.org/officeDocument/2006/math" xmlns="" val="1"/>
               </a:ext>
             </a:extLst>
           </p:spPr>
@@ -14119,7 +22968,7 @@
             <a:effectLst/>
             <a:extLst>
               <a:ext uri="{C572A759-6A51-4108-AA02-DFA0A04FC94B}">
-                <ma14:wrappingTextBoxFlag xmlns="" xmlns:m="http://schemas.openxmlformats.org/officeDocument/2006/math" xmlns:a14="http://schemas.microsoft.com/office/drawing/2010/main" xmlns:ma14="http://schemas.microsoft.com/office/mac/drawingml/2011/main" val="1"/>
+                <ma14:wrappingTextBoxFlag xmlns:ma14="http://schemas.microsoft.com/office/mac/drawingml/2011/main" xmlns:a14="http://schemas.microsoft.com/office/drawing/2010/main" xmlns:m="http://schemas.openxmlformats.org/officeDocument/2006/math" xmlns="" val="1"/>
               </a:ext>
             </a:extLst>
           </p:spPr>
@@ -14747,7 +23596,7 @@
             <a:effectLst/>
             <a:extLst>
               <a:ext uri="{C572A759-6A51-4108-AA02-DFA0A04FC94B}">
-                <ma14:wrappingTextBoxFlag xmlns="" xmlns:m="http://schemas.openxmlformats.org/officeDocument/2006/math" xmlns:a14="http://schemas.microsoft.com/office/drawing/2010/main" xmlns:ma14="http://schemas.microsoft.com/office/mac/drawingml/2011/main" val="1"/>
+                <ma14:wrappingTextBoxFlag xmlns:ma14="http://schemas.microsoft.com/office/mac/drawingml/2011/main" xmlns:a14="http://schemas.microsoft.com/office/drawing/2010/main" xmlns:m="http://schemas.openxmlformats.org/officeDocument/2006/math" xmlns="" val="1"/>
               </a:ext>
             </a:extLst>
           </p:spPr>
@@ -15552,7 +24401,7 @@
               <a:effectLst/>
               <a:extLst>
                 <a:ext uri="{C572A759-6A51-4108-AA02-DFA0A04FC94B}">
-                  <ma14:wrappingTextBoxFlag xmlns="" xmlns:m="http://schemas.openxmlformats.org/officeDocument/2006/math" xmlns:a14="http://schemas.microsoft.com/office/drawing/2010/main" xmlns:ma14="http://schemas.microsoft.com/office/mac/drawingml/2011/main" val="1"/>
+                  <ma14:wrappingTextBoxFlag xmlns:ma14="http://schemas.microsoft.com/office/mac/drawingml/2011/main" xmlns:a14="http://schemas.microsoft.com/office/drawing/2010/main" xmlns:m="http://schemas.openxmlformats.org/officeDocument/2006/math" xmlns="" val="1"/>
                 </a:ext>
               </a:extLst>
             </p:spPr>
@@ -15759,7 +24608,7 @@
               <a:effectLst/>
               <a:extLst>
                 <a:ext uri="{C572A759-6A51-4108-AA02-DFA0A04FC94B}">
-                  <ma14:wrappingTextBoxFlag xmlns="" xmlns:m="http://schemas.openxmlformats.org/officeDocument/2006/math" xmlns:a14="http://schemas.microsoft.com/office/drawing/2010/main" xmlns:ma14="http://schemas.microsoft.com/office/mac/drawingml/2011/main" val="1"/>
+                  <ma14:wrappingTextBoxFlag xmlns:ma14="http://schemas.microsoft.com/office/mac/drawingml/2011/main" xmlns:a14="http://schemas.microsoft.com/office/drawing/2010/main" xmlns:m="http://schemas.openxmlformats.org/officeDocument/2006/math" xmlns="" val="1"/>
                 </a:ext>
               </a:extLst>
             </p:spPr>
@@ -16486,7 +25335,7 @@
             <a:effectLst/>
             <a:extLst>
               <a:ext uri="{C572A759-6A51-4108-AA02-DFA0A04FC94B}">
-                <ma14:wrappingTextBoxFlag xmlns="" xmlns:m="http://schemas.openxmlformats.org/officeDocument/2006/math" xmlns:a14="http://schemas.microsoft.com/office/drawing/2010/main" xmlns:ma14="http://schemas.microsoft.com/office/mac/drawingml/2011/main" val="1"/>
+                <ma14:wrappingTextBoxFlag xmlns:ma14="http://schemas.microsoft.com/office/mac/drawingml/2011/main" xmlns:a14="http://schemas.microsoft.com/office/drawing/2010/main" xmlns:m="http://schemas.openxmlformats.org/officeDocument/2006/math" xmlns="" val="1"/>
               </a:ext>
             </a:extLst>
           </p:spPr>
@@ -16690,7 +25539,7 @@
             <a:effectLst/>
             <a:extLst>
               <a:ext uri="{C572A759-6A51-4108-AA02-DFA0A04FC94B}">
-                <ma14:wrappingTextBoxFlag xmlns="" xmlns:m="http://schemas.openxmlformats.org/officeDocument/2006/math" xmlns:a14="http://schemas.microsoft.com/office/drawing/2010/main" xmlns:ma14="http://schemas.microsoft.com/office/mac/drawingml/2011/main" val="1"/>
+                <ma14:wrappingTextBoxFlag xmlns:ma14="http://schemas.microsoft.com/office/mac/drawingml/2011/main" xmlns:a14="http://schemas.microsoft.com/office/drawing/2010/main" xmlns:m="http://schemas.openxmlformats.org/officeDocument/2006/math" xmlns="" val="1"/>
               </a:ext>
             </a:extLst>
           </p:spPr>
@@ -16991,7 +25840,7 @@
             <a:effectLst/>
             <a:extLst>
               <a:ext uri="{C572A759-6A51-4108-AA02-DFA0A04FC94B}">
-                <ma14:wrappingTextBoxFlag xmlns="" xmlns:m="http://schemas.openxmlformats.org/officeDocument/2006/math" xmlns:a14="http://schemas.microsoft.com/office/drawing/2010/main" xmlns:ma14="http://schemas.microsoft.com/office/mac/drawingml/2011/main" val="1"/>
+                <ma14:wrappingTextBoxFlag xmlns:ma14="http://schemas.microsoft.com/office/mac/drawingml/2011/main" xmlns:a14="http://schemas.microsoft.com/office/drawing/2010/main" xmlns:m="http://schemas.openxmlformats.org/officeDocument/2006/math" xmlns="" val="1"/>
               </a:ext>
             </a:extLst>
           </p:spPr>
@@ -17183,7 +26032,7 @@
             <a:effectLst/>
             <a:extLst>
               <a:ext uri="{C572A759-6A51-4108-AA02-DFA0A04FC94B}">
-                <ma14:wrappingTextBoxFlag xmlns="" xmlns:m="http://schemas.openxmlformats.org/officeDocument/2006/math" xmlns:a14="http://schemas.microsoft.com/office/drawing/2010/main" xmlns:ma14="http://schemas.microsoft.com/office/mac/drawingml/2011/main" val="1"/>
+                <ma14:wrappingTextBoxFlag xmlns:ma14="http://schemas.microsoft.com/office/mac/drawingml/2011/main" xmlns:a14="http://schemas.microsoft.com/office/drawing/2010/main" xmlns:m="http://schemas.openxmlformats.org/officeDocument/2006/math" xmlns="" val="1"/>
               </a:ext>
             </a:extLst>
           </p:spPr>
@@ -17374,7 +26223,7 @@
             <a:effectLst/>
             <a:extLst>
               <a:ext uri="{C572A759-6A51-4108-AA02-DFA0A04FC94B}">
-                <ma14:wrappingTextBoxFlag xmlns="" xmlns:m="http://schemas.openxmlformats.org/officeDocument/2006/math" xmlns:a14="http://schemas.microsoft.com/office/drawing/2010/main" xmlns:ma14="http://schemas.microsoft.com/office/mac/drawingml/2011/main" val="1"/>
+                <ma14:wrappingTextBoxFlag xmlns:ma14="http://schemas.microsoft.com/office/mac/drawingml/2011/main" xmlns:a14="http://schemas.microsoft.com/office/drawing/2010/main" xmlns:m="http://schemas.openxmlformats.org/officeDocument/2006/math" xmlns="" val="1"/>
               </a:ext>
             </a:extLst>
           </p:spPr>
@@ -17662,7 +26511,7 @@
             <a:effectLst/>
             <a:extLst>
               <a:ext uri="{C572A759-6A51-4108-AA02-DFA0A04FC94B}">
-                <ma14:wrappingTextBoxFlag xmlns="" xmlns:m="http://schemas.openxmlformats.org/officeDocument/2006/math" xmlns:a14="http://schemas.microsoft.com/office/drawing/2010/main" xmlns:ma14="http://schemas.microsoft.com/office/mac/drawingml/2011/main" val="1"/>
+                <ma14:wrappingTextBoxFlag xmlns:ma14="http://schemas.microsoft.com/office/mac/drawingml/2011/main" xmlns:a14="http://schemas.microsoft.com/office/drawing/2010/main" xmlns:m="http://schemas.openxmlformats.org/officeDocument/2006/math" xmlns="" val="1"/>
               </a:ext>
             </a:extLst>
           </p:spPr>
@@ -18058,7 +26907,7 @@
             <a:effectLst/>
             <a:extLst>
               <a:ext uri="{C572A759-6A51-4108-AA02-DFA0A04FC94B}">
-                <ma14:wrappingTextBoxFlag xmlns="" xmlns:m="http://schemas.openxmlformats.org/officeDocument/2006/math" xmlns:a14="http://schemas.microsoft.com/office/drawing/2010/main" xmlns:ma14="http://schemas.microsoft.com/office/mac/drawingml/2011/main" val="1"/>
+                <ma14:wrappingTextBoxFlag xmlns:ma14="http://schemas.microsoft.com/office/mac/drawingml/2011/main" xmlns:a14="http://schemas.microsoft.com/office/drawing/2010/main" xmlns:m="http://schemas.openxmlformats.org/officeDocument/2006/math" xmlns="" val="1"/>
               </a:ext>
             </a:extLst>
           </p:spPr>
@@ -18262,7 +27111,7 @@
             <a:effectLst/>
             <a:extLst>
               <a:ext uri="{C572A759-6A51-4108-AA02-DFA0A04FC94B}">
-                <ma14:wrappingTextBoxFlag xmlns="" xmlns:m="http://schemas.openxmlformats.org/officeDocument/2006/math" xmlns:a14="http://schemas.microsoft.com/office/drawing/2010/main" xmlns:ma14="http://schemas.microsoft.com/office/mac/drawingml/2011/main" val="1"/>
+                <ma14:wrappingTextBoxFlag xmlns:ma14="http://schemas.microsoft.com/office/mac/drawingml/2011/main" xmlns:a14="http://schemas.microsoft.com/office/drawing/2010/main" xmlns:m="http://schemas.openxmlformats.org/officeDocument/2006/math" xmlns="" val="1"/>
               </a:ext>
             </a:extLst>
           </p:spPr>
@@ -18563,7 +27412,7 @@
             <a:effectLst/>
             <a:extLst>
               <a:ext uri="{C572A759-6A51-4108-AA02-DFA0A04FC94B}">
-                <ma14:wrappingTextBoxFlag xmlns="" xmlns:m="http://schemas.openxmlformats.org/officeDocument/2006/math" xmlns:a14="http://schemas.microsoft.com/office/drawing/2010/main" xmlns:ma14="http://schemas.microsoft.com/office/mac/drawingml/2011/main" val="1"/>
+                <ma14:wrappingTextBoxFlag xmlns:ma14="http://schemas.microsoft.com/office/mac/drawingml/2011/main" xmlns:a14="http://schemas.microsoft.com/office/drawing/2010/main" xmlns:m="http://schemas.openxmlformats.org/officeDocument/2006/math" xmlns="" val="1"/>
               </a:ext>
             </a:extLst>
           </p:spPr>
@@ -18755,7 +27604,7 @@
             <a:effectLst/>
             <a:extLst>
               <a:ext uri="{C572A759-6A51-4108-AA02-DFA0A04FC94B}">
-                <ma14:wrappingTextBoxFlag xmlns="" xmlns:m="http://schemas.openxmlformats.org/officeDocument/2006/math" xmlns:a14="http://schemas.microsoft.com/office/drawing/2010/main" xmlns:ma14="http://schemas.microsoft.com/office/mac/drawingml/2011/main" val="1"/>
+                <ma14:wrappingTextBoxFlag xmlns:ma14="http://schemas.microsoft.com/office/mac/drawingml/2011/main" xmlns:a14="http://schemas.microsoft.com/office/drawing/2010/main" xmlns:m="http://schemas.openxmlformats.org/officeDocument/2006/math" xmlns="" val="1"/>
               </a:ext>
             </a:extLst>
           </p:spPr>
@@ -18946,7 +27795,7 @@
             <a:effectLst/>
             <a:extLst>
               <a:ext uri="{C572A759-6A51-4108-AA02-DFA0A04FC94B}">
-                <ma14:wrappingTextBoxFlag xmlns="" xmlns:m="http://schemas.openxmlformats.org/officeDocument/2006/math" xmlns:a14="http://schemas.microsoft.com/office/drawing/2010/main" xmlns:ma14="http://schemas.microsoft.com/office/mac/drawingml/2011/main" val="1"/>
+                <ma14:wrappingTextBoxFlag xmlns:ma14="http://schemas.microsoft.com/office/mac/drawingml/2011/main" xmlns:a14="http://schemas.microsoft.com/office/drawing/2010/main" xmlns:m="http://schemas.openxmlformats.org/officeDocument/2006/math" xmlns="" val="1"/>
               </a:ext>
             </a:extLst>
           </p:spPr>
@@ -19234,7 +28083,7 @@
             <a:effectLst/>
             <a:extLst>
               <a:ext uri="{C572A759-6A51-4108-AA02-DFA0A04FC94B}">
-                <ma14:wrappingTextBoxFlag xmlns="" xmlns:m="http://schemas.openxmlformats.org/officeDocument/2006/math" xmlns:a14="http://schemas.microsoft.com/office/drawing/2010/main" xmlns:ma14="http://schemas.microsoft.com/office/mac/drawingml/2011/main" val="1"/>
+                <ma14:wrappingTextBoxFlag xmlns:ma14="http://schemas.microsoft.com/office/mac/drawingml/2011/main" xmlns:a14="http://schemas.microsoft.com/office/drawing/2010/main" xmlns:m="http://schemas.openxmlformats.org/officeDocument/2006/math" xmlns="" val="1"/>
               </a:ext>
             </a:extLst>
           </p:spPr>
@@ -19769,7 +28618,7 @@
             <a:effectLst/>
             <a:extLst>
               <a:ext uri="{C572A759-6A51-4108-AA02-DFA0A04FC94B}">
-                <ma14:wrappingTextBoxFlag xmlns="" xmlns:m="http://schemas.openxmlformats.org/officeDocument/2006/math" xmlns:a14="http://schemas.microsoft.com/office/drawing/2010/main" xmlns:ma14="http://schemas.microsoft.com/office/mac/drawingml/2011/main" val="1"/>
+                <ma14:wrappingTextBoxFlag xmlns:ma14="http://schemas.microsoft.com/office/mac/drawingml/2011/main" xmlns:a14="http://schemas.microsoft.com/office/drawing/2010/main" xmlns:m="http://schemas.openxmlformats.org/officeDocument/2006/math" xmlns="" val="1"/>
               </a:ext>
             </a:extLst>
           </p:spPr>
@@ -19973,7 +28822,7 @@
             <a:effectLst/>
             <a:extLst>
               <a:ext uri="{C572A759-6A51-4108-AA02-DFA0A04FC94B}">
-                <ma14:wrappingTextBoxFlag xmlns="" xmlns:m="http://schemas.openxmlformats.org/officeDocument/2006/math" xmlns:a14="http://schemas.microsoft.com/office/drawing/2010/main" xmlns:ma14="http://schemas.microsoft.com/office/mac/drawingml/2011/main" val="1"/>
+                <ma14:wrappingTextBoxFlag xmlns:ma14="http://schemas.microsoft.com/office/mac/drawingml/2011/main" xmlns:a14="http://schemas.microsoft.com/office/drawing/2010/main" xmlns:m="http://schemas.openxmlformats.org/officeDocument/2006/math" xmlns="" val="1"/>
               </a:ext>
             </a:extLst>
           </p:spPr>
@@ -20274,7 +29123,7 @@
             <a:effectLst/>
             <a:extLst>
               <a:ext uri="{C572A759-6A51-4108-AA02-DFA0A04FC94B}">
-                <ma14:wrappingTextBoxFlag xmlns="" xmlns:m="http://schemas.openxmlformats.org/officeDocument/2006/math" xmlns:a14="http://schemas.microsoft.com/office/drawing/2010/main" xmlns:ma14="http://schemas.microsoft.com/office/mac/drawingml/2011/main" val="1"/>
+                <ma14:wrappingTextBoxFlag xmlns:ma14="http://schemas.microsoft.com/office/mac/drawingml/2011/main" xmlns:a14="http://schemas.microsoft.com/office/drawing/2010/main" xmlns:m="http://schemas.openxmlformats.org/officeDocument/2006/math" xmlns="" val="1"/>
               </a:ext>
             </a:extLst>
           </p:spPr>
@@ -20466,7 +29315,7 @@
             <a:effectLst/>
             <a:extLst>
               <a:ext uri="{C572A759-6A51-4108-AA02-DFA0A04FC94B}">
-                <ma14:wrappingTextBoxFlag xmlns="" xmlns:m="http://schemas.openxmlformats.org/officeDocument/2006/math" xmlns:a14="http://schemas.microsoft.com/office/drawing/2010/main" xmlns:ma14="http://schemas.microsoft.com/office/mac/drawingml/2011/main" val="1"/>
+                <ma14:wrappingTextBoxFlag xmlns:ma14="http://schemas.microsoft.com/office/mac/drawingml/2011/main" xmlns:a14="http://schemas.microsoft.com/office/drawing/2010/main" xmlns:m="http://schemas.openxmlformats.org/officeDocument/2006/math" xmlns="" val="1"/>
               </a:ext>
             </a:extLst>
           </p:spPr>
@@ -20657,7 +29506,7 @@
             <a:effectLst/>
             <a:extLst>
               <a:ext uri="{C572A759-6A51-4108-AA02-DFA0A04FC94B}">
-                <ma14:wrappingTextBoxFlag xmlns="" xmlns:m="http://schemas.openxmlformats.org/officeDocument/2006/math" xmlns:a14="http://schemas.microsoft.com/office/drawing/2010/main" xmlns:ma14="http://schemas.microsoft.com/office/mac/drawingml/2011/main" val="1"/>
+                <ma14:wrappingTextBoxFlag xmlns:ma14="http://schemas.microsoft.com/office/mac/drawingml/2011/main" xmlns:a14="http://schemas.microsoft.com/office/drawing/2010/main" xmlns:m="http://schemas.openxmlformats.org/officeDocument/2006/math" xmlns="" val="1"/>
               </a:ext>
             </a:extLst>
           </p:spPr>
@@ -20945,7 +29794,7 @@
             <a:effectLst/>
             <a:extLst>
               <a:ext uri="{C572A759-6A51-4108-AA02-DFA0A04FC94B}">
-                <ma14:wrappingTextBoxFlag xmlns="" xmlns:m="http://schemas.openxmlformats.org/officeDocument/2006/math" xmlns:a14="http://schemas.microsoft.com/office/drawing/2010/main" xmlns:ma14="http://schemas.microsoft.com/office/mac/drawingml/2011/main" val="1"/>
+                <ma14:wrappingTextBoxFlag xmlns:ma14="http://schemas.microsoft.com/office/mac/drawingml/2011/main" xmlns:a14="http://schemas.microsoft.com/office/drawing/2010/main" xmlns:m="http://schemas.openxmlformats.org/officeDocument/2006/math" xmlns="" val="1"/>
               </a:ext>
             </a:extLst>
           </p:spPr>
@@ -21418,7 +30267,7 @@
             <a:effectLst/>
             <a:extLst>
               <a:ext uri="{C572A759-6A51-4108-AA02-DFA0A04FC94B}">
-                <ma14:wrappingTextBoxFlag xmlns="" xmlns:m="http://schemas.openxmlformats.org/officeDocument/2006/math" xmlns:a14="http://schemas.microsoft.com/office/drawing/2010/main" xmlns:ma14="http://schemas.microsoft.com/office/mac/drawingml/2011/main" val="1"/>
+                <ma14:wrappingTextBoxFlag xmlns:ma14="http://schemas.microsoft.com/office/mac/drawingml/2011/main" xmlns:a14="http://schemas.microsoft.com/office/drawing/2010/main" xmlns:m="http://schemas.openxmlformats.org/officeDocument/2006/math" xmlns="" val="1"/>
               </a:ext>
             </a:extLst>
           </p:spPr>
@@ -21622,7 +30471,7 @@
             <a:effectLst/>
             <a:extLst>
               <a:ext uri="{C572A759-6A51-4108-AA02-DFA0A04FC94B}">
-                <ma14:wrappingTextBoxFlag xmlns="" xmlns:m="http://schemas.openxmlformats.org/officeDocument/2006/math" xmlns:a14="http://schemas.microsoft.com/office/drawing/2010/main" xmlns:ma14="http://schemas.microsoft.com/office/mac/drawingml/2011/main" val="1"/>
+                <ma14:wrappingTextBoxFlag xmlns:ma14="http://schemas.microsoft.com/office/mac/drawingml/2011/main" xmlns:a14="http://schemas.microsoft.com/office/drawing/2010/main" xmlns:m="http://schemas.openxmlformats.org/officeDocument/2006/math" xmlns="" val="1"/>
               </a:ext>
             </a:extLst>
           </p:spPr>
@@ -21923,7 +30772,7 @@
             <a:effectLst/>
             <a:extLst>
               <a:ext uri="{C572A759-6A51-4108-AA02-DFA0A04FC94B}">
-                <ma14:wrappingTextBoxFlag xmlns="" xmlns:m="http://schemas.openxmlformats.org/officeDocument/2006/math" xmlns:a14="http://schemas.microsoft.com/office/drawing/2010/main" xmlns:ma14="http://schemas.microsoft.com/office/mac/drawingml/2011/main" val="1"/>
+                <ma14:wrappingTextBoxFlag xmlns:ma14="http://schemas.microsoft.com/office/mac/drawingml/2011/main" xmlns:a14="http://schemas.microsoft.com/office/drawing/2010/main" xmlns:m="http://schemas.openxmlformats.org/officeDocument/2006/math" xmlns="" val="1"/>
               </a:ext>
             </a:extLst>
           </p:spPr>
@@ -22115,7 +30964,7 @@
             <a:effectLst/>
             <a:extLst>
               <a:ext uri="{C572A759-6A51-4108-AA02-DFA0A04FC94B}">
-                <ma14:wrappingTextBoxFlag xmlns="" xmlns:m="http://schemas.openxmlformats.org/officeDocument/2006/math" xmlns:a14="http://schemas.microsoft.com/office/drawing/2010/main" xmlns:ma14="http://schemas.microsoft.com/office/mac/drawingml/2011/main" val="1"/>
+                <ma14:wrappingTextBoxFlag xmlns:ma14="http://schemas.microsoft.com/office/mac/drawingml/2011/main" xmlns:a14="http://schemas.microsoft.com/office/drawing/2010/main" xmlns:m="http://schemas.openxmlformats.org/officeDocument/2006/math" xmlns="" val="1"/>
               </a:ext>
             </a:extLst>
           </p:spPr>
@@ -22306,7 +31155,7 @@
             <a:effectLst/>
             <a:extLst>
               <a:ext uri="{C572A759-6A51-4108-AA02-DFA0A04FC94B}">
-                <ma14:wrappingTextBoxFlag xmlns="" xmlns:m="http://schemas.openxmlformats.org/officeDocument/2006/math" xmlns:a14="http://schemas.microsoft.com/office/drawing/2010/main" xmlns:ma14="http://schemas.microsoft.com/office/mac/drawingml/2011/main" val="1"/>
+                <ma14:wrappingTextBoxFlag xmlns:ma14="http://schemas.microsoft.com/office/mac/drawingml/2011/main" xmlns:a14="http://schemas.microsoft.com/office/drawing/2010/main" xmlns:m="http://schemas.openxmlformats.org/officeDocument/2006/math" xmlns="" val="1"/>
               </a:ext>
             </a:extLst>
           </p:spPr>
@@ -22594,7 +31443,7 @@
             <a:effectLst/>
             <a:extLst>
               <a:ext uri="{C572A759-6A51-4108-AA02-DFA0A04FC94B}">
-                <ma14:wrappingTextBoxFlag xmlns="" xmlns:m="http://schemas.openxmlformats.org/officeDocument/2006/math" xmlns:a14="http://schemas.microsoft.com/office/drawing/2010/main" xmlns:ma14="http://schemas.microsoft.com/office/mac/drawingml/2011/main" val="1"/>
+                <ma14:wrappingTextBoxFlag xmlns:ma14="http://schemas.microsoft.com/office/mac/drawingml/2011/main" xmlns:a14="http://schemas.microsoft.com/office/drawing/2010/main" xmlns:m="http://schemas.openxmlformats.org/officeDocument/2006/math" xmlns="" val="1"/>
               </a:ext>
             </a:extLst>
           </p:spPr>
@@ -22854,7 +31703,7 @@
             <a:effectLst/>
             <a:extLst>
               <a:ext uri="{C572A759-6A51-4108-AA02-DFA0A04FC94B}">
-                <ma14:wrappingTextBoxFlag xmlns="" xmlns:m="http://schemas.openxmlformats.org/officeDocument/2006/math" xmlns:a14="http://schemas.microsoft.com/office/drawing/2010/main" xmlns:ma14="http://schemas.microsoft.com/office/mac/drawingml/2011/main" val="1"/>
+                <ma14:wrappingTextBoxFlag xmlns:ma14="http://schemas.microsoft.com/office/mac/drawingml/2011/main" xmlns:a14="http://schemas.microsoft.com/office/drawing/2010/main" xmlns:m="http://schemas.openxmlformats.org/officeDocument/2006/math" xmlns="" val="1"/>
               </a:ext>
             </a:extLst>
           </p:spPr>
@@ -23126,7 +31975,7 @@
             <a:effectLst/>
             <a:extLst>
               <a:ext uri="{C572A759-6A51-4108-AA02-DFA0A04FC94B}">
-                <ma14:wrappingTextBoxFlag xmlns="" xmlns:m="http://schemas.openxmlformats.org/officeDocument/2006/math" xmlns:a14="http://schemas.microsoft.com/office/drawing/2010/main" xmlns:ma14="http://schemas.microsoft.com/office/mac/drawingml/2011/main" val="1"/>
+                <ma14:wrappingTextBoxFlag xmlns:ma14="http://schemas.microsoft.com/office/mac/drawingml/2011/main" xmlns:a14="http://schemas.microsoft.com/office/drawing/2010/main" xmlns:m="http://schemas.openxmlformats.org/officeDocument/2006/math" xmlns="" val="1"/>
               </a:ext>
             </a:extLst>
           </p:spPr>
@@ -23472,7 +32321,7 @@
             <a:effectLst/>
             <a:extLst>
               <a:ext uri="{C572A759-6A51-4108-AA02-DFA0A04FC94B}">
-                <ma14:wrappingTextBoxFlag xmlns="" xmlns:m="http://schemas.openxmlformats.org/officeDocument/2006/math" xmlns:a14="http://schemas.microsoft.com/office/drawing/2010/main" xmlns:ma14="http://schemas.microsoft.com/office/mac/drawingml/2011/main" val="1"/>
+                <ma14:wrappingTextBoxFlag xmlns:ma14="http://schemas.microsoft.com/office/mac/drawingml/2011/main" xmlns:a14="http://schemas.microsoft.com/office/drawing/2010/main" xmlns:m="http://schemas.openxmlformats.org/officeDocument/2006/math" xmlns="" val="1"/>
               </a:ext>
             </a:extLst>
           </p:spPr>
@@ -23676,7 +32525,7 @@
             <a:effectLst/>
             <a:extLst>
               <a:ext uri="{C572A759-6A51-4108-AA02-DFA0A04FC94B}">
-                <ma14:wrappingTextBoxFlag xmlns="" xmlns:m="http://schemas.openxmlformats.org/officeDocument/2006/math" xmlns:a14="http://schemas.microsoft.com/office/drawing/2010/main" xmlns:ma14="http://schemas.microsoft.com/office/mac/drawingml/2011/main" val="1"/>
+                <ma14:wrappingTextBoxFlag xmlns:ma14="http://schemas.microsoft.com/office/mac/drawingml/2011/main" xmlns:a14="http://schemas.microsoft.com/office/drawing/2010/main" xmlns:m="http://schemas.openxmlformats.org/officeDocument/2006/math" xmlns="" val="1"/>
               </a:ext>
             </a:extLst>
           </p:spPr>
@@ -24217,7 +33066,7 @@
             <a:effectLst/>
             <a:extLst>
               <a:ext uri="{C572A759-6A51-4108-AA02-DFA0A04FC94B}">
-                <ma14:wrappingTextBoxFlag xmlns:ma14="http://schemas.microsoft.com/office/mac/drawingml/2011/main" xmlns:a14="http://schemas.microsoft.com/office/drawing/2010/main" xmlns:m="http://schemas.openxmlformats.org/officeDocument/2006/math" xmlns="" val="1"/>
+                <ma14:wrappingTextBoxFlag xmlns="" xmlns:m="http://schemas.openxmlformats.org/officeDocument/2006/math" xmlns:a14="http://schemas.microsoft.com/office/drawing/2010/main" xmlns:ma14="http://schemas.microsoft.com/office/mac/drawingml/2011/main" val="1"/>
               </a:ext>
             </a:extLst>
           </p:spPr>
@@ -24421,7 +33270,7 @@
             <a:effectLst/>
             <a:extLst>
               <a:ext uri="{C572A759-6A51-4108-AA02-DFA0A04FC94B}">
-                <ma14:wrappingTextBoxFlag xmlns:ma14="http://schemas.microsoft.com/office/mac/drawingml/2011/main" xmlns:a14="http://schemas.microsoft.com/office/drawing/2010/main" xmlns:m="http://schemas.openxmlformats.org/officeDocument/2006/math" xmlns="" val="1"/>
+                <ma14:wrappingTextBoxFlag xmlns="" xmlns:m="http://schemas.openxmlformats.org/officeDocument/2006/math" xmlns:a14="http://schemas.microsoft.com/office/drawing/2010/main" xmlns:ma14="http://schemas.microsoft.com/office/mac/drawingml/2011/main" val="1"/>
               </a:ext>
             </a:extLst>
           </p:spPr>
@@ -24722,7 +33571,7 @@
             <a:effectLst/>
             <a:extLst>
               <a:ext uri="{C572A759-6A51-4108-AA02-DFA0A04FC94B}">
-                <ma14:wrappingTextBoxFlag xmlns:ma14="http://schemas.microsoft.com/office/mac/drawingml/2011/main" xmlns:a14="http://schemas.microsoft.com/office/drawing/2010/main" xmlns:m="http://schemas.openxmlformats.org/officeDocument/2006/math" xmlns="" val="1"/>
+                <ma14:wrappingTextBoxFlag xmlns="" xmlns:m="http://schemas.openxmlformats.org/officeDocument/2006/math" xmlns:a14="http://schemas.microsoft.com/office/drawing/2010/main" xmlns:ma14="http://schemas.microsoft.com/office/mac/drawingml/2011/main" val="1"/>
               </a:ext>
             </a:extLst>
           </p:spPr>
@@ -24914,7 +33763,7 @@
             <a:effectLst/>
             <a:extLst>
               <a:ext uri="{C572A759-6A51-4108-AA02-DFA0A04FC94B}">
-                <ma14:wrappingTextBoxFlag xmlns:ma14="http://schemas.microsoft.com/office/mac/drawingml/2011/main" xmlns:a14="http://schemas.microsoft.com/office/drawing/2010/main" xmlns:m="http://schemas.openxmlformats.org/officeDocument/2006/math" xmlns="" val="1"/>
+                <ma14:wrappingTextBoxFlag xmlns="" xmlns:m="http://schemas.openxmlformats.org/officeDocument/2006/math" xmlns:a14="http://schemas.microsoft.com/office/drawing/2010/main" xmlns:ma14="http://schemas.microsoft.com/office/mac/drawingml/2011/main" val="1"/>
               </a:ext>
             </a:extLst>
           </p:spPr>
@@ -25105,7 +33954,7 @@
             <a:effectLst/>
             <a:extLst>
               <a:ext uri="{C572A759-6A51-4108-AA02-DFA0A04FC94B}">
-                <ma14:wrappingTextBoxFlag xmlns:ma14="http://schemas.microsoft.com/office/mac/drawingml/2011/main" xmlns:a14="http://schemas.microsoft.com/office/drawing/2010/main" xmlns:m="http://schemas.openxmlformats.org/officeDocument/2006/math" xmlns="" val="1"/>
+                <ma14:wrappingTextBoxFlag xmlns="" xmlns:m="http://schemas.openxmlformats.org/officeDocument/2006/math" xmlns:a14="http://schemas.microsoft.com/office/drawing/2010/main" xmlns:ma14="http://schemas.microsoft.com/office/mac/drawingml/2011/main" val="1"/>
               </a:ext>
             </a:extLst>
           </p:spPr>
@@ -25393,7 +34242,7 @@
             <a:effectLst/>
             <a:extLst>
               <a:ext uri="{C572A759-6A51-4108-AA02-DFA0A04FC94B}">
-                <ma14:wrappingTextBoxFlag xmlns:ma14="http://schemas.microsoft.com/office/mac/drawingml/2011/main" xmlns:a14="http://schemas.microsoft.com/office/drawing/2010/main" xmlns:m="http://schemas.openxmlformats.org/officeDocument/2006/math" xmlns="" val="1"/>
+                <ma14:wrappingTextBoxFlag xmlns="" xmlns:m="http://schemas.openxmlformats.org/officeDocument/2006/math" xmlns:a14="http://schemas.microsoft.com/office/drawing/2010/main" xmlns:ma14="http://schemas.microsoft.com/office/mac/drawingml/2011/main" val="1"/>
               </a:ext>
             </a:extLst>
           </p:spPr>
@@ -25653,7 +34502,7 @@
             <a:effectLst/>
             <a:extLst>
               <a:ext uri="{C572A759-6A51-4108-AA02-DFA0A04FC94B}">
-                <ma14:wrappingTextBoxFlag xmlns:ma14="http://schemas.microsoft.com/office/mac/drawingml/2011/main" xmlns:a14="http://schemas.microsoft.com/office/drawing/2010/main" xmlns:m="http://schemas.openxmlformats.org/officeDocument/2006/math" xmlns="" val="1"/>
+                <ma14:wrappingTextBoxFlag xmlns="" xmlns:m="http://schemas.openxmlformats.org/officeDocument/2006/math" xmlns:a14="http://schemas.microsoft.com/office/drawing/2010/main" xmlns:ma14="http://schemas.microsoft.com/office/mac/drawingml/2011/main" val="1"/>
               </a:ext>
             </a:extLst>
           </p:spPr>
@@ -25913,7 +34762,7 @@
             <a:effectLst/>
             <a:extLst>
               <a:ext uri="{C572A759-6A51-4108-AA02-DFA0A04FC94B}">
-                <ma14:wrappingTextBoxFlag xmlns:ma14="http://schemas.microsoft.com/office/mac/drawingml/2011/main" xmlns:a14="http://schemas.microsoft.com/office/drawing/2010/main" xmlns:m="http://schemas.openxmlformats.org/officeDocument/2006/math" xmlns="" val="1"/>
+                <ma14:wrappingTextBoxFlag xmlns="" xmlns:m="http://schemas.openxmlformats.org/officeDocument/2006/math" xmlns:a14="http://schemas.microsoft.com/office/drawing/2010/main" xmlns:ma14="http://schemas.microsoft.com/office/mac/drawingml/2011/main" val="1"/>
               </a:ext>
             </a:extLst>
           </p:spPr>
@@ -26271,7 +35120,7 @@
             <a:effectLst/>
             <a:extLst>
               <a:ext uri="{C572A759-6A51-4108-AA02-DFA0A04FC94B}">
-                <ma14:wrappingTextBoxFlag xmlns:ma14="http://schemas.microsoft.com/office/mac/drawingml/2011/main" xmlns:a14="http://schemas.microsoft.com/office/drawing/2010/main" xmlns:m="http://schemas.openxmlformats.org/officeDocument/2006/math" xmlns="" val="1"/>
+                <ma14:wrappingTextBoxFlag xmlns="" xmlns:m="http://schemas.openxmlformats.org/officeDocument/2006/math" xmlns:a14="http://schemas.microsoft.com/office/drawing/2010/main" xmlns:ma14="http://schemas.microsoft.com/office/mac/drawingml/2011/main" val="1"/>
               </a:ext>
             </a:extLst>
           </p:spPr>
@@ -26475,7 +35324,7 @@
             <a:effectLst/>
             <a:extLst>
               <a:ext uri="{C572A759-6A51-4108-AA02-DFA0A04FC94B}">
-                <ma14:wrappingTextBoxFlag xmlns:ma14="http://schemas.microsoft.com/office/mac/drawingml/2011/main" xmlns:a14="http://schemas.microsoft.com/office/drawing/2010/main" xmlns:m="http://schemas.openxmlformats.org/officeDocument/2006/math" xmlns="" val="1"/>
+                <ma14:wrappingTextBoxFlag xmlns="" xmlns:m="http://schemas.openxmlformats.org/officeDocument/2006/math" xmlns:a14="http://schemas.microsoft.com/office/drawing/2010/main" xmlns:ma14="http://schemas.microsoft.com/office/mac/drawingml/2011/main" val="1"/>
               </a:ext>
             </a:extLst>
           </p:spPr>
@@ -26937,7 +35786,7 @@
             <a:effectLst/>
             <a:extLst>
               <a:ext uri="{C572A759-6A51-4108-AA02-DFA0A04FC94B}">
-                <ma14:wrappingTextBoxFlag xmlns="" xmlns:m="http://schemas.openxmlformats.org/officeDocument/2006/math" xmlns:a14="http://schemas.microsoft.com/office/drawing/2010/main" xmlns:ma14="http://schemas.microsoft.com/office/mac/drawingml/2011/main" val="1"/>
+                <ma14:wrappingTextBoxFlag xmlns:ma14="http://schemas.microsoft.com/office/mac/drawingml/2011/main" xmlns:a14="http://schemas.microsoft.com/office/drawing/2010/main" xmlns:m="http://schemas.openxmlformats.org/officeDocument/2006/math" xmlns="" val="1"/>
               </a:ext>
             </a:extLst>
           </p:spPr>
@@ -27141,7 +35990,7 @@
             <a:effectLst/>
             <a:extLst>
               <a:ext uri="{C572A759-6A51-4108-AA02-DFA0A04FC94B}">
-                <ma14:wrappingTextBoxFlag xmlns="" xmlns:m="http://schemas.openxmlformats.org/officeDocument/2006/math" xmlns:a14="http://schemas.microsoft.com/office/drawing/2010/main" xmlns:ma14="http://schemas.microsoft.com/office/mac/drawingml/2011/main" val="1"/>
+                <ma14:wrappingTextBoxFlag xmlns:ma14="http://schemas.microsoft.com/office/mac/drawingml/2011/main" xmlns:a14="http://schemas.microsoft.com/office/drawing/2010/main" xmlns:m="http://schemas.openxmlformats.org/officeDocument/2006/math" xmlns="" val="1"/>
               </a:ext>
             </a:extLst>
           </p:spPr>
@@ -27442,7 +36291,7 @@
             <a:effectLst/>
             <a:extLst>
               <a:ext uri="{C572A759-6A51-4108-AA02-DFA0A04FC94B}">
-                <ma14:wrappingTextBoxFlag xmlns="" xmlns:m="http://schemas.openxmlformats.org/officeDocument/2006/math" xmlns:a14="http://schemas.microsoft.com/office/drawing/2010/main" xmlns:ma14="http://schemas.microsoft.com/office/mac/drawingml/2011/main" val="1"/>
+                <ma14:wrappingTextBoxFlag xmlns:ma14="http://schemas.microsoft.com/office/mac/drawingml/2011/main" xmlns:a14="http://schemas.microsoft.com/office/drawing/2010/main" xmlns:m="http://schemas.openxmlformats.org/officeDocument/2006/math" xmlns="" val="1"/>
               </a:ext>
             </a:extLst>
           </p:spPr>
@@ -27634,7 +36483,7 @@
             <a:effectLst/>
             <a:extLst>
               <a:ext uri="{C572A759-6A51-4108-AA02-DFA0A04FC94B}">
-                <ma14:wrappingTextBoxFlag xmlns="" xmlns:m="http://schemas.openxmlformats.org/officeDocument/2006/math" xmlns:a14="http://schemas.microsoft.com/office/drawing/2010/main" xmlns:ma14="http://schemas.microsoft.com/office/mac/drawingml/2011/main" val="1"/>
+                <ma14:wrappingTextBoxFlag xmlns:ma14="http://schemas.microsoft.com/office/mac/drawingml/2011/main" xmlns:a14="http://schemas.microsoft.com/office/drawing/2010/main" xmlns:m="http://schemas.openxmlformats.org/officeDocument/2006/math" xmlns="" val="1"/>
               </a:ext>
             </a:extLst>
           </p:spPr>
@@ -27825,7 +36674,7 @@
             <a:effectLst/>
             <a:extLst>
               <a:ext uri="{C572A759-6A51-4108-AA02-DFA0A04FC94B}">
-                <ma14:wrappingTextBoxFlag xmlns="" xmlns:m="http://schemas.openxmlformats.org/officeDocument/2006/math" xmlns:a14="http://schemas.microsoft.com/office/drawing/2010/main" xmlns:ma14="http://schemas.microsoft.com/office/mac/drawingml/2011/main" val="1"/>
+                <ma14:wrappingTextBoxFlag xmlns:ma14="http://schemas.microsoft.com/office/mac/drawingml/2011/main" xmlns:a14="http://schemas.microsoft.com/office/drawing/2010/main" xmlns:m="http://schemas.openxmlformats.org/officeDocument/2006/math" xmlns="" val="1"/>
               </a:ext>
             </a:extLst>
           </p:spPr>
@@ -28113,7 +36962,7 @@
             <a:effectLst/>
             <a:extLst>
               <a:ext uri="{C572A759-6A51-4108-AA02-DFA0A04FC94B}">
-                <ma14:wrappingTextBoxFlag xmlns="" xmlns:m="http://schemas.openxmlformats.org/officeDocument/2006/math" xmlns:a14="http://schemas.microsoft.com/office/drawing/2010/main" xmlns:ma14="http://schemas.microsoft.com/office/mac/drawingml/2011/main" val="1"/>
+                <ma14:wrappingTextBoxFlag xmlns:ma14="http://schemas.microsoft.com/office/mac/drawingml/2011/main" xmlns:a14="http://schemas.microsoft.com/office/drawing/2010/main" xmlns:m="http://schemas.openxmlformats.org/officeDocument/2006/math" xmlns="" val="1"/>
               </a:ext>
             </a:extLst>
           </p:spPr>
@@ -28373,7 +37222,7 @@
             <a:effectLst/>
             <a:extLst>
               <a:ext uri="{C572A759-6A51-4108-AA02-DFA0A04FC94B}">
-                <ma14:wrappingTextBoxFlag xmlns="" xmlns:m="http://schemas.openxmlformats.org/officeDocument/2006/math" xmlns:a14="http://schemas.microsoft.com/office/drawing/2010/main" xmlns:ma14="http://schemas.microsoft.com/office/mac/drawingml/2011/main" val="1"/>
+                <ma14:wrappingTextBoxFlag xmlns:ma14="http://schemas.microsoft.com/office/mac/drawingml/2011/main" xmlns:a14="http://schemas.microsoft.com/office/drawing/2010/main" xmlns:m="http://schemas.openxmlformats.org/officeDocument/2006/math" xmlns="" val="1"/>
               </a:ext>
             </a:extLst>
           </p:spPr>
@@ -28645,7 +37494,7 @@
             <a:effectLst/>
             <a:extLst>
               <a:ext uri="{C572A759-6A51-4108-AA02-DFA0A04FC94B}">
-                <ma14:wrappingTextBoxFlag xmlns="" xmlns:m="http://schemas.openxmlformats.org/officeDocument/2006/math" xmlns:a14="http://schemas.microsoft.com/office/drawing/2010/main" xmlns:ma14="http://schemas.microsoft.com/office/mac/drawingml/2011/main" val="1"/>
+                <ma14:wrappingTextBoxFlag xmlns:ma14="http://schemas.microsoft.com/office/mac/drawingml/2011/main" xmlns:a14="http://schemas.microsoft.com/office/drawing/2010/main" xmlns:m="http://schemas.openxmlformats.org/officeDocument/2006/math" xmlns="" val="1"/>
               </a:ext>
             </a:extLst>
           </p:spPr>
@@ -28991,7 +37840,7 @@
             <a:effectLst/>
             <a:extLst>
               <a:ext uri="{C572A759-6A51-4108-AA02-DFA0A04FC94B}">
-                <ma14:wrappingTextBoxFlag xmlns="" xmlns:m="http://schemas.openxmlformats.org/officeDocument/2006/math" xmlns:a14="http://schemas.microsoft.com/office/drawing/2010/main" xmlns:ma14="http://schemas.microsoft.com/office/mac/drawingml/2011/main" val="1"/>
+                <ma14:wrappingTextBoxFlag xmlns:ma14="http://schemas.microsoft.com/office/mac/drawingml/2011/main" xmlns:a14="http://schemas.microsoft.com/office/drawing/2010/main" xmlns:m="http://schemas.openxmlformats.org/officeDocument/2006/math" xmlns="" val="1"/>
               </a:ext>
             </a:extLst>
           </p:spPr>
@@ -29195,7 +38044,7 @@
             <a:effectLst/>
             <a:extLst>
               <a:ext uri="{C572A759-6A51-4108-AA02-DFA0A04FC94B}">
-                <ma14:wrappingTextBoxFlag xmlns="" xmlns:m="http://schemas.openxmlformats.org/officeDocument/2006/math" xmlns:a14="http://schemas.microsoft.com/office/drawing/2010/main" xmlns:ma14="http://schemas.microsoft.com/office/mac/drawingml/2011/main" val="1"/>
+                <ma14:wrappingTextBoxFlag xmlns:ma14="http://schemas.microsoft.com/office/mac/drawingml/2011/main" xmlns:a14="http://schemas.microsoft.com/office/drawing/2010/main" xmlns:m="http://schemas.openxmlformats.org/officeDocument/2006/math" xmlns="" val="1"/>
               </a:ext>
             </a:extLst>
           </p:spPr>
@@ -29827,7 +38676,7 @@
             <a:effectLst/>
             <a:extLst>
               <a:ext uri="{C572A759-6A51-4108-AA02-DFA0A04FC94B}">
-                <ma14:wrappingTextBoxFlag xmlns:ma14="http://schemas.microsoft.com/office/mac/drawingml/2011/main" xmlns:a14="http://schemas.microsoft.com/office/drawing/2010/main" xmlns:m="http://schemas.openxmlformats.org/officeDocument/2006/math" xmlns="" val="1"/>
+                <ma14:wrappingTextBoxFlag xmlns="" xmlns:m="http://schemas.openxmlformats.org/officeDocument/2006/math" xmlns:a14="http://schemas.microsoft.com/office/drawing/2010/main" xmlns:ma14="http://schemas.microsoft.com/office/mac/drawingml/2011/main" val="1"/>
               </a:ext>
             </a:extLst>
           </p:spPr>
@@ -30018,7 +38867,7 @@
             <a:effectLst/>
             <a:extLst>
               <a:ext uri="{C572A759-6A51-4108-AA02-DFA0A04FC94B}">
-                <ma14:wrappingTextBoxFlag xmlns:ma14="http://schemas.microsoft.com/office/mac/drawingml/2011/main" xmlns:a14="http://schemas.microsoft.com/office/drawing/2010/main" xmlns:m="http://schemas.openxmlformats.org/officeDocument/2006/math" xmlns="" val="1"/>
+                <ma14:wrappingTextBoxFlag xmlns="" xmlns:m="http://schemas.openxmlformats.org/officeDocument/2006/math" xmlns:a14="http://schemas.microsoft.com/office/drawing/2010/main" xmlns:ma14="http://schemas.microsoft.com/office/mac/drawingml/2011/main" val="1"/>
               </a:ext>
             </a:extLst>
           </p:spPr>
@@ -30306,7 +39155,7 @@
             <a:effectLst/>
             <a:extLst>
               <a:ext uri="{C572A759-6A51-4108-AA02-DFA0A04FC94B}">
-                <ma14:wrappingTextBoxFlag xmlns:ma14="http://schemas.microsoft.com/office/mac/drawingml/2011/main" xmlns:a14="http://schemas.microsoft.com/office/drawing/2010/main" xmlns:m="http://schemas.openxmlformats.org/officeDocument/2006/math" xmlns="" val="1"/>
+                <ma14:wrappingTextBoxFlag xmlns="" xmlns:m="http://schemas.openxmlformats.org/officeDocument/2006/math" xmlns:a14="http://schemas.microsoft.com/office/drawing/2010/main" xmlns:ma14="http://schemas.microsoft.com/office/mac/drawingml/2011/main" val="1"/>
               </a:ext>
             </a:extLst>
           </p:spPr>
@@ -30498,7 +39347,7 @@
             <a:effectLst/>
             <a:extLst>
               <a:ext uri="{C572A759-6A51-4108-AA02-DFA0A04FC94B}">
-                <ma14:wrappingTextBoxFlag xmlns:ma14="http://schemas.microsoft.com/office/mac/drawingml/2011/main" xmlns:a14="http://schemas.microsoft.com/office/drawing/2010/main" xmlns:m="http://schemas.openxmlformats.org/officeDocument/2006/math" xmlns="" val="1"/>
+                <ma14:wrappingTextBoxFlag xmlns="" xmlns:m="http://schemas.openxmlformats.org/officeDocument/2006/math" xmlns:a14="http://schemas.microsoft.com/office/drawing/2010/main" xmlns:ma14="http://schemas.microsoft.com/office/mac/drawingml/2011/main" val="1"/>
               </a:ext>
             </a:extLst>
           </p:spPr>
@@ -30690,7 +39539,7 @@
             <a:effectLst/>
             <a:extLst>
               <a:ext uri="{C572A759-6A51-4108-AA02-DFA0A04FC94B}">
-                <ma14:wrappingTextBoxFlag xmlns:ma14="http://schemas.microsoft.com/office/mac/drawingml/2011/main" xmlns:a14="http://schemas.microsoft.com/office/drawing/2010/main" xmlns:m="http://schemas.openxmlformats.org/officeDocument/2006/math" xmlns="" val="1"/>
+                <ma14:wrappingTextBoxFlag xmlns="" xmlns:m="http://schemas.openxmlformats.org/officeDocument/2006/math" xmlns:a14="http://schemas.microsoft.com/office/drawing/2010/main" xmlns:ma14="http://schemas.microsoft.com/office/mac/drawingml/2011/main" val="1"/>
               </a:ext>
             </a:extLst>
           </p:spPr>
@@ -30882,7 +39731,7 @@
             <a:effectLst/>
             <a:extLst>
               <a:ext uri="{C572A759-6A51-4108-AA02-DFA0A04FC94B}">
-                <ma14:wrappingTextBoxFlag xmlns:ma14="http://schemas.microsoft.com/office/mac/drawingml/2011/main" xmlns:a14="http://schemas.microsoft.com/office/drawing/2010/main" xmlns:m="http://schemas.openxmlformats.org/officeDocument/2006/math" xmlns="" val="1"/>
+                <ma14:wrappingTextBoxFlag xmlns="" xmlns:m="http://schemas.openxmlformats.org/officeDocument/2006/math" xmlns:a14="http://schemas.microsoft.com/office/drawing/2010/main" xmlns:ma14="http://schemas.microsoft.com/office/mac/drawingml/2011/main" val="1"/>
               </a:ext>
             </a:extLst>
           </p:spPr>
@@ -31074,7 +39923,7 @@
             <a:effectLst/>
             <a:extLst>
               <a:ext uri="{C572A759-6A51-4108-AA02-DFA0A04FC94B}">
-                <ma14:wrappingTextBoxFlag xmlns:ma14="http://schemas.microsoft.com/office/mac/drawingml/2011/main" xmlns:a14="http://schemas.microsoft.com/office/drawing/2010/main" xmlns:m="http://schemas.openxmlformats.org/officeDocument/2006/math" xmlns="" val="1"/>
+                <ma14:wrappingTextBoxFlag xmlns="" xmlns:m="http://schemas.openxmlformats.org/officeDocument/2006/math" xmlns:a14="http://schemas.microsoft.com/office/drawing/2010/main" xmlns:ma14="http://schemas.microsoft.com/office/mac/drawingml/2011/main" val="1"/>
               </a:ext>
             </a:extLst>
           </p:spPr>
@@ -31278,7 +40127,7 @@
             <a:effectLst/>
             <a:extLst>
               <a:ext uri="{C572A759-6A51-4108-AA02-DFA0A04FC94B}">
-                <ma14:wrappingTextBoxFlag xmlns:ma14="http://schemas.microsoft.com/office/mac/drawingml/2011/main" xmlns:a14="http://schemas.microsoft.com/office/drawing/2010/main" xmlns:m="http://schemas.openxmlformats.org/officeDocument/2006/math" xmlns="" val="1"/>
+                <ma14:wrappingTextBoxFlag xmlns="" xmlns:m="http://schemas.openxmlformats.org/officeDocument/2006/math" xmlns:a14="http://schemas.microsoft.com/office/drawing/2010/main" xmlns:ma14="http://schemas.microsoft.com/office/mac/drawingml/2011/main" val="1"/>
               </a:ext>
             </a:extLst>
           </p:spPr>
